--- a/가디언 테일즈/1. PPT/신규_캐릭터_기획.pptx
+++ b/가디언 테일즈/1. PPT/신규_캐릭터_기획.pptx
@@ -13,6 +13,10 @@
     <p:sldId id="261" r:id="rId7"/>
     <p:sldId id="262" r:id="rId8"/>
     <p:sldId id="263" r:id="rId9"/>
+    <p:sldId id="264" r:id="rId10"/>
+    <p:sldId id="265" r:id="rId11"/>
+    <p:sldId id="266" r:id="rId12"/>
+    <p:sldId id="267" r:id="rId13"/>
   </p:sldIdLst>
   <p:sldSz cx="12192000" cy="6858000"/>
   <p:notesSz cx="6858000" cy="9144000"/>
@@ -3041,6 +3045,232 @@
 </p:sld>
 </file>
 
+<file path=ppt/slides/slide10.xml><?xml version="1.0" encoding="utf-8"?>
+<p:sld xmlns:a="http://schemas.openxmlformats.org/drawingml/2006/main" xmlns:r="http://schemas.openxmlformats.org/officeDocument/2006/relationships" xmlns:p="http://schemas.openxmlformats.org/presentationml/2006/main">
+  <p:cSld>
+    <p:spTree>
+      <p:nvGrpSpPr>
+        <p:cNvPr id="1" name=""/>
+        <p:cNvGrpSpPr/>
+        <p:nvPr/>
+      </p:nvGrpSpPr>
+      <p:grpSpPr>
+        <a:xfrm>
+          <a:off x="0" y="0"/>
+          <a:ext cx="0" cy="0"/>
+          <a:chOff x="0" y="0"/>
+          <a:chExt cx="0" cy="0"/>
+        </a:xfrm>
+      </p:grpSpPr>
+      <p:sp>
+        <p:nvSpPr>
+          <p:cNvPr id="3" name="TextBox 2"/>
+          <p:cNvSpPr txBox="1"/>
+          <p:nvPr/>
+        </p:nvSpPr>
+        <p:spPr>
+          <a:xfrm>
+            <a:off x="555477" y="333286"/>
+            <a:ext cx="2521009" cy="369332"/>
+          </a:xfrm>
+          <a:prstGeom prst="rect">
+            <a:avLst/>
+          </a:prstGeom>
+          <a:noFill/>
+        </p:spPr>
+        <p:txBody>
+          <a:bodyPr wrap="square" rtlCol="0">
+            <a:spAutoFit/>
+          </a:bodyPr>
+          <a:lstStyle/>
+          <a:p>
+            <a:r>
+              <a:rPr lang="ko-KR" altLang="en-US" dirty="0" smtClean="0">
+                <a:latin typeface="나눔스퀘어 Bold" panose="020B0600000101010101" pitchFamily="50" charset="-127"/>
+                <a:ea typeface="나눔스퀘어 Bold" panose="020B0600000101010101" pitchFamily="50" charset="-127"/>
+              </a:rPr>
+              <a:t>신규 </a:t>
+            </a:r>
+            <a:r>
+              <a:rPr lang="ko-KR" altLang="en-US" dirty="0" smtClean="0">
+                <a:latin typeface="나눔스퀘어 Bold" panose="020B0600000101010101" pitchFamily="50" charset="-127"/>
+                <a:ea typeface="나눔스퀘어 Bold" panose="020B0600000101010101" pitchFamily="50" charset="-127"/>
+              </a:rPr>
+              <a:t>캐릭터 </a:t>
+            </a:r>
+            <a:r>
+              <a:rPr lang="ko-KR" altLang="en-US" dirty="0" err="1" smtClean="0">
+                <a:latin typeface="나눔스퀘어 Bold" panose="020B0600000101010101" pitchFamily="50" charset="-127"/>
+                <a:ea typeface="나눔스퀘어 Bold" panose="020B0600000101010101" pitchFamily="50" charset="-127"/>
+              </a:rPr>
+              <a:t>공격모션</a:t>
+            </a:r>
+            <a:endParaRPr lang="ko-KR" altLang="en-US" dirty="0">
+              <a:latin typeface="나눔스퀘어 Bold" panose="020B0600000101010101" pitchFamily="50" charset="-127"/>
+              <a:ea typeface="나눔스퀘어 Bold" panose="020B0600000101010101" pitchFamily="50" charset="-127"/>
+            </a:endParaRPr>
+          </a:p>
+        </p:txBody>
+      </p:sp>
+    </p:spTree>
+    <p:extLst>
+      <p:ext uri="{BB962C8B-B14F-4D97-AF65-F5344CB8AC3E}">
+        <p14:creationId xmlns:p14="http://schemas.microsoft.com/office/powerpoint/2010/main" val="2593714669"/>
+      </p:ext>
+    </p:extLst>
+  </p:cSld>
+  <p:clrMapOvr>
+    <a:masterClrMapping/>
+  </p:clrMapOvr>
+</p:sld>
+</file>
+
+<file path=ppt/slides/slide11.xml><?xml version="1.0" encoding="utf-8"?>
+<p:sld xmlns:a="http://schemas.openxmlformats.org/drawingml/2006/main" xmlns:r="http://schemas.openxmlformats.org/officeDocument/2006/relationships" xmlns:p="http://schemas.openxmlformats.org/presentationml/2006/main">
+  <p:cSld>
+    <p:spTree>
+      <p:nvGrpSpPr>
+        <p:cNvPr id="1" name=""/>
+        <p:cNvGrpSpPr/>
+        <p:nvPr/>
+      </p:nvGrpSpPr>
+      <p:grpSpPr>
+        <a:xfrm>
+          <a:off x="0" y="0"/>
+          <a:ext cx="0" cy="0"/>
+          <a:chOff x="0" y="0"/>
+          <a:chExt cx="0" cy="0"/>
+        </a:xfrm>
+      </p:grpSpPr>
+      <p:sp>
+        <p:nvSpPr>
+          <p:cNvPr id="3" name="TextBox 2"/>
+          <p:cNvSpPr txBox="1"/>
+          <p:nvPr/>
+        </p:nvSpPr>
+        <p:spPr>
+          <a:xfrm>
+            <a:off x="555477" y="333286"/>
+            <a:ext cx="2521009" cy="369332"/>
+          </a:xfrm>
+          <a:prstGeom prst="rect">
+            <a:avLst/>
+          </a:prstGeom>
+          <a:noFill/>
+        </p:spPr>
+        <p:txBody>
+          <a:bodyPr wrap="square" rtlCol="0">
+            <a:spAutoFit/>
+          </a:bodyPr>
+          <a:lstStyle/>
+          <a:p>
+            <a:r>
+              <a:rPr lang="ko-KR" altLang="en-US" dirty="0" smtClean="0">
+                <a:latin typeface="나눔스퀘어 Bold" panose="020B0600000101010101" pitchFamily="50" charset="-127"/>
+                <a:ea typeface="나눔스퀘어 Bold" panose="020B0600000101010101" pitchFamily="50" charset="-127"/>
+              </a:rPr>
+              <a:t>신규 </a:t>
+            </a:r>
+            <a:r>
+              <a:rPr lang="ko-KR" altLang="en-US" dirty="0" smtClean="0">
+                <a:latin typeface="나눔스퀘어 Bold" panose="020B0600000101010101" pitchFamily="50" charset="-127"/>
+                <a:ea typeface="나눔스퀘어 Bold" panose="020B0600000101010101" pitchFamily="50" charset="-127"/>
+              </a:rPr>
+              <a:t>캐릭터 </a:t>
+            </a:r>
+            <a:r>
+              <a:rPr lang="ko-KR" altLang="en-US" dirty="0" err="1" smtClean="0">
+                <a:latin typeface="나눔스퀘어 Bold" panose="020B0600000101010101" pitchFamily="50" charset="-127"/>
+                <a:ea typeface="나눔스퀘어 Bold" panose="020B0600000101010101" pitchFamily="50" charset="-127"/>
+              </a:rPr>
+              <a:t>전용무기</a:t>
+            </a:r>
+            <a:endParaRPr lang="ko-KR" altLang="en-US" dirty="0">
+              <a:latin typeface="나눔스퀘어 Bold" panose="020B0600000101010101" pitchFamily="50" charset="-127"/>
+              <a:ea typeface="나눔스퀘어 Bold" panose="020B0600000101010101" pitchFamily="50" charset="-127"/>
+            </a:endParaRPr>
+          </a:p>
+        </p:txBody>
+      </p:sp>
+    </p:spTree>
+    <p:extLst>
+      <p:ext uri="{BB962C8B-B14F-4D97-AF65-F5344CB8AC3E}">
+        <p14:creationId xmlns:p14="http://schemas.microsoft.com/office/powerpoint/2010/main" val="2835355774"/>
+      </p:ext>
+    </p:extLst>
+  </p:cSld>
+  <p:clrMapOvr>
+    <a:masterClrMapping/>
+  </p:clrMapOvr>
+</p:sld>
+</file>
+
+<file path=ppt/slides/slide12.xml><?xml version="1.0" encoding="utf-8"?>
+<p:sld xmlns:a="http://schemas.openxmlformats.org/drawingml/2006/main" xmlns:r="http://schemas.openxmlformats.org/officeDocument/2006/relationships" xmlns:p="http://schemas.openxmlformats.org/presentationml/2006/main">
+  <p:cSld>
+    <p:spTree>
+      <p:nvGrpSpPr>
+        <p:cNvPr id="1" name=""/>
+        <p:cNvGrpSpPr/>
+        <p:nvPr/>
+      </p:nvGrpSpPr>
+      <p:grpSpPr>
+        <a:xfrm>
+          <a:off x="0" y="0"/>
+          <a:ext cx="0" cy="0"/>
+          <a:chOff x="0" y="0"/>
+          <a:chExt cx="0" cy="0"/>
+        </a:xfrm>
+      </p:grpSpPr>
+      <p:sp>
+        <p:nvSpPr>
+          <p:cNvPr id="3" name="TextBox 2"/>
+          <p:cNvSpPr txBox="1"/>
+          <p:nvPr/>
+        </p:nvSpPr>
+        <p:spPr>
+          <a:xfrm>
+            <a:off x="555477" y="333286"/>
+            <a:ext cx="2521009" cy="369332"/>
+          </a:xfrm>
+          <a:prstGeom prst="rect">
+            <a:avLst/>
+          </a:prstGeom>
+          <a:noFill/>
+        </p:spPr>
+        <p:txBody>
+          <a:bodyPr wrap="square" rtlCol="0">
+            <a:spAutoFit/>
+          </a:bodyPr>
+          <a:lstStyle/>
+          <a:p>
+            <a:r>
+              <a:rPr lang="ko-KR" altLang="en-US" dirty="0" smtClean="0">
+                <a:latin typeface="나눔스퀘어 Bold" panose="020B0600000101010101" pitchFamily="50" charset="-127"/>
+                <a:ea typeface="나눔스퀘어 Bold" panose="020B0600000101010101" pitchFamily="50" charset="-127"/>
+              </a:rPr>
+              <a:t>총평</a:t>
+            </a:r>
+            <a:endParaRPr lang="ko-KR" altLang="en-US" dirty="0">
+              <a:latin typeface="나눔스퀘어 Bold" panose="020B0600000101010101" pitchFamily="50" charset="-127"/>
+              <a:ea typeface="나눔스퀘어 Bold" panose="020B0600000101010101" pitchFamily="50" charset="-127"/>
+            </a:endParaRPr>
+          </a:p>
+        </p:txBody>
+      </p:sp>
+    </p:spTree>
+    <p:extLst>
+      <p:ext uri="{BB962C8B-B14F-4D97-AF65-F5344CB8AC3E}">
+        <p14:creationId xmlns:p14="http://schemas.microsoft.com/office/powerpoint/2010/main" val="865572390"/>
+      </p:ext>
+    </p:extLst>
+  </p:cSld>
+  <p:clrMapOvr>
+    <a:masterClrMapping/>
+  </p:clrMapOvr>
+</p:sld>
+</file>
+
 <file path=ppt/slides/slide2.xml><?xml version="1.0" encoding="utf-8"?>
 <p:sld xmlns:a="http://schemas.openxmlformats.org/drawingml/2006/main" xmlns:r="http://schemas.openxmlformats.org/officeDocument/2006/relationships" xmlns:p="http://schemas.openxmlformats.org/presentationml/2006/main">
   <p:cSld>
@@ -3066,8 +3296,8 @@
         </p:nvSpPr>
         <p:spPr>
           <a:xfrm>
-            <a:off x="555477" y="333286"/>
-            <a:ext cx="2521009" cy="369332"/>
+            <a:off x="555477" y="313313"/>
+            <a:ext cx="2521009" cy="507831"/>
           </a:xfrm>
           <a:prstGeom prst="rect">
             <a:avLst/>
@@ -3075,16 +3305,27 @@
           <a:noFill/>
         </p:spPr>
         <p:txBody>
-          <a:bodyPr wrap="square" rtlCol="0">
+          <a:bodyPr wrap="square" rtlCol="0" anchor="ctr">
             <a:spAutoFit/>
           </a:bodyPr>
           <a:lstStyle/>
           <a:p>
-            <a:r>
-              <a:rPr lang="ko-KR" altLang="en-US" dirty="0" smtClean="0"/>
+            <a:pPr>
+              <a:lnSpc>
+                <a:spcPct val="150000"/>
+              </a:lnSpc>
+            </a:pPr>
+            <a:r>
+              <a:rPr lang="ko-KR" altLang="en-US" dirty="0" smtClean="0">
+                <a:latin typeface="나눔스퀘어 Bold" panose="020B0600000101010101" pitchFamily="50" charset="-127"/>
+                <a:ea typeface="나눔스퀘어 Bold" panose="020B0600000101010101" pitchFamily="50" charset="-127"/>
+              </a:rPr>
               <a:t>기존 유니크 영웅 풀</a:t>
             </a:r>
-            <a:endParaRPr lang="ko-KR" altLang="en-US" dirty="0"/>
+            <a:endParaRPr lang="ko-KR" altLang="en-US" dirty="0">
+              <a:latin typeface="나눔스퀘어 Bold" panose="020B0600000101010101" pitchFamily="50" charset="-127"/>
+              <a:ea typeface="나눔스퀘어 Bold" panose="020B0600000101010101" pitchFamily="50" charset="-127"/>
+            </a:endParaRPr>
           </a:p>
         </p:txBody>
       </p:sp>
@@ -3097,7 +3338,7 @@
           <p:nvPr>
             <p:extLst>
               <p:ext uri="{D42A27DB-BD31-4B8C-83A1-F6EECF244321}">
-                <p14:modId xmlns:p14="http://schemas.microsoft.com/office/powerpoint/2010/main" val="638231600"/>
+                <p14:modId xmlns:p14="http://schemas.microsoft.com/office/powerpoint/2010/main" val="3369908978"/>
               </p:ext>
             </p:extLst>
           </p:nvPr>
@@ -5268,8 +5509,8 @@
         </p:nvSpPr>
         <p:spPr>
           <a:xfrm>
-            <a:off x="3076486" y="4229291"/>
-            <a:ext cx="6016239" cy="923330"/>
+            <a:off x="3076486" y="4209318"/>
+            <a:ext cx="6016239" cy="1338828"/>
           </a:xfrm>
           <a:prstGeom prst="rect">
             <a:avLst/>
@@ -5277,54 +5518,105 @@
           <a:noFill/>
         </p:spPr>
         <p:txBody>
-          <a:bodyPr wrap="square" rtlCol="0">
+          <a:bodyPr wrap="square" rtlCol="0" anchor="ctr">
             <a:spAutoFit/>
           </a:bodyPr>
           <a:lstStyle/>
           <a:p>
-            <a:r>
-              <a:rPr lang="ko-KR" altLang="en-US" dirty="0" smtClean="0"/>
+            <a:pPr>
+              <a:lnSpc>
+                <a:spcPct val="150000"/>
+              </a:lnSpc>
+            </a:pPr>
+            <a:r>
+              <a:rPr lang="ko-KR" altLang="en-US" dirty="0" smtClean="0">
+                <a:latin typeface="나눔스퀘어 Bold" panose="020B0600000101010101" pitchFamily="50" charset="-127"/>
+                <a:ea typeface="나눔스퀘어 Bold" panose="020B0600000101010101" pitchFamily="50" charset="-127"/>
+              </a:rPr>
               <a:t>태생 </a:t>
             </a:r>
             <a:r>
-              <a:rPr lang="en-US" altLang="ko-KR" dirty="0" smtClean="0"/>
+              <a:rPr lang="en-US" altLang="ko-KR" dirty="0" smtClean="0">
+                <a:latin typeface="나눔스퀘어 Bold" panose="020B0600000101010101" pitchFamily="50" charset="-127"/>
+                <a:ea typeface="나눔스퀘어 Bold" panose="020B0600000101010101" pitchFamily="50" charset="-127"/>
+              </a:rPr>
               <a:t>2</a:t>
             </a:r>
             <a:r>
-              <a:rPr lang="ko-KR" altLang="en-US" dirty="0" smtClean="0"/>
+              <a:rPr lang="ko-KR" altLang="en-US" dirty="0" smtClean="0">
+                <a:latin typeface="나눔스퀘어 Bold" panose="020B0600000101010101" pitchFamily="50" charset="-127"/>
+                <a:ea typeface="나눔스퀘어 Bold" panose="020B0600000101010101" pitchFamily="50" charset="-127"/>
+              </a:rPr>
               <a:t>성은 속성</a:t>
             </a:r>
             <a:r>
-              <a:rPr lang="en-US" altLang="ko-KR" dirty="0" smtClean="0"/>
+              <a:rPr lang="en-US" altLang="ko-KR" dirty="0" smtClean="0">
+                <a:latin typeface="나눔스퀘어 Bold" panose="020B0600000101010101" pitchFamily="50" charset="-127"/>
+                <a:ea typeface="나눔스퀘어 Bold" panose="020B0600000101010101" pitchFamily="50" charset="-127"/>
+              </a:rPr>
               <a:t>, </a:t>
             </a:r>
             <a:r>
-              <a:rPr lang="ko-KR" altLang="en-US" dirty="0" smtClean="0"/>
+              <a:rPr lang="ko-KR" altLang="en-US" dirty="0" smtClean="0">
+                <a:latin typeface="나눔스퀘어 Bold" panose="020B0600000101010101" pitchFamily="50" charset="-127"/>
+                <a:ea typeface="나눔스퀘어 Bold" panose="020B0600000101010101" pitchFamily="50" charset="-127"/>
+              </a:rPr>
               <a:t>포지션 별로 어느정도 균형이 맞지만</a:t>
             </a:r>
-            <a:endParaRPr lang="en-US" altLang="ko-KR" dirty="0" smtClean="0"/>
-          </a:p>
-          <a:p>
-            <a:r>
-              <a:rPr lang="ko-KR" altLang="en-US" dirty="0" smtClean="0"/>
+            <a:endParaRPr lang="en-US" altLang="ko-KR" dirty="0" smtClean="0">
+              <a:latin typeface="나눔스퀘어 Bold" panose="020B0600000101010101" pitchFamily="50" charset="-127"/>
+              <a:ea typeface="나눔스퀘어 Bold" panose="020B0600000101010101" pitchFamily="50" charset="-127"/>
+            </a:endParaRPr>
+          </a:p>
+          <a:p>
+            <a:pPr>
+              <a:lnSpc>
+                <a:spcPct val="150000"/>
+              </a:lnSpc>
+            </a:pPr>
+            <a:r>
+              <a:rPr lang="ko-KR" altLang="en-US" dirty="0" smtClean="0">
+                <a:latin typeface="나눔스퀘어 Bold" panose="020B0600000101010101" pitchFamily="50" charset="-127"/>
+                <a:ea typeface="나눔스퀘어 Bold" panose="020B0600000101010101" pitchFamily="50" charset="-127"/>
+              </a:rPr>
               <a:t>아직 태생 </a:t>
             </a:r>
             <a:r>
-              <a:rPr lang="en-US" altLang="ko-KR" dirty="0" smtClean="0"/>
+              <a:rPr lang="en-US" altLang="ko-KR" dirty="0" smtClean="0">
+                <a:latin typeface="나눔스퀘어 Bold" panose="020B0600000101010101" pitchFamily="50" charset="-127"/>
+                <a:ea typeface="나눔스퀘어 Bold" panose="020B0600000101010101" pitchFamily="50" charset="-127"/>
+              </a:rPr>
               <a:t>3</a:t>
             </a:r>
             <a:r>
-              <a:rPr lang="ko-KR" altLang="en-US" dirty="0" smtClean="0"/>
+              <a:rPr lang="ko-KR" altLang="en-US" dirty="0" smtClean="0">
+                <a:latin typeface="나눔스퀘어 Bold" panose="020B0600000101010101" pitchFamily="50" charset="-127"/>
+                <a:ea typeface="나눔스퀘어 Bold" panose="020B0600000101010101" pitchFamily="50" charset="-127"/>
+              </a:rPr>
               <a:t>성은 균형이 맞지 않는 상태</a:t>
             </a:r>
-            <a:endParaRPr lang="en-US" altLang="ko-KR" dirty="0" smtClean="0"/>
-          </a:p>
-          <a:p>
-            <a:r>
-              <a:rPr lang="ko-KR" altLang="en-US" dirty="0" smtClean="0"/>
+            <a:endParaRPr lang="en-US" altLang="ko-KR" dirty="0" smtClean="0">
+              <a:latin typeface="나눔스퀘어 Bold" panose="020B0600000101010101" pitchFamily="50" charset="-127"/>
+              <a:ea typeface="나눔스퀘어 Bold" panose="020B0600000101010101" pitchFamily="50" charset="-127"/>
+            </a:endParaRPr>
+          </a:p>
+          <a:p>
+            <a:pPr>
+              <a:lnSpc>
+                <a:spcPct val="150000"/>
+              </a:lnSpc>
+            </a:pPr>
+            <a:r>
+              <a:rPr lang="ko-KR" altLang="en-US" dirty="0" smtClean="0">
+                <a:latin typeface="나눔스퀘어 Bold" panose="020B0600000101010101" pitchFamily="50" charset="-127"/>
+                <a:ea typeface="나눔스퀘어 Bold" panose="020B0600000101010101" pitchFamily="50" charset="-127"/>
+              </a:rPr>
               <a:t>특히 화 속성과 지 속성이 포지션 불균형이 심함</a:t>
             </a:r>
-            <a:endParaRPr lang="ko-KR" altLang="en-US" dirty="0"/>
+            <a:endParaRPr lang="ko-KR" altLang="en-US" dirty="0">
+              <a:latin typeface="나눔스퀘어 Bold" panose="020B0600000101010101" pitchFamily="50" charset="-127"/>
+              <a:ea typeface="나눔스퀘어 Bold" panose="020B0600000101010101" pitchFamily="50" charset="-127"/>
+            </a:endParaRPr>
           </a:p>
         </p:txBody>
       </p:sp>
@@ -5381,10 +5673,16 @@
           <a:lstStyle/>
           <a:p>
             <a:r>
-              <a:rPr lang="ko-KR" altLang="en-US" dirty="0" smtClean="0"/>
+              <a:rPr lang="ko-KR" altLang="en-US" dirty="0" smtClean="0">
+                <a:latin typeface="나눔스퀘어 Bold" panose="020B0600000101010101" pitchFamily="50" charset="-127"/>
+                <a:ea typeface="나눔스퀘어 Bold" panose="020B0600000101010101" pitchFamily="50" charset="-127"/>
+              </a:rPr>
               <a:t>업데이트 순서 분석</a:t>
             </a:r>
-            <a:endParaRPr lang="ko-KR" altLang="en-US" dirty="0"/>
+            <a:endParaRPr lang="ko-KR" altLang="en-US" dirty="0">
+              <a:latin typeface="나눔스퀘어 Bold" panose="020B0600000101010101" pitchFamily="50" charset="-127"/>
+              <a:ea typeface="나눔스퀘어 Bold" panose="020B0600000101010101" pitchFamily="50" charset="-127"/>
+            </a:endParaRPr>
           </a:p>
         </p:txBody>
       </p:sp>
@@ -5411,18 +5709,30 @@
           <a:lstStyle/>
           <a:p>
             <a:r>
-              <a:rPr lang="ko-KR" altLang="en-US" dirty="0" smtClean="0"/>
+              <a:rPr lang="ko-KR" altLang="en-US" dirty="0" smtClean="0">
+                <a:latin typeface="나눔스퀘어 Bold" panose="020B0600000101010101" pitchFamily="50" charset="-127"/>
+                <a:ea typeface="나눔스퀘어 Bold" panose="020B0600000101010101" pitchFamily="50" charset="-127"/>
+              </a:rPr>
               <a:t>신규 태생 </a:t>
             </a:r>
             <a:r>
-              <a:rPr lang="en-US" altLang="ko-KR" dirty="0" smtClean="0"/>
+              <a:rPr lang="en-US" altLang="ko-KR" dirty="0" smtClean="0">
+                <a:latin typeface="나눔스퀘어 Bold" panose="020B0600000101010101" pitchFamily="50" charset="-127"/>
+                <a:ea typeface="나눔스퀘어 Bold" panose="020B0600000101010101" pitchFamily="50" charset="-127"/>
+              </a:rPr>
               <a:t>3</a:t>
             </a:r>
             <a:r>
-              <a:rPr lang="ko-KR" altLang="en-US" dirty="0" smtClean="0"/>
+              <a:rPr lang="ko-KR" altLang="en-US" dirty="0" smtClean="0">
+                <a:latin typeface="나눔스퀘어 Bold" panose="020B0600000101010101" pitchFamily="50" charset="-127"/>
+                <a:ea typeface="나눔스퀘어 Bold" panose="020B0600000101010101" pitchFamily="50" charset="-127"/>
+              </a:rPr>
               <a:t>성 캐릭터의 출시 속성 패턴 분석</a:t>
             </a:r>
-            <a:endParaRPr lang="ko-KR" altLang="en-US" dirty="0"/>
+            <a:endParaRPr lang="ko-KR" altLang="en-US" dirty="0">
+              <a:latin typeface="나눔스퀘어 Bold" panose="020B0600000101010101" pitchFamily="50" charset="-127"/>
+              <a:ea typeface="나눔스퀘어 Bold" panose="020B0600000101010101" pitchFamily="50" charset="-127"/>
+            </a:endParaRPr>
           </a:p>
         </p:txBody>
       </p:sp>
@@ -5503,10 +5813,16 @@
           <a:lstStyle/>
           <a:p>
             <a:r>
-              <a:rPr lang="ko-KR" altLang="en-US" dirty="0" smtClean="0"/>
+              <a:rPr lang="ko-KR" altLang="en-US" dirty="0" smtClean="0">
+                <a:latin typeface="나눔스퀘어 Bold" panose="020B0600000101010101" pitchFamily="50" charset="-127"/>
+                <a:ea typeface="나눔스퀘어 Bold" panose="020B0600000101010101" pitchFamily="50" charset="-127"/>
+              </a:rPr>
               <a:t>기존 캐릭터 분석</a:t>
             </a:r>
-            <a:endParaRPr lang="ko-KR" altLang="en-US" dirty="0"/>
+            <a:endParaRPr lang="ko-KR" altLang="en-US" dirty="0">
+              <a:latin typeface="나눔스퀘어 Bold" panose="020B0600000101010101" pitchFamily="50" charset="-127"/>
+              <a:ea typeface="나눔스퀘어 Bold" panose="020B0600000101010101" pitchFamily="50" charset="-127"/>
+            </a:endParaRPr>
           </a:p>
         </p:txBody>
       </p:sp>
@@ -5695,7 +6011,7 @@
         <p:spPr>
           <a:xfrm>
             <a:off x="2187723" y="3606325"/>
-            <a:ext cx="1546789" cy="646331"/>
+            <a:ext cx="1546789" cy="923330"/>
           </a:xfrm>
           <a:prstGeom prst="rect">
             <a:avLst/>
@@ -5708,18 +6024,40 @@
           </a:bodyPr>
           <a:lstStyle/>
           <a:p>
-            <a:r>
-              <a:rPr lang="ko-KR" altLang="en-US" dirty="0" err="1" smtClean="0"/>
+            <a:pPr>
+              <a:lnSpc>
+                <a:spcPct val="150000"/>
+              </a:lnSpc>
+            </a:pPr>
+            <a:r>
+              <a:rPr lang="ko-KR" altLang="en-US" dirty="0" err="1" smtClean="0">
+                <a:latin typeface="나눔스퀘어 Bold" panose="020B0600000101010101" pitchFamily="50" charset="-127"/>
+                <a:ea typeface="나눔스퀘어 Bold" panose="020B0600000101010101" pitchFamily="50" charset="-127"/>
+              </a:rPr>
               <a:t>딜탱</a:t>
             </a:r>
             <a:r>
-              <a:rPr lang="ko-KR" altLang="en-US" dirty="0" smtClean="0"/>
+              <a:rPr lang="ko-KR" altLang="en-US" dirty="0" smtClean="0">
+                <a:latin typeface="나눔스퀘어 Bold" panose="020B0600000101010101" pitchFamily="50" charset="-127"/>
+                <a:ea typeface="나눔스퀘어 Bold" panose="020B0600000101010101" pitchFamily="50" charset="-127"/>
+              </a:rPr>
               <a:t> 포지션</a:t>
             </a:r>
-            <a:endParaRPr lang="en-US" altLang="ko-KR" dirty="0" smtClean="0"/>
-          </a:p>
-          <a:p>
-            <a:endParaRPr lang="ko-KR" altLang="en-US" dirty="0"/>
+            <a:endParaRPr lang="en-US" altLang="ko-KR" dirty="0" smtClean="0">
+              <a:latin typeface="나눔스퀘어 Bold" panose="020B0600000101010101" pitchFamily="50" charset="-127"/>
+              <a:ea typeface="나눔스퀘어 Bold" panose="020B0600000101010101" pitchFamily="50" charset="-127"/>
+            </a:endParaRPr>
+          </a:p>
+          <a:p>
+            <a:pPr>
+              <a:lnSpc>
+                <a:spcPct val="150000"/>
+              </a:lnSpc>
+            </a:pPr>
+            <a:endParaRPr lang="ko-KR" altLang="en-US" dirty="0">
+              <a:latin typeface="나눔스퀘어 Bold" panose="020B0600000101010101" pitchFamily="50" charset="-127"/>
+              <a:ea typeface="나눔스퀘어 Bold" panose="020B0600000101010101" pitchFamily="50" charset="-127"/>
+            </a:endParaRPr>
           </a:p>
         </p:txBody>
       </p:sp>
@@ -5732,7 +6070,7 @@
         <p:spPr>
           <a:xfrm>
             <a:off x="4170347" y="3606325"/>
-            <a:ext cx="1546789" cy="369332"/>
+            <a:ext cx="1546789" cy="507831"/>
           </a:xfrm>
           <a:prstGeom prst="rect">
             <a:avLst/>
@@ -5745,11 +6083,22 @@
           </a:bodyPr>
           <a:lstStyle/>
           <a:p>
-            <a:r>
-              <a:rPr lang="ko-KR" altLang="en-US" dirty="0" err="1" smtClean="0"/>
+            <a:pPr>
+              <a:lnSpc>
+                <a:spcPct val="150000"/>
+              </a:lnSpc>
+            </a:pPr>
+            <a:r>
+              <a:rPr lang="ko-KR" altLang="en-US" dirty="0" err="1" smtClean="0">
+                <a:latin typeface="나눔스퀘어 Bold" panose="020B0600000101010101" pitchFamily="50" charset="-127"/>
+                <a:ea typeface="나눔스퀘어 Bold" panose="020B0600000101010101" pitchFamily="50" charset="-127"/>
+              </a:rPr>
               <a:t>반사탱</a:t>
             </a:r>
-            <a:endParaRPr lang="ko-KR" altLang="en-US" dirty="0"/>
+            <a:endParaRPr lang="ko-KR" altLang="en-US" dirty="0">
+              <a:latin typeface="나눔스퀘어 Bold" panose="020B0600000101010101" pitchFamily="50" charset="-127"/>
+              <a:ea typeface="나눔스퀘어 Bold" panose="020B0600000101010101" pitchFamily="50" charset="-127"/>
+            </a:endParaRPr>
           </a:p>
         </p:txBody>
       </p:sp>
@@ -5762,7 +6111,7 @@
         <p:spPr>
           <a:xfrm>
             <a:off x="6152971" y="3606325"/>
-            <a:ext cx="1546789" cy="646331"/>
+            <a:ext cx="1546789" cy="923330"/>
           </a:xfrm>
           <a:prstGeom prst="rect">
             <a:avLst/>
@@ -5775,22 +6124,47 @@
           </a:bodyPr>
           <a:lstStyle/>
           <a:p>
-            <a:r>
-              <a:rPr lang="ko-KR" altLang="en-US" dirty="0" err="1"/>
+            <a:pPr>
+              <a:lnSpc>
+                <a:spcPct val="150000"/>
+              </a:lnSpc>
+            </a:pPr>
+            <a:r>
+              <a:rPr lang="ko-KR" altLang="en-US" dirty="0" err="1">
+                <a:latin typeface="나눔스퀘어 Bold" panose="020B0600000101010101" pitchFamily="50" charset="-127"/>
+                <a:ea typeface="나눔스퀘어 Bold" panose="020B0600000101010101" pitchFamily="50" charset="-127"/>
+              </a:rPr>
               <a:t>힐</a:t>
             </a:r>
             <a:r>
-              <a:rPr lang="ko-KR" altLang="en-US" dirty="0" err="1" smtClean="0"/>
+              <a:rPr lang="ko-KR" altLang="en-US" dirty="0" err="1" smtClean="0">
+                <a:latin typeface="나눔스퀘어 Bold" panose="020B0600000101010101" pitchFamily="50" charset="-127"/>
+                <a:ea typeface="나눔스퀘어 Bold" panose="020B0600000101010101" pitchFamily="50" charset="-127"/>
+              </a:rPr>
               <a:t>탱</a:t>
             </a:r>
             <a:r>
-              <a:rPr lang="ko-KR" altLang="en-US" dirty="0" smtClean="0"/>
+              <a:rPr lang="ko-KR" altLang="en-US" dirty="0" smtClean="0">
+                <a:latin typeface="나눔스퀘어 Bold" panose="020B0600000101010101" pitchFamily="50" charset="-127"/>
+                <a:ea typeface="나눔스퀘어 Bold" panose="020B0600000101010101" pitchFamily="50" charset="-127"/>
+              </a:rPr>
               <a:t> 포지션</a:t>
             </a:r>
-            <a:endParaRPr lang="en-US" altLang="ko-KR" dirty="0" smtClean="0"/>
-          </a:p>
-          <a:p>
-            <a:endParaRPr lang="ko-KR" altLang="en-US" dirty="0"/>
+            <a:endParaRPr lang="en-US" altLang="ko-KR" dirty="0" smtClean="0">
+              <a:latin typeface="나눔스퀘어 Bold" panose="020B0600000101010101" pitchFamily="50" charset="-127"/>
+              <a:ea typeface="나눔스퀘어 Bold" panose="020B0600000101010101" pitchFamily="50" charset="-127"/>
+            </a:endParaRPr>
+          </a:p>
+          <a:p>
+            <a:pPr>
+              <a:lnSpc>
+                <a:spcPct val="150000"/>
+              </a:lnSpc>
+            </a:pPr>
+            <a:endParaRPr lang="ko-KR" altLang="en-US" dirty="0">
+              <a:latin typeface="나눔스퀘어 Bold" panose="020B0600000101010101" pitchFamily="50" charset="-127"/>
+              <a:ea typeface="나눔스퀘어 Bold" panose="020B0600000101010101" pitchFamily="50" charset="-127"/>
+            </a:endParaRPr>
           </a:p>
         </p:txBody>
       </p:sp>
@@ -5803,7 +6177,7 @@
         <p:spPr>
           <a:xfrm>
             <a:off x="8135595" y="3606325"/>
-            <a:ext cx="1546789" cy="646331"/>
+            <a:ext cx="1546789" cy="923330"/>
           </a:xfrm>
           <a:prstGeom prst="rect">
             <a:avLst/>
@@ -5816,14 +6190,33 @@
           </a:bodyPr>
           <a:lstStyle/>
           <a:p>
-            <a:r>
-              <a:rPr lang="ko-KR" altLang="en-US" dirty="0" err="1" smtClean="0"/>
+            <a:pPr>
+              <a:lnSpc>
+                <a:spcPct val="150000"/>
+              </a:lnSpc>
+            </a:pPr>
+            <a:r>
+              <a:rPr lang="ko-KR" altLang="en-US" dirty="0" err="1" smtClean="0">
+                <a:latin typeface="나눔스퀘어 Bold" panose="020B0600000101010101" pitchFamily="50" charset="-127"/>
+                <a:ea typeface="나눔스퀘어 Bold" panose="020B0600000101010101" pitchFamily="50" charset="-127"/>
+              </a:rPr>
               <a:t>퓨어탱</a:t>
             </a:r>
-            <a:endParaRPr lang="en-US" altLang="ko-KR" dirty="0" smtClean="0"/>
-          </a:p>
-          <a:p>
-            <a:endParaRPr lang="ko-KR" altLang="en-US" dirty="0"/>
+            <a:endParaRPr lang="en-US" altLang="ko-KR" dirty="0" smtClean="0">
+              <a:latin typeface="나눔스퀘어 Bold" panose="020B0600000101010101" pitchFamily="50" charset="-127"/>
+              <a:ea typeface="나눔스퀘어 Bold" panose="020B0600000101010101" pitchFamily="50" charset="-127"/>
+            </a:endParaRPr>
+          </a:p>
+          <a:p>
+            <a:pPr>
+              <a:lnSpc>
+                <a:spcPct val="150000"/>
+              </a:lnSpc>
+            </a:pPr>
+            <a:endParaRPr lang="ko-KR" altLang="en-US" dirty="0">
+              <a:latin typeface="나눔스퀘어 Bold" panose="020B0600000101010101" pitchFamily="50" charset="-127"/>
+              <a:ea typeface="나눔스퀘어 Bold" panose="020B0600000101010101" pitchFamily="50" charset="-127"/>
+            </a:endParaRPr>
           </a:p>
         </p:txBody>
       </p:sp>
@@ -5836,7 +6229,7 @@
         <p:spPr>
           <a:xfrm>
             <a:off x="2927646" y="5349668"/>
-            <a:ext cx="6336707" cy="923330"/>
+            <a:ext cx="6336707" cy="1338828"/>
           </a:xfrm>
           <a:prstGeom prst="rect">
             <a:avLst/>
@@ -5849,73 +6242,134 @@
           </a:bodyPr>
           <a:lstStyle/>
           <a:p>
-            <a:r>
-              <a:rPr lang="ko-KR" altLang="en-US" dirty="0" smtClean="0"/>
+            <a:pPr>
+              <a:lnSpc>
+                <a:spcPct val="150000"/>
+              </a:lnSpc>
+            </a:pPr>
+            <a:r>
+              <a:rPr lang="ko-KR" altLang="en-US" dirty="0" smtClean="0">
+                <a:latin typeface="나눔스퀘어 Bold" panose="020B0600000101010101" pitchFamily="50" charset="-127"/>
+                <a:ea typeface="나눔스퀘어 Bold" panose="020B0600000101010101" pitchFamily="50" charset="-127"/>
+              </a:rPr>
               <a:t>태생 </a:t>
             </a:r>
             <a:r>
-              <a:rPr lang="en-US" altLang="ko-KR" dirty="0" smtClean="0"/>
+              <a:rPr lang="en-US" altLang="ko-KR" dirty="0" smtClean="0">
+                <a:latin typeface="나눔스퀘어 Bold" panose="020B0600000101010101" pitchFamily="50" charset="-127"/>
+                <a:ea typeface="나눔스퀘어 Bold" panose="020B0600000101010101" pitchFamily="50" charset="-127"/>
+              </a:rPr>
               <a:t>3</a:t>
             </a:r>
             <a:r>
-              <a:rPr lang="ko-KR" altLang="en-US" dirty="0" smtClean="0"/>
+              <a:rPr lang="ko-KR" altLang="en-US" dirty="0" smtClean="0">
+                <a:latin typeface="나눔스퀘어 Bold" panose="020B0600000101010101" pitchFamily="50" charset="-127"/>
+                <a:ea typeface="나눔스퀘어 Bold" panose="020B0600000101010101" pitchFamily="50" charset="-127"/>
+              </a:rPr>
               <a:t>성 </a:t>
             </a:r>
             <a:r>
-              <a:rPr lang="ko-KR" altLang="en-US" dirty="0" err="1" smtClean="0"/>
+              <a:rPr lang="ko-KR" altLang="en-US" dirty="0" err="1" smtClean="0">
+                <a:latin typeface="나눔스퀘어 Bold" panose="020B0600000101010101" pitchFamily="50" charset="-127"/>
+                <a:ea typeface="나눔스퀘어 Bold" panose="020B0600000101010101" pitchFamily="50" charset="-127"/>
+              </a:rPr>
               <a:t>탱커중</a:t>
             </a:r>
             <a:r>
-              <a:rPr lang="ko-KR" altLang="en-US" dirty="0" smtClean="0"/>
+              <a:rPr lang="ko-KR" altLang="en-US" dirty="0" smtClean="0">
+                <a:latin typeface="나눔스퀘어 Bold" panose="020B0600000101010101" pitchFamily="50" charset="-127"/>
+                <a:ea typeface="나눔스퀘어 Bold" panose="020B0600000101010101" pitchFamily="50" charset="-127"/>
+              </a:rPr>
               <a:t> </a:t>
             </a:r>
             <a:r>
-              <a:rPr lang="ko-KR" altLang="en-US" dirty="0" err="1" smtClean="0"/>
+              <a:rPr lang="ko-KR" altLang="en-US" dirty="0" err="1" smtClean="0">
+                <a:latin typeface="나눔스퀘어 Bold" panose="020B0600000101010101" pitchFamily="50" charset="-127"/>
+                <a:ea typeface="나눔스퀘어 Bold" panose="020B0600000101010101" pitchFamily="50" charset="-127"/>
+              </a:rPr>
               <a:t>퓨어</a:t>
             </a:r>
             <a:r>
-              <a:rPr lang="ko-KR" altLang="en-US" dirty="0" smtClean="0"/>
+              <a:rPr lang="ko-KR" altLang="en-US" dirty="0" smtClean="0">
+                <a:latin typeface="나눔스퀘어 Bold" panose="020B0600000101010101" pitchFamily="50" charset="-127"/>
+                <a:ea typeface="나눔스퀘어 Bold" panose="020B0600000101010101" pitchFamily="50" charset="-127"/>
+              </a:rPr>
               <a:t> 탱커 포지션은 </a:t>
             </a:r>
             <a:r>
-              <a:rPr lang="en-US" altLang="ko-KR" dirty="0" smtClean="0"/>
+              <a:rPr lang="en-US" altLang="ko-KR" dirty="0" smtClean="0">
+                <a:latin typeface="나눔스퀘어 Bold" panose="020B0600000101010101" pitchFamily="50" charset="-127"/>
+                <a:ea typeface="나눔스퀘어 Bold" panose="020B0600000101010101" pitchFamily="50" charset="-127"/>
+              </a:rPr>
               <a:t>X</a:t>
             </a:r>
           </a:p>
           <a:p>
-            <a:r>
-              <a:rPr lang="ko-KR" altLang="en-US" dirty="0" err="1" smtClean="0"/>
+            <a:pPr>
+              <a:lnSpc>
+                <a:spcPct val="150000"/>
+              </a:lnSpc>
+            </a:pPr>
+            <a:r>
+              <a:rPr lang="ko-KR" altLang="en-US" dirty="0" err="1" smtClean="0">
+                <a:latin typeface="나눔스퀘어 Bold" panose="020B0600000101010101" pitchFamily="50" charset="-127"/>
+                <a:ea typeface="나눔스퀘어 Bold" panose="020B0600000101010101" pitchFamily="50" charset="-127"/>
+              </a:rPr>
               <a:t>퓨어</a:t>
             </a:r>
             <a:r>
-              <a:rPr lang="ko-KR" altLang="en-US" dirty="0" smtClean="0"/>
+              <a:rPr lang="ko-KR" altLang="en-US" dirty="0" smtClean="0">
+                <a:latin typeface="나눔스퀘어 Bold" panose="020B0600000101010101" pitchFamily="50" charset="-127"/>
+                <a:ea typeface="나눔스퀘어 Bold" panose="020B0600000101010101" pitchFamily="50" charset="-127"/>
+              </a:rPr>
               <a:t> 탱커가 출시 된다면</a:t>
             </a:r>
             <a:r>
-              <a:rPr lang="en-US" altLang="ko-KR" dirty="0" smtClean="0"/>
+              <a:rPr lang="en-US" altLang="ko-KR" dirty="0" smtClean="0">
+                <a:latin typeface="나눔스퀘어 Bold" panose="020B0600000101010101" pitchFamily="50" charset="-127"/>
+                <a:ea typeface="나눔스퀘어 Bold" panose="020B0600000101010101" pitchFamily="50" charset="-127"/>
+              </a:rPr>
               <a:t>, </a:t>
             </a:r>
             <a:r>
-              <a:rPr lang="ko-KR" altLang="en-US" dirty="0" smtClean="0"/>
+              <a:rPr lang="ko-KR" altLang="en-US" dirty="0" smtClean="0">
+                <a:latin typeface="나눔스퀘어 Bold" panose="020B0600000101010101" pitchFamily="50" charset="-127"/>
+                <a:ea typeface="나눔스퀘어 Bold" panose="020B0600000101010101" pitchFamily="50" charset="-127"/>
+              </a:rPr>
               <a:t>아레나 </a:t>
             </a:r>
             <a:r>
-              <a:rPr lang="ko-KR" altLang="en-US" dirty="0" err="1" smtClean="0"/>
+              <a:rPr lang="ko-KR" altLang="en-US" dirty="0" err="1" smtClean="0">
+                <a:latin typeface="나눔스퀘어 Bold" panose="020B0600000101010101" pitchFamily="50" charset="-127"/>
+                <a:ea typeface="나눔스퀘어 Bold" panose="020B0600000101010101" pitchFamily="50" charset="-127"/>
+              </a:rPr>
               <a:t>방덱에서</a:t>
             </a:r>
             <a:r>
-              <a:rPr lang="ko-KR" altLang="en-US" dirty="0" smtClean="0"/>
+              <a:rPr lang="ko-KR" altLang="en-US" dirty="0" smtClean="0">
+                <a:latin typeface="나눔스퀘어 Bold" panose="020B0600000101010101" pitchFamily="50" charset="-127"/>
+                <a:ea typeface="나눔스퀘어 Bold" panose="020B0600000101010101" pitchFamily="50" charset="-127"/>
+              </a:rPr>
               <a:t> 기용이 많이 </a:t>
             </a:r>
             <a:r>
-              <a:rPr lang="ko-KR" altLang="en-US" dirty="0" err="1" smtClean="0"/>
+              <a:rPr lang="ko-KR" altLang="en-US" dirty="0" err="1" smtClean="0">
+                <a:latin typeface="나눔스퀘어 Bold" panose="020B0600000101010101" pitchFamily="50" charset="-127"/>
+                <a:ea typeface="나눔스퀘어 Bold" panose="020B0600000101010101" pitchFamily="50" charset="-127"/>
+              </a:rPr>
               <a:t>될것으로</a:t>
             </a:r>
             <a:r>
-              <a:rPr lang="ko-KR" altLang="en-US" dirty="0" smtClean="0"/>
+              <a:rPr lang="ko-KR" altLang="en-US" dirty="0" smtClean="0">
+                <a:latin typeface="나눔스퀘어 Bold" panose="020B0600000101010101" pitchFamily="50" charset="-127"/>
+                <a:ea typeface="나눔스퀘어 Bold" panose="020B0600000101010101" pitchFamily="50" charset="-127"/>
+              </a:rPr>
               <a:t> 예상</a:t>
             </a:r>
-            <a:endParaRPr lang="ko-KR" altLang="en-US" dirty="0"/>
+            <a:endParaRPr lang="ko-KR" altLang="en-US" dirty="0">
+              <a:latin typeface="나눔스퀘어 Bold" panose="020B0600000101010101" pitchFamily="50" charset="-127"/>
+              <a:ea typeface="나눔스퀘어 Bold" panose="020B0600000101010101" pitchFamily="50" charset="-127"/>
+            </a:endParaRPr>
           </a:p>
         </p:txBody>
       </p:sp>
@@ -5957,8 +6411,8 @@
         </p:nvSpPr>
         <p:spPr>
           <a:xfrm>
-            <a:off x="555477" y="333286"/>
-            <a:ext cx="2521009" cy="646331"/>
+            <a:off x="555476" y="333286"/>
+            <a:ext cx="3179035" cy="467885"/>
           </a:xfrm>
           <a:prstGeom prst="rect">
             <a:avLst/>
@@ -5971,11 +6425,22 @@
           </a:bodyPr>
           <a:lstStyle/>
           <a:p>
-            <a:r>
-              <a:rPr lang="ko-KR" altLang="en-US" dirty="0" smtClean="0"/>
+            <a:pPr>
+              <a:lnSpc>
+                <a:spcPct val="150000"/>
+              </a:lnSpc>
+            </a:pPr>
+            <a:r>
+              <a:rPr lang="ko-KR" altLang="en-US" dirty="0" smtClean="0">
+                <a:latin typeface="나눔스퀘어 Bold" panose="020B0600000101010101" pitchFamily="50" charset="-127"/>
+                <a:ea typeface="나눔스퀘어 Bold" panose="020B0600000101010101" pitchFamily="50" charset="-127"/>
+              </a:rPr>
               <a:t>신규 캐릭터 외형 모티브</a:t>
             </a:r>
-            <a:endParaRPr lang="ko-KR" altLang="en-US" dirty="0"/>
+            <a:endParaRPr lang="ko-KR" altLang="en-US" dirty="0">
+              <a:latin typeface="나눔스퀘어 Bold" panose="020B0600000101010101" pitchFamily="50" charset="-127"/>
+              <a:ea typeface="나눔스퀘어 Bold" panose="020B0600000101010101" pitchFamily="50" charset="-127"/>
+            </a:endParaRPr>
           </a:p>
         </p:txBody>
       </p:sp>
@@ -6018,7 +6483,7 @@
         <p:spPr>
           <a:xfrm>
             <a:off x="863125" y="1606680"/>
-            <a:ext cx="3486684" cy="3139321"/>
+            <a:ext cx="3486684" cy="4622869"/>
           </a:xfrm>
           <a:prstGeom prst="rect">
             <a:avLst/>
@@ -6031,85 +6496,209 @@
           </a:bodyPr>
           <a:lstStyle/>
           <a:p>
-            <a:r>
-              <a:rPr lang="ko-KR" altLang="en-US" dirty="0" smtClean="0"/>
+            <a:pPr>
+              <a:lnSpc>
+                <a:spcPct val="150000"/>
+              </a:lnSpc>
+            </a:pPr>
+            <a:r>
+              <a:rPr lang="ko-KR" altLang="en-US" dirty="0" smtClean="0">
+                <a:latin typeface="나눔스퀘어 Bold" panose="020B0600000101010101" pitchFamily="50" charset="-127"/>
+                <a:ea typeface="나눔스퀘어 Bold" panose="020B0600000101010101" pitchFamily="50" charset="-127"/>
+              </a:rPr>
               <a:t>육체적으로 강력해 보이는 외모</a:t>
             </a:r>
-            <a:endParaRPr lang="en-US" altLang="ko-KR" dirty="0" smtClean="0"/>
-          </a:p>
-          <a:p>
-            <a:r>
-              <a:rPr lang="ko-KR" altLang="en-US" dirty="0" smtClean="0"/>
+            <a:endParaRPr lang="en-US" altLang="ko-KR" dirty="0" smtClean="0">
+              <a:latin typeface="나눔스퀘어 Bold" panose="020B0600000101010101" pitchFamily="50" charset="-127"/>
+              <a:ea typeface="나눔스퀘어 Bold" panose="020B0600000101010101" pitchFamily="50" charset="-127"/>
+            </a:endParaRPr>
+          </a:p>
+          <a:p>
+            <a:pPr>
+              <a:lnSpc>
+                <a:spcPct val="150000"/>
+              </a:lnSpc>
+            </a:pPr>
+            <a:r>
+              <a:rPr lang="ko-KR" altLang="en-US" dirty="0" smtClean="0">
+                <a:latin typeface="나눔스퀘어 Bold" panose="020B0600000101010101" pitchFamily="50" charset="-127"/>
+                <a:ea typeface="나눔스퀘어 Bold" panose="020B0600000101010101" pitchFamily="50" charset="-127"/>
+              </a:rPr>
               <a:t>엄청난 근육</a:t>
             </a:r>
-            <a:endParaRPr lang="en-US" altLang="ko-KR" dirty="0" smtClean="0"/>
-          </a:p>
-          <a:p>
-            <a:endParaRPr lang="en-US" altLang="ko-KR" dirty="0" smtClean="0"/>
-          </a:p>
-          <a:p>
-            <a:r>
-              <a:rPr lang="ko-KR" altLang="en-US" dirty="0" smtClean="0"/>
+            <a:endParaRPr lang="en-US" altLang="ko-KR" dirty="0" smtClean="0">
+              <a:latin typeface="나눔스퀘어 Bold" panose="020B0600000101010101" pitchFamily="50" charset="-127"/>
+              <a:ea typeface="나눔스퀘어 Bold" panose="020B0600000101010101" pitchFamily="50" charset="-127"/>
+            </a:endParaRPr>
+          </a:p>
+          <a:p>
+            <a:pPr>
+              <a:lnSpc>
+                <a:spcPct val="150000"/>
+              </a:lnSpc>
+            </a:pPr>
+            <a:endParaRPr lang="en-US" altLang="ko-KR" dirty="0" smtClean="0">
+              <a:latin typeface="나눔스퀘어 Bold" panose="020B0600000101010101" pitchFamily="50" charset="-127"/>
+              <a:ea typeface="나눔스퀘어 Bold" panose="020B0600000101010101" pitchFamily="50" charset="-127"/>
+            </a:endParaRPr>
+          </a:p>
+          <a:p>
+            <a:pPr>
+              <a:lnSpc>
+                <a:spcPct val="150000"/>
+              </a:lnSpc>
+            </a:pPr>
+            <a:r>
+              <a:rPr lang="ko-KR" altLang="en-US" dirty="0" smtClean="0">
+                <a:latin typeface="나눔스퀘어 Bold" panose="020B0600000101010101" pitchFamily="50" charset="-127"/>
+                <a:ea typeface="나눔스퀘어 Bold" panose="020B0600000101010101" pitchFamily="50" charset="-127"/>
+              </a:rPr>
               <a:t>하지만 동료들에게는 상냥하고</a:t>
             </a:r>
-            <a:endParaRPr lang="en-US" altLang="ko-KR" dirty="0" smtClean="0"/>
-          </a:p>
-          <a:p>
-            <a:r>
-              <a:rPr lang="ko-KR" altLang="en-US" dirty="0" smtClean="0"/>
+            <a:endParaRPr lang="en-US" altLang="ko-KR" dirty="0" smtClean="0">
+              <a:latin typeface="나눔스퀘어 Bold" panose="020B0600000101010101" pitchFamily="50" charset="-127"/>
+              <a:ea typeface="나눔스퀘어 Bold" panose="020B0600000101010101" pitchFamily="50" charset="-127"/>
+            </a:endParaRPr>
+          </a:p>
+          <a:p>
+            <a:pPr>
+              <a:lnSpc>
+                <a:spcPct val="150000"/>
+              </a:lnSpc>
+            </a:pPr>
+            <a:r>
+              <a:rPr lang="ko-KR" altLang="en-US" dirty="0" smtClean="0">
+                <a:latin typeface="나눔스퀘어 Bold" panose="020B0600000101010101" pitchFamily="50" charset="-127"/>
+                <a:ea typeface="나눔스퀘어 Bold" panose="020B0600000101010101" pitchFamily="50" charset="-127"/>
+              </a:rPr>
               <a:t>재미있으며 믿을 수 있는 동료</a:t>
             </a:r>
-            <a:endParaRPr lang="en-US" altLang="ko-KR" dirty="0"/>
-          </a:p>
-          <a:p>
-            <a:endParaRPr lang="en-US" altLang="ko-KR" dirty="0" smtClean="0"/>
-          </a:p>
-          <a:p>
-            <a:r>
-              <a:rPr lang="ko-KR" altLang="en-US" dirty="0" smtClean="0"/>
+            <a:endParaRPr lang="en-US" altLang="ko-KR" dirty="0">
+              <a:latin typeface="나눔스퀘어 Bold" panose="020B0600000101010101" pitchFamily="50" charset="-127"/>
+              <a:ea typeface="나눔스퀘어 Bold" panose="020B0600000101010101" pitchFamily="50" charset="-127"/>
+            </a:endParaRPr>
+          </a:p>
+          <a:p>
+            <a:pPr>
+              <a:lnSpc>
+                <a:spcPct val="150000"/>
+              </a:lnSpc>
+            </a:pPr>
+            <a:endParaRPr lang="en-US" altLang="ko-KR" dirty="0" smtClean="0">
+              <a:latin typeface="나눔스퀘어 Bold" panose="020B0600000101010101" pitchFamily="50" charset="-127"/>
+              <a:ea typeface="나눔스퀘어 Bold" panose="020B0600000101010101" pitchFamily="50" charset="-127"/>
+            </a:endParaRPr>
+          </a:p>
+          <a:p>
+            <a:pPr>
+              <a:lnSpc>
+                <a:spcPct val="150000"/>
+              </a:lnSpc>
+            </a:pPr>
+            <a:r>
+              <a:rPr lang="ko-KR" altLang="en-US" dirty="0" smtClean="0">
+                <a:latin typeface="나눔스퀘어 Bold" panose="020B0600000101010101" pitchFamily="50" charset="-127"/>
+                <a:ea typeface="나눔스퀘어 Bold" panose="020B0600000101010101" pitchFamily="50" charset="-127"/>
+              </a:rPr>
               <a:t>근육 자랑하는 것을 좋아함</a:t>
             </a:r>
-            <a:endParaRPr lang="en-US" altLang="ko-KR" dirty="0" smtClean="0"/>
-          </a:p>
-          <a:p>
-            <a:r>
-              <a:rPr lang="en-US" altLang="ko-KR" dirty="0" smtClean="0"/>
+            <a:endParaRPr lang="en-US" altLang="ko-KR" dirty="0" smtClean="0">
+              <a:latin typeface="나눔스퀘어 Bold" panose="020B0600000101010101" pitchFamily="50" charset="-127"/>
+              <a:ea typeface="나눔스퀘어 Bold" panose="020B0600000101010101" pitchFamily="50" charset="-127"/>
+            </a:endParaRPr>
+          </a:p>
+          <a:p>
+            <a:pPr>
+              <a:lnSpc>
+                <a:spcPct val="150000"/>
+              </a:lnSpc>
+            </a:pPr>
+            <a:r>
+              <a:rPr lang="en-US" altLang="ko-KR" dirty="0" smtClean="0">
+                <a:latin typeface="나눔스퀘어 Bold" panose="020B0600000101010101" pitchFamily="50" charset="-127"/>
+                <a:ea typeface="나눔스퀘어 Bold" panose="020B0600000101010101" pitchFamily="50" charset="-127"/>
+              </a:rPr>
               <a:t>(</a:t>
             </a:r>
             <a:r>
-              <a:rPr lang="ko-KR" altLang="en-US" dirty="0" smtClean="0"/>
+              <a:rPr lang="ko-KR" altLang="en-US" dirty="0" smtClean="0">
+                <a:latin typeface="나눔스퀘어 Bold" panose="020B0600000101010101" pitchFamily="50" charset="-127"/>
+                <a:ea typeface="나눔스퀘어 Bold" panose="020B0600000101010101" pitchFamily="50" charset="-127"/>
+              </a:rPr>
               <a:t>보디 </a:t>
             </a:r>
             <a:r>
-              <a:rPr lang="ko-KR" altLang="en-US" dirty="0" err="1" smtClean="0"/>
+              <a:rPr lang="ko-KR" altLang="en-US" dirty="0" err="1" smtClean="0">
+                <a:latin typeface="나눔스퀘어 Bold" panose="020B0600000101010101" pitchFamily="50" charset="-127"/>
+                <a:ea typeface="나눔스퀘어 Bold" panose="020B0600000101010101" pitchFamily="50" charset="-127"/>
+              </a:rPr>
               <a:t>빌더</a:t>
             </a:r>
             <a:r>
-              <a:rPr lang="ko-KR" altLang="en-US" dirty="0" smtClean="0"/>
+              <a:rPr lang="ko-KR" altLang="en-US" dirty="0" smtClean="0">
+                <a:latin typeface="나눔스퀘어 Bold" panose="020B0600000101010101" pitchFamily="50" charset="-127"/>
+                <a:ea typeface="나눔스퀘어 Bold" panose="020B0600000101010101" pitchFamily="50" charset="-127"/>
+              </a:rPr>
               <a:t> 포즈</a:t>
             </a:r>
             <a:r>
-              <a:rPr lang="en-US" altLang="ko-KR" dirty="0" smtClean="0"/>
+              <a:rPr lang="en-US" altLang="ko-KR" dirty="0" smtClean="0">
+                <a:latin typeface="나눔스퀘어 Bold" panose="020B0600000101010101" pitchFamily="50" charset="-127"/>
+                <a:ea typeface="나눔스퀘어 Bold" panose="020B0600000101010101" pitchFamily="50" charset="-127"/>
+              </a:rPr>
               <a:t>)</a:t>
             </a:r>
-            <a:endParaRPr lang="en-US" altLang="ko-KR" dirty="0"/>
-          </a:p>
-          <a:p>
-            <a:endParaRPr lang="en-US" altLang="ko-KR" dirty="0" smtClean="0"/>
-          </a:p>
-          <a:p>
-            <a:r>
-              <a:rPr lang="ko-KR" altLang="en-US" dirty="0" smtClean="0"/>
+            <a:endParaRPr lang="en-US" altLang="ko-KR" dirty="0">
+              <a:latin typeface="나눔스퀘어 Bold" panose="020B0600000101010101" pitchFamily="50" charset="-127"/>
+              <a:ea typeface="나눔스퀘어 Bold" panose="020B0600000101010101" pitchFamily="50" charset="-127"/>
+            </a:endParaRPr>
+          </a:p>
+          <a:p>
+            <a:pPr>
+              <a:lnSpc>
+                <a:spcPct val="150000"/>
+              </a:lnSpc>
+            </a:pPr>
+            <a:endParaRPr lang="en-US" altLang="ko-KR" dirty="0" smtClean="0">
+              <a:latin typeface="나눔스퀘어 Bold" panose="020B0600000101010101" pitchFamily="50" charset="-127"/>
+              <a:ea typeface="나눔스퀘어 Bold" panose="020B0600000101010101" pitchFamily="50" charset="-127"/>
+            </a:endParaRPr>
+          </a:p>
+          <a:p>
+            <a:pPr>
+              <a:lnSpc>
+                <a:spcPct val="150000"/>
+              </a:lnSpc>
+            </a:pPr>
+            <a:r>
+              <a:rPr lang="ko-KR" altLang="en-US" dirty="0" smtClean="0">
+                <a:latin typeface="나눔스퀘어 Bold" panose="020B0600000101010101" pitchFamily="50" charset="-127"/>
+                <a:ea typeface="나눔스퀘어 Bold" panose="020B0600000101010101" pitchFamily="50" charset="-127"/>
+              </a:rPr>
               <a:t>상체는 탈의</a:t>
             </a:r>
-            <a:endParaRPr lang="en-US" altLang="ko-KR" dirty="0" smtClean="0"/>
-          </a:p>
-          <a:p>
-            <a:r>
-              <a:rPr lang="ko-KR" altLang="en-US" dirty="0" smtClean="0"/>
+            <a:endParaRPr lang="en-US" altLang="ko-KR" dirty="0" smtClean="0">
+              <a:latin typeface="나눔스퀘어 Bold" panose="020B0600000101010101" pitchFamily="50" charset="-127"/>
+              <a:ea typeface="나눔스퀘어 Bold" panose="020B0600000101010101" pitchFamily="50" charset="-127"/>
+            </a:endParaRPr>
+          </a:p>
+          <a:p>
+            <a:pPr>
+              <a:lnSpc>
+                <a:spcPct val="150000"/>
+              </a:lnSpc>
+            </a:pPr>
+            <a:r>
+              <a:rPr lang="ko-KR" altLang="en-US" dirty="0" smtClean="0">
+                <a:latin typeface="나눔스퀘어 Bold" panose="020B0600000101010101" pitchFamily="50" charset="-127"/>
+                <a:ea typeface="나눔스퀘어 Bold" panose="020B0600000101010101" pitchFamily="50" charset="-127"/>
+              </a:rPr>
               <a:t>하의는 군복을 입고 있는 형태</a:t>
             </a:r>
-            <a:endParaRPr lang="en-US" altLang="ko-KR" dirty="0" smtClean="0"/>
+            <a:endParaRPr lang="en-US" altLang="ko-KR" dirty="0" smtClean="0">
+              <a:latin typeface="나눔스퀘어 Bold" panose="020B0600000101010101" pitchFamily="50" charset="-127"/>
+              <a:ea typeface="나눔스퀘어 Bold" panose="020B0600000101010101" pitchFamily="50" charset="-127"/>
+            </a:endParaRPr>
           </a:p>
         </p:txBody>
       </p:sp>
@@ -6193,7 +6782,7 @@
         <p:spPr>
           <a:xfrm>
             <a:off x="555477" y="333286"/>
-            <a:ext cx="2521009" cy="646331"/>
+            <a:ext cx="2521009" cy="467885"/>
           </a:xfrm>
           <a:prstGeom prst="rect">
             <a:avLst/>
@@ -6206,11 +6795,22 @@
           </a:bodyPr>
           <a:lstStyle/>
           <a:p>
-            <a:r>
-              <a:rPr lang="ko-KR" altLang="en-US" dirty="0" smtClean="0"/>
+            <a:pPr>
+              <a:lnSpc>
+                <a:spcPct val="150000"/>
+              </a:lnSpc>
+            </a:pPr>
+            <a:r>
+              <a:rPr lang="ko-KR" altLang="en-US" dirty="0" smtClean="0">
+                <a:latin typeface="나눔스퀘어 Bold" panose="020B0600000101010101" pitchFamily="50" charset="-127"/>
+                <a:ea typeface="나눔스퀘어 Bold" panose="020B0600000101010101" pitchFamily="50" charset="-127"/>
+              </a:rPr>
               <a:t>신규 캐릭터 성격 모티브</a:t>
             </a:r>
-            <a:endParaRPr lang="ko-KR" altLang="en-US" dirty="0"/>
+            <a:endParaRPr lang="ko-KR" altLang="en-US" dirty="0">
+              <a:latin typeface="나눔스퀘어 Bold" panose="020B0600000101010101" pitchFamily="50" charset="-127"/>
+              <a:ea typeface="나눔스퀘어 Bold" panose="020B0600000101010101" pitchFamily="50" charset="-127"/>
+            </a:endParaRPr>
           </a:p>
         </p:txBody>
       </p:sp>
@@ -6264,7 +6864,7 @@
         <p:spPr>
           <a:xfrm>
             <a:off x="863125" y="1606680"/>
-            <a:ext cx="3486684" cy="923330"/>
+            <a:ext cx="3486684" cy="1298882"/>
           </a:xfrm>
           <a:prstGeom prst="rect">
             <a:avLst/>
@@ -6277,18 +6877,40 @@
           </a:bodyPr>
           <a:lstStyle/>
           <a:p>
-            <a:r>
-              <a:rPr lang="ko-KR" altLang="en-US" dirty="0" smtClean="0"/>
+            <a:pPr>
+              <a:lnSpc>
+                <a:spcPct val="150000"/>
+              </a:lnSpc>
+            </a:pPr>
+            <a:r>
+              <a:rPr lang="ko-KR" altLang="en-US" dirty="0" smtClean="0">
+                <a:latin typeface="나눔스퀘어 Bold" panose="020B0600000101010101" pitchFamily="50" charset="-127"/>
+                <a:ea typeface="나눔스퀘어 Bold" panose="020B0600000101010101" pitchFamily="50" charset="-127"/>
+              </a:rPr>
               <a:t>자신의 동료를 지키기 위해</a:t>
             </a:r>
-            <a:endParaRPr lang="en-US" altLang="ko-KR" dirty="0" smtClean="0"/>
-          </a:p>
-          <a:p>
-            <a:r>
-              <a:rPr lang="ko-KR" altLang="en-US" dirty="0" smtClean="0"/>
+            <a:endParaRPr lang="en-US" altLang="ko-KR" dirty="0" smtClean="0">
+              <a:latin typeface="나눔스퀘어 Bold" panose="020B0600000101010101" pitchFamily="50" charset="-127"/>
+              <a:ea typeface="나눔스퀘어 Bold" panose="020B0600000101010101" pitchFamily="50" charset="-127"/>
+            </a:endParaRPr>
+          </a:p>
+          <a:p>
+            <a:pPr>
+              <a:lnSpc>
+                <a:spcPct val="150000"/>
+              </a:lnSpc>
+            </a:pPr>
+            <a:r>
+              <a:rPr lang="ko-KR" altLang="en-US" dirty="0" smtClean="0">
+                <a:latin typeface="나눔스퀘어 Bold" panose="020B0600000101010101" pitchFamily="50" charset="-127"/>
+                <a:ea typeface="나눔스퀘어 Bold" panose="020B0600000101010101" pitchFamily="50" charset="-127"/>
+              </a:rPr>
               <a:t>무모할 정도로 모든 것을 포기 할 수 있는 성격</a:t>
             </a:r>
-            <a:endParaRPr lang="en-US" altLang="ko-KR" dirty="0" smtClean="0"/>
+            <a:endParaRPr lang="en-US" altLang="ko-KR" dirty="0" smtClean="0">
+              <a:latin typeface="나눔스퀘어 Bold" panose="020B0600000101010101" pitchFamily="50" charset="-127"/>
+              <a:ea typeface="나눔스퀘어 Bold" panose="020B0600000101010101" pitchFamily="50" charset="-127"/>
+            </a:endParaRPr>
           </a:p>
         </p:txBody>
       </p:sp>
@@ -6391,6 +7013,273 @@
         <p:spPr>
           <a:xfrm>
             <a:off x="555477" y="333286"/>
+            <a:ext cx="2521009" cy="467885"/>
+          </a:xfrm>
+          <a:prstGeom prst="rect">
+            <a:avLst/>
+          </a:prstGeom>
+          <a:noFill/>
+        </p:spPr>
+        <p:txBody>
+          <a:bodyPr wrap="square" rtlCol="0">
+            <a:spAutoFit/>
+          </a:bodyPr>
+          <a:lstStyle/>
+          <a:p>
+            <a:pPr>
+              <a:lnSpc>
+                <a:spcPct val="150000"/>
+              </a:lnSpc>
+            </a:pPr>
+            <a:r>
+              <a:rPr lang="ko-KR" altLang="en-US" dirty="0" smtClean="0">
+                <a:latin typeface="나눔스퀘어 Bold" panose="020B0600000101010101" pitchFamily="50" charset="-127"/>
+                <a:ea typeface="나눔스퀘어 Bold" panose="020B0600000101010101" pitchFamily="50" charset="-127"/>
+              </a:rPr>
+              <a:t>신규 캐릭터 </a:t>
+            </a:r>
+            <a:r>
+              <a:rPr lang="ko-KR" altLang="en-US" dirty="0" smtClean="0">
+                <a:latin typeface="나눔스퀘어 Bold" panose="020B0600000101010101" pitchFamily="50" charset="-127"/>
+                <a:ea typeface="나눔스퀘어 Bold" panose="020B0600000101010101" pitchFamily="50" charset="-127"/>
+              </a:rPr>
+              <a:t>스토리</a:t>
+            </a:r>
+            <a:endParaRPr lang="ko-KR" altLang="en-US" dirty="0">
+              <a:latin typeface="나눔스퀘어 Bold" panose="020B0600000101010101" pitchFamily="50" charset="-127"/>
+              <a:ea typeface="나눔스퀘어 Bold" panose="020B0600000101010101" pitchFamily="50" charset="-127"/>
+            </a:endParaRPr>
+          </a:p>
+        </p:txBody>
+      </p:sp>
+      <p:sp>
+        <p:nvSpPr>
+          <p:cNvPr id="2" name="TextBox 1"/>
+          <p:cNvSpPr txBox="1"/>
+          <p:nvPr/>
+        </p:nvSpPr>
+        <p:spPr>
+          <a:xfrm>
+            <a:off x="1273323" y="1495514"/>
+            <a:ext cx="4195985" cy="4207370"/>
+          </a:xfrm>
+          <a:prstGeom prst="rect">
+            <a:avLst/>
+          </a:prstGeom>
+          <a:noFill/>
+        </p:spPr>
+        <p:txBody>
+          <a:bodyPr wrap="square" rtlCol="0">
+            <a:spAutoFit/>
+          </a:bodyPr>
+          <a:lstStyle/>
+          <a:p>
+            <a:pPr>
+              <a:lnSpc>
+                <a:spcPct val="150000"/>
+              </a:lnSpc>
+            </a:pPr>
+            <a:r>
+              <a:rPr lang="ko-KR" altLang="en-US" dirty="0" smtClean="0">
+                <a:latin typeface="나눔스퀘어 Bold" panose="020B0600000101010101" pitchFamily="50" charset="-127"/>
+                <a:ea typeface="나눔스퀘어 Bold" panose="020B0600000101010101" pitchFamily="50" charset="-127"/>
+              </a:rPr>
+              <a:t>태어나자마자 버려져 전쟁터에서 자란 그는 전장이 집이었고</a:t>
+            </a:r>
+            <a:r>
+              <a:rPr lang="en-US" altLang="ko-KR" dirty="0" smtClean="0">
+                <a:latin typeface="나눔스퀘어 Bold" panose="020B0600000101010101" pitchFamily="50" charset="-127"/>
+                <a:ea typeface="나눔스퀘어 Bold" panose="020B0600000101010101" pitchFamily="50" charset="-127"/>
+              </a:rPr>
+              <a:t>, </a:t>
+            </a:r>
+            <a:r>
+              <a:rPr lang="ko-KR" altLang="en-US" dirty="0" smtClean="0">
+                <a:latin typeface="나눔스퀘어 Bold" panose="020B0600000101010101" pitchFamily="50" charset="-127"/>
+                <a:ea typeface="나눔스퀘어 Bold" panose="020B0600000101010101" pitchFamily="50" charset="-127"/>
+              </a:rPr>
+              <a:t>동료들이 가족이었다</a:t>
+            </a:r>
+            <a:r>
+              <a:rPr lang="en-US" altLang="ko-KR" dirty="0" smtClean="0">
+                <a:latin typeface="나눔스퀘어 Bold" panose="020B0600000101010101" pitchFamily="50" charset="-127"/>
+                <a:ea typeface="나눔스퀘어 Bold" panose="020B0600000101010101" pitchFamily="50" charset="-127"/>
+              </a:rPr>
+              <a:t>.</a:t>
+            </a:r>
+          </a:p>
+          <a:p>
+            <a:pPr>
+              <a:lnSpc>
+                <a:spcPct val="150000"/>
+              </a:lnSpc>
+            </a:pPr>
+            <a:r>
+              <a:rPr lang="ko-KR" altLang="en-US" dirty="0" smtClean="0">
+                <a:latin typeface="나눔스퀘어 Bold" panose="020B0600000101010101" pitchFamily="50" charset="-127"/>
+                <a:ea typeface="나눔스퀘어 Bold" panose="020B0600000101010101" pitchFamily="50" charset="-127"/>
+              </a:rPr>
+              <a:t>하지만 가혹한 전장에서 살아남는 동료들은 극소수였고</a:t>
+            </a:r>
+            <a:r>
+              <a:rPr lang="en-US" altLang="ko-KR" dirty="0" smtClean="0">
+                <a:latin typeface="나눔스퀘어 Bold" panose="020B0600000101010101" pitchFamily="50" charset="-127"/>
+                <a:ea typeface="나눔스퀘어 Bold" panose="020B0600000101010101" pitchFamily="50" charset="-127"/>
+              </a:rPr>
+              <a:t>, </a:t>
+            </a:r>
+            <a:r>
+              <a:rPr lang="ko-KR" altLang="en-US" dirty="0" smtClean="0">
+                <a:latin typeface="나눔스퀘어 Bold" panose="020B0600000101010101" pitchFamily="50" charset="-127"/>
+                <a:ea typeface="나눔스퀘어 Bold" panose="020B0600000101010101" pitchFamily="50" charset="-127"/>
+              </a:rPr>
+              <a:t>그 극소수의 동료들 마저 반복되는 전장 속에서 죽어갔다</a:t>
+            </a:r>
+            <a:r>
+              <a:rPr lang="en-US" altLang="ko-KR" dirty="0" smtClean="0">
+                <a:latin typeface="나눔스퀘어 Bold" panose="020B0600000101010101" pitchFamily="50" charset="-127"/>
+                <a:ea typeface="나눔스퀘어 Bold" panose="020B0600000101010101" pitchFamily="50" charset="-127"/>
+              </a:rPr>
+              <a:t>.</a:t>
+            </a:r>
+          </a:p>
+          <a:p>
+            <a:pPr>
+              <a:lnSpc>
+                <a:spcPct val="150000"/>
+              </a:lnSpc>
+            </a:pPr>
+            <a:r>
+              <a:rPr lang="ko-KR" altLang="en-US" dirty="0" smtClean="0">
+                <a:latin typeface="나눔스퀘어 Bold" panose="020B0600000101010101" pitchFamily="50" charset="-127"/>
+                <a:ea typeface="나눔스퀘어 Bold" panose="020B0600000101010101" pitchFamily="50" charset="-127"/>
+              </a:rPr>
+              <a:t>이러한 상황에 정신적으로 지쳐버린 그는</a:t>
+            </a:r>
+            <a:endParaRPr lang="en-US" altLang="ko-KR" dirty="0" smtClean="0">
+              <a:latin typeface="나눔스퀘어 Bold" panose="020B0600000101010101" pitchFamily="50" charset="-127"/>
+              <a:ea typeface="나눔스퀘어 Bold" panose="020B0600000101010101" pitchFamily="50" charset="-127"/>
+            </a:endParaRPr>
+          </a:p>
+          <a:p>
+            <a:pPr>
+              <a:lnSpc>
+                <a:spcPct val="150000"/>
+              </a:lnSpc>
+            </a:pPr>
+            <a:r>
+              <a:rPr lang="en-US" altLang="ko-KR" dirty="0" smtClean="0">
+                <a:latin typeface="나눔스퀘어 Bold" panose="020B0600000101010101" pitchFamily="50" charset="-127"/>
+                <a:ea typeface="나눔스퀘어 Bold" panose="020B0600000101010101" pitchFamily="50" charset="-127"/>
+              </a:rPr>
+              <a:t>“</a:t>
+            </a:r>
+            <a:r>
+              <a:rPr lang="ko-KR" altLang="en-US" dirty="0" smtClean="0">
+                <a:latin typeface="나눔스퀘어 Bold" panose="020B0600000101010101" pitchFamily="50" charset="-127"/>
+                <a:ea typeface="나눔스퀘어 Bold" panose="020B0600000101010101" pitchFamily="50" charset="-127"/>
+              </a:rPr>
+              <a:t>나도 이제 제발 동료 곁으로 가고 싶어</a:t>
+            </a:r>
+            <a:r>
+              <a:rPr lang="en-US" altLang="ko-KR" dirty="0" smtClean="0">
+                <a:latin typeface="나눔스퀘어 Bold" panose="020B0600000101010101" pitchFamily="50" charset="-127"/>
+                <a:ea typeface="나눔스퀘어 Bold" panose="020B0600000101010101" pitchFamily="50" charset="-127"/>
+              </a:rPr>
+              <a:t>＂</a:t>
+            </a:r>
+            <a:r>
+              <a:rPr lang="ko-KR" altLang="en-US" dirty="0" smtClean="0">
+                <a:latin typeface="나눔스퀘어 Bold" panose="020B0600000101010101" pitchFamily="50" charset="-127"/>
+                <a:ea typeface="나눔스퀘어 Bold" panose="020B0600000101010101" pitchFamily="50" charset="-127"/>
+              </a:rPr>
+              <a:t>라고 할 때 적군이 사용한 폭격에 휘말리게 되었고</a:t>
+            </a:r>
+            <a:r>
+              <a:rPr lang="en-US" altLang="ko-KR" dirty="0" smtClean="0">
+                <a:latin typeface="나눔스퀘어 Bold" panose="020B0600000101010101" pitchFamily="50" charset="-127"/>
+                <a:ea typeface="나눔스퀘어 Bold" panose="020B0600000101010101" pitchFamily="50" charset="-127"/>
+              </a:rPr>
+              <a:t>, </a:t>
+            </a:r>
+            <a:r>
+              <a:rPr lang="ko-KR" altLang="en-US" dirty="0" smtClean="0">
+                <a:latin typeface="나눔스퀘어 Bold" panose="020B0600000101010101" pitchFamily="50" charset="-127"/>
+                <a:ea typeface="나눔스퀘어 Bold" panose="020B0600000101010101" pitchFamily="50" charset="-127"/>
+              </a:rPr>
+              <a:t>눈을 감았다 떴을 때</a:t>
+            </a:r>
+            <a:endParaRPr lang="en-US" altLang="ko-KR" dirty="0" smtClean="0">
+              <a:latin typeface="나눔스퀘어 Bold" panose="020B0600000101010101" pitchFamily="50" charset="-127"/>
+              <a:ea typeface="나눔스퀘어 Bold" panose="020B0600000101010101" pitchFamily="50" charset="-127"/>
+            </a:endParaRPr>
+          </a:p>
+          <a:p>
+            <a:pPr>
+              <a:lnSpc>
+                <a:spcPct val="150000"/>
+              </a:lnSpc>
+            </a:pPr>
+            <a:r>
+              <a:rPr lang="ko-KR" altLang="en-US" dirty="0" smtClean="0">
+                <a:latin typeface="나눔스퀘어 Bold" panose="020B0600000101010101" pitchFamily="50" charset="-127"/>
+                <a:ea typeface="나눔스퀘어 Bold" panose="020B0600000101010101" pitchFamily="50" charset="-127"/>
+              </a:rPr>
+              <a:t>그는 라 제국의 한 전장에 있었다</a:t>
+            </a:r>
+            <a:r>
+              <a:rPr lang="en-US" altLang="ko-KR" dirty="0" smtClean="0">
+                <a:latin typeface="나눔스퀘어 Bold" panose="020B0600000101010101" pitchFamily="50" charset="-127"/>
+                <a:ea typeface="나눔스퀘어 Bold" panose="020B0600000101010101" pitchFamily="50" charset="-127"/>
+              </a:rPr>
+              <a:t>.</a:t>
+            </a:r>
+            <a:endParaRPr lang="ko-KR" altLang="en-US" dirty="0">
+              <a:latin typeface="나눔스퀘어 Bold" panose="020B0600000101010101" pitchFamily="50" charset="-127"/>
+              <a:ea typeface="나눔스퀘어 Bold" panose="020B0600000101010101" pitchFamily="50" charset="-127"/>
+            </a:endParaRPr>
+          </a:p>
+        </p:txBody>
+      </p:sp>
+    </p:spTree>
+    <p:extLst>
+      <p:ext uri="{BB962C8B-B14F-4D97-AF65-F5344CB8AC3E}">
+        <p14:creationId xmlns:p14="http://schemas.microsoft.com/office/powerpoint/2010/main" val="1145254692"/>
+      </p:ext>
+    </p:extLst>
+  </p:cSld>
+  <p:clrMapOvr>
+    <a:masterClrMapping/>
+  </p:clrMapOvr>
+</p:sld>
+</file>
+
+<file path=ppt/slides/slide9.xml><?xml version="1.0" encoding="utf-8"?>
+<p:sld xmlns:a="http://schemas.openxmlformats.org/drawingml/2006/main" xmlns:r="http://schemas.openxmlformats.org/officeDocument/2006/relationships" xmlns:p="http://schemas.openxmlformats.org/presentationml/2006/main">
+  <p:cSld>
+    <p:spTree>
+      <p:nvGrpSpPr>
+        <p:cNvPr id="1" name=""/>
+        <p:cNvGrpSpPr/>
+        <p:nvPr/>
+      </p:nvGrpSpPr>
+      <p:grpSpPr>
+        <a:xfrm>
+          <a:off x="0" y="0"/>
+          <a:ext cx="0" cy="0"/>
+          <a:chOff x="0" y="0"/>
+          <a:chExt cx="0" cy="0"/>
+        </a:xfrm>
+      </p:grpSpPr>
+      <p:sp>
+        <p:nvSpPr>
+          <p:cNvPr id="3" name="TextBox 2"/>
+          <p:cNvSpPr txBox="1"/>
+          <p:nvPr/>
+        </p:nvSpPr>
+        <p:spPr>
+          <a:xfrm>
+            <a:off x="555477" y="333286"/>
             <a:ext cx="2521009" cy="369332"/>
           </a:xfrm>
           <a:prstGeom prst="rect">
@@ -6405,17 +7294,30 @@
           <a:lstStyle/>
           <a:p>
             <a:r>
-              <a:rPr lang="ko-KR" altLang="en-US" dirty="0" smtClean="0"/>
-              <a:t>신규 캐릭터 외형</a:t>
-            </a:r>
-            <a:endParaRPr lang="ko-KR" altLang="en-US" dirty="0"/>
+              <a:rPr lang="ko-KR" altLang="en-US" dirty="0" smtClean="0">
+                <a:latin typeface="나눔스퀘어 Bold" panose="020B0600000101010101" pitchFamily="50" charset="-127"/>
+                <a:ea typeface="나눔스퀘어 Bold" panose="020B0600000101010101" pitchFamily="50" charset="-127"/>
+              </a:rPr>
+              <a:t>신규 캐릭터 </a:t>
+            </a:r>
+            <a:r>
+              <a:rPr lang="ko-KR" altLang="en-US" dirty="0" smtClean="0">
+                <a:latin typeface="나눔스퀘어 Bold" panose="020B0600000101010101" pitchFamily="50" charset="-127"/>
+                <a:ea typeface="나눔스퀘어 Bold" panose="020B0600000101010101" pitchFamily="50" charset="-127"/>
+              </a:rPr>
+              <a:t>보유 능력</a:t>
+            </a:r>
+            <a:endParaRPr lang="ko-KR" altLang="en-US" dirty="0">
+              <a:latin typeface="나눔스퀘어 Bold" panose="020B0600000101010101" pitchFamily="50" charset="-127"/>
+              <a:ea typeface="나눔스퀘어 Bold" panose="020B0600000101010101" pitchFamily="50" charset="-127"/>
+            </a:endParaRPr>
           </a:p>
         </p:txBody>
       </p:sp>
     </p:spTree>
     <p:extLst>
       <p:ext uri="{BB962C8B-B14F-4D97-AF65-F5344CB8AC3E}">
-        <p14:creationId xmlns:p14="http://schemas.microsoft.com/office/powerpoint/2010/main" val="1145254692"/>
+        <p14:creationId xmlns:p14="http://schemas.microsoft.com/office/powerpoint/2010/main" val="3343448427"/>
       </p:ext>
     </p:extLst>
   </p:cSld>

--- a/가디언 테일즈/1. PPT/신규_캐릭터_기획.pptx
+++ b/가디언 테일즈/1. PPT/신규_캐릭터_기획.pptx
@@ -176,10 +176,9 @@
           </a:lstStyle>
           <a:p>
             <a:r>
-              <a:rPr lang="ko-KR" altLang="en-US" smtClean="0"/>
+              <a:rPr lang="ko-KR" altLang="en-US"/>
               <a:t>마스터 제목 스타일 편집</a:t>
             </a:r>
-            <a:endParaRPr lang="ko-KR" altLang="en-US"/>
           </a:p>
         </p:txBody>
       </p:sp>
@@ -241,10 +240,9 @@
           </a:lstStyle>
           <a:p>
             <a:r>
-              <a:rPr lang="ko-KR" altLang="en-US" smtClean="0"/>
+              <a:rPr lang="ko-KR" altLang="en-US"/>
               <a:t>클릭하여 마스터 부제목 스타일 편집</a:t>
             </a:r>
-            <a:endParaRPr lang="ko-KR" altLang="en-US"/>
           </a:p>
         </p:txBody>
       </p:sp>
@@ -359,10 +357,9 @@
           <a:lstStyle/>
           <a:p>
             <a:r>
-              <a:rPr lang="ko-KR" altLang="en-US" smtClean="0"/>
+              <a:rPr lang="ko-KR" altLang="en-US"/>
               <a:t>마스터 제목 스타일 편집</a:t>
             </a:r>
-            <a:endParaRPr lang="ko-KR" altLang="en-US"/>
           </a:p>
         </p:txBody>
       </p:sp>
@@ -383,38 +380,37 @@
           <a:p>
             <a:pPr lvl="0"/>
             <a:r>
-              <a:rPr lang="ko-KR" altLang="en-US" smtClean="0"/>
+              <a:rPr lang="ko-KR" altLang="en-US"/>
               <a:t>마스터 텍스트 스타일 편집</a:t>
             </a:r>
           </a:p>
           <a:p>
             <a:pPr lvl="1"/>
             <a:r>
-              <a:rPr lang="ko-KR" altLang="en-US" smtClean="0"/>
+              <a:rPr lang="ko-KR" altLang="en-US"/>
               <a:t>둘째 수준</a:t>
             </a:r>
           </a:p>
           <a:p>
             <a:pPr lvl="2"/>
             <a:r>
-              <a:rPr lang="ko-KR" altLang="en-US" smtClean="0"/>
+              <a:rPr lang="ko-KR" altLang="en-US"/>
               <a:t>셋째 수준</a:t>
             </a:r>
           </a:p>
           <a:p>
             <a:pPr lvl="3"/>
             <a:r>
-              <a:rPr lang="ko-KR" altLang="en-US" smtClean="0"/>
+              <a:rPr lang="ko-KR" altLang="en-US"/>
               <a:t>넷째 수준</a:t>
             </a:r>
           </a:p>
           <a:p>
             <a:pPr lvl="4"/>
             <a:r>
-              <a:rPr lang="ko-KR" altLang="en-US" smtClean="0"/>
+              <a:rPr lang="ko-KR" altLang="en-US"/>
               <a:t>다섯째 수준</a:t>
             </a:r>
-            <a:endParaRPr lang="ko-KR" altLang="en-US"/>
           </a:p>
         </p:txBody>
       </p:sp>
@@ -534,10 +530,9 @@
           <a:lstStyle/>
           <a:p>
             <a:r>
-              <a:rPr lang="ko-KR" altLang="en-US" smtClean="0"/>
+              <a:rPr lang="ko-KR" altLang="en-US"/>
               <a:t>마스터 제목 스타일 편집</a:t>
             </a:r>
-            <a:endParaRPr lang="ko-KR" altLang="en-US"/>
           </a:p>
         </p:txBody>
       </p:sp>
@@ -563,38 +558,37 @@
           <a:p>
             <a:pPr lvl="0"/>
             <a:r>
-              <a:rPr lang="ko-KR" altLang="en-US" smtClean="0"/>
+              <a:rPr lang="ko-KR" altLang="en-US"/>
               <a:t>마스터 텍스트 스타일 편집</a:t>
             </a:r>
           </a:p>
           <a:p>
             <a:pPr lvl="1"/>
             <a:r>
-              <a:rPr lang="ko-KR" altLang="en-US" smtClean="0"/>
+              <a:rPr lang="ko-KR" altLang="en-US"/>
               <a:t>둘째 수준</a:t>
             </a:r>
           </a:p>
           <a:p>
             <a:pPr lvl="2"/>
             <a:r>
-              <a:rPr lang="ko-KR" altLang="en-US" smtClean="0"/>
+              <a:rPr lang="ko-KR" altLang="en-US"/>
               <a:t>셋째 수준</a:t>
             </a:r>
           </a:p>
           <a:p>
             <a:pPr lvl="3"/>
             <a:r>
-              <a:rPr lang="ko-KR" altLang="en-US" smtClean="0"/>
+              <a:rPr lang="ko-KR" altLang="en-US"/>
               <a:t>넷째 수준</a:t>
             </a:r>
           </a:p>
           <a:p>
             <a:pPr lvl="4"/>
             <a:r>
-              <a:rPr lang="ko-KR" altLang="en-US" smtClean="0"/>
+              <a:rPr lang="ko-KR" altLang="en-US"/>
               <a:t>다섯째 수준</a:t>
             </a:r>
-            <a:endParaRPr lang="ko-KR" altLang="en-US"/>
           </a:p>
         </p:txBody>
       </p:sp>
@@ -709,10 +703,9 @@
           <a:lstStyle/>
           <a:p>
             <a:r>
-              <a:rPr lang="ko-KR" altLang="en-US" smtClean="0"/>
+              <a:rPr lang="ko-KR" altLang="en-US"/>
               <a:t>마스터 제목 스타일 편집</a:t>
             </a:r>
-            <a:endParaRPr lang="ko-KR" altLang="en-US"/>
           </a:p>
         </p:txBody>
       </p:sp>
@@ -733,38 +726,37 @@
           <a:p>
             <a:pPr lvl="0"/>
             <a:r>
-              <a:rPr lang="ko-KR" altLang="en-US" smtClean="0"/>
+              <a:rPr lang="ko-KR" altLang="en-US"/>
               <a:t>마스터 텍스트 스타일 편집</a:t>
             </a:r>
           </a:p>
           <a:p>
             <a:pPr lvl="1"/>
             <a:r>
-              <a:rPr lang="ko-KR" altLang="en-US" smtClean="0"/>
+              <a:rPr lang="ko-KR" altLang="en-US"/>
               <a:t>둘째 수준</a:t>
             </a:r>
           </a:p>
           <a:p>
             <a:pPr lvl="2"/>
             <a:r>
-              <a:rPr lang="ko-KR" altLang="en-US" smtClean="0"/>
+              <a:rPr lang="ko-KR" altLang="en-US"/>
               <a:t>셋째 수준</a:t>
             </a:r>
           </a:p>
           <a:p>
             <a:pPr lvl="3"/>
             <a:r>
-              <a:rPr lang="ko-KR" altLang="en-US" smtClean="0"/>
+              <a:rPr lang="ko-KR" altLang="en-US"/>
               <a:t>넷째 수준</a:t>
             </a:r>
           </a:p>
           <a:p>
             <a:pPr lvl="4"/>
             <a:r>
-              <a:rPr lang="ko-KR" altLang="en-US" smtClean="0"/>
+              <a:rPr lang="ko-KR" altLang="en-US"/>
               <a:t>다섯째 수준</a:t>
             </a:r>
-            <a:endParaRPr lang="ko-KR" altLang="en-US"/>
           </a:p>
         </p:txBody>
       </p:sp>
@@ -888,10 +880,9 @@
           </a:lstStyle>
           <a:p>
             <a:r>
-              <a:rPr lang="ko-KR" altLang="en-US" smtClean="0"/>
+              <a:rPr lang="ko-KR" altLang="en-US"/>
               <a:t>마스터 제목 스타일 편집</a:t>
             </a:r>
-            <a:endParaRPr lang="ko-KR" altLang="en-US"/>
           </a:p>
         </p:txBody>
       </p:sp>
@@ -1008,7 +999,7 @@
           <a:p>
             <a:pPr lvl="0"/>
             <a:r>
-              <a:rPr lang="ko-KR" altLang="en-US" smtClean="0"/>
+              <a:rPr lang="ko-KR" altLang="en-US"/>
               <a:t>마스터 텍스트 스타일 편집</a:t>
             </a:r>
           </a:p>
@@ -1125,10 +1116,9 @@
           <a:lstStyle/>
           <a:p>
             <a:r>
-              <a:rPr lang="ko-KR" altLang="en-US" smtClean="0"/>
+              <a:rPr lang="ko-KR" altLang="en-US"/>
               <a:t>마스터 제목 스타일 편집</a:t>
             </a:r>
-            <a:endParaRPr lang="ko-KR" altLang="en-US"/>
           </a:p>
         </p:txBody>
       </p:sp>
@@ -1154,38 +1144,37 @@
           <a:p>
             <a:pPr lvl="0"/>
             <a:r>
-              <a:rPr lang="ko-KR" altLang="en-US" smtClean="0"/>
+              <a:rPr lang="ko-KR" altLang="en-US"/>
               <a:t>마스터 텍스트 스타일 편집</a:t>
             </a:r>
           </a:p>
           <a:p>
             <a:pPr lvl="1"/>
             <a:r>
-              <a:rPr lang="ko-KR" altLang="en-US" smtClean="0"/>
+              <a:rPr lang="ko-KR" altLang="en-US"/>
               <a:t>둘째 수준</a:t>
             </a:r>
           </a:p>
           <a:p>
             <a:pPr lvl="2"/>
             <a:r>
-              <a:rPr lang="ko-KR" altLang="en-US" smtClean="0"/>
+              <a:rPr lang="ko-KR" altLang="en-US"/>
               <a:t>셋째 수준</a:t>
             </a:r>
           </a:p>
           <a:p>
             <a:pPr lvl="3"/>
             <a:r>
-              <a:rPr lang="ko-KR" altLang="en-US" smtClean="0"/>
+              <a:rPr lang="ko-KR" altLang="en-US"/>
               <a:t>넷째 수준</a:t>
             </a:r>
           </a:p>
           <a:p>
             <a:pPr lvl="4"/>
             <a:r>
-              <a:rPr lang="ko-KR" altLang="en-US" smtClean="0"/>
+              <a:rPr lang="ko-KR" altLang="en-US"/>
               <a:t>다섯째 수준</a:t>
             </a:r>
-            <a:endParaRPr lang="ko-KR" altLang="en-US"/>
           </a:p>
         </p:txBody>
       </p:sp>
@@ -1211,38 +1200,37 @@
           <a:p>
             <a:pPr lvl="0"/>
             <a:r>
-              <a:rPr lang="ko-KR" altLang="en-US" smtClean="0"/>
+              <a:rPr lang="ko-KR" altLang="en-US"/>
               <a:t>마스터 텍스트 스타일 편집</a:t>
             </a:r>
           </a:p>
           <a:p>
             <a:pPr lvl="1"/>
             <a:r>
-              <a:rPr lang="ko-KR" altLang="en-US" smtClean="0"/>
+              <a:rPr lang="ko-KR" altLang="en-US"/>
               <a:t>둘째 수준</a:t>
             </a:r>
           </a:p>
           <a:p>
             <a:pPr lvl="2"/>
             <a:r>
-              <a:rPr lang="ko-KR" altLang="en-US" smtClean="0"/>
+              <a:rPr lang="ko-KR" altLang="en-US"/>
               <a:t>셋째 수준</a:t>
             </a:r>
           </a:p>
           <a:p>
             <a:pPr lvl="3"/>
             <a:r>
-              <a:rPr lang="ko-KR" altLang="en-US" smtClean="0"/>
+              <a:rPr lang="ko-KR" altLang="en-US"/>
               <a:t>넷째 수준</a:t>
             </a:r>
           </a:p>
           <a:p>
             <a:pPr lvl="4"/>
             <a:r>
-              <a:rPr lang="ko-KR" altLang="en-US" smtClean="0"/>
+              <a:rPr lang="ko-KR" altLang="en-US"/>
               <a:t>다섯째 수준</a:t>
             </a:r>
-            <a:endParaRPr lang="ko-KR" altLang="en-US"/>
           </a:p>
         </p:txBody>
       </p:sp>
@@ -1362,10 +1350,9 @@
           <a:lstStyle/>
           <a:p>
             <a:r>
-              <a:rPr lang="ko-KR" altLang="en-US" smtClean="0"/>
+              <a:rPr lang="ko-KR" altLang="en-US"/>
               <a:t>마스터 제목 스타일 편집</a:t>
             </a:r>
-            <a:endParaRPr lang="ko-KR" altLang="en-US"/>
           </a:p>
         </p:txBody>
       </p:sp>
@@ -1428,7 +1415,7 @@
           <a:p>
             <a:pPr lvl="0"/>
             <a:r>
-              <a:rPr lang="ko-KR" altLang="en-US" smtClean="0"/>
+              <a:rPr lang="ko-KR" altLang="en-US"/>
               <a:t>마스터 텍스트 스타일 편집</a:t>
             </a:r>
           </a:p>
@@ -1456,38 +1443,37 @@
           <a:p>
             <a:pPr lvl="0"/>
             <a:r>
-              <a:rPr lang="ko-KR" altLang="en-US" smtClean="0"/>
+              <a:rPr lang="ko-KR" altLang="en-US"/>
               <a:t>마스터 텍스트 스타일 편집</a:t>
             </a:r>
           </a:p>
           <a:p>
             <a:pPr lvl="1"/>
             <a:r>
-              <a:rPr lang="ko-KR" altLang="en-US" smtClean="0"/>
+              <a:rPr lang="ko-KR" altLang="en-US"/>
               <a:t>둘째 수준</a:t>
             </a:r>
           </a:p>
           <a:p>
             <a:pPr lvl="2"/>
             <a:r>
-              <a:rPr lang="ko-KR" altLang="en-US" smtClean="0"/>
+              <a:rPr lang="ko-KR" altLang="en-US"/>
               <a:t>셋째 수준</a:t>
             </a:r>
           </a:p>
           <a:p>
             <a:pPr lvl="3"/>
             <a:r>
-              <a:rPr lang="ko-KR" altLang="en-US" smtClean="0"/>
+              <a:rPr lang="ko-KR" altLang="en-US"/>
               <a:t>넷째 수준</a:t>
             </a:r>
           </a:p>
           <a:p>
             <a:pPr lvl="4"/>
             <a:r>
-              <a:rPr lang="ko-KR" altLang="en-US" smtClean="0"/>
+              <a:rPr lang="ko-KR" altLang="en-US"/>
               <a:t>다섯째 수준</a:t>
             </a:r>
-            <a:endParaRPr lang="ko-KR" altLang="en-US"/>
           </a:p>
         </p:txBody>
       </p:sp>
@@ -1550,7 +1536,7 @@
           <a:p>
             <a:pPr lvl="0"/>
             <a:r>
-              <a:rPr lang="ko-KR" altLang="en-US" smtClean="0"/>
+              <a:rPr lang="ko-KR" altLang="en-US"/>
               <a:t>마스터 텍스트 스타일 편집</a:t>
             </a:r>
           </a:p>
@@ -1578,38 +1564,37 @@
           <a:p>
             <a:pPr lvl="0"/>
             <a:r>
-              <a:rPr lang="ko-KR" altLang="en-US" smtClean="0"/>
+              <a:rPr lang="ko-KR" altLang="en-US"/>
               <a:t>마스터 텍스트 스타일 편집</a:t>
             </a:r>
           </a:p>
           <a:p>
             <a:pPr lvl="1"/>
             <a:r>
-              <a:rPr lang="ko-KR" altLang="en-US" smtClean="0"/>
+              <a:rPr lang="ko-KR" altLang="en-US"/>
               <a:t>둘째 수준</a:t>
             </a:r>
           </a:p>
           <a:p>
             <a:pPr lvl="2"/>
             <a:r>
-              <a:rPr lang="ko-KR" altLang="en-US" smtClean="0"/>
+              <a:rPr lang="ko-KR" altLang="en-US"/>
               <a:t>셋째 수준</a:t>
             </a:r>
           </a:p>
           <a:p>
             <a:pPr lvl="3"/>
             <a:r>
-              <a:rPr lang="ko-KR" altLang="en-US" smtClean="0"/>
+              <a:rPr lang="ko-KR" altLang="en-US"/>
               <a:t>넷째 수준</a:t>
             </a:r>
           </a:p>
           <a:p>
             <a:pPr lvl="4"/>
             <a:r>
-              <a:rPr lang="ko-KR" altLang="en-US" smtClean="0"/>
+              <a:rPr lang="ko-KR" altLang="en-US"/>
               <a:t>다섯째 수준</a:t>
             </a:r>
-            <a:endParaRPr lang="ko-KR" altLang="en-US"/>
           </a:p>
         </p:txBody>
       </p:sp>
@@ -1724,10 +1709,9 @@
           <a:lstStyle/>
           <a:p>
             <a:r>
-              <a:rPr lang="ko-KR" altLang="en-US" smtClean="0"/>
+              <a:rPr lang="ko-KR" altLang="en-US"/>
               <a:t>마스터 제목 스타일 편집</a:t>
             </a:r>
-            <a:endParaRPr lang="ko-KR" altLang="en-US"/>
           </a:p>
         </p:txBody>
       </p:sp>
@@ -1946,10 +1930,9 @@
           </a:lstStyle>
           <a:p>
             <a:r>
-              <a:rPr lang="ko-KR" altLang="en-US" smtClean="0"/>
+              <a:rPr lang="ko-KR" altLang="en-US"/>
               <a:t>마스터 제목 스타일 편집</a:t>
             </a:r>
-            <a:endParaRPr lang="ko-KR" altLang="en-US"/>
           </a:p>
         </p:txBody>
       </p:sp>
@@ -2003,38 +1986,37 @@
           <a:p>
             <a:pPr lvl="0"/>
             <a:r>
-              <a:rPr lang="ko-KR" altLang="en-US" smtClean="0"/>
+              <a:rPr lang="ko-KR" altLang="en-US"/>
               <a:t>마스터 텍스트 스타일 편집</a:t>
             </a:r>
           </a:p>
           <a:p>
             <a:pPr lvl="1"/>
             <a:r>
-              <a:rPr lang="ko-KR" altLang="en-US" smtClean="0"/>
+              <a:rPr lang="ko-KR" altLang="en-US"/>
               <a:t>둘째 수준</a:t>
             </a:r>
           </a:p>
           <a:p>
             <a:pPr lvl="2"/>
             <a:r>
-              <a:rPr lang="ko-KR" altLang="en-US" smtClean="0"/>
+              <a:rPr lang="ko-KR" altLang="en-US"/>
               <a:t>셋째 수준</a:t>
             </a:r>
           </a:p>
           <a:p>
             <a:pPr lvl="3"/>
             <a:r>
-              <a:rPr lang="ko-KR" altLang="en-US" smtClean="0"/>
+              <a:rPr lang="ko-KR" altLang="en-US"/>
               <a:t>넷째 수준</a:t>
             </a:r>
           </a:p>
           <a:p>
             <a:pPr lvl="4"/>
             <a:r>
-              <a:rPr lang="ko-KR" altLang="en-US" smtClean="0"/>
+              <a:rPr lang="ko-KR" altLang="en-US"/>
               <a:t>다섯째 수준</a:t>
             </a:r>
-            <a:endParaRPr lang="ko-KR" altLang="en-US"/>
           </a:p>
         </p:txBody>
       </p:sp>
@@ -2097,7 +2079,7 @@
           <a:p>
             <a:pPr lvl="0"/>
             <a:r>
-              <a:rPr lang="ko-KR" altLang="en-US" smtClean="0"/>
+              <a:rPr lang="ko-KR" altLang="en-US"/>
               <a:t>마스터 텍스트 스타일 편집</a:t>
             </a:r>
           </a:p>
@@ -2223,10 +2205,9 @@
           </a:lstStyle>
           <a:p>
             <a:r>
-              <a:rPr lang="ko-KR" altLang="en-US" smtClean="0"/>
+              <a:rPr lang="ko-KR" altLang="en-US"/>
               <a:t>마스터 제목 스타일 편집</a:t>
             </a:r>
-            <a:endParaRPr lang="ko-KR" altLang="en-US"/>
           </a:p>
         </p:txBody>
       </p:sp>
@@ -2350,7 +2331,7 @@
           <a:p>
             <a:pPr lvl="0"/>
             <a:r>
-              <a:rPr lang="ko-KR" altLang="en-US" smtClean="0"/>
+              <a:rPr lang="ko-KR" altLang="en-US"/>
               <a:t>마스터 텍스트 스타일 편집</a:t>
             </a:r>
           </a:p>
@@ -2482,10 +2463,9 @@
           <a:lstStyle/>
           <a:p>
             <a:r>
-              <a:rPr lang="ko-KR" altLang="en-US" smtClean="0"/>
+              <a:rPr lang="ko-KR" altLang="en-US"/>
               <a:t>마스터 제목 스타일 편집</a:t>
             </a:r>
-            <a:endParaRPr lang="ko-KR" altLang="en-US"/>
           </a:p>
         </p:txBody>
       </p:sp>
@@ -2516,38 +2496,37 @@
           <a:p>
             <a:pPr lvl="0"/>
             <a:r>
-              <a:rPr lang="ko-KR" altLang="en-US" smtClean="0"/>
+              <a:rPr lang="ko-KR" altLang="en-US"/>
               <a:t>마스터 텍스트 스타일 편집</a:t>
             </a:r>
           </a:p>
           <a:p>
             <a:pPr lvl="1"/>
             <a:r>
-              <a:rPr lang="ko-KR" altLang="en-US" smtClean="0"/>
+              <a:rPr lang="ko-KR" altLang="en-US"/>
               <a:t>둘째 수준</a:t>
             </a:r>
           </a:p>
           <a:p>
             <a:pPr lvl="2"/>
             <a:r>
-              <a:rPr lang="ko-KR" altLang="en-US" smtClean="0"/>
+              <a:rPr lang="ko-KR" altLang="en-US"/>
               <a:t>셋째 수준</a:t>
             </a:r>
           </a:p>
           <a:p>
             <a:pPr lvl="3"/>
             <a:r>
-              <a:rPr lang="ko-KR" altLang="en-US" smtClean="0"/>
+              <a:rPr lang="ko-KR" altLang="en-US"/>
               <a:t>넷째 수준</a:t>
             </a:r>
           </a:p>
           <a:p>
             <a:pPr lvl="4"/>
             <a:r>
-              <a:rPr lang="ko-KR" altLang="en-US" smtClean="0"/>
+              <a:rPr lang="ko-KR" altLang="en-US"/>
               <a:t>다섯째 수준</a:t>
             </a:r>
-            <a:endParaRPr lang="ko-KR" altLang="en-US"/>
           </a:p>
         </p:txBody>
       </p:sp>
@@ -2977,6 +2956,14 @@
 <file path=ppt/slides/slide1.xml><?xml version="1.0" encoding="utf-8"?>
 <p:sld xmlns:a="http://schemas.openxmlformats.org/drawingml/2006/main" xmlns:r="http://schemas.openxmlformats.org/officeDocument/2006/relationships" xmlns:p="http://schemas.openxmlformats.org/presentationml/2006/main">
   <p:cSld>
+    <p:bg>
+      <p:bgPr>
+        <a:solidFill>
+          <a:schemeClr val="tx1"/>
+        </a:solidFill>
+        <a:effectLst/>
+      </p:bgPr>
+    </p:bg>
     <p:spTree>
       <p:nvGrpSpPr>
         <p:cNvPr id="1" name=""/>
@@ -2991,9 +2978,327 @@
           <a:chExt cx="0" cy="0"/>
         </a:xfrm>
       </p:grpSpPr>
+      <p:grpSp>
+        <p:nvGrpSpPr>
+          <p:cNvPr id="8" name="그룹 7">
+            <a:extLst>
+              <a:ext uri="{FF2B5EF4-FFF2-40B4-BE49-F238E27FC236}">
+                <a16:creationId xmlns:a16="http://schemas.microsoft.com/office/drawing/2014/main" id="{10709515-9060-42D4-A650-FD99DE9B4AD1}"/>
+              </a:ext>
+            </a:extLst>
+          </p:cNvPr>
+          <p:cNvGrpSpPr/>
+          <p:nvPr/>
+        </p:nvGrpSpPr>
+        <p:grpSpPr>
+          <a:xfrm>
+            <a:off x="1134433" y="-219075"/>
+            <a:ext cx="9942183" cy="7296150"/>
+            <a:chOff x="1134433" y="-219075"/>
+            <a:chExt cx="9942183" cy="7296150"/>
+          </a:xfrm>
+        </p:grpSpPr>
+        <p:sp>
+          <p:nvSpPr>
+            <p:cNvPr id="6" name="자유형: 도형 5">
+              <a:extLst>
+                <a:ext uri="{FF2B5EF4-FFF2-40B4-BE49-F238E27FC236}">
+                  <a16:creationId xmlns:a16="http://schemas.microsoft.com/office/drawing/2014/main" id="{80BCDF71-5A47-4C91-920E-8D54D40023C1}"/>
+                </a:ext>
+              </a:extLst>
+            </p:cNvPr>
+            <p:cNvSpPr/>
+            <p:nvPr/>
+          </p:nvSpPr>
+          <p:spPr>
+            <a:xfrm>
+              <a:off x="1134433" y="1"/>
+              <a:ext cx="9942183" cy="6857999"/>
+            </a:xfrm>
+            <a:custGeom>
+              <a:avLst/>
+              <a:gdLst>
+                <a:gd name="connsiteX0" fmla="*/ 3429000 w 9942183"/>
+                <a:gd name="connsiteY0" fmla="*/ 0 h 6857999"/>
+                <a:gd name="connsiteX1" fmla="*/ 6513184 w 9942183"/>
+                <a:gd name="connsiteY1" fmla="*/ 0 h 6857999"/>
+                <a:gd name="connsiteX2" fmla="*/ 9942183 w 9942183"/>
+                <a:gd name="connsiteY2" fmla="*/ 3429000 h 6857999"/>
+                <a:gd name="connsiteX3" fmla="*/ 6513184 w 9942183"/>
+                <a:gd name="connsiteY3" fmla="*/ 6857999 h 6857999"/>
+                <a:gd name="connsiteX4" fmla="*/ 3429000 w 9942183"/>
+                <a:gd name="connsiteY4" fmla="*/ 6857999 h 6857999"/>
+                <a:gd name="connsiteX5" fmla="*/ 0 w 9942183"/>
+                <a:gd name="connsiteY5" fmla="*/ 3429000 h 6857999"/>
+              </a:gdLst>
+              <a:ahLst/>
+              <a:cxnLst>
+                <a:cxn ang="0">
+                  <a:pos x="connsiteX0" y="connsiteY0"/>
+                </a:cxn>
+                <a:cxn ang="0">
+                  <a:pos x="connsiteX1" y="connsiteY1"/>
+                </a:cxn>
+                <a:cxn ang="0">
+                  <a:pos x="connsiteX2" y="connsiteY2"/>
+                </a:cxn>
+                <a:cxn ang="0">
+                  <a:pos x="connsiteX3" y="connsiteY3"/>
+                </a:cxn>
+                <a:cxn ang="0">
+                  <a:pos x="connsiteX4" y="connsiteY4"/>
+                </a:cxn>
+                <a:cxn ang="0">
+                  <a:pos x="connsiteX5" y="connsiteY5"/>
+                </a:cxn>
+              </a:cxnLst>
+              <a:rect l="l" t="t" r="r" b="b"/>
+              <a:pathLst>
+                <a:path w="9942183" h="6857999">
+                  <a:moveTo>
+                    <a:pt x="3429000" y="0"/>
+                  </a:moveTo>
+                  <a:lnTo>
+                    <a:pt x="6513184" y="0"/>
+                  </a:lnTo>
+                  <a:lnTo>
+                    <a:pt x="9942183" y="3429000"/>
+                  </a:lnTo>
+                  <a:lnTo>
+                    <a:pt x="6513184" y="6857999"/>
+                  </a:lnTo>
+                  <a:lnTo>
+                    <a:pt x="3429000" y="6857999"/>
+                  </a:lnTo>
+                  <a:lnTo>
+                    <a:pt x="0" y="3429000"/>
+                  </a:lnTo>
+                  <a:close/>
+                </a:path>
+              </a:pathLst>
+            </a:custGeom>
+            <a:solidFill>
+              <a:schemeClr val="tx1">
+                <a:lumMod val="85000"/>
+                <a:lumOff val="15000"/>
+              </a:schemeClr>
+            </a:solidFill>
+            <a:ln>
+              <a:noFill/>
+            </a:ln>
+          </p:spPr>
+          <p:style>
+            <a:lnRef idx="2">
+              <a:schemeClr val="accent1">
+                <a:shade val="50000"/>
+              </a:schemeClr>
+            </a:lnRef>
+            <a:fillRef idx="1">
+              <a:schemeClr val="accent1"/>
+            </a:fillRef>
+            <a:effectRef idx="0">
+              <a:schemeClr val="accent1"/>
+            </a:effectRef>
+            <a:fontRef idx="minor">
+              <a:schemeClr val="lt1"/>
+            </a:fontRef>
+          </p:style>
+          <p:txBody>
+            <a:bodyPr wrap="square" rtlCol="0" anchor="ctr">
+              <a:noAutofit/>
+            </a:bodyPr>
+            <a:lstStyle/>
+            <a:p>
+              <a:pPr algn="ctr"/>
+              <a:r>
+                <a:rPr lang="ko-KR" altLang="en-US" sz="9600" dirty="0">
+                  <a:solidFill>
+                    <a:schemeClr val="bg1"/>
+                  </a:solidFill>
+                  <a:latin typeface="나눔스퀘어 ExtraBold" panose="020B0600000101010101" pitchFamily="50" charset="-127"/>
+                  <a:ea typeface="나눔스퀘어 ExtraBold" panose="020B0600000101010101" pitchFamily="50" charset="-127"/>
+                </a:rPr>
+                <a:t>신규 캐릭터 기획</a:t>
+              </a:r>
+            </a:p>
+          </p:txBody>
+        </p:sp>
+        <p:sp>
+          <p:nvSpPr>
+            <p:cNvPr id="10" name="자유형: 도형 9">
+              <a:extLst>
+                <a:ext uri="{FF2B5EF4-FFF2-40B4-BE49-F238E27FC236}">
+                  <a16:creationId xmlns:a16="http://schemas.microsoft.com/office/drawing/2014/main" id="{D1FA05B2-AADD-48CC-BBBB-6C43013468B7}"/>
+                </a:ext>
+              </a:extLst>
+            </p:cNvPr>
+            <p:cNvSpPr/>
+            <p:nvPr/>
+          </p:nvSpPr>
+          <p:spPr>
+            <a:xfrm rot="2700000">
+              <a:off x="2447924" y="-219075"/>
+              <a:ext cx="7296150" cy="7296150"/>
+            </a:xfrm>
+            <a:custGeom>
+              <a:avLst/>
+              <a:gdLst>
+                <a:gd name="connsiteX0" fmla="*/ 2408361 w 7296150"/>
+                <a:gd name="connsiteY0" fmla="*/ 38451 h 7296150"/>
+                <a:gd name="connsiteX1" fmla="*/ 2446812 w 7296150"/>
+                <a:gd name="connsiteY1" fmla="*/ 0 h 7296150"/>
+                <a:gd name="connsiteX2" fmla="*/ 7296150 w 7296150"/>
+                <a:gd name="connsiteY2" fmla="*/ 0 h 7296150"/>
+                <a:gd name="connsiteX3" fmla="*/ 7296150 w 7296150"/>
+                <a:gd name="connsiteY3" fmla="*/ 4849338 h 7296150"/>
+                <a:gd name="connsiteX4" fmla="*/ 7257699 w 7296150"/>
+                <a:gd name="connsiteY4" fmla="*/ 4887789 h 7296150"/>
+                <a:gd name="connsiteX5" fmla="*/ 7257699 w 7296150"/>
+                <a:gd name="connsiteY5" fmla="*/ 38451 h 7296150"/>
+                <a:gd name="connsiteX6" fmla="*/ 0 w 7296150"/>
+                <a:gd name="connsiteY6" fmla="*/ 2446812 h 7296150"/>
+                <a:gd name="connsiteX7" fmla="*/ 38451 w 7296150"/>
+                <a:gd name="connsiteY7" fmla="*/ 2408361 h 7296150"/>
+                <a:gd name="connsiteX8" fmla="*/ 38451 w 7296150"/>
+                <a:gd name="connsiteY8" fmla="*/ 7257699 h 7296150"/>
+                <a:gd name="connsiteX9" fmla="*/ 4887789 w 7296150"/>
+                <a:gd name="connsiteY9" fmla="*/ 7257699 h 7296150"/>
+                <a:gd name="connsiteX10" fmla="*/ 4849338 w 7296150"/>
+                <a:gd name="connsiteY10" fmla="*/ 7296150 h 7296150"/>
+                <a:gd name="connsiteX11" fmla="*/ 0 w 7296150"/>
+                <a:gd name="connsiteY11" fmla="*/ 7296150 h 7296150"/>
+              </a:gdLst>
+              <a:ahLst/>
+              <a:cxnLst>
+                <a:cxn ang="0">
+                  <a:pos x="connsiteX0" y="connsiteY0"/>
+                </a:cxn>
+                <a:cxn ang="0">
+                  <a:pos x="connsiteX1" y="connsiteY1"/>
+                </a:cxn>
+                <a:cxn ang="0">
+                  <a:pos x="connsiteX2" y="connsiteY2"/>
+                </a:cxn>
+                <a:cxn ang="0">
+                  <a:pos x="connsiteX3" y="connsiteY3"/>
+                </a:cxn>
+                <a:cxn ang="0">
+                  <a:pos x="connsiteX4" y="connsiteY4"/>
+                </a:cxn>
+                <a:cxn ang="0">
+                  <a:pos x="connsiteX5" y="connsiteY5"/>
+                </a:cxn>
+                <a:cxn ang="0">
+                  <a:pos x="connsiteX6" y="connsiteY6"/>
+                </a:cxn>
+                <a:cxn ang="0">
+                  <a:pos x="connsiteX7" y="connsiteY7"/>
+                </a:cxn>
+                <a:cxn ang="0">
+                  <a:pos x="connsiteX8" y="connsiteY8"/>
+                </a:cxn>
+                <a:cxn ang="0">
+                  <a:pos x="connsiteX9" y="connsiteY9"/>
+                </a:cxn>
+                <a:cxn ang="0">
+                  <a:pos x="connsiteX10" y="connsiteY10"/>
+                </a:cxn>
+                <a:cxn ang="0">
+                  <a:pos x="connsiteX11" y="connsiteY11"/>
+                </a:cxn>
+              </a:cxnLst>
+              <a:rect l="l" t="t" r="r" b="b"/>
+              <a:pathLst>
+                <a:path w="7296150" h="7296150">
+                  <a:moveTo>
+                    <a:pt x="2408361" y="38451"/>
+                  </a:moveTo>
+                  <a:lnTo>
+                    <a:pt x="2446812" y="0"/>
+                  </a:lnTo>
+                  <a:lnTo>
+                    <a:pt x="7296150" y="0"/>
+                  </a:lnTo>
+                  <a:lnTo>
+                    <a:pt x="7296150" y="4849338"/>
+                  </a:lnTo>
+                  <a:lnTo>
+                    <a:pt x="7257699" y="4887789"/>
+                  </a:lnTo>
+                  <a:lnTo>
+                    <a:pt x="7257699" y="38451"/>
+                  </a:lnTo>
+                  <a:close/>
+                  <a:moveTo>
+                    <a:pt x="0" y="2446812"/>
+                  </a:moveTo>
+                  <a:lnTo>
+                    <a:pt x="38451" y="2408361"/>
+                  </a:lnTo>
+                  <a:lnTo>
+                    <a:pt x="38451" y="7257699"/>
+                  </a:lnTo>
+                  <a:lnTo>
+                    <a:pt x="4887789" y="7257699"/>
+                  </a:lnTo>
+                  <a:lnTo>
+                    <a:pt x="4849338" y="7296150"/>
+                  </a:lnTo>
+                  <a:lnTo>
+                    <a:pt x="0" y="7296150"/>
+                  </a:lnTo>
+                  <a:close/>
+                </a:path>
+              </a:pathLst>
+            </a:custGeom>
+            <a:solidFill>
+              <a:srgbClr val="FFC000"/>
+            </a:solidFill>
+            <a:ln>
+              <a:noFill/>
+            </a:ln>
+          </p:spPr>
+          <p:style>
+            <a:lnRef idx="2">
+              <a:schemeClr val="accent1">
+                <a:shade val="50000"/>
+              </a:schemeClr>
+            </a:lnRef>
+            <a:fillRef idx="1">
+              <a:schemeClr val="accent1"/>
+            </a:fillRef>
+            <a:effectRef idx="0">
+              <a:schemeClr val="accent1"/>
+            </a:effectRef>
+            <a:fontRef idx="minor">
+              <a:schemeClr val="lt1"/>
+            </a:fontRef>
+          </p:style>
+          <p:txBody>
+            <a:bodyPr wrap="square" rtlCol="0" anchor="ctr">
+              <a:noAutofit/>
+            </a:bodyPr>
+            <a:lstStyle/>
+            <a:p>
+              <a:pPr algn="ctr"/>
+              <a:endParaRPr lang="ko-KR" altLang="en-US">
+                <a:solidFill>
+                  <a:schemeClr val="tx1"/>
+                </a:solidFill>
+              </a:endParaRPr>
+            </a:p>
+          </p:txBody>
+        </p:sp>
+      </p:grpSp>
       <p:pic>
         <p:nvPicPr>
-          <p:cNvPr id="1026" name="Picture 2" descr="가디언 테일즈 로고"/>
+          <p:cNvPr id="11" name="Picture 2" descr="게임성과 BM모델이 반비례! - 가디언 테일즈">
+            <a:extLst>
+              <a:ext uri="{FF2B5EF4-FFF2-40B4-BE49-F238E27FC236}">
+                <a16:creationId xmlns:a16="http://schemas.microsoft.com/office/drawing/2014/main" id="{201A3E77-D572-487A-8113-D321C59D8F1E}"/>
+              </a:ext>
+            </a:extLst>
+          </p:cNvPr>
           <p:cNvPicPr>
             <a:picLocks noChangeAspect="1" noChangeArrowheads="1"/>
           </p:cNvPicPr>
@@ -3014,8 +3319,8 @@
         </p:blipFill>
         <p:spPr bwMode="auto">
           <a:xfrm>
-            <a:off x="4905375" y="1306750"/>
-            <a:ext cx="2381250" cy="1143001"/>
+            <a:off x="3724274" y="261938"/>
+            <a:ext cx="4762500" cy="2295525"/>
           </a:xfrm>
           <a:prstGeom prst="rect">
             <a:avLst/>
@@ -3048,6 +3353,14 @@
 <file path=ppt/slides/slide10.xml><?xml version="1.0" encoding="utf-8"?>
 <p:sld xmlns:a="http://schemas.openxmlformats.org/drawingml/2006/main" xmlns:r="http://schemas.openxmlformats.org/officeDocument/2006/relationships" xmlns:p="http://schemas.openxmlformats.org/presentationml/2006/main">
   <p:cSld>
+    <p:bg>
+      <p:bgPr>
+        <a:solidFill>
+          <a:schemeClr val="tx1"/>
+        </a:solidFill>
+        <a:effectLst/>
+      </p:bgPr>
+    </p:bg>
     <p:spTree>
       <p:nvGrpSpPr>
         <p:cNvPr id="1" name=""/>
@@ -3064,14 +3377,88 @@
       </p:grpSpPr>
       <p:sp>
         <p:nvSpPr>
-          <p:cNvPr id="3" name="TextBox 2"/>
+          <p:cNvPr id="4" name="직사각형 3">
+            <a:extLst>
+              <a:ext uri="{FF2B5EF4-FFF2-40B4-BE49-F238E27FC236}">
+                <a16:creationId xmlns:a16="http://schemas.microsoft.com/office/drawing/2014/main" id="{6D1C33DD-15F7-459C-9014-7CE8414987AE}"/>
+              </a:ext>
+            </a:extLst>
+          </p:cNvPr>
+          <p:cNvSpPr/>
+          <p:nvPr/>
+        </p:nvSpPr>
+        <p:spPr>
+          <a:xfrm>
+            <a:off x="0" y="0"/>
+            <a:ext cx="561975" cy="561975"/>
+          </a:xfrm>
+          <a:prstGeom prst="rect">
+            <a:avLst/>
+          </a:prstGeom>
+          <a:solidFill>
+            <a:schemeClr val="bg1"/>
+          </a:solidFill>
+          <a:ln>
+            <a:noFill/>
+          </a:ln>
+        </p:spPr>
+        <p:style>
+          <a:lnRef idx="2">
+            <a:schemeClr val="accent1">
+              <a:shade val="50000"/>
+            </a:schemeClr>
+          </a:lnRef>
+          <a:fillRef idx="1">
+            <a:schemeClr val="accent1"/>
+          </a:fillRef>
+          <a:effectRef idx="0">
+            <a:schemeClr val="accent1"/>
+          </a:effectRef>
+          <a:fontRef idx="minor">
+            <a:schemeClr val="lt1"/>
+          </a:fontRef>
+        </p:style>
+        <p:txBody>
+          <a:bodyPr rtlCol="0" anchor="ctr"/>
+          <a:lstStyle/>
+          <a:p>
+            <a:pPr algn="ctr"/>
+            <a:r>
+              <a:rPr lang="en-US" altLang="ko-KR" dirty="0">
+                <a:solidFill>
+                  <a:schemeClr val="tx1"/>
+                </a:solidFill>
+                <a:latin typeface="나눔스퀘어 ExtraBold" panose="020B0600000101010101" pitchFamily="50" charset="-127"/>
+                <a:ea typeface="나눔스퀘어 ExtraBold" panose="020B0600000101010101" pitchFamily="50" charset="-127"/>
+              </a:rPr>
+              <a:t>9</a:t>
+            </a:r>
+            <a:endParaRPr lang="ko-KR" altLang="en-US" dirty="0">
+              <a:solidFill>
+                <a:schemeClr val="tx1"/>
+              </a:solidFill>
+              <a:latin typeface="나눔스퀘어 ExtraBold" panose="020B0600000101010101" pitchFamily="50" charset="-127"/>
+              <a:ea typeface="나눔스퀘어 ExtraBold" panose="020B0600000101010101" pitchFamily="50" charset="-127"/>
+            </a:endParaRPr>
+          </a:p>
+        </p:txBody>
+      </p:sp>
+      <p:sp>
+        <p:nvSpPr>
+          <p:cNvPr id="5" name="TextBox 4">
+            <a:extLst>
+              <a:ext uri="{FF2B5EF4-FFF2-40B4-BE49-F238E27FC236}">
+                <a16:creationId xmlns:a16="http://schemas.microsoft.com/office/drawing/2014/main" id="{7A0FA0CE-5EE3-49A9-A067-F6191896CEF4}"/>
+              </a:ext>
+            </a:extLst>
+          </p:cNvPr>
           <p:cNvSpPr txBox="1"/>
           <p:nvPr/>
         </p:nvSpPr>
         <p:spPr>
           <a:xfrm>
-            <a:off x="555477" y="333286"/>
-            <a:ext cx="2521009" cy="369332"/>
+            <a:off x="561975" y="96321"/>
+            <a:ext cx="3114675" cy="369332"/>
           </a:xfrm>
           <a:prstGeom prst="rect">
             <a:avLst/>
@@ -3079,36 +3466,21 @@
           <a:noFill/>
         </p:spPr>
         <p:txBody>
-          <a:bodyPr wrap="square" rtlCol="0">
+          <a:bodyPr wrap="square" rtlCol="0" anchor="t">
             <a:spAutoFit/>
           </a:bodyPr>
           <a:lstStyle/>
           <a:p>
             <a:r>
-              <a:rPr lang="ko-KR" altLang="en-US" dirty="0" smtClean="0">
+              <a:rPr lang="ko-KR" altLang="en-US" dirty="0">
+                <a:solidFill>
+                  <a:schemeClr val="bg1"/>
+                </a:solidFill>
                 <a:latin typeface="나눔스퀘어 Bold" panose="020B0600000101010101" pitchFamily="50" charset="-127"/>
                 <a:ea typeface="나눔스퀘어 Bold" panose="020B0600000101010101" pitchFamily="50" charset="-127"/>
               </a:rPr>
-              <a:t>신규 </a:t>
-            </a:r>
-            <a:r>
-              <a:rPr lang="ko-KR" altLang="en-US" dirty="0" smtClean="0">
-                <a:latin typeface="나눔스퀘어 Bold" panose="020B0600000101010101" pitchFamily="50" charset="-127"/>
-                <a:ea typeface="나눔스퀘어 Bold" panose="020B0600000101010101" pitchFamily="50" charset="-127"/>
-              </a:rPr>
-              <a:t>캐릭터 </a:t>
-            </a:r>
-            <a:r>
-              <a:rPr lang="ko-KR" altLang="en-US" dirty="0" err="1" smtClean="0">
-                <a:latin typeface="나눔스퀘어 Bold" panose="020B0600000101010101" pitchFamily="50" charset="-127"/>
-                <a:ea typeface="나눔스퀘어 Bold" panose="020B0600000101010101" pitchFamily="50" charset="-127"/>
-              </a:rPr>
-              <a:t>공격모션</a:t>
-            </a:r>
-            <a:endParaRPr lang="ko-KR" altLang="en-US" dirty="0">
-              <a:latin typeface="나눔스퀘어 Bold" panose="020B0600000101010101" pitchFamily="50" charset="-127"/>
-              <a:ea typeface="나눔스퀘어 Bold" panose="020B0600000101010101" pitchFamily="50" charset="-127"/>
-            </a:endParaRPr>
+              <a:t>신규 캐릭터 공격 모션</a:t>
+            </a:r>
           </a:p>
         </p:txBody>
       </p:sp>
@@ -3128,6 +3500,14 @@
 <file path=ppt/slides/slide11.xml><?xml version="1.0" encoding="utf-8"?>
 <p:sld xmlns:a="http://schemas.openxmlformats.org/drawingml/2006/main" xmlns:r="http://schemas.openxmlformats.org/officeDocument/2006/relationships" xmlns:p="http://schemas.openxmlformats.org/presentationml/2006/main">
   <p:cSld>
+    <p:bg>
+      <p:bgPr>
+        <a:solidFill>
+          <a:schemeClr val="tx1"/>
+        </a:solidFill>
+        <a:effectLst/>
+      </p:bgPr>
+    </p:bg>
     <p:spTree>
       <p:nvGrpSpPr>
         <p:cNvPr id="1" name=""/>
@@ -3144,14 +3524,88 @@
       </p:grpSpPr>
       <p:sp>
         <p:nvSpPr>
-          <p:cNvPr id="3" name="TextBox 2"/>
+          <p:cNvPr id="4" name="직사각형 3">
+            <a:extLst>
+              <a:ext uri="{FF2B5EF4-FFF2-40B4-BE49-F238E27FC236}">
+                <a16:creationId xmlns:a16="http://schemas.microsoft.com/office/drawing/2014/main" id="{F95BE0E9-4253-4EAD-A307-A1903F418235}"/>
+              </a:ext>
+            </a:extLst>
+          </p:cNvPr>
+          <p:cNvSpPr/>
+          <p:nvPr/>
+        </p:nvSpPr>
+        <p:spPr>
+          <a:xfrm>
+            <a:off x="0" y="0"/>
+            <a:ext cx="561975" cy="561975"/>
+          </a:xfrm>
+          <a:prstGeom prst="rect">
+            <a:avLst/>
+          </a:prstGeom>
+          <a:solidFill>
+            <a:schemeClr val="bg1"/>
+          </a:solidFill>
+          <a:ln>
+            <a:noFill/>
+          </a:ln>
+        </p:spPr>
+        <p:style>
+          <a:lnRef idx="2">
+            <a:schemeClr val="accent1">
+              <a:shade val="50000"/>
+            </a:schemeClr>
+          </a:lnRef>
+          <a:fillRef idx="1">
+            <a:schemeClr val="accent1"/>
+          </a:fillRef>
+          <a:effectRef idx="0">
+            <a:schemeClr val="accent1"/>
+          </a:effectRef>
+          <a:fontRef idx="minor">
+            <a:schemeClr val="lt1"/>
+          </a:fontRef>
+        </p:style>
+        <p:txBody>
+          <a:bodyPr rtlCol="0" anchor="ctr"/>
+          <a:lstStyle/>
+          <a:p>
+            <a:pPr algn="ctr"/>
+            <a:r>
+              <a:rPr lang="en-US" altLang="ko-KR" dirty="0">
+                <a:solidFill>
+                  <a:schemeClr val="tx1"/>
+                </a:solidFill>
+                <a:latin typeface="나눔스퀘어 ExtraBold" panose="020B0600000101010101" pitchFamily="50" charset="-127"/>
+                <a:ea typeface="나눔스퀘어 ExtraBold" panose="020B0600000101010101" pitchFamily="50" charset="-127"/>
+              </a:rPr>
+              <a:t>10</a:t>
+            </a:r>
+            <a:endParaRPr lang="ko-KR" altLang="en-US" dirty="0">
+              <a:solidFill>
+                <a:schemeClr val="tx1"/>
+              </a:solidFill>
+              <a:latin typeface="나눔스퀘어 ExtraBold" panose="020B0600000101010101" pitchFamily="50" charset="-127"/>
+              <a:ea typeface="나눔스퀘어 ExtraBold" panose="020B0600000101010101" pitchFamily="50" charset="-127"/>
+            </a:endParaRPr>
+          </a:p>
+        </p:txBody>
+      </p:sp>
+      <p:sp>
+        <p:nvSpPr>
+          <p:cNvPr id="5" name="TextBox 4">
+            <a:extLst>
+              <a:ext uri="{FF2B5EF4-FFF2-40B4-BE49-F238E27FC236}">
+                <a16:creationId xmlns:a16="http://schemas.microsoft.com/office/drawing/2014/main" id="{ED2FD440-C732-4119-97D8-5E3691D31A9E}"/>
+              </a:ext>
+            </a:extLst>
+          </p:cNvPr>
           <p:cNvSpPr txBox="1"/>
           <p:nvPr/>
         </p:nvSpPr>
         <p:spPr>
           <a:xfrm>
-            <a:off x="555477" y="333286"/>
-            <a:ext cx="2521009" cy="369332"/>
+            <a:off x="561975" y="96321"/>
+            <a:ext cx="3114675" cy="369332"/>
           </a:xfrm>
           <a:prstGeom prst="rect">
             <a:avLst/>
@@ -3159,36 +3613,21 @@
           <a:noFill/>
         </p:spPr>
         <p:txBody>
-          <a:bodyPr wrap="square" rtlCol="0">
+          <a:bodyPr wrap="square" rtlCol="0" anchor="t">
             <a:spAutoFit/>
           </a:bodyPr>
           <a:lstStyle/>
           <a:p>
             <a:r>
-              <a:rPr lang="ko-KR" altLang="en-US" dirty="0" smtClean="0">
+              <a:rPr lang="ko-KR" altLang="en-US" dirty="0">
+                <a:solidFill>
+                  <a:schemeClr val="bg1"/>
+                </a:solidFill>
                 <a:latin typeface="나눔스퀘어 Bold" panose="020B0600000101010101" pitchFamily="50" charset="-127"/>
                 <a:ea typeface="나눔스퀘어 Bold" panose="020B0600000101010101" pitchFamily="50" charset="-127"/>
               </a:rPr>
-              <a:t>신규 </a:t>
-            </a:r>
-            <a:r>
-              <a:rPr lang="ko-KR" altLang="en-US" dirty="0" smtClean="0">
-                <a:latin typeface="나눔스퀘어 Bold" panose="020B0600000101010101" pitchFamily="50" charset="-127"/>
-                <a:ea typeface="나눔스퀘어 Bold" panose="020B0600000101010101" pitchFamily="50" charset="-127"/>
-              </a:rPr>
-              <a:t>캐릭터 </a:t>
-            </a:r>
-            <a:r>
-              <a:rPr lang="ko-KR" altLang="en-US" dirty="0" err="1" smtClean="0">
-                <a:latin typeface="나눔스퀘어 Bold" panose="020B0600000101010101" pitchFamily="50" charset="-127"/>
-                <a:ea typeface="나눔스퀘어 Bold" panose="020B0600000101010101" pitchFamily="50" charset="-127"/>
-              </a:rPr>
-              <a:t>전용무기</a:t>
-            </a:r>
-            <a:endParaRPr lang="ko-KR" altLang="en-US" dirty="0">
-              <a:latin typeface="나눔스퀘어 Bold" panose="020B0600000101010101" pitchFamily="50" charset="-127"/>
-              <a:ea typeface="나눔스퀘어 Bold" panose="020B0600000101010101" pitchFamily="50" charset="-127"/>
-            </a:endParaRPr>
+              <a:t>신규 캐릭터 전용 무기</a:t>
+            </a:r>
           </a:p>
         </p:txBody>
       </p:sp>
@@ -3208,6 +3647,14 @@
 <file path=ppt/slides/slide12.xml><?xml version="1.0" encoding="utf-8"?>
 <p:sld xmlns:a="http://schemas.openxmlformats.org/drawingml/2006/main" xmlns:r="http://schemas.openxmlformats.org/officeDocument/2006/relationships" xmlns:p="http://schemas.openxmlformats.org/presentationml/2006/main">
   <p:cSld>
+    <p:bg>
+      <p:bgPr>
+        <a:solidFill>
+          <a:schemeClr val="tx1"/>
+        </a:solidFill>
+        <a:effectLst/>
+      </p:bgPr>
+    </p:bg>
     <p:spTree>
       <p:nvGrpSpPr>
         <p:cNvPr id="1" name=""/>
@@ -3224,14 +3671,81 @@
       </p:grpSpPr>
       <p:sp>
         <p:nvSpPr>
-          <p:cNvPr id="3" name="TextBox 2"/>
+          <p:cNvPr id="4" name="직사각형 3">
+            <a:extLst>
+              <a:ext uri="{FF2B5EF4-FFF2-40B4-BE49-F238E27FC236}">
+                <a16:creationId xmlns:a16="http://schemas.microsoft.com/office/drawing/2014/main" id="{71BA5C2E-0C1C-45EB-B8FF-CC3E487966E1}"/>
+              </a:ext>
+            </a:extLst>
+          </p:cNvPr>
+          <p:cNvSpPr/>
+          <p:nvPr/>
+        </p:nvSpPr>
+        <p:spPr>
+          <a:xfrm>
+            <a:off x="0" y="0"/>
+            <a:ext cx="561975" cy="561975"/>
+          </a:xfrm>
+          <a:prstGeom prst="rect">
+            <a:avLst/>
+          </a:prstGeom>
+          <a:solidFill>
+            <a:schemeClr val="bg1"/>
+          </a:solidFill>
+          <a:ln>
+            <a:noFill/>
+          </a:ln>
+        </p:spPr>
+        <p:style>
+          <a:lnRef idx="2">
+            <a:schemeClr val="accent1">
+              <a:shade val="50000"/>
+            </a:schemeClr>
+          </a:lnRef>
+          <a:fillRef idx="1">
+            <a:schemeClr val="accent1"/>
+          </a:fillRef>
+          <a:effectRef idx="0">
+            <a:schemeClr val="accent1"/>
+          </a:effectRef>
+          <a:fontRef idx="minor">
+            <a:schemeClr val="lt1"/>
+          </a:fontRef>
+        </p:style>
+        <p:txBody>
+          <a:bodyPr rtlCol="0" anchor="ctr"/>
+          <a:lstStyle/>
+          <a:p>
+            <a:pPr algn="ctr"/>
+            <a:r>
+              <a:rPr lang="en-US" altLang="ko-KR" dirty="0">
+                <a:solidFill>
+                  <a:schemeClr val="tx1"/>
+                </a:solidFill>
+                <a:latin typeface="나눔스퀘어 ExtraBold" panose="020B0600000101010101" pitchFamily="50" charset="-127"/>
+                <a:ea typeface="나눔스퀘어 ExtraBold" panose="020B0600000101010101" pitchFamily="50" charset="-127"/>
+              </a:rPr>
+              <a:t>11</a:t>
+            </a:r>
+          </a:p>
+        </p:txBody>
+      </p:sp>
+      <p:sp>
+        <p:nvSpPr>
+          <p:cNvPr id="5" name="TextBox 4">
+            <a:extLst>
+              <a:ext uri="{FF2B5EF4-FFF2-40B4-BE49-F238E27FC236}">
+                <a16:creationId xmlns:a16="http://schemas.microsoft.com/office/drawing/2014/main" id="{B4BF0CEF-A2C1-4969-9180-27978FE1DAF8}"/>
+              </a:ext>
+            </a:extLst>
+          </p:cNvPr>
           <p:cNvSpPr txBox="1"/>
           <p:nvPr/>
         </p:nvSpPr>
         <p:spPr>
           <a:xfrm>
-            <a:off x="555477" y="333286"/>
-            <a:ext cx="2521009" cy="369332"/>
+            <a:off x="561975" y="96321"/>
+            <a:ext cx="3114675" cy="369332"/>
           </a:xfrm>
           <a:prstGeom prst="rect">
             <a:avLst/>
@@ -3239,22 +3753,21 @@
           <a:noFill/>
         </p:spPr>
         <p:txBody>
-          <a:bodyPr wrap="square" rtlCol="0">
+          <a:bodyPr wrap="square" rtlCol="0" anchor="t">
             <a:spAutoFit/>
           </a:bodyPr>
           <a:lstStyle/>
           <a:p>
             <a:r>
-              <a:rPr lang="ko-KR" altLang="en-US" dirty="0" smtClean="0">
+              <a:rPr lang="ko-KR" altLang="en-US" dirty="0">
+                <a:solidFill>
+                  <a:schemeClr val="bg1"/>
+                </a:solidFill>
                 <a:latin typeface="나눔스퀘어 Bold" panose="020B0600000101010101" pitchFamily="50" charset="-127"/>
                 <a:ea typeface="나눔스퀘어 Bold" panose="020B0600000101010101" pitchFamily="50" charset="-127"/>
               </a:rPr>
               <a:t>총평</a:t>
             </a:r>
-            <a:endParaRPr lang="ko-KR" altLang="en-US" dirty="0">
-              <a:latin typeface="나눔스퀘어 Bold" panose="020B0600000101010101" pitchFamily="50" charset="-127"/>
-              <a:ea typeface="나눔스퀘어 Bold" panose="020B0600000101010101" pitchFamily="50" charset="-127"/>
-            </a:endParaRPr>
           </a:p>
         </p:txBody>
       </p:sp>
@@ -3274,6 +3787,14 @@
 <file path=ppt/slides/slide2.xml><?xml version="1.0" encoding="utf-8"?>
 <p:sld xmlns:a="http://schemas.openxmlformats.org/drawingml/2006/main" xmlns:r="http://schemas.openxmlformats.org/officeDocument/2006/relationships" xmlns:p="http://schemas.openxmlformats.org/presentationml/2006/main">
   <p:cSld>
+    <p:bg>
+      <p:bgPr>
+        <a:solidFill>
+          <a:schemeClr val="tx1"/>
+        </a:solidFill>
+        <a:effectLst/>
+      </p:bgPr>
+    </p:bg>
     <p:spTree>
       <p:nvGrpSpPr>
         <p:cNvPr id="1" name=""/>
@@ -3288,47 +3809,6 @@
           <a:chExt cx="0" cy="0"/>
         </a:xfrm>
       </p:grpSpPr>
-      <p:sp>
-        <p:nvSpPr>
-          <p:cNvPr id="2" name="TextBox 1"/>
-          <p:cNvSpPr txBox="1"/>
-          <p:nvPr/>
-        </p:nvSpPr>
-        <p:spPr>
-          <a:xfrm>
-            <a:off x="555477" y="313313"/>
-            <a:ext cx="2521009" cy="507831"/>
-          </a:xfrm>
-          <a:prstGeom prst="rect">
-            <a:avLst/>
-          </a:prstGeom>
-          <a:noFill/>
-        </p:spPr>
-        <p:txBody>
-          <a:bodyPr wrap="square" rtlCol="0" anchor="ctr">
-            <a:spAutoFit/>
-          </a:bodyPr>
-          <a:lstStyle/>
-          <a:p>
-            <a:pPr>
-              <a:lnSpc>
-                <a:spcPct val="150000"/>
-              </a:lnSpc>
-            </a:pPr>
-            <a:r>
-              <a:rPr lang="ko-KR" altLang="en-US" dirty="0" smtClean="0">
-                <a:latin typeface="나눔스퀘어 Bold" panose="020B0600000101010101" pitchFamily="50" charset="-127"/>
-                <a:ea typeface="나눔스퀘어 Bold" panose="020B0600000101010101" pitchFamily="50" charset="-127"/>
-              </a:rPr>
-              <a:t>기존 유니크 영웅 풀</a:t>
-            </a:r>
-            <a:endParaRPr lang="ko-KR" altLang="en-US" dirty="0">
-              <a:latin typeface="나눔스퀘어 Bold" panose="020B0600000101010101" pitchFamily="50" charset="-127"/>
-              <a:ea typeface="나눔스퀘어 Bold" panose="020B0600000101010101" pitchFamily="50" charset="-127"/>
-            </a:endParaRPr>
-          </a:p>
-        </p:txBody>
-      </p:sp>
       <p:graphicFrame>
         <p:nvGraphicFramePr>
           <p:cNvPr id="3" name="표 2"/>
@@ -3338,7 +3818,7 @@
           <p:nvPr>
             <p:extLst>
               <p:ext uri="{D42A27DB-BD31-4B8C-83A1-F6EECF244321}">
-                <p14:modId xmlns:p14="http://schemas.microsoft.com/office/powerpoint/2010/main" val="3369908978"/>
+                <p14:modId xmlns:p14="http://schemas.microsoft.com/office/powerpoint/2010/main" val="1696914802"/>
               </p:ext>
             </p:extLst>
           </p:nvPr>
@@ -3351,7 +3831,7 @@
           <a:graphicData uri="http://schemas.openxmlformats.org/drawingml/2006/table">
             <a:tbl>
               <a:tblPr>
-                <a:tableStyleId>{5C22544A-7EE6-4342-B048-85BDC9FD1C3A}</a:tableStyleId>
+                <a:tableStyleId>{00A15C55-8517-42AA-B614-E9B94910E393}</a:tableStyleId>
               </a:tblPr>
               <a:tblGrid>
                 <a:gridCol w="794759">
@@ -3435,6 +3915,8 @@
                       <a:r>
                         <a:rPr lang="ko-KR" altLang="en-US" sz="1300" u="none" strike="noStrike" dirty="0">
                           <a:effectLst/>
+                          <a:latin typeface="나눔스퀘어 Bold" panose="020B0600000101010101" pitchFamily="50" charset="-127"/>
+                          <a:ea typeface="나눔스퀘어 Bold" panose="020B0600000101010101" pitchFamily="50" charset="-127"/>
                         </a:rPr>
                         <a:t>　</a:t>
                       </a:r>
@@ -3443,8 +3925,8 @@
                           <a:srgbClr val="000000"/>
                         </a:solidFill>
                         <a:effectLst/>
-                        <a:latin typeface="맑은 고딕" panose="020B0503020000020004" pitchFamily="50" charset="-127"/>
-                        <a:ea typeface="맑은 고딕" panose="020B0503020000020004" pitchFamily="50" charset="-127"/>
+                        <a:latin typeface="나눔스퀘어 Bold" panose="020B0600000101010101" pitchFamily="50" charset="-127"/>
+                        <a:ea typeface="나눔스퀘어 Bold" panose="020B0600000101010101" pitchFamily="50" charset="-127"/>
                       </a:endParaRPr>
                     </a:p>
                   </a:txBody>
@@ -3459,18 +3941,24 @@
                       <a:r>
                         <a:rPr lang="ko-KR" altLang="en-US" sz="1300" u="none" strike="noStrike">
                           <a:effectLst/>
+                          <a:latin typeface="나눔스퀘어 Bold" panose="020B0600000101010101" pitchFamily="50" charset="-127"/>
+                          <a:ea typeface="나눔스퀘어 Bold" panose="020B0600000101010101" pitchFamily="50" charset="-127"/>
                         </a:rPr>
                         <a:t>태</a:t>
                       </a:r>
                       <a:r>
                         <a:rPr lang="en-US" altLang="ko-KR" sz="1300" u="none" strike="noStrike">
                           <a:effectLst/>
+                          <a:latin typeface="나눔스퀘어 Bold" panose="020B0600000101010101" pitchFamily="50" charset="-127"/>
+                          <a:ea typeface="나눔스퀘어 Bold" panose="020B0600000101010101" pitchFamily="50" charset="-127"/>
                         </a:rPr>
                         <a:t>3 </a:t>
                       </a:r>
                       <a:r>
                         <a:rPr lang="ko-KR" altLang="en-US" sz="1300" u="none" strike="noStrike">
                           <a:effectLst/>
+                          <a:latin typeface="나눔스퀘어 Bold" panose="020B0600000101010101" pitchFamily="50" charset="-127"/>
+                          <a:ea typeface="나눔스퀘어 Bold" panose="020B0600000101010101" pitchFamily="50" charset="-127"/>
                         </a:rPr>
                         <a:t>탱커</a:t>
                       </a:r>
@@ -3479,8 +3967,8 @@
                           <a:srgbClr val="000000"/>
                         </a:solidFill>
                         <a:effectLst/>
-                        <a:latin typeface="맑은 고딕" panose="020B0503020000020004" pitchFamily="50" charset="-127"/>
-                        <a:ea typeface="맑은 고딕" panose="020B0503020000020004" pitchFamily="50" charset="-127"/>
+                        <a:latin typeface="나눔스퀘어 Bold" panose="020B0600000101010101" pitchFamily="50" charset="-127"/>
+                        <a:ea typeface="나눔스퀘어 Bold" panose="020B0600000101010101" pitchFamily="50" charset="-127"/>
                       </a:endParaRPr>
                     </a:p>
                   </a:txBody>
@@ -3495,18 +3983,24 @@
                       <a:r>
                         <a:rPr lang="ko-KR" altLang="en-US" sz="1300" u="none" strike="noStrike">
                           <a:effectLst/>
+                          <a:latin typeface="나눔스퀘어 Bold" panose="020B0600000101010101" pitchFamily="50" charset="-127"/>
+                          <a:ea typeface="나눔스퀘어 Bold" panose="020B0600000101010101" pitchFamily="50" charset="-127"/>
                         </a:rPr>
                         <a:t>태</a:t>
                       </a:r>
                       <a:r>
                         <a:rPr lang="en-US" altLang="ko-KR" sz="1300" u="none" strike="noStrike">
                           <a:effectLst/>
+                          <a:latin typeface="나눔스퀘어 Bold" panose="020B0600000101010101" pitchFamily="50" charset="-127"/>
+                          <a:ea typeface="나눔스퀘어 Bold" panose="020B0600000101010101" pitchFamily="50" charset="-127"/>
                         </a:rPr>
                         <a:t>3 </a:t>
                       </a:r>
                       <a:r>
                         <a:rPr lang="ko-KR" altLang="en-US" sz="1300" u="none" strike="noStrike">
                           <a:effectLst/>
+                          <a:latin typeface="나눔스퀘어 Bold" panose="020B0600000101010101" pitchFamily="50" charset="-127"/>
+                          <a:ea typeface="나눔스퀘어 Bold" panose="020B0600000101010101" pitchFamily="50" charset="-127"/>
                         </a:rPr>
                         <a:t>전사</a:t>
                       </a:r>
@@ -3515,8 +4009,8 @@
                           <a:srgbClr val="000000"/>
                         </a:solidFill>
                         <a:effectLst/>
-                        <a:latin typeface="맑은 고딕" panose="020B0503020000020004" pitchFamily="50" charset="-127"/>
-                        <a:ea typeface="맑은 고딕" panose="020B0503020000020004" pitchFamily="50" charset="-127"/>
+                        <a:latin typeface="나눔스퀘어 Bold" panose="020B0600000101010101" pitchFamily="50" charset="-127"/>
+                        <a:ea typeface="나눔스퀘어 Bold" panose="020B0600000101010101" pitchFamily="50" charset="-127"/>
                       </a:endParaRPr>
                     </a:p>
                   </a:txBody>
@@ -3531,18 +4025,24 @@
                       <a:r>
                         <a:rPr lang="ko-KR" altLang="en-US" sz="1300" u="none" strike="noStrike">
                           <a:effectLst/>
+                          <a:latin typeface="나눔스퀘어 Bold" panose="020B0600000101010101" pitchFamily="50" charset="-127"/>
+                          <a:ea typeface="나눔스퀘어 Bold" panose="020B0600000101010101" pitchFamily="50" charset="-127"/>
                         </a:rPr>
                         <a:t>태</a:t>
                       </a:r>
                       <a:r>
                         <a:rPr lang="en-US" altLang="ko-KR" sz="1300" u="none" strike="noStrike">
                           <a:effectLst/>
+                          <a:latin typeface="나눔스퀘어 Bold" panose="020B0600000101010101" pitchFamily="50" charset="-127"/>
+                          <a:ea typeface="나눔스퀘어 Bold" panose="020B0600000101010101" pitchFamily="50" charset="-127"/>
                         </a:rPr>
                         <a:t>3 </a:t>
                       </a:r>
                       <a:r>
                         <a:rPr lang="ko-KR" altLang="en-US" sz="1300" u="none" strike="noStrike">
                           <a:effectLst/>
+                          <a:latin typeface="나눔스퀘어 Bold" panose="020B0600000101010101" pitchFamily="50" charset="-127"/>
+                          <a:ea typeface="나눔스퀘어 Bold" panose="020B0600000101010101" pitchFamily="50" charset="-127"/>
                         </a:rPr>
                         <a:t>원거리</a:t>
                       </a:r>
@@ -3551,8 +4051,8 @@
                           <a:srgbClr val="000000"/>
                         </a:solidFill>
                         <a:effectLst/>
-                        <a:latin typeface="맑은 고딕" panose="020B0503020000020004" pitchFamily="50" charset="-127"/>
-                        <a:ea typeface="맑은 고딕" panose="020B0503020000020004" pitchFamily="50" charset="-127"/>
+                        <a:latin typeface="나눔스퀘어 Bold" panose="020B0600000101010101" pitchFamily="50" charset="-127"/>
+                        <a:ea typeface="나눔스퀘어 Bold" panose="020B0600000101010101" pitchFamily="50" charset="-127"/>
                       </a:endParaRPr>
                     </a:p>
                   </a:txBody>
@@ -3567,18 +4067,24 @@
                       <a:r>
                         <a:rPr lang="ko-KR" altLang="en-US" sz="1300" u="none" strike="noStrike">
                           <a:effectLst/>
+                          <a:latin typeface="나눔스퀘어 Bold" panose="020B0600000101010101" pitchFamily="50" charset="-127"/>
+                          <a:ea typeface="나눔스퀘어 Bold" panose="020B0600000101010101" pitchFamily="50" charset="-127"/>
                         </a:rPr>
                         <a:t>태</a:t>
                       </a:r>
                       <a:r>
                         <a:rPr lang="en-US" altLang="ko-KR" sz="1300" u="none" strike="noStrike">
                           <a:effectLst/>
+                          <a:latin typeface="나눔스퀘어 Bold" panose="020B0600000101010101" pitchFamily="50" charset="-127"/>
+                          <a:ea typeface="나눔스퀘어 Bold" panose="020B0600000101010101" pitchFamily="50" charset="-127"/>
                         </a:rPr>
                         <a:t>3 </a:t>
                       </a:r>
                       <a:r>
                         <a:rPr lang="ko-KR" altLang="en-US" sz="1300" u="none" strike="noStrike">
                           <a:effectLst/>
+                          <a:latin typeface="나눔스퀘어 Bold" panose="020B0600000101010101" pitchFamily="50" charset="-127"/>
+                          <a:ea typeface="나눔스퀘어 Bold" panose="020B0600000101010101" pitchFamily="50" charset="-127"/>
                         </a:rPr>
                         <a:t>지원가</a:t>
                       </a:r>
@@ -3587,8 +4093,8 @@
                           <a:srgbClr val="000000"/>
                         </a:solidFill>
                         <a:effectLst/>
-                        <a:latin typeface="맑은 고딕" panose="020B0503020000020004" pitchFamily="50" charset="-127"/>
-                        <a:ea typeface="맑은 고딕" panose="020B0503020000020004" pitchFamily="50" charset="-127"/>
+                        <a:latin typeface="나눔스퀘어 Bold" panose="020B0600000101010101" pitchFamily="50" charset="-127"/>
+                        <a:ea typeface="나눔스퀘어 Bold" panose="020B0600000101010101" pitchFamily="50" charset="-127"/>
                       </a:endParaRPr>
                     </a:p>
                   </a:txBody>
@@ -3603,18 +4109,24 @@
                       <a:r>
                         <a:rPr lang="ko-KR" altLang="en-US" sz="1300" u="none" strike="noStrike">
                           <a:effectLst/>
+                          <a:latin typeface="나눔스퀘어 Bold" panose="020B0600000101010101" pitchFamily="50" charset="-127"/>
+                          <a:ea typeface="나눔스퀘어 Bold" panose="020B0600000101010101" pitchFamily="50" charset="-127"/>
                         </a:rPr>
                         <a:t>태</a:t>
                       </a:r>
                       <a:r>
                         <a:rPr lang="en-US" altLang="ko-KR" sz="1300" u="none" strike="noStrike">
                           <a:effectLst/>
+                          <a:latin typeface="나눔스퀘어 Bold" panose="020B0600000101010101" pitchFamily="50" charset="-127"/>
+                          <a:ea typeface="나눔스퀘어 Bold" panose="020B0600000101010101" pitchFamily="50" charset="-127"/>
                         </a:rPr>
                         <a:t>2 </a:t>
                       </a:r>
                       <a:r>
                         <a:rPr lang="ko-KR" altLang="en-US" sz="1300" u="none" strike="noStrike">
                           <a:effectLst/>
+                          <a:latin typeface="나눔스퀘어 Bold" panose="020B0600000101010101" pitchFamily="50" charset="-127"/>
+                          <a:ea typeface="나눔스퀘어 Bold" panose="020B0600000101010101" pitchFamily="50" charset="-127"/>
                         </a:rPr>
                         <a:t>탱커</a:t>
                       </a:r>
@@ -3623,8 +4135,8 @@
                           <a:srgbClr val="000000"/>
                         </a:solidFill>
                         <a:effectLst/>
-                        <a:latin typeface="맑은 고딕" panose="020B0503020000020004" pitchFamily="50" charset="-127"/>
-                        <a:ea typeface="맑은 고딕" panose="020B0503020000020004" pitchFamily="50" charset="-127"/>
+                        <a:latin typeface="나눔스퀘어 Bold" panose="020B0600000101010101" pitchFamily="50" charset="-127"/>
+                        <a:ea typeface="나눔스퀘어 Bold" panose="020B0600000101010101" pitchFamily="50" charset="-127"/>
                       </a:endParaRPr>
                     </a:p>
                   </a:txBody>
@@ -3639,18 +4151,24 @@
                       <a:r>
                         <a:rPr lang="ko-KR" altLang="en-US" sz="1300" u="none" strike="noStrike">
                           <a:effectLst/>
+                          <a:latin typeface="나눔스퀘어 Bold" panose="020B0600000101010101" pitchFamily="50" charset="-127"/>
+                          <a:ea typeface="나눔스퀘어 Bold" panose="020B0600000101010101" pitchFamily="50" charset="-127"/>
                         </a:rPr>
                         <a:t>태</a:t>
                       </a:r>
                       <a:r>
                         <a:rPr lang="en-US" altLang="ko-KR" sz="1300" u="none" strike="noStrike">
                           <a:effectLst/>
+                          <a:latin typeface="나눔스퀘어 Bold" panose="020B0600000101010101" pitchFamily="50" charset="-127"/>
+                          <a:ea typeface="나눔스퀘어 Bold" panose="020B0600000101010101" pitchFamily="50" charset="-127"/>
                         </a:rPr>
                         <a:t>2 </a:t>
                       </a:r>
                       <a:r>
                         <a:rPr lang="ko-KR" altLang="en-US" sz="1300" u="none" strike="noStrike">
                           <a:effectLst/>
+                          <a:latin typeface="나눔스퀘어 Bold" panose="020B0600000101010101" pitchFamily="50" charset="-127"/>
+                          <a:ea typeface="나눔스퀘어 Bold" panose="020B0600000101010101" pitchFamily="50" charset="-127"/>
                         </a:rPr>
                         <a:t>전사</a:t>
                       </a:r>
@@ -3659,8 +4177,8 @@
                           <a:srgbClr val="000000"/>
                         </a:solidFill>
                         <a:effectLst/>
-                        <a:latin typeface="맑은 고딕" panose="020B0503020000020004" pitchFamily="50" charset="-127"/>
-                        <a:ea typeface="맑은 고딕" panose="020B0503020000020004" pitchFamily="50" charset="-127"/>
+                        <a:latin typeface="나눔스퀘어 Bold" panose="020B0600000101010101" pitchFamily="50" charset="-127"/>
+                        <a:ea typeface="나눔스퀘어 Bold" panose="020B0600000101010101" pitchFamily="50" charset="-127"/>
                       </a:endParaRPr>
                     </a:p>
                   </a:txBody>
@@ -3675,18 +4193,24 @@
                       <a:r>
                         <a:rPr lang="ko-KR" altLang="en-US" sz="1300" u="none" strike="noStrike">
                           <a:effectLst/>
+                          <a:latin typeface="나눔스퀘어 Bold" panose="020B0600000101010101" pitchFamily="50" charset="-127"/>
+                          <a:ea typeface="나눔스퀘어 Bold" panose="020B0600000101010101" pitchFamily="50" charset="-127"/>
                         </a:rPr>
                         <a:t>태</a:t>
                       </a:r>
                       <a:r>
                         <a:rPr lang="en-US" altLang="ko-KR" sz="1300" u="none" strike="noStrike">
                           <a:effectLst/>
+                          <a:latin typeface="나눔스퀘어 Bold" panose="020B0600000101010101" pitchFamily="50" charset="-127"/>
+                          <a:ea typeface="나눔스퀘어 Bold" panose="020B0600000101010101" pitchFamily="50" charset="-127"/>
                         </a:rPr>
                         <a:t>2 </a:t>
                       </a:r>
                       <a:r>
                         <a:rPr lang="ko-KR" altLang="en-US" sz="1300" u="none" strike="noStrike">
                           <a:effectLst/>
+                          <a:latin typeface="나눔스퀘어 Bold" panose="020B0600000101010101" pitchFamily="50" charset="-127"/>
+                          <a:ea typeface="나눔스퀘어 Bold" panose="020B0600000101010101" pitchFamily="50" charset="-127"/>
                         </a:rPr>
                         <a:t>원거리</a:t>
                       </a:r>
@@ -3695,8 +4219,8 @@
                           <a:srgbClr val="000000"/>
                         </a:solidFill>
                         <a:effectLst/>
-                        <a:latin typeface="맑은 고딕" panose="020B0503020000020004" pitchFamily="50" charset="-127"/>
-                        <a:ea typeface="맑은 고딕" panose="020B0503020000020004" pitchFamily="50" charset="-127"/>
+                        <a:latin typeface="나눔스퀘어 Bold" panose="020B0600000101010101" pitchFamily="50" charset="-127"/>
+                        <a:ea typeface="나눔스퀘어 Bold" panose="020B0600000101010101" pitchFamily="50" charset="-127"/>
                       </a:endParaRPr>
                     </a:p>
                   </a:txBody>
@@ -3711,18 +4235,24 @@
                       <a:r>
                         <a:rPr lang="ko-KR" altLang="en-US" sz="1300" u="none" strike="noStrike">
                           <a:effectLst/>
+                          <a:latin typeface="나눔스퀘어 Bold" panose="020B0600000101010101" pitchFamily="50" charset="-127"/>
+                          <a:ea typeface="나눔스퀘어 Bold" panose="020B0600000101010101" pitchFamily="50" charset="-127"/>
                         </a:rPr>
                         <a:t>태</a:t>
                       </a:r>
                       <a:r>
                         <a:rPr lang="en-US" altLang="ko-KR" sz="1300" u="none" strike="noStrike">
                           <a:effectLst/>
+                          <a:latin typeface="나눔스퀘어 Bold" panose="020B0600000101010101" pitchFamily="50" charset="-127"/>
+                          <a:ea typeface="나눔스퀘어 Bold" panose="020B0600000101010101" pitchFamily="50" charset="-127"/>
                         </a:rPr>
                         <a:t>2 </a:t>
                       </a:r>
                       <a:r>
                         <a:rPr lang="ko-KR" altLang="en-US" sz="1300" u="none" strike="noStrike">
                           <a:effectLst/>
+                          <a:latin typeface="나눔스퀘어 Bold" panose="020B0600000101010101" pitchFamily="50" charset="-127"/>
+                          <a:ea typeface="나눔스퀘어 Bold" panose="020B0600000101010101" pitchFamily="50" charset="-127"/>
                         </a:rPr>
                         <a:t>지원가</a:t>
                       </a:r>
@@ -3731,8 +4261,8 @@
                           <a:srgbClr val="000000"/>
                         </a:solidFill>
                         <a:effectLst/>
-                        <a:latin typeface="맑은 고딕" panose="020B0503020000020004" pitchFamily="50" charset="-127"/>
-                        <a:ea typeface="맑은 고딕" panose="020B0503020000020004" pitchFamily="50" charset="-127"/>
+                        <a:latin typeface="나눔스퀘어 Bold" panose="020B0600000101010101" pitchFamily="50" charset="-127"/>
+                        <a:ea typeface="나눔스퀘어 Bold" panose="020B0600000101010101" pitchFamily="50" charset="-127"/>
                       </a:endParaRPr>
                     </a:p>
                   </a:txBody>
@@ -3747,6 +4277,8 @@
                       <a:r>
                         <a:rPr lang="ko-KR" altLang="en-US" sz="1300" u="none" strike="noStrike">
                           <a:effectLst/>
+                          <a:latin typeface="나눔스퀘어 Bold" panose="020B0600000101010101" pitchFamily="50" charset="-127"/>
+                          <a:ea typeface="나눔스퀘어 Bold" panose="020B0600000101010101" pitchFamily="50" charset="-127"/>
                         </a:rPr>
                         <a:t>합</a:t>
                       </a:r>
@@ -3755,8 +4287,8 @@
                           <a:srgbClr val="000000"/>
                         </a:solidFill>
                         <a:effectLst/>
-                        <a:latin typeface="맑은 고딕" panose="020B0503020000020004" pitchFamily="50" charset="-127"/>
-                        <a:ea typeface="맑은 고딕" panose="020B0503020000020004" pitchFamily="50" charset="-127"/>
+                        <a:latin typeface="나눔스퀘어 Bold" panose="020B0600000101010101" pitchFamily="50" charset="-127"/>
+                        <a:ea typeface="나눔스퀘어 Bold" panose="020B0600000101010101" pitchFamily="50" charset="-127"/>
                       </a:endParaRPr>
                     </a:p>
                   </a:txBody>
@@ -3776,18 +4308,20 @@
                     <a:p>
                       <a:pPr algn="ctr" fontAlgn="ctr"/>
                       <a:r>
-                        <a:rPr lang="ko-KR" altLang="en-US" sz="1300" u="none" strike="noStrike">
-                          <a:effectLst/>
-                        </a:rPr>
-                        <a:t>화</a:t>
-                      </a:r>
-                      <a:endParaRPr lang="ko-KR" altLang="en-US" sz="1300" b="0" i="0" u="none" strike="noStrike">
+                        <a:rPr lang="ko-KR" altLang="en-US" sz="1300" u="none" strike="noStrike" dirty="0">
+                          <a:effectLst/>
+                          <a:latin typeface="나눔스퀘어 Bold" panose="020B0600000101010101" pitchFamily="50" charset="-127"/>
+                          <a:ea typeface="나눔스퀘어 Bold" panose="020B0600000101010101" pitchFamily="50" charset="-127"/>
+                        </a:rPr>
+                        <a:t>화 속성</a:t>
+                      </a:r>
+                      <a:endParaRPr lang="ko-KR" altLang="en-US" sz="1300" b="0" i="0" u="none" strike="noStrike" dirty="0">
                         <a:solidFill>
                           <a:srgbClr val="000000"/>
                         </a:solidFill>
                         <a:effectLst/>
-                        <a:latin typeface="맑은 고딕" panose="020B0503020000020004" pitchFamily="50" charset="-127"/>
-                        <a:ea typeface="맑은 고딕" panose="020B0503020000020004" pitchFamily="50" charset="-127"/>
+                        <a:latin typeface="나눔스퀘어 Bold" panose="020B0600000101010101" pitchFamily="50" charset="-127"/>
+                        <a:ea typeface="나눔스퀘어 Bold" panose="020B0600000101010101" pitchFamily="50" charset="-127"/>
                       </a:endParaRPr>
                     </a:p>
                   </a:txBody>
@@ -3802,6 +4336,8 @@
                       <a:r>
                         <a:rPr lang="en-US" altLang="ko-KR" sz="1300" u="none" strike="noStrike" dirty="0">
                           <a:effectLst/>
+                          <a:latin typeface="나눔스퀘어 Bold" panose="020B0600000101010101" pitchFamily="50" charset="-127"/>
+                          <a:ea typeface="나눔스퀘어 Bold" panose="020B0600000101010101" pitchFamily="50" charset="-127"/>
                         </a:rPr>
                         <a:t>0</a:t>
                       </a:r>
@@ -3810,8 +4346,8 @@
                           <a:srgbClr val="000000"/>
                         </a:solidFill>
                         <a:effectLst/>
-                        <a:latin typeface="맑은 고딕" panose="020B0503020000020004" pitchFamily="50" charset="-127"/>
-                        <a:ea typeface="맑은 고딕" panose="020B0503020000020004" pitchFamily="50" charset="-127"/>
+                        <a:latin typeface="나눔스퀘어 Bold" panose="020B0600000101010101" pitchFamily="50" charset="-127"/>
+                        <a:ea typeface="나눔스퀘어 Bold" panose="020B0600000101010101" pitchFamily="50" charset="-127"/>
                       </a:endParaRPr>
                     </a:p>
                   </a:txBody>
@@ -3824,18 +4360,20 @@
                     <a:p>
                       <a:pPr algn="ctr" fontAlgn="ctr"/>
                       <a:r>
-                        <a:rPr lang="en-US" altLang="ko-KR" sz="1300" u="none" strike="noStrike">
-                          <a:effectLst/>
+                        <a:rPr lang="en-US" altLang="ko-KR" sz="1300" u="none" strike="noStrike" dirty="0">
+                          <a:effectLst/>
+                          <a:latin typeface="나눔스퀘어 Bold" panose="020B0600000101010101" pitchFamily="50" charset="-127"/>
+                          <a:ea typeface="나눔스퀘어 Bold" panose="020B0600000101010101" pitchFamily="50" charset="-127"/>
                         </a:rPr>
                         <a:t>3</a:t>
                       </a:r>
-                      <a:endParaRPr lang="en-US" altLang="ko-KR" sz="1300" b="0" i="0" u="none" strike="noStrike">
+                      <a:endParaRPr lang="en-US" altLang="ko-KR" sz="1300" b="0" i="0" u="none" strike="noStrike" dirty="0">
                         <a:solidFill>
                           <a:srgbClr val="000000"/>
                         </a:solidFill>
                         <a:effectLst/>
-                        <a:latin typeface="맑은 고딕" panose="020B0503020000020004" pitchFamily="50" charset="-127"/>
-                        <a:ea typeface="맑은 고딕" panose="020B0503020000020004" pitchFamily="50" charset="-127"/>
+                        <a:latin typeface="나눔스퀘어 Bold" panose="020B0600000101010101" pitchFamily="50" charset="-127"/>
+                        <a:ea typeface="나눔스퀘어 Bold" panose="020B0600000101010101" pitchFamily="50" charset="-127"/>
                       </a:endParaRPr>
                     </a:p>
                   </a:txBody>
@@ -3848,18 +4386,20 @@
                     <a:p>
                       <a:pPr algn="ctr" fontAlgn="ctr"/>
                       <a:r>
-                        <a:rPr lang="en-US" altLang="ko-KR" sz="1300" u="none" strike="noStrike">
-                          <a:effectLst/>
+                        <a:rPr lang="en-US" altLang="ko-KR" sz="1300" u="none" strike="noStrike" dirty="0">
+                          <a:effectLst/>
+                          <a:latin typeface="나눔스퀘어 Bold" panose="020B0600000101010101" pitchFamily="50" charset="-127"/>
+                          <a:ea typeface="나눔스퀘어 Bold" panose="020B0600000101010101" pitchFamily="50" charset="-127"/>
                         </a:rPr>
                         <a:t>0</a:t>
                       </a:r>
-                      <a:endParaRPr lang="en-US" altLang="ko-KR" sz="1300" b="0" i="0" u="none" strike="noStrike">
+                      <a:endParaRPr lang="en-US" altLang="ko-KR" sz="1300" b="0" i="0" u="none" strike="noStrike" dirty="0">
                         <a:solidFill>
                           <a:srgbClr val="000000"/>
                         </a:solidFill>
                         <a:effectLst/>
-                        <a:latin typeface="맑은 고딕" panose="020B0503020000020004" pitchFamily="50" charset="-127"/>
-                        <a:ea typeface="맑은 고딕" panose="020B0503020000020004" pitchFamily="50" charset="-127"/>
+                        <a:latin typeface="나눔스퀘어 Bold" panose="020B0600000101010101" pitchFamily="50" charset="-127"/>
+                        <a:ea typeface="나눔스퀘어 Bold" panose="020B0600000101010101" pitchFamily="50" charset="-127"/>
                       </a:endParaRPr>
                     </a:p>
                   </a:txBody>
@@ -3872,18 +4412,20 @@
                     <a:p>
                       <a:pPr algn="ctr" fontAlgn="ctr"/>
                       <a:r>
-                        <a:rPr lang="en-US" altLang="ko-KR" sz="1300" u="none" strike="noStrike">
-                          <a:effectLst/>
+                        <a:rPr lang="en-US" altLang="ko-KR" sz="1300" u="none" strike="noStrike" dirty="0">
+                          <a:effectLst/>
+                          <a:latin typeface="나눔스퀘어 Bold" panose="020B0600000101010101" pitchFamily="50" charset="-127"/>
+                          <a:ea typeface="나눔스퀘어 Bold" panose="020B0600000101010101" pitchFamily="50" charset="-127"/>
                         </a:rPr>
                         <a:t>1</a:t>
                       </a:r>
-                      <a:endParaRPr lang="en-US" altLang="ko-KR" sz="1300" b="0" i="0" u="none" strike="noStrike">
+                      <a:endParaRPr lang="en-US" altLang="ko-KR" sz="1300" b="0" i="0" u="none" strike="noStrike" dirty="0">
                         <a:solidFill>
                           <a:srgbClr val="000000"/>
                         </a:solidFill>
                         <a:effectLst/>
-                        <a:latin typeface="맑은 고딕" panose="020B0503020000020004" pitchFamily="50" charset="-127"/>
-                        <a:ea typeface="맑은 고딕" panose="020B0503020000020004" pitchFamily="50" charset="-127"/>
+                        <a:latin typeface="나눔스퀘어 Bold" panose="020B0600000101010101" pitchFamily="50" charset="-127"/>
+                        <a:ea typeface="나눔스퀘어 Bold" panose="020B0600000101010101" pitchFamily="50" charset="-127"/>
                       </a:endParaRPr>
                     </a:p>
                   </a:txBody>
@@ -3898,6 +4440,8 @@
                       <a:r>
                         <a:rPr lang="en-US" altLang="ko-KR" sz="1300" u="none" strike="noStrike">
                           <a:effectLst/>
+                          <a:latin typeface="나눔스퀘어 Bold" panose="020B0600000101010101" pitchFamily="50" charset="-127"/>
+                          <a:ea typeface="나눔스퀘어 Bold" panose="020B0600000101010101" pitchFamily="50" charset="-127"/>
                         </a:rPr>
                         <a:t>1</a:t>
                       </a:r>
@@ -3906,8 +4450,8 @@
                           <a:srgbClr val="000000"/>
                         </a:solidFill>
                         <a:effectLst/>
-                        <a:latin typeface="맑은 고딕" panose="020B0503020000020004" pitchFamily="50" charset="-127"/>
-                        <a:ea typeface="맑은 고딕" panose="020B0503020000020004" pitchFamily="50" charset="-127"/>
+                        <a:latin typeface="나눔스퀘어 Bold" panose="020B0600000101010101" pitchFamily="50" charset="-127"/>
+                        <a:ea typeface="나눔스퀘어 Bold" panose="020B0600000101010101" pitchFamily="50" charset="-127"/>
                       </a:endParaRPr>
                     </a:p>
                   </a:txBody>
@@ -3922,6 +4466,8 @@
                       <a:r>
                         <a:rPr lang="en-US" altLang="ko-KR" sz="1300" u="none" strike="noStrike">
                           <a:effectLst/>
+                          <a:latin typeface="나눔스퀘어 Bold" panose="020B0600000101010101" pitchFamily="50" charset="-127"/>
+                          <a:ea typeface="나눔스퀘어 Bold" panose="020B0600000101010101" pitchFamily="50" charset="-127"/>
                         </a:rPr>
                         <a:t>1</a:t>
                       </a:r>
@@ -3930,8 +4476,8 @@
                           <a:srgbClr val="000000"/>
                         </a:solidFill>
                         <a:effectLst/>
-                        <a:latin typeface="맑은 고딕" panose="020B0503020000020004" pitchFamily="50" charset="-127"/>
-                        <a:ea typeface="맑은 고딕" panose="020B0503020000020004" pitchFamily="50" charset="-127"/>
+                        <a:latin typeface="나눔스퀘어 Bold" panose="020B0600000101010101" pitchFamily="50" charset="-127"/>
+                        <a:ea typeface="나눔스퀘어 Bold" panose="020B0600000101010101" pitchFamily="50" charset="-127"/>
                       </a:endParaRPr>
                     </a:p>
                   </a:txBody>
@@ -3946,6 +4492,8 @@
                       <a:r>
                         <a:rPr lang="en-US" altLang="ko-KR" sz="1300" u="none" strike="noStrike">
                           <a:effectLst/>
+                          <a:latin typeface="나눔스퀘어 Bold" panose="020B0600000101010101" pitchFamily="50" charset="-127"/>
+                          <a:ea typeface="나눔스퀘어 Bold" panose="020B0600000101010101" pitchFamily="50" charset="-127"/>
                         </a:rPr>
                         <a:t>3</a:t>
                       </a:r>
@@ -3954,8 +4502,8 @@
                           <a:srgbClr val="000000"/>
                         </a:solidFill>
                         <a:effectLst/>
-                        <a:latin typeface="맑은 고딕" panose="020B0503020000020004" pitchFamily="50" charset="-127"/>
-                        <a:ea typeface="맑은 고딕" panose="020B0503020000020004" pitchFamily="50" charset="-127"/>
+                        <a:latin typeface="나눔스퀘어 Bold" panose="020B0600000101010101" pitchFamily="50" charset="-127"/>
+                        <a:ea typeface="나눔스퀘어 Bold" panose="020B0600000101010101" pitchFamily="50" charset="-127"/>
                       </a:endParaRPr>
                     </a:p>
                   </a:txBody>
@@ -3970,6 +4518,8 @@
                       <a:r>
                         <a:rPr lang="en-US" altLang="ko-KR" sz="1300" u="none" strike="noStrike">
                           <a:effectLst/>
+                          <a:latin typeface="나눔스퀘어 Bold" panose="020B0600000101010101" pitchFamily="50" charset="-127"/>
+                          <a:ea typeface="나눔스퀘어 Bold" panose="020B0600000101010101" pitchFamily="50" charset="-127"/>
                         </a:rPr>
                         <a:t>0</a:t>
                       </a:r>
@@ -3978,8 +4528,8 @@
                           <a:srgbClr val="000000"/>
                         </a:solidFill>
                         <a:effectLst/>
-                        <a:latin typeface="맑은 고딕" panose="020B0503020000020004" pitchFamily="50" charset="-127"/>
-                        <a:ea typeface="맑은 고딕" panose="020B0503020000020004" pitchFamily="50" charset="-127"/>
+                        <a:latin typeface="나눔스퀘어 Bold" panose="020B0600000101010101" pitchFamily="50" charset="-127"/>
+                        <a:ea typeface="나눔스퀘어 Bold" panose="020B0600000101010101" pitchFamily="50" charset="-127"/>
                       </a:endParaRPr>
                     </a:p>
                   </a:txBody>
@@ -3994,6 +4544,8 @@
                       <a:r>
                         <a:rPr lang="en-US" altLang="ko-KR" sz="1300" u="none" strike="noStrike">
                           <a:effectLst/>
+                          <a:latin typeface="나눔스퀘어 Bold" panose="020B0600000101010101" pitchFamily="50" charset="-127"/>
+                          <a:ea typeface="나눔스퀘어 Bold" panose="020B0600000101010101" pitchFamily="50" charset="-127"/>
                         </a:rPr>
                         <a:t>9</a:t>
                       </a:r>
@@ -4002,8 +4554,8 @@
                           <a:srgbClr val="000000"/>
                         </a:solidFill>
                         <a:effectLst/>
-                        <a:latin typeface="맑은 고딕" panose="020B0503020000020004" pitchFamily="50" charset="-127"/>
-                        <a:ea typeface="맑은 고딕" panose="020B0503020000020004" pitchFamily="50" charset="-127"/>
+                        <a:latin typeface="나눔스퀘어 Bold" panose="020B0600000101010101" pitchFamily="50" charset="-127"/>
+                        <a:ea typeface="나눔스퀘어 Bold" panose="020B0600000101010101" pitchFamily="50" charset="-127"/>
                       </a:endParaRPr>
                     </a:p>
                   </a:txBody>
@@ -4023,18 +4575,20 @@
                     <a:p>
                       <a:pPr algn="ctr" fontAlgn="ctr"/>
                       <a:r>
-                        <a:rPr lang="ko-KR" altLang="en-US" sz="1300" u="none" strike="noStrike">
-                          <a:effectLst/>
-                        </a:rPr>
-                        <a:t>수</a:t>
-                      </a:r>
-                      <a:endParaRPr lang="ko-KR" altLang="en-US" sz="1300" b="0" i="0" u="none" strike="noStrike">
+                        <a:rPr lang="ko-KR" altLang="en-US" sz="1300" u="none" strike="noStrike" dirty="0">
+                          <a:effectLst/>
+                          <a:latin typeface="나눔스퀘어 Bold" panose="020B0600000101010101" pitchFamily="50" charset="-127"/>
+                          <a:ea typeface="나눔스퀘어 Bold" panose="020B0600000101010101" pitchFamily="50" charset="-127"/>
+                        </a:rPr>
+                        <a:t>수 속성</a:t>
+                      </a:r>
+                      <a:endParaRPr lang="ko-KR" altLang="en-US" sz="1300" b="0" i="0" u="none" strike="noStrike" dirty="0">
                         <a:solidFill>
                           <a:srgbClr val="000000"/>
                         </a:solidFill>
                         <a:effectLst/>
-                        <a:latin typeface="맑은 고딕" panose="020B0503020000020004" pitchFamily="50" charset="-127"/>
-                        <a:ea typeface="맑은 고딕" panose="020B0503020000020004" pitchFamily="50" charset="-127"/>
+                        <a:latin typeface="나눔스퀘어 Bold" panose="020B0600000101010101" pitchFamily="50" charset="-127"/>
+                        <a:ea typeface="나눔스퀘어 Bold" panose="020B0600000101010101" pitchFamily="50" charset="-127"/>
                       </a:endParaRPr>
                     </a:p>
                   </a:txBody>
@@ -4049,6 +4603,8 @@
                       <a:r>
                         <a:rPr lang="en-US" altLang="ko-KR" sz="1300" u="none" strike="noStrike">
                           <a:effectLst/>
+                          <a:latin typeface="나눔스퀘어 Bold" panose="020B0600000101010101" pitchFamily="50" charset="-127"/>
+                          <a:ea typeface="나눔스퀘어 Bold" panose="020B0600000101010101" pitchFamily="50" charset="-127"/>
                         </a:rPr>
                         <a:t>1</a:t>
                       </a:r>
@@ -4057,8 +4613,8 @@
                           <a:srgbClr val="000000"/>
                         </a:solidFill>
                         <a:effectLst/>
-                        <a:latin typeface="맑은 고딕" panose="020B0503020000020004" pitchFamily="50" charset="-127"/>
-                        <a:ea typeface="맑은 고딕" panose="020B0503020000020004" pitchFamily="50" charset="-127"/>
+                        <a:latin typeface="나눔스퀘어 Bold" panose="020B0600000101010101" pitchFamily="50" charset="-127"/>
+                        <a:ea typeface="나눔스퀘어 Bold" panose="020B0600000101010101" pitchFamily="50" charset="-127"/>
                       </a:endParaRPr>
                     </a:p>
                   </a:txBody>
@@ -4073,6 +4629,8 @@
                       <a:r>
                         <a:rPr lang="en-US" altLang="ko-KR" sz="1300" u="none" strike="noStrike" dirty="0">
                           <a:effectLst/>
+                          <a:latin typeface="나눔스퀘어 Bold" panose="020B0600000101010101" pitchFamily="50" charset="-127"/>
+                          <a:ea typeface="나눔스퀘어 Bold" panose="020B0600000101010101" pitchFamily="50" charset="-127"/>
                         </a:rPr>
                         <a:t>0</a:t>
                       </a:r>
@@ -4081,8 +4639,8 @@
                           <a:srgbClr val="000000"/>
                         </a:solidFill>
                         <a:effectLst/>
-                        <a:latin typeface="맑은 고딕" panose="020B0503020000020004" pitchFamily="50" charset="-127"/>
-                        <a:ea typeface="맑은 고딕" panose="020B0503020000020004" pitchFamily="50" charset="-127"/>
+                        <a:latin typeface="나눔스퀘어 Bold" panose="020B0600000101010101" pitchFamily="50" charset="-127"/>
+                        <a:ea typeface="나눔스퀘어 Bold" panose="020B0600000101010101" pitchFamily="50" charset="-127"/>
                       </a:endParaRPr>
                     </a:p>
                   </a:txBody>
@@ -4095,18 +4653,20 @@
                     <a:p>
                       <a:pPr algn="ctr" fontAlgn="ctr"/>
                       <a:r>
-                        <a:rPr lang="en-US" altLang="ko-KR" sz="1300" u="none" strike="noStrike">
-                          <a:effectLst/>
+                        <a:rPr lang="en-US" altLang="ko-KR" sz="1300" u="none" strike="noStrike" dirty="0">
+                          <a:effectLst/>
+                          <a:latin typeface="나눔스퀘어 Bold" panose="020B0600000101010101" pitchFamily="50" charset="-127"/>
+                          <a:ea typeface="나눔스퀘어 Bold" panose="020B0600000101010101" pitchFamily="50" charset="-127"/>
                         </a:rPr>
                         <a:t>2</a:t>
                       </a:r>
-                      <a:endParaRPr lang="en-US" altLang="ko-KR" sz="1300" b="0" i="0" u="none" strike="noStrike">
+                      <a:endParaRPr lang="en-US" altLang="ko-KR" sz="1300" b="0" i="0" u="none" strike="noStrike" dirty="0">
                         <a:solidFill>
                           <a:srgbClr val="000000"/>
                         </a:solidFill>
                         <a:effectLst/>
-                        <a:latin typeface="맑은 고딕" panose="020B0503020000020004" pitchFamily="50" charset="-127"/>
-                        <a:ea typeface="맑은 고딕" panose="020B0503020000020004" pitchFamily="50" charset="-127"/>
+                        <a:latin typeface="나눔스퀘어 Bold" panose="020B0600000101010101" pitchFamily="50" charset="-127"/>
+                        <a:ea typeface="나눔스퀘어 Bold" panose="020B0600000101010101" pitchFamily="50" charset="-127"/>
                       </a:endParaRPr>
                     </a:p>
                   </a:txBody>
@@ -4119,18 +4679,20 @@
                     <a:p>
                       <a:pPr algn="ctr" fontAlgn="ctr"/>
                       <a:r>
-                        <a:rPr lang="en-US" altLang="ko-KR" sz="1300" u="none" strike="noStrike">
-                          <a:effectLst/>
+                        <a:rPr lang="en-US" altLang="ko-KR" sz="1300" u="none" strike="noStrike" dirty="0">
+                          <a:effectLst/>
+                          <a:latin typeface="나눔스퀘어 Bold" panose="020B0600000101010101" pitchFamily="50" charset="-127"/>
+                          <a:ea typeface="나눔스퀘어 Bold" panose="020B0600000101010101" pitchFamily="50" charset="-127"/>
                         </a:rPr>
                         <a:t>1</a:t>
                       </a:r>
-                      <a:endParaRPr lang="en-US" altLang="ko-KR" sz="1300" b="0" i="0" u="none" strike="noStrike">
+                      <a:endParaRPr lang="en-US" altLang="ko-KR" sz="1300" b="0" i="0" u="none" strike="noStrike" dirty="0">
                         <a:solidFill>
                           <a:srgbClr val="000000"/>
                         </a:solidFill>
                         <a:effectLst/>
-                        <a:latin typeface="맑은 고딕" panose="020B0503020000020004" pitchFamily="50" charset="-127"/>
-                        <a:ea typeface="맑은 고딕" panose="020B0503020000020004" pitchFamily="50" charset="-127"/>
+                        <a:latin typeface="나눔스퀘어 Bold" panose="020B0600000101010101" pitchFamily="50" charset="-127"/>
+                        <a:ea typeface="나눔스퀘어 Bold" panose="020B0600000101010101" pitchFamily="50" charset="-127"/>
                       </a:endParaRPr>
                     </a:p>
                   </a:txBody>
@@ -4143,18 +4705,20 @@
                     <a:p>
                       <a:pPr algn="ctr" fontAlgn="ctr"/>
                       <a:r>
-                        <a:rPr lang="en-US" altLang="ko-KR" sz="1300" u="none" strike="noStrike">
-                          <a:effectLst/>
+                        <a:rPr lang="en-US" altLang="ko-KR" sz="1300" u="none" strike="noStrike" dirty="0">
+                          <a:effectLst/>
+                          <a:latin typeface="나눔스퀘어 Bold" panose="020B0600000101010101" pitchFamily="50" charset="-127"/>
+                          <a:ea typeface="나눔스퀘어 Bold" panose="020B0600000101010101" pitchFamily="50" charset="-127"/>
                         </a:rPr>
                         <a:t>0</a:t>
                       </a:r>
-                      <a:endParaRPr lang="en-US" altLang="ko-KR" sz="1300" b="0" i="0" u="none" strike="noStrike">
+                      <a:endParaRPr lang="en-US" altLang="ko-KR" sz="1300" b="0" i="0" u="none" strike="noStrike" dirty="0">
                         <a:solidFill>
                           <a:srgbClr val="000000"/>
                         </a:solidFill>
                         <a:effectLst/>
-                        <a:latin typeface="맑은 고딕" panose="020B0503020000020004" pitchFamily="50" charset="-127"/>
-                        <a:ea typeface="맑은 고딕" panose="020B0503020000020004" pitchFamily="50" charset="-127"/>
+                        <a:latin typeface="나눔스퀘어 Bold" panose="020B0600000101010101" pitchFamily="50" charset="-127"/>
+                        <a:ea typeface="나눔스퀘어 Bold" panose="020B0600000101010101" pitchFamily="50" charset="-127"/>
                       </a:endParaRPr>
                     </a:p>
                   </a:txBody>
@@ -4167,18 +4731,20 @@
                     <a:p>
                       <a:pPr algn="ctr" fontAlgn="ctr"/>
                       <a:r>
-                        <a:rPr lang="en-US" altLang="ko-KR" sz="1300" u="none" strike="noStrike">
-                          <a:effectLst/>
+                        <a:rPr lang="en-US" altLang="ko-KR" sz="1300" u="none" strike="noStrike" dirty="0">
+                          <a:effectLst/>
+                          <a:latin typeface="나눔스퀘어 Bold" panose="020B0600000101010101" pitchFamily="50" charset="-127"/>
+                          <a:ea typeface="나눔스퀘어 Bold" panose="020B0600000101010101" pitchFamily="50" charset="-127"/>
                         </a:rPr>
                         <a:t>1</a:t>
                       </a:r>
-                      <a:endParaRPr lang="en-US" altLang="ko-KR" sz="1300" b="0" i="0" u="none" strike="noStrike">
+                      <a:endParaRPr lang="en-US" altLang="ko-KR" sz="1300" b="0" i="0" u="none" strike="noStrike" dirty="0">
                         <a:solidFill>
                           <a:srgbClr val="000000"/>
                         </a:solidFill>
                         <a:effectLst/>
-                        <a:latin typeface="맑은 고딕" panose="020B0503020000020004" pitchFamily="50" charset="-127"/>
-                        <a:ea typeface="맑은 고딕" panose="020B0503020000020004" pitchFamily="50" charset="-127"/>
+                        <a:latin typeface="나눔스퀘어 Bold" panose="020B0600000101010101" pitchFamily="50" charset="-127"/>
+                        <a:ea typeface="나눔스퀘어 Bold" panose="020B0600000101010101" pitchFamily="50" charset="-127"/>
                       </a:endParaRPr>
                     </a:p>
                   </a:txBody>
@@ -4193,6 +4759,8 @@
                       <a:r>
                         <a:rPr lang="en-US" altLang="ko-KR" sz="1300" u="none" strike="noStrike">
                           <a:effectLst/>
+                          <a:latin typeface="나눔스퀘어 Bold" panose="020B0600000101010101" pitchFamily="50" charset="-127"/>
+                          <a:ea typeface="나눔스퀘어 Bold" panose="020B0600000101010101" pitchFamily="50" charset="-127"/>
                         </a:rPr>
                         <a:t>3</a:t>
                       </a:r>
@@ -4201,8 +4769,8 @@
                           <a:srgbClr val="000000"/>
                         </a:solidFill>
                         <a:effectLst/>
-                        <a:latin typeface="맑은 고딕" panose="020B0503020000020004" pitchFamily="50" charset="-127"/>
-                        <a:ea typeface="맑은 고딕" panose="020B0503020000020004" pitchFamily="50" charset="-127"/>
+                        <a:latin typeface="나눔스퀘어 Bold" panose="020B0600000101010101" pitchFamily="50" charset="-127"/>
+                        <a:ea typeface="나눔스퀘어 Bold" panose="020B0600000101010101" pitchFamily="50" charset="-127"/>
                       </a:endParaRPr>
                     </a:p>
                   </a:txBody>
@@ -4217,6 +4785,8 @@
                       <a:r>
                         <a:rPr lang="en-US" altLang="ko-KR" sz="1300" u="none" strike="noStrike">
                           <a:effectLst/>
+                          <a:latin typeface="나눔스퀘어 Bold" panose="020B0600000101010101" pitchFamily="50" charset="-127"/>
+                          <a:ea typeface="나눔스퀘어 Bold" panose="020B0600000101010101" pitchFamily="50" charset="-127"/>
                         </a:rPr>
                         <a:t>1</a:t>
                       </a:r>
@@ -4225,8 +4795,8 @@
                           <a:srgbClr val="000000"/>
                         </a:solidFill>
                         <a:effectLst/>
-                        <a:latin typeface="맑은 고딕" panose="020B0503020000020004" pitchFamily="50" charset="-127"/>
-                        <a:ea typeface="맑은 고딕" panose="020B0503020000020004" pitchFamily="50" charset="-127"/>
+                        <a:latin typeface="나눔스퀘어 Bold" panose="020B0600000101010101" pitchFamily="50" charset="-127"/>
+                        <a:ea typeface="나눔스퀘어 Bold" panose="020B0600000101010101" pitchFamily="50" charset="-127"/>
                       </a:endParaRPr>
                     </a:p>
                   </a:txBody>
@@ -4241,6 +4811,8 @@
                       <a:r>
                         <a:rPr lang="en-US" altLang="ko-KR" sz="1300" u="none" strike="noStrike">
                           <a:effectLst/>
+                          <a:latin typeface="나눔스퀘어 Bold" panose="020B0600000101010101" pitchFamily="50" charset="-127"/>
+                          <a:ea typeface="나눔스퀘어 Bold" panose="020B0600000101010101" pitchFamily="50" charset="-127"/>
                         </a:rPr>
                         <a:t>9</a:t>
                       </a:r>
@@ -4249,8 +4821,8 @@
                           <a:srgbClr val="000000"/>
                         </a:solidFill>
                         <a:effectLst/>
-                        <a:latin typeface="맑은 고딕" panose="020B0503020000020004" pitchFamily="50" charset="-127"/>
-                        <a:ea typeface="맑은 고딕" panose="020B0503020000020004" pitchFamily="50" charset="-127"/>
+                        <a:latin typeface="나눔스퀘어 Bold" panose="020B0600000101010101" pitchFamily="50" charset="-127"/>
+                        <a:ea typeface="나눔스퀘어 Bold" panose="020B0600000101010101" pitchFamily="50" charset="-127"/>
                       </a:endParaRPr>
                     </a:p>
                   </a:txBody>
@@ -4270,18 +4842,20 @@
                     <a:p>
                       <a:pPr algn="ctr" fontAlgn="ctr"/>
                       <a:r>
-                        <a:rPr lang="ko-KR" altLang="en-US" sz="1300" u="none" strike="noStrike">
-                          <a:effectLst/>
-                        </a:rPr>
-                        <a:t>지</a:t>
-                      </a:r>
-                      <a:endParaRPr lang="ko-KR" altLang="en-US" sz="1300" b="0" i="0" u="none" strike="noStrike">
+                        <a:rPr lang="ko-KR" altLang="en-US" sz="1300" u="none" strike="noStrike" dirty="0">
+                          <a:effectLst/>
+                          <a:latin typeface="나눔스퀘어 Bold" panose="020B0600000101010101" pitchFamily="50" charset="-127"/>
+                          <a:ea typeface="나눔스퀘어 Bold" panose="020B0600000101010101" pitchFamily="50" charset="-127"/>
+                        </a:rPr>
+                        <a:t>지 속성</a:t>
+                      </a:r>
+                      <a:endParaRPr lang="ko-KR" altLang="en-US" sz="1300" b="0" i="0" u="none" strike="noStrike" dirty="0">
                         <a:solidFill>
                           <a:srgbClr val="000000"/>
                         </a:solidFill>
                         <a:effectLst/>
-                        <a:latin typeface="맑은 고딕" panose="020B0503020000020004" pitchFamily="50" charset="-127"/>
-                        <a:ea typeface="맑은 고딕" panose="020B0503020000020004" pitchFamily="50" charset="-127"/>
+                        <a:latin typeface="나눔스퀘어 Bold" panose="020B0600000101010101" pitchFamily="50" charset="-127"/>
+                        <a:ea typeface="나눔스퀘어 Bold" panose="020B0600000101010101" pitchFamily="50" charset="-127"/>
                       </a:endParaRPr>
                     </a:p>
                   </a:txBody>
@@ -4294,18 +4868,20 @@
                     <a:p>
                       <a:pPr algn="ctr" fontAlgn="ctr"/>
                       <a:r>
-                        <a:rPr lang="en-US" altLang="ko-KR" sz="1300" u="none" strike="noStrike">
-                          <a:effectLst/>
+                        <a:rPr lang="en-US" altLang="ko-KR" sz="1300" u="none" strike="noStrike" dirty="0">
+                          <a:effectLst/>
+                          <a:latin typeface="나눔스퀘어 Bold" panose="020B0600000101010101" pitchFamily="50" charset="-127"/>
+                          <a:ea typeface="나눔스퀘어 Bold" panose="020B0600000101010101" pitchFamily="50" charset="-127"/>
                         </a:rPr>
                         <a:t>0</a:t>
                       </a:r>
-                      <a:endParaRPr lang="en-US" altLang="ko-KR" sz="1300" b="0" i="0" u="none" strike="noStrike">
+                      <a:endParaRPr lang="en-US" altLang="ko-KR" sz="1300" b="0" i="0" u="none" strike="noStrike" dirty="0">
                         <a:solidFill>
                           <a:srgbClr val="000000"/>
                         </a:solidFill>
                         <a:effectLst/>
-                        <a:latin typeface="맑은 고딕" panose="020B0503020000020004" pitchFamily="50" charset="-127"/>
-                        <a:ea typeface="맑은 고딕" panose="020B0503020000020004" pitchFamily="50" charset="-127"/>
+                        <a:latin typeface="나눔스퀘어 Bold" panose="020B0600000101010101" pitchFamily="50" charset="-127"/>
+                        <a:ea typeface="나눔스퀘어 Bold" panose="020B0600000101010101" pitchFamily="50" charset="-127"/>
                       </a:endParaRPr>
                     </a:p>
                   </a:txBody>
@@ -4320,6 +4896,8 @@
                       <a:r>
                         <a:rPr lang="en-US" altLang="ko-KR" sz="1300" u="none" strike="noStrike" dirty="0">
                           <a:effectLst/>
+                          <a:latin typeface="나눔스퀘어 Bold" panose="020B0600000101010101" pitchFamily="50" charset="-127"/>
+                          <a:ea typeface="나눔스퀘어 Bold" panose="020B0600000101010101" pitchFamily="50" charset="-127"/>
                         </a:rPr>
                         <a:t>2</a:t>
                       </a:r>
@@ -4328,8 +4906,8 @@
                           <a:srgbClr val="000000"/>
                         </a:solidFill>
                         <a:effectLst/>
-                        <a:latin typeface="맑은 고딕" panose="020B0503020000020004" pitchFamily="50" charset="-127"/>
-                        <a:ea typeface="맑은 고딕" panose="020B0503020000020004" pitchFamily="50" charset="-127"/>
+                        <a:latin typeface="나눔스퀘어 Bold" panose="020B0600000101010101" pitchFamily="50" charset="-127"/>
+                        <a:ea typeface="나눔스퀘어 Bold" panose="020B0600000101010101" pitchFamily="50" charset="-127"/>
                       </a:endParaRPr>
                     </a:p>
                   </a:txBody>
@@ -4344,6 +4922,8 @@
                       <a:r>
                         <a:rPr lang="en-US" altLang="ko-KR" sz="1300" u="none" strike="noStrike" dirty="0">
                           <a:effectLst/>
+                          <a:latin typeface="나눔스퀘어 Bold" panose="020B0600000101010101" pitchFamily="50" charset="-127"/>
+                          <a:ea typeface="나눔스퀘어 Bold" panose="020B0600000101010101" pitchFamily="50" charset="-127"/>
                         </a:rPr>
                         <a:t>2</a:t>
                       </a:r>
@@ -4352,8 +4932,8 @@
                           <a:srgbClr val="000000"/>
                         </a:solidFill>
                         <a:effectLst/>
-                        <a:latin typeface="맑은 고딕" panose="020B0503020000020004" pitchFamily="50" charset="-127"/>
-                        <a:ea typeface="맑은 고딕" panose="020B0503020000020004" pitchFamily="50" charset="-127"/>
+                        <a:latin typeface="나눔스퀘어 Bold" panose="020B0600000101010101" pitchFamily="50" charset="-127"/>
+                        <a:ea typeface="나눔스퀘어 Bold" panose="020B0600000101010101" pitchFamily="50" charset="-127"/>
                       </a:endParaRPr>
                     </a:p>
                   </a:txBody>
@@ -4366,18 +4946,20 @@
                     <a:p>
                       <a:pPr algn="ctr" fontAlgn="ctr"/>
                       <a:r>
-                        <a:rPr lang="en-US" altLang="ko-KR" sz="1300" u="none" strike="noStrike">
-                          <a:effectLst/>
+                        <a:rPr lang="en-US" altLang="ko-KR" sz="1300" u="none" strike="noStrike" dirty="0">
+                          <a:effectLst/>
+                          <a:latin typeface="나눔스퀘어 Bold" panose="020B0600000101010101" pitchFamily="50" charset="-127"/>
+                          <a:ea typeface="나눔스퀘어 Bold" panose="020B0600000101010101" pitchFamily="50" charset="-127"/>
                         </a:rPr>
                         <a:t>0</a:t>
                       </a:r>
-                      <a:endParaRPr lang="en-US" altLang="ko-KR" sz="1300" b="0" i="0" u="none" strike="noStrike">
+                      <a:endParaRPr lang="en-US" altLang="ko-KR" sz="1300" b="0" i="0" u="none" strike="noStrike" dirty="0">
                         <a:solidFill>
                           <a:srgbClr val="000000"/>
                         </a:solidFill>
                         <a:effectLst/>
-                        <a:latin typeface="맑은 고딕" panose="020B0503020000020004" pitchFamily="50" charset="-127"/>
-                        <a:ea typeface="맑은 고딕" panose="020B0503020000020004" pitchFamily="50" charset="-127"/>
+                        <a:latin typeface="나눔스퀘어 Bold" panose="020B0600000101010101" pitchFamily="50" charset="-127"/>
+                        <a:ea typeface="나눔스퀘어 Bold" panose="020B0600000101010101" pitchFamily="50" charset="-127"/>
                       </a:endParaRPr>
                     </a:p>
                   </a:txBody>
@@ -4392,6 +4974,8 @@
                       <a:r>
                         <a:rPr lang="en-US" altLang="ko-KR" sz="1300" u="none" strike="noStrike">
                           <a:effectLst/>
+                          <a:latin typeface="나눔스퀘어 Bold" panose="020B0600000101010101" pitchFamily="50" charset="-127"/>
+                          <a:ea typeface="나눔스퀘어 Bold" panose="020B0600000101010101" pitchFamily="50" charset="-127"/>
                         </a:rPr>
                         <a:t>1</a:t>
                       </a:r>
@@ -4400,8 +4984,8 @@
                           <a:srgbClr val="000000"/>
                         </a:solidFill>
                         <a:effectLst/>
-                        <a:latin typeface="맑은 고딕" panose="020B0503020000020004" pitchFamily="50" charset="-127"/>
-                        <a:ea typeface="맑은 고딕" panose="020B0503020000020004" pitchFamily="50" charset="-127"/>
+                        <a:latin typeface="나눔스퀘어 Bold" panose="020B0600000101010101" pitchFamily="50" charset="-127"/>
+                        <a:ea typeface="나눔스퀘어 Bold" panose="020B0600000101010101" pitchFamily="50" charset="-127"/>
                       </a:endParaRPr>
                     </a:p>
                   </a:txBody>
@@ -4414,18 +4998,20 @@
                     <a:p>
                       <a:pPr algn="ctr" fontAlgn="ctr"/>
                       <a:r>
-                        <a:rPr lang="en-US" altLang="ko-KR" sz="1300" u="none" strike="noStrike">
-                          <a:effectLst/>
+                        <a:rPr lang="en-US" altLang="ko-KR" sz="1300" u="none" strike="noStrike" dirty="0">
+                          <a:effectLst/>
+                          <a:latin typeface="나눔스퀘어 Bold" panose="020B0600000101010101" pitchFamily="50" charset="-127"/>
+                          <a:ea typeface="나눔스퀘어 Bold" panose="020B0600000101010101" pitchFamily="50" charset="-127"/>
                         </a:rPr>
                         <a:t>1</a:t>
                       </a:r>
-                      <a:endParaRPr lang="en-US" altLang="ko-KR" sz="1300" b="0" i="0" u="none" strike="noStrike">
+                      <a:endParaRPr lang="en-US" altLang="ko-KR" sz="1300" b="0" i="0" u="none" strike="noStrike" dirty="0">
                         <a:solidFill>
                           <a:srgbClr val="000000"/>
                         </a:solidFill>
                         <a:effectLst/>
-                        <a:latin typeface="맑은 고딕" panose="020B0503020000020004" pitchFamily="50" charset="-127"/>
-                        <a:ea typeface="맑은 고딕" panose="020B0503020000020004" pitchFamily="50" charset="-127"/>
+                        <a:latin typeface="나눔스퀘어 Bold" panose="020B0600000101010101" pitchFamily="50" charset="-127"/>
+                        <a:ea typeface="나눔스퀘어 Bold" panose="020B0600000101010101" pitchFamily="50" charset="-127"/>
                       </a:endParaRPr>
                     </a:p>
                   </a:txBody>
@@ -4438,18 +5024,20 @@
                     <a:p>
                       <a:pPr algn="ctr" fontAlgn="ctr"/>
                       <a:r>
-                        <a:rPr lang="en-US" altLang="ko-KR" sz="1300" u="none" strike="noStrike">
-                          <a:effectLst/>
+                        <a:rPr lang="en-US" altLang="ko-KR" sz="1300" u="none" strike="noStrike" dirty="0">
+                          <a:effectLst/>
+                          <a:latin typeface="나눔스퀘어 Bold" panose="020B0600000101010101" pitchFamily="50" charset="-127"/>
+                          <a:ea typeface="나눔스퀘어 Bold" panose="020B0600000101010101" pitchFamily="50" charset="-127"/>
                         </a:rPr>
                         <a:t>2</a:t>
                       </a:r>
-                      <a:endParaRPr lang="en-US" altLang="ko-KR" sz="1300" b="0" i="0" u="none" strike="noStrike">
+                      <a:endParaRPr lang="en-US" altLang="ko-KR" sz="1300" b="0" i="0" u="none" strike="noStrike" dirty="0">
                         <a:solidFill>
                           <a:srgbClr val="000000"/>
                         </a:solidFill>
                         <a:effectLst/>
-                        <a:latin typeface="맑은 고딕" panose="020B0503020000020004" pitchFamily="50" charset="-127"/>
-                        <a:ea typeface="맑은 고딕" panose="020B0503020000020004" pitchFamily="50" charset="-127"/>
+                        <a:latin typeface="나눔스퀘어 Bold" panose="020B0600000101010101" pitchFamily="50" charset="-127"/>
+                        <a:ea typeface="나눔스퀘어 Bold" panose="020B0600000101010101" pitchFamily="50" charset="-127"/>
                       </a:endParaRPr>
                     </a:p>
                   </a:txBody>
@@ -4462,18 +5050,20 @@
                     <a:p>
                       <a:pPr algn="ctr" fontAlgn="ctr"/>
                       <a:r>
-                        <a:rPr lang="en-US" altLang="ko-KR" sz="1300" u="none" strike="noStrike">
-                          <a:effectLst/>
+                        <a:rPr lang="en-US" altLang="ko-KR" sz="1300" u="none" strike="noStrike" dirty="0">
+                          <a:effectLst/>
+                          <a:latin typeface="나눔스퀘어 Bold" panose="020B0600000101010101" pitchFamily="50" charset="-127"/>
+                          <a:ea typeface="나눔스퀘어 Bold" panose="020B0600000101010101" pitchFamily="50" charset="-127"/>
                         </a:rPr>
                         <a:t>1</a:t>
                       </a:r>
-                      <a:endParaRPr lang="en-US" altLang="ko-KR" sz="1300" b="0" i="0" u="none" strike="noStrike">
+                      <a:endParaRPr lang="en-US" altLang="ko-KR" sz="1300" b="0" i="0" u="none" strike="noStrike" dirty="0">
                         <a:solidFill>
                           <a:srgbClr val="000000"/>
                         </a:solidFill>
                         <a:effectLst/>
-                        <a:latin typeface="맑은 고딕" panose="020B0503020000020004" pitchFamily="50" charset="-127"/>
-                        <a:ea typeface="맑은 고딕" panose="020B0503020000020004" pitchFamily="50" charset="-127"/>
+                        <a:latin typeface="나눔스퀘어 Bold" panose="020B0600000101010101" pitchFamily="50" charset="-127"/>
+                        <a:ea typeface="나눔스퀘어 Bold" panose="020B0600000101010101" pitchFamily="50" charset="-127"/>
                       </a:endParaRPr>
                     </a:p>
                   </a:txBody>
@@ -4488,6 +5078,8 @@
                       <a:r>
                         <a:rPr lang="en-US" altLang="ko-KR" sz="1300" u="none" strike="noStrike">
                           <a:effectLst/>
+                          <a:latin typeface="나눔스퀘어 Bold" panose="020B0600000101010101" pitchFamily="50" charset="-127"/>
+                          <a:ea typeface="나눔스퀘어 Bold" panose="020B0600000101010101" pitchFamily="50" charset="-127"/>
                         </a:rPr>
                         <a:t>9</a:t>
                       </a:r>
@@ -4496,8 +5088,8 @@
                           <a:srgbClr val="000000"/>
                         </a:solidFill>
                         <a:effectLst/>
-                        <a:latin typeface="맑은 고딕" panose="020B0503020000020004" pitchFamily="50" charset="-127"/>
-                        <a:ea typeface="맑은 고딕" panose="020B0503020000020004" pitchFamily="50" charset="-127"/>
+                        <a:latin typeface="나눔스퀘어 Bold" panose="020B0600000101010101" pitchFamily="50" charset="-127"/>
+                        <a:ea typeface="나눔스퀘어 Bold" panose="020B0600000101010101" pitchFamily="50" charset="-127"/>
                       </a:endParaRPr>
                     </a:p>
                   </a:txBody>
@@ -4517,18 +5109,20 @@
                     <a:p>
                       <a:pPr algn="ctr" fontAlgn="ctr"/>
                       <a:r>
-                        <a:rPr lang="ko-KR" altLang="en-US" sz="1300" u="none" strike="noStrike">
-                          <a:effectLst/>
-                        </a:rPr>
-                        <a:t>무</a:t>
-                      </a:r>
-                      <a:endParaRPr lang="ko-KR" altLang="en-US" sz="1300" b="0" i="0" u="none" strike="noStrike">
+                        <a:rPr lang="ko-KR" altLang="en-US" sz="1300" u="none" strike="noStrike" dirty="0">
+                          <a:effectLst/>
+                          <a:latin typeface="나눔스퀘어 Bold" panose="020B0600000101010101" pitchFamily="50" charset="-127"/>
+                          <a:ea typeface="나눔스퀘어 Bold" panose="020B0600000101010101" pitchFamily="50" charset="-127"/>
+                        </a:rPr>
+                        <a:t>무 속성</a:t>
+                      </a:r>
+                      <a:endParaRPr lang="ko-KR" altLang="en-US" sz="1300" b="0" i="0" u="none" strike="noStrike" dirty="0">
                         <a:solidFill>
                           <a:srgbClr val="000000"/>
                         </a:solidFill>
                         <a:effectLst/>
-                        <a:latin typeface="맑은 고딕" panose="020B0503020000020004" pitchFamily="50" charset="-127"/>
-                        <a:ea typeface="맑은 고딕" panose="020B0503020000020004" pitchFamily="50" charset="-127"/>
+                        <a:latin typeface="나눔스퀘어 Bold" panose="020B0600000101010101" pitchFamily="50" charset="-127"/>
+                        <a:ea typeface="나눔스퀘어 Bold" panose="020B0600000101010101" pitchFamily="50" charset="-127"/>
                       </a:endParaRPr>
                     </a:p>
                   </a:txBody>
@@ -4543,6 +5137,8 @@
                       <a:r>
                         <a:rPr lang="en-US" altLang="ko-KR" sz="1300" u="none" strike="noStrike">
                           <a:effectLst/>
+                          <a:latin typeface="나눔스퀘어 Bold" panose="020B0600000101010101" pitchFamily="50" charset="-127"/>
+                          <a:ea typeface="나눔스퀘어 Bold" panose="020B0600000101010101" pitchFamily="50" charset="-127"/>
                         </a:rPr>
                         <a:t>0</a:t>
                       </a:r>
@@ -4551,8 +5147,8 @@
                           <a:srgbClr val="000000"/>
                         </a:solidFill>
                         <a:effectLst/>
-                        <a:latin typeface="맑은 고딕" panose="020B0503020000020004" pitchFamily="50" charset="-127"/>
-                        <a:ea typeface="맑은 고딕" panose="020B0503020000020004" pitchFamily="50" charset="-127"/>
+                        <a:latin typeface="나눔스퀘어 Bold" panose="020B0600000101010101" pitchFamily="50" charset="-127"/>
+                        <a:ea typeface="나눔스퀘어 Bold" panose="020B0600000101010101" pitchFamily="50" charset="-127"/>
                       </a:endParaRPr>
                     </a:p>
                   </a:txBody>
@@ -4567,6 +5163,8 @@
                       <a:r>
                         <a:rPr lang="en-US" altLang="ko-KR" sz="1300" u="none" strike="noStrike">
                           <a:effectLst/>
+                          <a:latin typeface="나눔스퀘어 Bold" panose="020B0600000101010101" pitchFamily="50" charset="-127"/>
+                          <a:ea typeface="나눔스퀘어 Bold" panose="020B0600000101010101" pitchFamily="50" charset="-127"/>
                         </a:rPr>
                         <a:t>2</a:t>
                       </a:r>
@@ -4575,8 +5173,8 @@
                           <a:srgbClr val="000000"/>
                         </a:solidFill>
                         <a:effectLst/>
-                        <a:latin typeface="맑은 고딕" panose="020B0503020000020004" pitchFamily="50" charset="-127"/>
-                        <a:ea typeface="맑은 고딕" panose="020B0503020000020004" pitchFamily="50" charset="-127"/>
+                        <a:latin typeface="나눔스퀘어 Bold" panose="020B0600000101010101" pitchFamily="50" charset="-127"/>
+                        <a:ea typeface="나눔스퀘어 Bold" panose="020B0600000101010101" pitchFamily="50" charset="-127"/>
                       </a:endParaRPr>
                     </a:p>
                   </a:txBody>
@@ -4591,6 +5189,8 @@
                       <a:r>
                         <a:rPr lang="en-US" altLang="ko-KR" sz="1300" u="none" strike="noStrike">
                           <a:effectLst/>
+                          <a:latin typeface="나눔스퀘어 Bold" panose="020B0600000101010101" pitchFamily="50" charset="-127"/>
+                          <a:ea typeface="나눔스퀘어 Bold" panose="020B0600000101010101" pitchFamily="50" charset="-127"/>
                         </a:rPr>
                         <a:t>1</a:t>
                       </a:r>
@@ -4599,8 +5199,8 @@
                           <a:srgbClr val="000000"/>
                         </a:solidFill>
                         <a:effectLst/>
-                        <a:latin typeface="맑은 고딕" panose="020B0503020000020004" pitchFamily="50" charset="-127"/>
-                        <a:ea typeface="맑은 고딕" panose="020B0503020000020004" pitchFamily="50" charset="-127"/>
+                        <a:latin typeface="나눔스퀘어 Bold" panose="020B0600000101010101" pitchFamily="50" charset="-127"/>
+                        <a:ea typeface="나눔스퀘어 Bold" panose="020B0600000101010101" pitchFamily="50" charset="-127"/>
                       </a:endParaRPr>
                     </a:p>
                   </a:txBody>
@@ -4615,6 +5215,8 @@
                       <a:r>
                         <a:rPr lang="en-US" altLang="ko-KR" sz="1300" u="none" strike="noStrike" dirty="0">
                           <a:effectLst/>
+                          <a:latin typeface="나눔스퀘어 Bold" panose="020B0600000101010101" pitchFamily="50" charset="-127"/>
+                          <a:ea typeface="나눔스퀘어 Bold" panose="020B0600000101010101" pitchFamily="50" charset="-127"/>
                         </a:rPr>
                         <a:t>1</a:t>
                       </a:r>
@@ -4623,8 +5225,8 @@
                           <a:srgbClr val="000000"/>
                         </a:solidFill>
                         <a:effectLst/>
-                        <a:latin typeface="맑은 고딕" panose="020B0503020000020004" pitchFamily="50" charset="-127"/>
-                        <a:ea typeface="맑은 고딕" panose="020B0503020000020004" pitchFamily="50" charset="-127"/>
+                        <a:latin typeface="나눔스퀘어 Bold" panose="020B0600000101010101" pitchFamily="50" charset="-127"/>
+                        <a:ea typeface="나눔스퀘어 Bold" panose="020B0600000101010101" pitchFamily="50" charset="-127"/>
                       </a:endParaRPr>
                     </a:p>
                   </a:txBody>
@@ -4639,6 +5241,8 @@
                       <a:r>
                         <a:rPr lang="en-US" altLang="ko-KR" sz="1300" u="none" strike="noStrike" dirty="0">
                           <a:effectLst/>
+                          <a:latin typeface="나눔스퀘어 Bold" panose="020B0600000101010101" pitchFamily="50" charset="-127"/>
+                          <a:ea typeface="나눔스퀘어 Bold" panose="020B0600000101010101" pitchFamily="50" charset="-127"/>
                         </a:rPr>
                         <a:t>1</a:t>
                       </a:r>
@@ -4647,8 +5251,8 @@
                           <a:srgbClr val="000000"/>
                         </a:solidFill>
                         <a:effectLst/>
-                        <a:latin typeface="맑은 고딕" panose="020B0503020000020004" pitchFamily="50" charset="-127"/>
-                        <a:ea typeface="맑은 고딕" panose="020B0503020000020004" pitchFamily="50" charset="-127"/>
+                        <a:latin typeface="나눔스퀘어 Bold" panose="020B0600000101010101" pitchFamily="50" charset="-127"/>
+                        <a:ea typeface="나눔스퀘어 Bold" panose="020B0600000101010101" pitchFamily="50" charset="-127"/>
                       </a:endParaRPr>
                     </a:p>
                   </a:txBody>
@@ -4663,6 +5267,8 @@
                       <a:r>
                         <a:rPr lang="en-US" altLang="ko-KR" sz="1300" u="none" strike="noStrike">
                           <a:effectLst/>
+                          <a:latin typeface="나눔스퀘어 Bold" panose="020B0600000101010101" pitchFamily="50" charset="-127"/>
+                          <a:ea typeface="나눔스퀘어 Bold" panose="020B0600000101010101" pitchFamily="50" charset="-127"/>
                         </a:rPr>
                         <a:t>2</a:t>
                       </a:r>
@@ -4671,8 +5277,8 @@
                           <a:srgbClr val="000000"/>
                         </a:solidFill>
                         <a:effectLst/>
-                        <a:latin typeface="맑은 고딕" panose="020B0503020000020004" pitchFamily="50" charset="-127"/>
-                        <a:ea typeface="맑은 고딕" panose="020B0503020000020004" pitchFamily="50" charset="-127"/>
+                        <a:latin typeface="나눔스퀘어 Bold" panose="020B0600000101010101" pitchFamily="50" charset="-127"/>
+                        <a:ea typeface="나눔스퀘어 Bold" panose="020B0600000101010101" pitchFamily="50" charset="-127"/>
                       </a:endParaRPr>
                     </a:p>
                   </a:txBody>
@@ -4687,6 +5293,8 @@
                       <a:r>
                         <a:rPr lang="en-US" altLang="ko-KR" sz="1300" u="none" strike="noStrike">
                           <a:effectLst/>
+                          <a:latin typeface="나눔스퀘어 Bold" panose="020B0600000101010101" pitchFamily="50" charset="-127"/>
+                          <a:ea typeface="나눔스퀘어 Bold" panose="020B0600000101010101" pitchFamily="50" charset="-127"/>
                         </a:rPr>
                         <a:t>1</a:t>
                       </a:r>
@@ -4695,8 +5303,8 @@
                           <a:srgbClr val="000000"/>
                         </a:solidFill>
                         <a:effectLst/>
-                        <a:latin typeface="맑은 고딕" panose="020B0503020000020004" pitchFamily="50" charset="-127"/>
-                        <a:ea typeface="맑은 고딕" panose="020B0503020000020004" pitchFamily="50" charset="-127"/>
+                        <a:latin typeface="나눔스퀘어 Bold" panose="020B0600000101010101" pitchFamily="50" charset="-127"/>
+                        <a:ea typeface="나눔스퀘어 Bold" panose="020B0600000101010101" pitchFamily="50" charset="-127"/>
                       </a:endParaRPr>
                     </a:p>
                   </a:txBody>
@@ -4709,18 +5317,20 @@
                     <a:p>
                       <a:pPr algn="ctr" fontAlgn="ctr"/>
                       <a:r>
-                        <a:rPr lang="en-US" altLang="ko-KR" sz="1300" u="none" strike="noStrike">
-                          <a:effectLst/>
+                        <a:rPr lang="en-US" altLang="ko-KR" sz="1300" u="none" strike="noStrike" dirty="0">
+                          <a:effectLst/>
+                          <a:latin typeface="나눔스퀘어 Bold" panose="020B0600000101010101" pitchFamily="50" charset="-127"/>
+                          <a:ea typeface="나눔스퀘어 Bold" panose="020B0600000101010101" pitchFamily="50" charset="-127"/>
                         </a:rPr>
                         <a:t>1</a:t>
                       </a:r>
-                      <a:endParaRPr lang="en-US" altLang="ko-KR" sz="1300" b="0" i="0" u="none" strike="noStrike">
+                      <a:endParaRPr lang="en-US" altLang="ko-KR" sz="1300" b="0" i="0" u="none" strike="noStrike" dirty="0">
                         <a:solidFill>
                           <a:srgbClr val="000000"/>
                         </a:solidFill>
                         <a:effectLst/>
-                        <a:latin typeface="맑은 고딕" panose="020B0503020000020004" pitchFamily="50" charset="-127"/>
-                        <a:ea typeface="맑은 고딕" panose="020B0503020000020004" pitchFamily="50" charset="-127"/>
+                        <a:latin typeface="나눔스퀘어 Bold" panose="020B0600000101010101" pitchFamily="50" charset="-127"/>
+                        <a:ea typeface="나눔스퀘어 Bold" panose="020B0600000101010101" pitchFamily="50" charset="-127"/>
                       </a:endParaRPr>
                     </a:p>
                   </a:txBody>
@@ -4735,6 +5345,8 @@
                       <a:r>
                         <a:rPr lang="en-US" altLang="ko-KR" sz="1300" u="none" strike="noStrike">
                           <a:effectLst/>
+                          <a:latin typeface="나눔스퀘어 Bold" panose="020B0600000101010101" pitchFamily="50" charset="-127"/>
+                          <a:ea typeface="나눔스퀘어 Bold" panose="020B0600000101010101" pitchFamily="50" charset="-127"/>
                         </a:rPr>
                         <a:t>9</a:t>
                       </a:r>
@@ -4743,8 +5355,8 @@
                           <a:srgbClr val="000000"/>
                         </a:solidFill>
                         <a:effectLst/>
-                        <a:latin typeface="맑은 고딕" panose="020B0503020000020004" pitchFamily="50" charset="-127"/>
-                        <a:ea typeface="맑은 고딕" panose="020B0503020000020004" pitchFamily="50" charset="-127"/>
+                        <a:latin typeface="나눔스퀘어 Bold" panose="020B0600000101010101" pitchFamily="50" charset="-127"/>
+                        <a:ea typeface="나눔스퀘어 Bold" panose="020B0600000101010101" pitchFamily="50" charset="-127"/>
                       </a:endParaRPr>
                     </a:p>
                   </a:txBody>
@@ -4764,18 +5376,20 @@
                     <a:p>
                       <a:pPr algn="ctr" fontAlgn="ctr"/>
                       <a:r>
-                        <a:rPr lang="ko-KR" altLang="en-US" sz="1300" u="none" strike="noStrike">
-                          <a:effectLst/>
-                        </a:rPr>
-                        <a:t>암</a:t>
-                      </a:r>
-                      <a:endParaRPr lang="ko-KR" altLang="en-US" sz="1300" b="0" i="0" u="none" strike="noStrike">
+                        <a:rPr lang="ko-KR" altLang="en-US" sz="1300" u="none" strike="noStrike" dirty="0">
+                          <a:effectLst/>
+                          <a:latin typeface="나눔스퀘어 Bold" panose="020B0600000101010101" pitchFamily="50" charset="-127"/>
+                          <a:ea typeface="나눔스퀘어 Bold" panose="020B0600000101010101" pitchFamily="50" charset="-127"/>
+                        </a:rPr>
+                        <a:t>암 속성</a:t>
+                      </a:r>
+                      <a:endParaRPr lang="ko-KR" altLang="en-US" sz="1300" b="0" i="0" u="none" strike="noStrike" dirty="0">
                         <a:solidFill>
                           <a:srgbClr val="000000"/>
                         </a:solidFill>
                         <a:effectLst/>
-                        <a:latin typeface="맑은 고딕" panose="020B0503020000020004" pitchFamily="50" charset="-127"/>
-                        <a:ea typeface="맑은 고딕" panose="020B0503020000020004" pitchFamily="50" charset="-127"/>
+                        <a:latin typeface="나눔스퀘어 Bold" panose="020B0600000101010101" pitchFamily="50" charset="-127"/>
+                        <a:ea typeface="나눔스퀘어 Bold" panose="020B0600000101010101" pitchFamily="50" charset="-127"/>
                       </a:endParaRPr>
                     </a:p>
                   </a:txBody>
@@ -4790,6 +5404,8 @@
                       <a:r>
                         <a:rPr lang="en-US" altLang="ko-KR" sz="1300" u="none" strike="noStrike">
                           <a:effectLst/>
+                          <a:latin typeface="나눔스퀘어 Bold" panose="020B0600000101010101" pitchFamily="50" charset="-127"/>
+                          <a:ea typeface="나눔스퀘어 Bold" panose="020B0600000101010101" pitchFamily="50" charset="-127"/>
                         </a:rPr>
                         <a:t>1</a:t>
                       </a:r>
@@ -4798,8 +5414,8 @@
                           <a:srgbClr val="000000"/>
                         </a:solidFill>
                         <a:effectLst/>
-                        <a:latin typeface="맑은 고딕" panose="020B0503020000020004" pitchFamily="50" charset="-127"/>
-                        <a:ea typeface="맑은 고딕" panose="020B0503020000020004" pitchFamily="50" charset="-127"/>
+                        <a:latin typeface="나눔스퀘어 Bold" panose="020B0600000101010101" pitchFamily="50" charset="-127"/>
+                        <a:ea typeface="나눔스퀘어 Bold" panose="020B0600000101010101" pitchFamily="50" charset="-127"/>
                       </a:endParaRPr>
                     </a:p>
                   </a:txBody>
@@ -4812,18 +5428,20 @@
                     <a:p>
                       <a:pPr algn="ctr" fontAlgn="ctr"/>
                       <a:r>
-                        <a:rPr lang="en-US" altLang="ko-KR" sz="1300" u="none" strike="noStrike">
-                          <a:effectLst/>
+                        <a:rPr lang="en-US" altLang="ko-KR" sz="1300" u="none" strike="noStrike" dirty="0">
+                          <a:effectLst/>
+                          <a:latin typeface="나눔스퀘어 Bold" panose="020B0600000101010101" pitchFamily="50" charset="-127"/>
+                          <a:ea typeface="나눔스퀘어 Bold" panose="020B0600000101010101" pitchFamily="50" charset="-127"/>
                         </a:rPr>
                         <a:t>2</a:t>
                       </a:r>
-                      <a:endParaRPr lang="en-US" altLang="ko-KR" sz="1300" b="0" i="0" u="none" strike="noStrike">
+                      <a:endParaRPr lang="en-US" altLang="ko-KR" sz="1300" b="0" i="0" u="none" strike="noStrike" dirty="0">
                         <a:solidFill>
                           <a:srgbClr val="000000"/>
                         </a:solidFill>
                         <a:effectLst/>
-                        <a:latin typeface="맑은 고딕" panose="020B0503020000020004" pitchFamily="50" charset="-127"/>
-                        <a:ea typeface="맑은 고딕" panose="020B0503020000020004" pitchFamily="50" charset="-127"/>
+                        <a:latin typeface="나눔스퀘어 Bold" panose="020B0600000101010101" pitchFamily="50" charset="-127"/>
+                        <a:ea typeface="나눔스퀘어 Bold" panose="020B0600000101010101" pitchFamily="50" charset="-127"/>
                       </a:endParaRPr>
                     </a:p>
                   </a:txBody>
@@ -4838,6 +5456,8 @@
                       <a:r>
                         <a:rPr lang="en-US" altLang="ko-KR" sz="1300" u="none" strike="noStrike">
                           <a:effectLst/>
+                          <a:latin typeface="나눔스퀘어 Bold" panose="020B0600000101010101" pitchFamily="50" charset="-127"/>
+                          <a:ea typeface="나눔스퀘어 Bold" panose="020B0600000101010101" pitchFamily="50" charset="-127"/>
                         </a:rPr>
                         <a:t>1</a:t>
                       </a:r>
@@ -4846,8 +5466,8 @@
                           <a:srgbClr val="000000"/>
                         </a:solidFill>
                         <a:effectLst/>
-                        <a:latin typeface="맑은 고딕" panose="020B0503020000020004" pitchFamily="50" charset="-127"/>
-                        <a:ea typeface="맑은 고딕" panose="020B0503020000020004" pitchFamily="50" charset="-127"/>
+                        <a:latin typeface="나눔스퀘어 Bold" panose="020B0600000101010101" pitchFamily="50" charset="-127"/>
+                        <a:ea typeface="나눔스퀘어 Bold" panose="020B0600000101010101" pitchFamily="50" charset="-127"/>
                       </a:endParaRPr>
                     </a:p>
                   </a:txBody>
@@ -4860,18 +5480,20 @@
                     <a:p>
                       <a:pPr algn="ctr" fontAlgn="ctr"/>
                       <a:r>
-                        <a:rPr lang="en-US" altLang="ko-KR" sz="1300" u="none" strike="noStrike">
-                          <a:effectLst/>
+                        <a:rPr lang="en-US" altLang="ko-KR" sz="1300" u="none" strike="noStrike" dirty="0">
+                          <a:effectLst/>
+                          <a:latin typeface="나눔스퀘어 Bold" panose="020B0600000101010101" pitchFamily="50" charset="-127"/>
+                          <a:ea typeface="나눔스퀘어 Bold" panose="020B0600000101010101" pitchFamily="50" charset="-127"/>
                         </a:rPr>
                         <a:t>1</a:t>
                       </a:r>
-                      <a:endParaRPr lang="en-US" altLang="ko-KR" sz="1300" b="0" i="0" u="none" strike="noStrike">
+                      <a:endParaRPr lang="en-US" altLang="ko-KR" sz="1300" b="0" i="0" u="none" strike="noStrike" dirty="0">
                         <a:solidFill>
                           <a:srgbClr val="000000"/>
                         </a:solidFill>
                         <a:effectLst/>
-                        <a:latin typeface="맑은 고딕" panose="020B0503020000020004" pitchFamily="50" charset="-127"/>
-                        <a:ea typeface="맑은 고딕" panose="020B0503020000020004" pitchFamily="50" charset="-127"/>
+                        <a:latin typeface="나눔스퀘어 Bold" panose="020B0600000101010101" pitchFamily="50" charset="-127"/>
+                        <a:ea typeface="나눔스퀘어 Bold" panose="020B0600000101010101" pitchFamily="50" charset="-127"/>
                       </a:endParaRPr>
                     </a:p>
                   </a:txBody>
@@ -4884,18 +5506,20 @@
                     <a:p>
                       <a:pPr algn="ctr" fontAlgn="ctr"/>
                       <a:r>
-                        <a:rPr lang="en-US" altLang="ko-KR" sz="1300" u="none" strike="noStrike">
-                          <a:effectLst/>
+                        <a:rPr lang="en-US" altLang="ko-KR" sz="1300" u="none" strike="noStrike" dirty="0">
+                          <a:effectLst/>
+                          <a:latin typeface="나눔스퀘어 Bold" panose="020B0600000101010101" pitchFamily="50" charset="-127"/>
+                          <a:ea typeface="나눔스퀘어 Bold" panose="020B0600000101010101" pitchFamily="50" charset="-127"/>
                         </a:rPr>
                         <a:t>0</a:t>
                       </a:r>
-                      <a:endParaRPr lang="en-US" altLang="ko-KR" sz="1300" b="0" i="0" u="none" strike="noStrike">
+                      <a:endParaRPr lang="en-US" altLang="ko-KR" sz="1300" b="0" i="0" u="none" strike="noStrike" dirty="0">
                         <a:solidFill>
                           <a:srgbClr val="000000"/>
                         </a:solidFill>
                         <a:effectLst/>
-                        <a:latin typeface="맑은 고딕" panose="020B0503020000020004" pitchFamily="50" charset="-127"/>
-                        <a:ea typeface="맑은 고딕" panose="020B0503020000020004" pitchFamily="50" charset="-127"/>
+                        <a:latin typeface="나눔스퀘어 Bold" panose="020B0600000101010101" pitchFamily="50" charset="-127"/>
+                        <a:ea typeface="나눔스퀘어 Bold" panose="020B0600000101010101" pitchFamily="50" charset="-127"/>
                       </a:endParaRPr>
                     </a:p>
                   </a:txBody>
@@ -4910,6 +5534,8 @@
                       <a:r>
                         <a:rPr lang="en-US" altLang="ko-KR" sz="1300" u="none" strike="noStrike" dirty="0">
                           <a:effectLst/>
+                          <a:latin typeface="나눔스퀘어 Bold" panose="020B0600000101010101" pitchFamily="50" charset="-127"/>
+                          <a:ea typeface="나눔스퀘어 Bold" panose="020B0600000101010101" pitchFamily="50" charset="-127"/>
                         </a:rPr>
                         <a:t>2</a:t>
                       </a:r>
@@ -4918,8 +5544,8 @@
                           <a:srgbClr val="000000"/>
                         </a:solidFill>
                         <a:effectLst/>
-                        <a:latin typeface="맑은 고딕" panose="020B0503020000020004" pitchFamily="50" charset="-127"/>
-                        <a:ea typeface="맑은 고딕" panose="020B0503020000020004" pitchFamily="50" charset="-127"/>
+                        <a:latin typeface="나눔스퀘어 Bold" panose="020B0600000101010101" pitchFamily="50" charset="-127"/>
+                        <a:ea typeface="나눔스퀘어 Bold" panose="020B0600000101010101" pitchFamily="50" charset="-127"/>
                       </a:endParaRPr>
                     </a:p>
                   </a:txBody>
@@ -4934,6 +5560,8 @@
                       <a:r>
                         <a:rPr lang="en-US" altLang="ko-KR" sz="1300" u="none" strike="noStrike" dirty="0">
                           <a:effectLst/>
+                          <a:latin typeface="나눔스퀘어 Bold" panose="020B0600000101010101" pitchFamily="50" charset="-127"/>
+                          <a:ea typeface="나눔스퀘어 Bold" panose="020B0600000101010101" pitchFamily="50" charset="-127"/>
                         </a:rPr>
                         <a:t>1</a:t>
                       </a:r>
@@ -4942,8 +5570,8 @@
                           <a:srgbClr val="000000"/>
                         </a:solidFill>
                         <a:effectLst/>
-                        <a:latin typeface="맑은 고딕" panose="020B0503020000020004" pitchFamily="50" charset="-127"/>
-                        <a:ea typeface="맑은 고딕" panose="020B0503020000020004" pitchFamily="50" charset="-127"/>
+                        <a:latin typeface="나눔스퀘어 Bold" panose="020B0600000101010101" pitchFamily="50" charset="-127"/>
+                        <a:ea typeface="나눔스퀘어 Bold" panose="020B0600000101010101" pitchFamily="50" charset="-127"/>
                       </a:endParaRPr>
                     </a:p>
                   </a:txBody>
@@ -4956,18 +5584,20 @@
                     <a:p>
                       <a:pPr algn="ctr" fontAlgn="ctr"/>
                       <a:r>
-                        <a:rPr lang="en-US" altLang="ko-KR" sz="1300" u="none" strike="noStrike">
-                          <a:effectLst/>
+                        <a:rPr lang="en-US" altLang="ko-KR" sz="1300" u="none" strike="noStrike" dirty="0">
+                          <a:effectLst/>
+                          <a:latin typeface="나눔스퀘어 Bold" panose="020B0600000101010101" pitchFamily="50" charset="-127"/>
+                          <a:ea typeface="나눔스퀘어 Bold" panose="020B0600000101010101" pitchFamily="50" charset="-127"/>
                         </a:rPr>
                         <a:t>1</a:t>
                       </a:r>
-                      <a:endParaRPr lang="en-US" altLang="ko-KR" sz="1300" b="0" i="0" u="none" strike="noStrike">
+                      <a:endParaRPr lang="en-US" altLang="ko-KR" sz="1300" b="0" i="0" u="none" strike="noStrike" dirty="0">
                         <a:solidFill>
                           <a:srgbClr val="000000"/>
                         </a:solidFill>
                         <a:effectLst/>
-                        <a:latin typeface="맑은 고딕" panose="020B0503020000020004" pitchFamily="50" charset="-127"/>
-                        <a:ea typeface="맑은 고딕" panose="020B0503020000020004" pitchFamily="50" charset="-127"/>
+                        <a:latin typeface="나눔스퀘어 Bold" panose="020B0600000101010101" pitchFamily="50" charset="-127"/>
+                        <a:ea typeface="나눔스퀘어 Bold" panose="020B0600000101010101" pitchFamily="50" charset="-127"/>
                       </a:endParaRPr>
                     </a:p>
                   </a:txBody>
@@ -4980,18 +5610,20 @@
                     <a:p>
                       <a:pPr algn="ctr" fontAlgn="ctr"/>
                       <a:r>
-                        <a:rPr lang="en-US" altLang="ko-KR" sz="1300" u="none" strike="noStrike">
-                          <a:effectLst/>
+                        <a:rPr lang="en-US" altLang="ko-KR" sz="1300" u="none" strike="noStrike" dirty="0">
+                          <a:effectLst/>
+                          <a:latin typeface="나눔스퀘어 Bold" panose="020B0600000101010101" pitchFamily="50" charset="-127"/>
+                          <a:ea typeface="나눔스퀘어 Bold" panose="020B0600000101010101" pitchFamily="50" charset="-127"/>
                         </a:rPr>
                         <a:t>9</a:t>
                       </a:r>
-                      <a:endParaRPr lang="en-US" altLang="ko-KR" sz="1300" b="0" i="0" u="none" strike="noStrike">
+                      <a:endParaRPr lang="en-US" altLang="ko-KR" sz="1300" b="0" i="0" u="none" strike="noStrike" dirty="0">
                         <a:solidFill>
                           <a:srgbClr val="000000"/>
                         </a:solidFill>
                         <a:effectLst/>
-                        <a:latin typeface="맑은 고딕" panose="020B0503020000020004" pitchFamily="50" charset="-127"/>
-                        <a:ea typeface="맑은 고딕" panose="020B0503020000020004" pitchFamily="50" charset="-127"/>
+                        <a:latin typeface="나눔스퀘어 Bold" panose="020B0600000101010101" pitchFamily="50" charset="-127"/>
+                        <a:ea typeface="나눔스퀘어 Bold" panose="020B0600000101010101" pitchFamily="50" charset="-127"/>
                       </a:endParaRPr>
                     </a:p>
                   </a:txBody>
@@ -5011,18 +5643,20 @@
                     <a:p>
                       <a:pPr algn="ctr" fontAlgn="ctr"/>
                       <a:r>
-                        <a:rPr lang="ko-KR" altLang="en-US" sz="1300" u="none" strike="noStrike">
-                          <a:effectLst/>
-                        </a:rPr>
-                        <a:t>광</a:t>
-                      </a:r>
-                      <a:endParaRPr lang="ko-KR" altLang="en-US" sz="1300" b="0" i="0" u="none" strike="noStrike">
+                        <a:rPr lang="ko-KR" altLang="en-US" sz="1300" u="none" strike="noStrike" dirty="0">
+                          <a:effectLst/>
+                          <a:latin typeface="나눔스퀘어 Bold" panose="020B0600000101010101" pitchFamily="50" charset="-127"/>
+                          <a:ea typeface="나눔스퀘어 Bold" panose="020B0600000101010101" pitchFamily="50" charset="-127"/>
+                        </a:rPr>
+                        <a:t>광 속성</a:t>
+                      </a:r>
+                      <a:endParaRPr lang="ko-KR" altLang="en-US" sz="1300" b="0" i="0" u="none" strike="noStrike" dirty="0">
                         <a:solidFill>
                           <a:srgbClr val="000000"/>
                         </a:solidFill>
                         <a:effectLst/>
-                        <a:latin typeface="맑은 고딕" panose="020B0503020000020004" pitchFamily="50" charset="-127"/>
-                        <a:ea typeface="맑은 고딕" panose="020B0503020000020004" pitchFamily="50" charset="-127"/>
+                        <a:latin typeface="나눔스퀘어 Bold" panose="020B0600000101010101" pitchFamily="50" charset="-127"/>
+                        <a:ea typeface="나눔스퀘어 Bold" panose="020B0600000101010101" pitchFamily="50" charset="-127"/>
                       </a:endParaRPr>
                     </a:p>
                   </a:txBody>
@@ -5037,6 +5671,8 @@
                       <a:r>
                         <a:rPr lang="en-US" altLang="ko-KR" sz="1300" u="none" strike="noStrike">
                           <a:effectLst/>
+                          <a:latin typeface="나눔스퀘어 Bold" panose="020B0600000101010101" pitchFamily="50" charset="-127"/>
+                          <a:ea typeface="나눔스퀘어 Bold" panose="020B0600000101010101" pitchFamily="50" charset="-127"/>
                         </a:rPr>
                         <a:t>1</a:t>
                       </a:r>
@@ -5045,8 +5681,8 @@
                           <a:srgbClr val="000000"/>
                         </a:solidFill>
                         <a:effectLst/>
-                        <a:latin typeface="맑은 고딕" panose="020B0503020000020004" pitchFamily="50" charset="-127"/>
-                        <a:ea typeface="맑은 고딕" panose="020B0503020000020004" pitchFamily="50" charset="-127"/>
+                        <a:latin typeface="나눔스퀘어 Bold" panose="020B0600000101010101" pitchFamily="50" charset="-127"/>
+                        <a:ea typeface="나눔스퀘어 Bold" panose="020B0600000101010101" pitchFamily="50" charset="-127"/>
                       </a:endParaRPr>
                     </a:p>
                   </a:txBody>
@@ -5061,6 +5697,8 @@
                       <a:r>
                         <a:rPr lang="en-US" altLang="ko-KR" sz="1300" u="none" strike="noStrike">
                           <a:effectLst/>
+                          <a:latin typeface="나눔스퀘어 Bold" panose="020B0600000101010101" pitchFamily="50" charset="-127"/>
+                          <a:ea typeface="나눔스퀘어 Bold" panose="020B0600000101010101" pitchFamily="50" charset="-127"/>
                         </a:rPr>
                         <a:t>2</a:t>
                       </a:r>
@@ -5069,8 +5707,8 @@
                           <a:srgbClr val="000000"/>
                         </a:solidFill>
                         <a:effectLst/>
-                        <a:latin typeface="맑은 고딕" panose="020B0503020000020004" pitchFamily="50" charset="-127"/>
-                        <a:ea typeface="맑은 고딕" panose="020B0503020000020004" pitchFamily="50" charset="-127"/>
+                        <a:latin typeface="나눔스퀘어 Bold" panose="020B0600000101010101" pitchFamily="50" charset="-127"/>
+                        <a:ea typeface="나눔스퀘어 Bold" panose="020B0600000101010101" pitchFamily="50" charset="-127"/>
                       </a:endParaRPr>
                     </a:p>
                   </a:txBody>
@@ -5085,6 +5723,8 @@
                       <a:r>
                         <a:rPr lang="en-US" altLang="ko-KR" sz="1300" u="none" strike="noStrike">
                           <a:effectLst/>
+                          <a:latin typeface="나눔스퀘어 Bold" panose="020B0600000101010101" pitchFamily="50" charset="-127"/>
+                          <a:ea typeface="나눔스퀘어 Bold" panose="020B0600000101010101" pitchFamily="50" charset="-127"/>
                         </a:rPr>
                         <a:t>0</a:t>
                       </a:r>
@@ -5093,8 +5733,8 @@
                           <a:srgbClr val="000000"/>
                         </a:solidFill>
                         <a:effectLst/>
-                        <a:latin typeface="맑은 고딕" panose="020B0503020000020004" pitchFamily="50" charset="-127"/>
-                        <a:ea typeface="맑은 고딕" panose="020B0503020000020004" pitchFamily="50" charset="-127"/>
+                        <a:latin typeface="나눔스퀘어 Bold" panose="020B0600000101010101" pitchFamily="50" charset="-127"/>
+                        <a:ea typeface="나눔스퀘어 Bold" panose="020B0600000101010101" pitchFamily="50" charset="-127"/>
                       </a:endParaRPr>
                     </a:p>
                   </a:txBody>
@@ -5109,6 +5749,8 @@
                       <a:r>
                         <a:rPr lang="en-US" altLang="ko-KR" sz="1300" u="none" strike="noStrike">
                           <a:effectLst/>
+                          <a:latin typeface="나눔스퀘어 Bold" panose="020B0600000101010101" pitchFamily="50" charset="-127"/>
+                          <a:ea typeface="나눔스퀘어 Bold" panose="020B0600000101010101" pitchFamily="50" charset="-127"/>
                         </a:rPr>
                         <a:t>1</a:t>
                       </a:r>
@@ -5117,8 +5759,8 @@
                           <a:srgbClr val="000000"/>
                         </a:solidFill>
                         <a:effectLst/>
-                        <a:latin typeface="맑은 고딕" panose="020B0503020000020004" pitchFamily="50" charset="-127"/>
-                        <a:ea typeface="맑은 고딕" panose="020B0503020000020004" pitchFamily="50" charset="-127"/>
+                        <a:latin typeface="나눔스퀘어 Bold" panose="020B0600000101010101" pitchFamily="50" charset="-127"/>
+                        <a:ea typeface="나눔스퀘어 Bold" panose="020B0600000101010101" pitchFamily="50" charset="-127"/>
                       </a:endParaRPr>
                     </a:p>
                   </a:txBody>
@@ -5133,6 +5775,8 @@
                       <a:r>
                         <a:rPr lang="en-US" altLang="ko-KR" sz="1300" u="none" strike="noStrike">
                           <a:effectLst/>
+                          <a:latin typeface="나눔스퀘어 Bold" panose="020B0600000101010101" pitchFamily="50" charset="-127"/>
+                          <a:ea typeface="나눔스퀘어 Bold" panose="020B0600000101010101" pitchFamily="50" charset="-127"/>
                         </a:rPr>
                         <a:t>0</a:t>
                       </a:r>
@@ -5141,8 +5785,8 @@
                           <a:srgbClr val="000000"/>
                         </a:solidFill>
                         <a:effectLst/>
-                        <a:latin typeface="맑은 고딕" panose="020B0503020000020004" pitchFamily="50" charset="-127"/>
-                        <a:ea typeface="맑은 고딕" panose="020B0503020000020004" pitchFamily="50" charset="-127"/>
+                        <a:latin typeface="나눔스퀘어 Bold" panose="020B0600000101010101" pitchFamily="50" charset="-127"/>
+                        <a:ea typeface="나눔스퀘어 Bold" panose="020B0600000101010101" pitchFamily="50" charset="-127"/>
                       </a:endParaRPr>
                     </a:p>
                   </a:txBody>
@@ -5157,6 +5801,8 @@
                       <a:r>
                         <a:rPr lang="en-US" altLang="ko-KR" sz="1300" u="none" strike="noStrike">
                           <a:effectLst/>
+                          <a:latin typeface="나눔스퀘어 Bold" panose="020B0600000101010101" pitchFamily="50" charset="-127"/>
+                          <a:ea typeface="나눔스퀘어 Bold" panose="020B0600000101010101" pitchFamily="50" charset="-127"/>
                         </a:rPr>
                         <a:t>2</a:t>
                       </a:r>
@@ -5165,8 +5811,8 @@
                           <a:srgbClr val="000000"/>
                         </a:solidFill>
                         <a:effectLst/>
-                        <a:latin typeface="맑은 고딕" panose="020B0503020000020004" pitchFamily="50" charset="-127"/>
-                        <a:ea typeface="맑은 고딕" panose="020B0503020000020004" pitchFamily="50" charset="-127"/>
+                        <a:latin typeface="나눔스퀘어 Bold" panose="020B0600000101010101" pitchFamily="50" charset="-127"/>
+                        <a:ea typeface="나눔스퀘어 Bold" panose="020B0600000101010101" pitchFamily="50" charset="-127"/>
                       </a:endParaRPr>
                     </a:p>
                   </a:txBody>
@@ -5181,6 +5827,8 @@
                       <a:r>
                         <a:rPr lang="en-US" altLang="ko-KR" sz="1300" u="none" strike="noStrike" dirty="0">
                           <a:effectLst/>
+                          <a:latin typeface="나눔스퀘어 Bold" panose="020B0600000101010101" pitchFamily="50" charset="-127"/>
+                          <a:ea typeface="나눔스퀘어 Bold" panose="020B0600000101010101" pitchFamily="50" charset="-127"/>
                         </a:rPr>
                         <a:t>2</a:t>
                       </a:r>
@@ -5189,8 +5837,8 @@
                           <a:srgbClr val="000000"/>
                         </a:solidFill>
                         <a:effectLst/>
-                        <a:latin typeface="맑은 고딕" panose="020B0503020000020004" pitchFamily="50" charset="-127"/>
-                        <a:ea typeface="맑은 고딕" panose="020B0503020000020004" pitchFamily="50" charset="-127"/>
+                        <a:latin typeface="나눔스퀘어 Bold" panose="020B0600000101010101" pitchFamily="50" charset="-127"/>
+                        <a:ea typeface="나눔스퀘어 Bold" panose="020B0600000101010101" pitchFamily="50" charset="-127"/>
                       </a:endParaRPr>
                     </a:p>
                   </a:txBody>
@@ -5205,6 +5853,8 @@
                       <a:r>
                         <a:rPr lang="en-US" altLang="ko-KR" sz="1300" u="none" strike="noStrike" dirty="0">
                           <a:effectLst/>
+                          <a:latin typeface="나눔스퀘어 Bold" panose="020B0600000101010101" pitchFamily="50" charset="-127"/>
+                          <a:ea typeface="나눔스퀘어 Bold" panose="020B0600000101010101" pitchFamily="50" charset="-127"/>
                         </a:rPr>
                         <a:t>1</a:t>
                       </a:r>
@@ -5213,8 +5863,8 @@
                           <a:srgbClr val="000000"/>
                         </a:solidFill>
                         <a:effectLst/>
-                        <a:latin typeface="맑은 고딕" panose="020B0503020000020004" pitchFamily="50" charset="-127"/>
-                        <a:ea typeface="맑은 고딕" panose="020B0503020000020004" pitchFamily="50" charset="-127"/>
+                        <a:latin typeface="나눔스퀘어 Bold" panose="020B0600000101010101" pitchFamily="50" charset="-127"/>
+                        <a:ea typeface="나눔스퀘어 Bold" panose="020B0600000101010101" pitchFamily="50" charset="-127"/>
                       </a:endParaRPr>
                     </a:p>
                   </a:txBody>
@@ -5227,18 +5877,20 @@
                     <a:p>
                       <a:pPr algn="ctr" fontAlgn="ctr"/>
                       <a:r>
-                        <a:rPr lang="en-US" altLang="ko-KR" sz="1300" u="none" strike="noStrike">
-                          <a:effectLst/>
+                        <a:rPr lang="en-US" altLang="ko-KR" sz="1300" u="none" strike="noStrike" dirty="0">
+                          <a:effectLst/>
+                          <a:latin typeface="나눔스퀘어 Bold" panose="020B0600000101010101" pitchFamily="50" charset="-127"/>
+                          <a:ea typeface="나눔스퀘어 Bold" panose="020B0600000101010101" pitchFamily="50" charset="-127"/>
                         </a:rPr>
                         <a:t>9</a:t>
                       </a:r>
-                      <a:endParaRPr lang="en-US" altLang="ko-KR" sz="1300" b="0" i="0" u="none" strike="noStrike">
+                      <a:endParaRPr lang="en-US" altLang="ko-KR" sz="1300" b="0" i="0" u="none" strike="noStrike" dirty="0">
                         <a:solidFill>
                           <a:srgbClr val="000000"/>
                         </a:solidFill>
                         <a:effectLst/>
-                        <a:latin typeface="맑은 고딕" panose="020B0503020000020004" pitchFamily="50" charset="-127"/>
-                        <a:ea typeface="맑은 고딕" panose="020B0503020000020004" pitchFamily="50" charset="-127"/>
+                        <a:latin typeface="나눔스퀘어 Bold" panose="020B0600000101010101" pitchFamily="50" charset="-127"/>
+                        <a:ea typeface="나눔스퀘어 Bold" panose="020B0600000101010101" pitchFamily="50" charset="-127"/>
                       </a:endParaRPr>
                     </a:p>
                   </a:txBody>
@@ -5258,18 +5910,41 @@
                     <a:p>
                       <a:pPr algn="ctr" fontAlgn="ctr"/>
                       <a:r>
-                        <a:rPr lang="ko-KR" altLang="en-US" sz="1300" u="none" strike="noStrike" dirty="0">
-                          <a:effectLst/>
-                        </a:rPr>
-                        <a:t>　</a:t>
-                      </a:r>
-                      <a:endParaRPr lang="ko-KR" altLang="en-US" sz="1300" b="0" i="0" u="none" strike="noStrike" dirty="0">
+                        <a:rPr lang="ko-KR" altLang="en-US" sz="1300" b="0" i="0" u="none" strike="noStrike" dirty="0">
+                          <a:solidFill>
+                            <a:srgbClr val="000000"/>
+                          </a:solidFill>
+                          <a:effectLst/>
+                          <a:latin typeface="나눔스퀘어 Bold" panose="020B0600000101010101" pitchFamily="50" charset="-127"/>
+                          <a:ea typeface="나눔스퀘어 Bold" panose="020B0600000101010101" pitchFamily="50" charset="-127"/>
+                        </a:rPr>
+                        <a:t>합</a:t>
+                      </a:r>
+                    </a:p>
+                  </a:txBody>
+                  <a:tcPr marL="11038" marR="11038" marT="11038" marB="0" anchor="ctr"/>
+                </a:tc>
+                <a:tc>
+                  <a:txBody>
+                    <a:bodyPr/>
+                    <a:lstStyle/>
+                    <a:p>
+                      <a:pPr algn="ctr" fontAlgn="ctr"/>
+                      <a:r>
+                        <a:rPr lang="en-US" altLang="ko-KR" sz="1300" u="none" strike="noStrike" dirty="0">
+                          <a:effectLst/>
+                          <a:latin typeface="나눔스퀘어 Bold" panose="020B0600000101010101" pitchFamily="50" charset="-127"/>
+                          <a:ea typeface="나눔스퀘어 Bold" panose="020B0600000101010101" pitchFamily="50" charset="-127"/>
+                        </a:rPr>
+                        <a:t>3</a:t>
+                      </a:r>
+                      <a:endParaRPr lang="en-US" altLang="ko-KR" sz="1300" b="0" i="0" u="none" strike="noStrike" dirty="0">
                         <a:solidFill>
                           <a:srgbClr val="000000"/>
                         </a:solidFill>
                         <a:effectLst/>
-                        <a:latin typeface="맑은 고딕" panose="020B0503020000020004" pitchFamily="50" charset="-127"/>
-                        <a:ea typeface="맑은 고딕" panose="020B0503020000020004" pitchFamily="50" charset="-127"/>
+                        <a:latin typeface="나눔스퀘어 Bold" panose="020B0600000101010101" pitchFamily="50" charset="-127"/>
+                        <a:ea typeface="나눔스퀘어 Bold" panose="020B0600000101010101" pitchFamily="50" charset="-127"/>
                       </a:endParaRPr>
                     </a:p>
                   </a:txBody>
@@ -5284,16 +5959,18 @@
                       <a:r>
                         <a:rPr lang="en-US" altLang="ko-KR" sz="1300" u="none" strike="noStrike">
                           <a:effectLst/>
-                        </a:rPr>
-                        <a:t>3</a:t>
+                          <a:latin typeface="나눔스퀘어 Bold" panose="020B0600000101010101" pitchFamily="50" charset="-127"/>
+                          <a:ea typeface="나눔스퀘어 Bold" panose="020B0600000101010101" pitchFamily="50" charset="-127"/>
+                        </a:rPr>
+                        <a:t>11</a:t>
                       </a:r>
                       <a:endParaRPr lang="en-US" altLang="ko-KR" sz="1300" b="0" i="0" u="none" strike="noStrike">
                         <a:solidFill>
                           <a:srgbClr val="000000"/>
                         </a:solidFill>
                         <a:effectLst/>
-                        <a:latin typeface="맑은 고딕" panose="020B0503020000020004" pitchFamily="50" charset="-127"/>
-                        <a:ea typeface="맑은 고딕" panose="020B0503020000020004" pitchFamily="50" charset="-127"/>
+                        <a:latin typeface="나눔스퀘어 Bold" panose="020B0600000101010101" pitchFamily="50" charset="-127"/>
+                        <a:ea typeface="나눔스퀘어 Bold" panose="020B0600000101010101" pitchFamily="50" charset="-127"/>
                       </a:endParaRPr>
                     </a:p>
                   </a:txBody>
@@ -5308,16 +5985,18 @@
                       <a:r>
                         <a:rPr lang="en-US" altLang="ko-KR" sz="1300" u="none" strike="noStrike">
                           <a:effectLst/>
-                        </a:rPr>
-                        <a:t>11</a:t>
+                          <a:latin typeface="나눔스퀘어 Bold" panose="020B0600000101010101" pitchFamily="50" charset="-127"/>
+                          <a:ea typeface="나눔스퀘어 Bold" panose="020B0600000101010101" pitchFamily="50" charset="-127"/>
+                        </a:rPr>
+                        <a:t>6</a:t>
                       </a:r>
                       <a:endParaRPr lang="en-US" altLang="ko-KR" sz="1300" b="0" i="0" u="none" strike="noStrike">
                         <a:solidFill>
                           <a:srgbClr val="000000"/>
                         </a:solidFill>
                         <a:effectLst/>
-                        <a:latin typeface="맑은 고딕" panose="020B0503020000020004" pitchFamily="50" charset="-127"/>
-                        <a:ea typeface="맑은 고딕" panose="020B0503020000020004" pitchFamily="50" charset="-127"/>
+                        <a:latin typeface="나눔스퀘어 Bold" panose="020B0600000101010101" pitchFamily="50" charset="-127"/>
+                        <a:ea typeface="나눔스퀘어 Bold" panose="020B0600000101010101" pitchFamily="50" charset="-127"/>
                       </a:endParaRPr>
                     </a:p>
                   </a:txBody>
@@ -5332,16 +6011,18 @@
                       <a:r>
                         <a:rPr lang="en-US" altLang="ko-KR" sz="1300" u="none" strike="noStrike">
                           <a:effectLst/>
-                        </a:rPr>
-                        <a:t>6</a:t>
+                          <a:latin typeface="나눔스퀘어 Bold" panose="020B0600000101010101" pitchFamily="50" charset="-127"/>
+                          <a:ea typeface="나눔스퀘어 Bold" panose="020B0600000101010101" pitchFamily="50" charset="-127"/>
+                        </a:rPr>
+                        <a:t>5</a:t>
                       </a:r>
                       <a:endParaRPr lang="en-US" altLang="ko-KR" sz="1300" b="0" i="0" u="none" strike="noStrike">
                         <a:solidFill>
                           <a:srgbClr val="000000"/>
                         </a:solidFill>
                         <a:effectLst/>
-                        <a:latin typeface="맑은 고딕" panose="020B0503020000020004" pitchFamily="50" charset="-127"/>
-                        <a:ea typeface="맑은 고딕" panose="020B0503020000020004" pitchFamily="50" charset="-127"/>
+                        <a:latin typeface="나눔스퀘어 Bold" panose="020B0600000101010101" pitchFamily="50" charset="-127"/>
+                        <a:ea typeface="나눔스퀘어 Bold" panose="020B0600000101010101" pitchFamily="50" charset="-127"/>
                       </a:endParaRPr>
                     </a:p>
                   </a:txBody>
@@ -5356,16 +6037,18 @@
                       <a:r>
                         <a:rPr lang="en-US" altLang="ko-KR" sz="1300" u="none" strike="noStrike">
                           <a:effectLst/>
-                        </a:rPr>
-                        <a:t>5</a:t>
+                          <a:latin typeface="나눔스퀘어 Bold" panose="020B0600000101010101" pitchFamily="50" charset="-127"/>
+                          <a:ea typeface="나눔스퀘어 Bold" panose="020B0600000101010101" pitchFamily="50" charset="-127"/>
+                        </a:rPr>
+                        <a:t>3</a:t>
                       </a:r>
                       <a:endParaRPr lang="en-US" altLang="ko-KR" sz="1300" b="0" i="0" u="none" strike="noStrike">
                         <a:solidFill>
                           <a:srgbClr val="000000"/>
                         </a:solidFill>
                         <a:effectLst/>
-                        <a:latin typeface="맑은 고딕" panose="020B0503020000020004" pitchFamily="50" charset="-127"/>
-                        <a:ea typeface="맑은 고딕" panose="020B0503020000020004" pitchFamily="50" charset="-127"/>
+                        <a:latin typeface="나눔스퀘어 Bold" panose="020B0600000101010101" pitchFamily="50" charset="-127"/>
+                        <a:ea typeface="나눔스퀘어 Bold" panose="020B0600000101010101" pitchFamily="50" charset="-127"/>
                       </a:endParaRPr>
                     </a:p>
                   </a:txBody>
@@ -5380,16 +6063,18 @@
                       <a:r>
                         <a:rPr lang="en-US" altLang="ko-KR" sz="1300" u="none" strike="noStrike">
                           <a:effectLst/>
-                        </a:rPr>
-                        <a:t>3</a:t>
+                          <a:latin typeface="나눔스퀘어 Bold" panose="020B0600000101010101" pitchFamily="50" charset="-127"/>
+                          <a:ea typeface="나눔스퀘어 Bold" panose="020B0600000101010101" pitchFamily="50" charset="-127"/>
+                        </a:rPr>
+                        <a:t>9</a:t>
                       </a:r>
                       <a:endParaRPr lang="en-US" altLang="ko-KR" sz="1300" b="0" i="0" u="none" strike="noStrike">
                         <a:solidFill>
                           <a:srgbClr val="000000"/>
                         </a:solidFill>
                         <a:effectLst/>
-                        <a:latin typeface="맑은 고딕" panose="020B0503020000020004" pitchFamily="50" charset="-127"/>
-                        <a:ea typeface="맑은 고딕" panose="020B0503020000020004" pitchFamily="50" charset="-127"/>
+                        <a:latin typeface="나눔스퀘어 Bold" panose="020B0600000101010101" pitchFamily="50" charset="-127"/>
+                        <a:ea typeface="나눔스퀘어 Bold" panose="020B0600000101010101" pitchFamily="50" charset="-127"/>
                       </a:endParaRPr>
                     </a:p>
                   </a:txBody>
@@ -5404,16 +6089,18 @@
                       <a:r>
                         <a:rPr lang="en-US" altLang="ko-KR" sz="1300" u="none" strike="noStrike">
                           <a:effectLst/>
-                        </a:rPr>
-                        <a:t>9</a:t>
+                          <a:latin typeface="나눔스퀘어 Bold" panose="020B0600000101010101" pitchFamily="50" charset="-127"/>
+                          <a:ea typeface="나눔스퀘어 Bold" panose="020B0600000101010101" pitchFamily="50" charset="-127"/>
+                        </a:rPr>
+                        <a:t>12</a:t>
                       </a:r>
                       <a:endParaRPr lang="en-US" altLang="ko-KR" sz="1300" b="0" i="0" u="none" strike="noStrike">
                         <a:solidFill>
                           <a:srgbClr val="000000"/>
                         </a:solidFill>
                         <a:effectLst/>
-                        <a:latin typeface="맑은 고딕" panose="020B0503020000020004" pitchFamily="50" charset="-127"/>
-                        <a:ea typeface="맑은 고딕" panose="020B0503020000020004" pitchFamily="50" charset="-127"/>
+                        <a:latin typeface="나눔스퀘어 Bold" panose="020B0600000101010101" pitchFamily="50" charset="-127"/>
+                        <a:ea typeface="나눔스퀘어 Bold" panose="020B0600000101010101" pitchFamily="50" charset="-127"/>
                       </a:endParaRPr>
                     </a:p>
                   </a:txBody>
@@ -5426,18 +6113,20 @@
                     <a:p>
                       <a:pPr algn="ctr" fontAlgn="ctr"/>
                       <a:r>
-                        <a:rPr lang="en-US" altLang="ko-KR" sz="1300" u="none" strike="noStrike">
-                          <a:effectLst/>
-                        </a:rPr>
-                        <a:t>12</a:t>
-                      </a:r>
-                      <a:endParaRPr lang="en-US" altLang="ko-KR" sz="1300" b="0" i="0" u="none" strike="noStrike">
+                        <a:rPr lang="en-US" altLang="ko-KR" sz="1300" u="none" strike="noStrike" dirty="0">
+                          <a:effectLst/>
+                          <a:latin typeface="나눔스퀘어 Bold" panose="020B0600000101010101" pitchFamily="50" charset="-127"/>
+                          <a:ea typeface="나눔스퀘어 Bold" panose="020B0600000101010101" pitchFamily="50" charset="-127"/>
+                        </a:rPr>
+                        <a:t>5</a:t>
+                      </a:r>
+                      <a:endParaRPr lang="en-US" altLang="ko-KR" sz="1300" b="0" i="0" u="none" strike="noStrike" dirty="0">
                         <a:solidFill>
                           <a:srgbClr val="000000"/>
                         </a:solidFill>
                         <a:effectLst/>
-                        <a:latin typeface="맑은 고딕" panose="020B0503020000020004" pitchFamily="50" charset="-127"/>
-                        <a:ea typeface="맑은 고딕" panose="020B0503020000020004" pitchFamily="50" charset="-127"/>
+                        <a:latin typeface="나눔스퀘어 Bold" panose="020B0600000101010101" pitchFamily="50" charset="-127"/>
+                        <a:ea typeface="나눔스퀘어 Bold" panose="020B0600000101010101" pitchFamily="50" charset="-127"/>
                       </a:endParaRPr>
                     </a:p>
                   </a:txBody>
@@ -5452,40 +6141,18 @@
                       <a:r>
                         <a:rPr lang="en-US" altLang="ko-KR" sz="1300" u="none" strike="noStrike" dirty="0">
                           <a:effectLst/>
-                        </a:rPr>
-                        <a:t>5</a:t>
+                          <a:latin typeface="나눔스퀘어 Bold" panose="020B0600000101010101" pitchFamily="50" charset="-127"/>
+                          <a:ea typeface="나눔스퀘어 Bold" panose="020B0600000101010101" pitchFamily="50" charset="-127"/>
+                        </a:rPr>
+                        <a:t>54</a:t>
                       </a:r>
                       <a:endParaRPr lang="en-US" altLang="ko-KR" sz="1300" b="0" i="0" u="none" strike="noStrike" dirty="0">
                         <a:solidFill>
                           <a:srgbClr val="000000"/>
                         </a:solidFill>
                         <a:effectLst/>
-                        <a:latin typeface="맑은 고딕" panose="020B0503020000020004" pitchFamily="50" charset="-127"/>
-                        <a:ea typeface="맑은 고딕" panose="020B0503020000020004" pitchFamily="50" charset="-127"/>
-                      </a:endParaRPr>
-                    </a:p>
-                  </a:txBody>
-                  <a:tcPr marL="11038" marR="11038" marT="11038" marB="0" anchor="ctr"/>
-                </a:tc>
-                <a:tc>
-                  <a:txBody>
-                    <a:bodyPr/>
-                    <a:lstStyle/>
-                    <a:p>
-                      <a:pPr algn="ctr" fontAlgn="ctr"/>
-                      <a:r>
-                        <a:rPr lang="en-US" altLang="ko-KR" sz="1300" u="none" strike="noStrike" dirty="0">
-                          <a:effectLst/>
-                        </a:rPr>
-                        <a:t>54</a:t>
-                      </a:r>
-                      <a:endParaRPr lang="en-US" altLang="ko-KR" sz="1300" b="0" i="0" u="none" strike="noStrike" dirty="0">
-                        <a:solidFill>
-                          <a:srgbClr val="000000"/>
-                        </a:solidFill>
-                        <a:effectLst/>
-                        <a:latin typeface="맑은 고딕" panose="020B0503020000020004" pitchFamily="50" charset="-127"/>
-                        <a:ea typeface="맑은 고딕" panose="020B0503020000020004" pitchFamily="50" charset="-127"/>
+                        <a:latin typeface="나눔스퀘어 Bold" panose="020B0600000101010101" pitchFamily="50" charset="-127"/>
+                        <a:ea typeface="나눔스퀘어 Bold" panose="020B0600000101010101" pitchFamily="50" charset="-127"/>
                       </a:endParaRPr>
                     </a:p>
                   </a:txBody>
@@ -5509,7 +6176,7 @@
         </p:nvSpPr>
         <p:spPr>
           <a:xfrm>
-            <a:off x="3076486" y="4209318"/>
+            <a:off x="3087881" y="4161693"/>
             <a:ext cx="6016239" cy="1338828"/>
           </a:xfrm>
           <a:prstGeom prst="rect">
@@ -5529,41 +6196,59 @@
               </a:lnSpc>
             </a:pPr>
             <a:r>
-              <a:rPr lang="ko-KR" altLang="en-US" dirty="0" smtClean="0">
+              <a:rPr lang="ko-KR" altLang="en-US" dirty="0">
+                <a:solidFill>
+                  <a:schemeClr val="bg1"/>
+                </a:solidFill>
                 <a:latin typeface="나눔스퀘어 Bold" panose="020B0600000101010101" pitchFamily="50" charset="-127"/>
                 <a:ea typeface="나눔스퀘어 Bold" panose="020B0600000101010101" pitchFamily="50" charset="-127"/>
               </a:rPr>
               <a:t>태생 </a:t>
             </a:r>
             <a:r>
-              <a:rPr lang="en-US" altLang="ko-KR" dirty="0" smtClean="0">
+              <a:rPr lang="en-US" altLang="ko-KR" dirty="0">
+                <a:solidFill>
+                  <a:schemeClr val="bg1"/>
+                </a:solidFill>
                 <a:latin typeface="나눔스퀘어 Bold" panose="020B0600000101010101" pitchFamily="50" charset="-127"/>
                 <a:ea typeface="나눔스퀘어 Bold" panose="020B0600000101010101" pitchFamily="50" charset="-127"/>
               </a:rPr>
               <a:t>2</a:t>
             </a:r>
             <a:r>
-              <a:rPr lang="ko-KR" altLang="en-US" dirty="0" smtClean="0">
+              <a:rPr lang="ko-KR" altLang="en-US" dirty="0">
+                <a:solidFill>
+                  <a:schemeClr val="bg1"/>
+                </a:solidFill>
                 <a:latin typeface="나눔스퀘어 Bold" panose="020B0600000101010101" pitchFamily="50" charset="-127"/>
                 <a:ea typeface="나눔스퀘어 Bold" panose="020B0600000101010101" pitchFamily="50" charset="-127"/>
               </a:rPr>
               <a:t>성은 속성</a:t>
             </a:r>
             <a:r>
-              <a:rPr lang="en-US" altLang="ko-KR" dirty="0" smtClean="0">
+              <a:rPr lang="en-US" altLang="ko-KR" dirty="0">
+                <a:solidFill>
+                  <a:schemeClr val="bg1"/>
+                </a:solidFill>
                 <a:latin typeface="나눔스퀘어 Bold" panose="020B0600000101010101" pitchFamily="50" charset="-127"/>
                 <a:ea typeface="나눔스퀘어 Bold" panose="020B0600000101010101" pitchFamily="50" charset="-127"/>
               </a:rPr>
               <a:t>, </a:t>
             </a:r>
             <a:r>
-              <a:rPr lang="ko-KR" altLang="en-US" dirty="0" smtClean="0">
+              <a:rPr lang="ko-KR" altLang="en-US" dirty="0">
+                <a:solidFill>
+                  <a:schemeClr val="bg1"/>
+                </a:solidFill>
                 <a:latin typeface="나눔스퀘어 Bold" panose="020B0600000101010101" pitchFamily="50" charset="-127"/>
                 <a:ea typeface="나눔스퀘어 Bold" panose="020B0600000101010101" pitchFamily="50" charset="-127"/>
               </a:rPr>
               <a:t>포지션 별로 어느정도 균형이 맞지만</a:t>
             </a:r>
-            <a:endParaRPr lang="en-US" altLang="ko-KR" dirty="0" smtClean="0">
+            <a:endParaRPr lang="en-US" altLang="ko-KR" dirty="0">
+              <a:solidFill>
+                <a:schemeClr val="bg1"/>
+              </a:solidFill>
               <a:latin typeface="나눔스퀘어 Bold" panose="020B0600000101010101" pitchFamily="50" charset="-127"/>
               <a:ea typeface="나눔스퀘어 Bold" panose="020B0600000101010101" pitchFamily="50" charset="-127"/>
             </a:endParaRPr>
@@ -5575,27 +6260,39 @@
               </a:lnSpc>
             </a:pPr>
             <a:r>
-              <a:rPr lang="ko-KR" altLang="en-US" dirty="0" smtClean="0">
+              <a:rPr lang="ko-KR" altLang="en-US" dirty="0">
+                <a:solidFill>
+                  <a:schemeClr val="bg1"/>
+                </a:solidFill>
                 <a:latin typeface="나눔스퀘어 Bold" panose="020B0600000101010101" pitchFamily="50" charset="-127"/>
                 <a:ea typeface="나눔스퀘어 Bold" panose="020B0600000101010101" pitchFamily="50" charset="-127"/>
               </a:rPr>
               <a:t>아직 태생 </a:t>
             </a:r>
             <a:r>
-              <a:rPr lang="en-US" altLang="ko-KR" dirty="0" smtClean="0">
+              <a:rPr lang="en-US" altLang="ko-KR" dirty="0">
+                <a:solidFill>
+                  <a:schemeClr val="bg1"/>
+                </a:solidFill>
                 <a:latin typeface="나눔스퀘어 Bold" panose="020B0600000101010101" pitchFamily="50" charset="-127"/>
                 <a:ea typeface="나눔스퀘어 Bold" panose="020B0600000101010101" pitchFamily="50" charset="-127"/>
               </a:rPr>
               <a:t>3</a:t>
             </a:r>
             <a:r>
-              <a:rPr lang="ko-KR" altLang="en-US" dirty="0" smtClean="0">
+              <a:rPr lang="ko-KR" altLang="en-US" dirty="0">
+                <a:solidFill>
+                  <a:schemeClr val="bg1"/>
+                </a:solidFill>
                 <a:latin typeface="나눔스퀘어 Bold" panose="020B0600000101010101" pitchFamily="50" charset="-127"/>
                 <a:ea typeface="나눔스퀘어 Bold" panose="020B0600000101010101" pitchFamily="50" charset="-127"/>
               </a:rPr>
               <a:t>성은 균형이 맞지 않는 상태</a:t>
             </a:r>
-            <a:endParaRPr lang="en-US" altLang="ko-KR" dirty="0" smtClean="0">
+            <a:endParaRPr lang="en-US" altLang="ko-KR" dirty="0">
+              <a:solidFill>
+                <a:schemeClr val="bg1"/>
+              </a:solidFill>
               <a:latin typeface="나눔스퀘어 Bold" panose="020B0600000101010101" pitchFamily="50" charset="-127"/>
               <a:ea typeface="나눔스퀘어 Bold" panose="020B0600000101010101" pitchFamily="50" charset="-127"/>
             </a:endParaRPr>
@@ -5607,16 +6304,124 @@
               </a:lnSpc>
             </a:pPr>
             <a:r>
-              <a:rPr lang="ko-KR" altLang="en-US" dirty="0" smtClean="0">
+              <a:rPr lang="ko-KR" altLang="en-US" dirty="0">
+                <a:solidFill>
+                  <a:schemeClr val="bg1"/>
+                </a:solidFill>
                 <a:latin typeface="나눔스퀘어 Bold" panose="020B0600000101010101" pitchFamily="50" charset="-127"/>
                 <a:ea typeface="나눔스퀘어 Bold" panose="020B0600000101010101" pitchFamily="50" charset="-127"/>
               </a:rPr>
               <a:t>특히 화 속성과 지 속성이 포지션 불균형이 심함</a:t>
             </a:r>
+          </a:p>
+        </p:txBody>
+      </p:sp>
+      <p:sp>
+        <p:nvSpPr>
+          <p:cNvPr id="6" name="직사각형 5">
+            <a:extLst>
+              <a:ext uri="{FF2B5EF4-FFF2-40B4-BE49-F238E27FC236}">
+                <a16:creationId xmlns:a16="http://schemas.microsoft.com/office/drawing/2014/main" id="{5B7E1510-2AE8-4E2D-BF68-0789DA47A682}"/>
+              </a:ext>
+            </a:extLst>
+          </p:cNvPr>
+          <p:cNvSpPr/>
+          <p:nvPr/>
+        </p:nvSpPr>
+        <p:spPr>
+          <a:xfrm>
+            <a:off x="0" y="0"/>
+            <a:ext cx="561975" cy="561975"/>
+          </a:xfrm>
+          <a:prstGeom prst="rect">
+            <a:avLst/>
+          </a:prstGeom>
+          <a:solidFill>
+            <a:schemeClr val="bg1"/>
+          </a:solidFill>
+          <a:ln>
+            <a:noFill/>
+          </a:ln>
+        </p:spPr>
+        <p:style>
+          <a:lnRef idx="2">
+            <a:schemeClr val="accent1">
+              <a:shade val="50000"/>
+            </a:schemeClr>
+          </a:lnRef>
+          <a:fillRef idx="1">
+            <a:schemeClr val="accent1"/>
+          </a:fillRef>
+          <a:effectRef idx="0">
+            <a:schemeClr val="accent1"/>
+          </a:effectRef>
+          <a:fontRef idx="minor">
+            <a:schemeClr val="lt1"/>
+          </a:fontRef>
+        </p:style>
+        <p:txBody>
+          <a:bodyPr rtlCol="0" anchor="ctr"/>
+          <a:lstStyle/>
+          <a:p>
+            <a:pPr algn="ctr"/>
+            <a:r>
+              <a:rPr lang="en-US" altLang="ko-KR" dirty="0">
+                <a:solidFill>
+                  <a:schemeClr val="tx1"/>
+                </a:solidFill>
+                <a:latin typeface="나눔스퀘어 ExtraBold" panose="020B0600000101010101" pitchFamily="50" charset="-127"/>
+                <a:ea typeface="나눔스퀘어 ExtraBold" panose="020B0600000101010101" pitchFamily="50" charset="-127"/>
+              </a:rPr>
+              <a:t>1</a:t>
+            </a:r>
             <a:endParaRPr lang="ko-KR" altLang="en-US" dirty="0">
-              <a:latin typeface="나눔스퀘어 Bold" panose="020B0600000101010101" pitchFamily="50" charset="-127"/>
-              <a:ea typeface="나눔스퀘어 Bold" panose="020B0600000101010101" pitchFamily="50" charset="-127"/>
+              <a:solidFill>
+                <a:schemeClr val="tx1"/>
+              </a:solidFill>
+              <a:latin typeface="나눔스퀘어 ExtraBold" panose="020B0600000101010101" pitchFamily="50" charset="-127"/>
+              <a:ea typeface="나눔스퀘어 ExtraBold" panose="020B0600000101010101" pitchFamily="50" charset="-127"/>
             </a:endParaRPr>
+          </a:p>
+        </p:txBody>
+      </p:sp>
+      <p:sp>
+        <p:nvSpPr>
+          <p:cNvPr id="7" name="TextBox 6">
+            <a:extLst>
+              <a:ext uri="{FF2B5EF4-FFF2-40B4-BE49-F238E27FC236}">
+                <a16:creationId xmlns:a16="http://schemas.microsoft.com/office/drawing/2014/main" id="{DC491F65-E84C-4747-80CD-7440D3EDD56B}"/>
+              </a:ext>
+            </a:extLst>
+          </p:cNvPr>
+          <p:cNvSpPr txBox="1"/>
+          <p:nvPr/>
+        </p:nvSpPr>
+        <p:spPr>
+          <a:xfrm>
+            <a:off x="561975" y="96321"/>
+            <a:ext cx="3114675" cy="369332"/>
+          </a:xfrm>
+          <a:prstGeom prst="rect">
+            <a:avLst/>
+          </a:prstGeom>
+          <a:noFill/>
+        </p:spPr>
+        <p:txBody>
+          <a:bodyPr wrap="square" rtlCol="0">
+            <a:spAutoFit/>
+          </a:bodyPr>
+          <a:lstStyle/>
+          <a:p>
+            <a:r>
+              <a:rPr lang="ko-KR" altLang="en-US" dirty="0">
+                <a:solidFill>
+                  <a:schemeClr val="bg1"/>
+                </a:solidFill>
+                <a:latin typeface="나눔스퀘어 ExtraBold" panose="020B0600000101010101" pitchFamily="50" charset="-127"/>
+                <a:ea typeface="나눔스퀘어 ExtraBold" panose="020B0600000101010101" pitchFamily="50" charset="-127"/>
+              </a:rPr>
+              <a:t>기존 유니크 영웅 풀 분석</a:t>
+            </a:r>
           </a:p>
         </p:txBody>
       </p:sp>
@@ -5636,6 +6441,14 @@
 <file path=ppt/slides/slide3.xml><?xml version="1.0" encoding="utf-8"?>
 <p:sld xmlns:a="http://schemas.openxmlformats.org/drawingml/2006/main" xmlns:r="http://schemas.openxmlformats.org/officeDocument/2006/relationships" xmlns:p="http://schemas.openxmlformats.org/presentationml/2006/main">
   <p:cSld>
+    <p:bg>
+      <p:bgPr>
+        <a:solidFill>
+          <a:schemeClr val="tx1"/>
+        </a:solidFill>
+        <a:effectLst/>
+      </p:bgPr>
+    </p:bg>
     <p:spTree>
       <p:nvGrpSpPr>
         <p:cNvPr id="1" name=""/>
@@ -5652,42 +6465,6 @@
       </p:grpSpPr>
       <p:sp>
         <p:nvSpPr>
-          <p:cNvPr id="2" name="TextBox 1"/>
-          <p:cNvSpPr txBox="1"/>
-          <p:nvPr/>
-        </p:nvSpPr>
-        <p:spPr>
-          <a:xfrm>
-            <a:off x="555477" y="333286"/>
-            <a:ext cx="2521009" cy="369332"/>
-          </a:xfrm>
-          <a:prstGeom prst="rect">
-            <a:avLst/>
-          </a:prstGeom>
-          <a:noFill/>
-        </p:spPr>
-        <p:txBody>
-          <a:bodyPr wrap="square" rtlCol="0">
-            <a:spAutoFit/>
-          </a:bodyPr>
-          <a:lstStyle/>
-          <a:p>
-            <a:r>
-              <a:rPr lang="ko-KR" altLang="en-US" dirty="0" smtClean="0">
-                <a:latin typeface="나눔스퀘어 Bold" panose="020B0600000101010101" pitchFamily="50" charset="-127"/>
-                <a:ea typeface="나눔스퀘어 Bold" panose="020B0600000101010101" pitchFamily="50" charset="-127"/>
-              </a:rPr>
-              <a:t>업데이트 순서 분석</a:t>
-            </a:r>
-            <a:endParaRPr lang="ko-KR" altLang="en-US" dirty="0">
-              <a:latin typeface="나눔스퀘어 Bold" panose="020B0600000101010101" pitchFamily="50" charset="-127"/>
-              <a:ea typeface="나눔스퀘어 Bold" panose="020B0600000101010101" pitchFamily="50" charset="-127"/>
-            </a:endParaRPr>
-          </a:p>
-        </p:txBody>
-      </p:sp>
-      <p:sp>
-        <p:nvSpPr>
           <p:cNvPr id="5" name="TextBox 4"/>
           <p:cNvSpPr txBox="1"/>
           <p:nvPr/>
@@ -5708,31 +6485,37 @@
           </a:bodyPr>
           <a:lstStyle/>
           <a:p>
-            <a:r>
-              <a:rPr lang="ko-KR" altLang="en-US" dirty="0" smtClean="0">
+            <a:pPr algn="ctr"/>
+            <a:r>
+              <a:rPr lang="ko-KR" altLang="en-US" dirty="0">
+                <a:solidFill>
+                  <a:schemeClr val="bg1"/>
+                </a:solidFill>
                 <a:latin typeface="나눔스퀘어 Bold" panose="020B0600000101010101" pitchFamily="50" charset="-127"/>
                 <a:ea typeface="나눔스퀘어 Bold" panose="020B0600000101010101" pitchFamily="50" charset="-127"/>
               </a:rPr>
               <a:t>신규 태생 </a:t>
             </a:r>
             <a:r>
-              <a:rPr lang="en-US" altLang="ko-KR" dirty="0" smtClean="0">
+              <a:rPr lang="en-US" altLang="ko-KR" dirty="0">
+                <a:solidFill>
+                  <a:schemeClr val="bg1"/>
+                </a:solidFill>
                 <a:latin typeface="나눔스퀘어 Bold" panose="020B0600000101010101" pitchFamily="50" charset="-127"/>
                 <a:ea typeface="나눔스퀘어 Bold" panose="020B0600000101010101" pitchFamily="50" charset="-127"/>
               </a:rPr>
               <a:t>3</a:t>
             </a:r>
             <a:r>
-              <a:rPr lang="ko-KR" altLang="en-US" dirty="0" smtClean="0">
+              <a:rPr lang="ko-KR" altLang="en-US" dirty="0">
+                <a:solidFill>
+                  <a:schemeClr val="bg1"/>
+                </a:solidFill>
                 <a:latin typeface="나눔스퀘어 Bold" panose="020B0600000101010101" pitchFamily="50" charset="-127"/>
                 <a:ea typeface="나눔스퀘어 Bold" panose="020B0600000101010101" pitchFamily="50" charset="-127"/>
               </a:rPr>
               <a:t>성 캐릭터의 출시 속성 패턴 분석</a:t>
             </a:r>
-            <a:endParaRPr lang="ko-KR" altLang="en-US" dirty="0">
-              <a:latin typeface="나눔스퀘어 Bold" panose="020B0600000101010101" pitchFamily="50" charset="-127"/>
-              <a:ea typeface="나눔스퀘어 Bold" panose="020B0600000101010101" pitchFamily="50" charset="-127"/>
-            </a:endParaRPr>
           </a:p>
         </p:txBody>
       </p:sp>
@@ -5760,86 +6543,32 @@
           </a:prstGeom>
         </p:spPr>
       </p:pic>
-    </p:spTree>
-    <p:extLst>
-      <p:ext uri="{BB962C8B-B14F-4D97-AF65-F5344CB8AC3E}">
-        <p14:creationId xmlns:p14="http://schemas.microsoft.com/office/powerpoint/2010/main" val="470723569"/>
-      </p:ext>
-    </p:extLst>
-  </p:cSld>
-  <p:clrMapOvr>
-    <a:masterClrMapping/>
-  </p:clrMapOvr>
-</p:sld>
-</file>
-
-<file path=ppt/slides/slide4.xml><?xml version="1.0" encoding="utf-8"?>
-<p:sld xmlns:a="http://schemas.openxmlformats.org/drawingml/2006/main" xmlns:r="http://schemas.openxmlformats.org/officeDocument/2006/relationships" xmlns:p="http://schemas.openxmlformats.org/presentationml/2006/main">
-  <p:cSld>
-    <p:spTree>
-      <p:nvGrpSpPr>
-        <p:cNvPr id="1" name=""/>
-        <p:cNvGrpSpPr/>
-        <p:nvPr/>
-      </p:nvGrpSpPr>
-      <p:grpSpPr>
-        <a:xfrm>
-          <a:off x="0" y="0"/>
-          <a:ext cx="0" cy="0"/>
-          <a:chOff x="0" y="0"/>
-          <a:chExt cx="0" cy="0"/>
-        </a:xfrm>
-      </p:grpSpPr>
-      <p:sp>
-        <p:nvSpPr>
-          <p:cNvPr id="2" name="TextBox 1"/>
-          <p:cNvSpPr txBox="1"/>
+      <p:sp>
+        <p:nvSpPr>
+          <p:cNvPr id="7" name="직사각형 6">
+            <a:extLst>
+              <a:ext uri="{FF2B5EF4-FFF2-40B4-BE49-F238E27FC236}">
+                <a16:creationId xmlns:a16="http://schemas.microsoft.com/office/drawing/2014/main" id="{FA2DF311-4F95-4701-BB45-7F2BB532E236}"/>
+              </a:ext>
+            </a:extLst>
+          </p:cNvPr>
+          <p:cNvSpPr/>
           <p:nvPr/>
         </p:nvSpPr>
         <p:spPr>
           <a:xfrm>
-            <a:off x="555477" y="333286"/>
-            <a:ext cx="2521009" cy="369332"/>
+            <a:off x="0" y="0"/>
+            <a:ext cx="561975" cy="561975"/>
           </a:xfrm>
           <a:prstGeom prst="rect">
             <a:avLst/>
           </a:prstGeom>
-          <a:noFill/>
-        </p:spPr>
-        <p:txBody>
-          <a:bodyPr wrap="square" rtlCol="0">
-            <a:spAutoFit/>
-          </a:bodyPr>
-          <a:lstStyle/>
-          <a:p>
-            <a:r>
-              <a:rPr lang="ko-KR" altLang="en-US" dirty="0" smtClean="0">
-                <a:latin typeface="나눔스퀘어 Bold" panose="020B0600000101010101" pitchFamily="50" charset="-127"/>
-                <a:ea typeface="나눔스퀘어 Bold" panose="020B0600000101010101" pitchFamily="50" charset="-127"/>
-              </a:rPr>
-              <a:t>기존 캐릭터 분석</a:t>
-            </a:r>
-            <a:endParaRPr lang="ko-KR" altLang="en-US" dirty="0">
-              <a:latin typeface="나눔스퀘어 Bold" panose="020B0600000101010101" pitchFamily="50" charset="-127"/>
-              <a:ea typeface="나눔스퀘어 Bold" panose="020B0600000101010101" pitchFamily="50" charset="-127"/>
-            </a:endParaRPr>
-          </a:p>
-        </p:txBody>
-      </p:sp>
-      <p:sp>
-        <p:nvSpPr>
-          <p:cNvPr id="4" name="직사각형 3"/>
-          <p:cNvSpPr/>
-          <p:nvPr/>
-        </p:nvSpPr>
-        <p:spPr>
-          <a:xfrm>
-            <a:off x="2709017" y="2467598"/>
-            <a:ext cx="640934" cy="640934"/>
-          </a:xfrm>
-          <a:prstGeom prst="rect">
-            <a:avLst/>
-          </a:prstGeom>
+          <a:solidFill>
+            <a:schemeClr val="bg1"/>
+          </a:solidFill>
+          <a:ln>
+            <a:noFill/>
+          </a:ln>
         </p:spPr>
         <p:style>
           <a:lnRef idx="2">
@@ -5863,27 +6592,127 @@
           <a:p>
             <a:pPr algn="ctr"/>
             <a:r>
-              <a:rPr lang="ko-KR" altLang="en-US" dirty="0" smtClean="0"/>
-              <a:t>마리나</a:t>
-            </a:r>
-            <a:endParaRPr lang="ko-KR" altLang="en-US" dirty="0"/>
-          </a:p>
-        </p:txBody>
-      </p:sp>
-      <p:sp>
-        <p:nvSpPr>
-          <p:cNvPr id="5" name="직사각형 4"/>
-          <p:cNvSpPr/>
+              <a:rPr lang="en-US" altLang="ko-KR" dirty="0">
+                <a:solidFill>
+                  <a:schemeClr val="tx1"/>
+                </a:solidFill>
+                <a:latin typeface="나눔스퀘어 ExtraBold" panose="020B0600000101010101" pitchFamily="50" charset="-127"/>
+                <a:ea typeface="나눔스퀘어 ExtraBold" panose="020B0600000101010101" pitchFamily="50" charset="-127"/>
+              </a:rPr>
+              <a:t>2</a:t>
+            </a:r>
+            <a:endParaRPr lang="ko-KR" altLang="en-US" dirty="0">
+              <a:solidFill>
+                <a:schemeClr val="tx1"/>
+              </a:solidFill>
+              <a:latin typeface="나눔스퀘어 ExtraBold" panose="020B0600000101010101" pitchFamily="50" charset="-127"/>
+              <a:ea typeface="나눔스퀘어 ExtraBold" panose="020B0600000101010101" pitchFamily="50" charset="-127"/>
+            </a:endParaRPr>
+          </a:p>
+        </p:txBody>
+      </p:sp>
+      <p:sp>
+        <p:nvSpPr>
+          <p:cNvPr id="8" name="TextBox 7">
+            <a:extLst>
+              <a:ext uri="{FF2B5EF4-FFF2-40B4-BE49-F238E27FC236}">
+                <a16:creationId xmlns:a16="http://schemas.microsoft.com/office/drawing/2014/main" id="{BDE802DF-13D7-4FF0-9667-D4677025A7B4}"/>
+              </a:ext>
+            </a:extLst>
+          </p:cNvPr>
+          <p:cNvSpPr txBox="1"/>
           <p:nvPr/>
         </p:nvSpPr>
         <p:spPr>
           <a:xfrm>
-            <a:off x="4691641" y="2467598"/>
-            <a:ext cx="640934" cy="640934"/>
+            <a:off x="561975" y="96321"/>
+            <a:ext cx="3114675" cy="369332"/>
           </a:xfrm>
           <a:prstGeom prst="rect">
             <a:avLst/>
           </a:prstGeom>
+          <a:noFill/>
+        </p:spPr>
+        <p:txBody>
+          <a:bodyPr wrap="square" rtlCol="0">
+            <a:spAutoFit/>
+          </a:bodyPr>
+          <a:lstStyle/>
+          <a:p>
+            <a:r>
+              <a:rPr lang="ko-KR" altLang="en-US" dirty="0">
+                <a:solidFill>
+                  <a:schemeClr val="bg1"/>
+                </a:solidFill>
+                <a:latin typeface="나눔스퀘어 Bold" panose="020B0600000101010101" pitchFamily="50" charset="-127"/>
+                <a:ea typeface="나눔스퀘어 Bold" panose="020B0600000101010101" pitchFamily="50" charset="-127"/>
+              </a:rPr>
+              <a:t>업데이트 순서 분석</a:t>
+            </a:r>
+          </a:p>
+        </p:txBody>
+      </p:sp>
+    </p:spTree>
+    <p:extLst>
+      <p:ext uri="{BB962C8B-B14F-4D97-AF65-F5344CB8AC3E}">
+        <p14:creationId xmlns:p14="http://schemas.microsoft.com/office/powerpoint/2010/main" val="470723569"/>
+      </p:ext>
+    </p:extLst>
+  </p:cSld>
+  <p:clrMapOvr>
+    <a:masterClrMapping/>
+  </p:clrMapOvr>
+</p:sld>
+</file>
+
+<file path=ppt/slides/slide4.xml><?xml version="1.0" encoding="utf-8"?>
+<p:sld xmlns:a="http://schemas.openxmlformats.org/drawingml/2006/main" xmlns:r="http://schemas.openxmlformats.org/officeDocument/2006/relationships" xmlns:p="http://schemas.openxmlformats.org/presentationml/2006/main">
+  <p:cSld>
+    <p:bg>
+      <p:bgPr>
+        <a:solidFill>
+          <a:schemeClr val="tx1"/>
+        </a:solidFill>
+        <a:effectLst/>
+      </p:bgPr>
+    </p:bg>
+    <p:spTree>
+      <p:nvGrpSpPr>
+        <p:cNvPr id="1" name=""/>
+        <p:cNvGrpSpPr/>
+        <p:nvPr/>
+      </p:nvGrpSpPr>
+      <p:grpSpPr>
+        <a:xfrm>
+          <a:off x="0" y="0"/>
+          <a:ext cx="0" cy="0"/>
+          <a:chOff x="0" y="0"/>
+          <a:chExt cx="0" cy="0"/>
+        </a:xfrm>
+      </p:grpSpPr>
+      <p:sp>
+        <p:nvSpPr>
+          <p:cNvPr id="4" name="직사각형 3"/>
+          <p:cNvSpPr/>
+          <p:nvPr/>
+        </p:nvSpPr>
+        <p:spPr>
+          <a:xfrm>
+            <a:off x="2263655" y="1578250"/>
+            <a:ext cx="1447799" cy="1447799"/>
+          </a:xfrm>
+          <a:prstGeom prst="rect">
+            <a:avLst/>
+          </a:prstGeom>
+          <a:blipFill>
+            <a:blip r:embed="rId2"/>
+            <a:stretch>
+              <a:fillRect/>
+            </a:stretch>
+          </a:blipFill>
+          <a:ln>
+            <a:noFill/>
+          </a:ln>
         </p:spPr>
         <p:style>
           <a:lnRef idx="2">
@@ -5906,28 +6735,33 @@
           <a:lstStyle/>
           <a:p>
             <a:pPr algn="ctr"/>
-            <a:r>
-              <a:rPr lang="ko-KR" altLang="en-US" dirty="0" err="1" smtClean="0"/>
-              <a:t>오그마</a:t>
-            </a:r>
             <a:endParaRPr lang="ko-KR" altLang="en-US" dirty="0"/>
           </a:p>
         </p:txBody>
       </p:sp>
       <p:sp>
         <p:nvSpPr>
-          <p:cNvPr id="6" name="직사각형 5"/>
+          <p:cNvPr id="5" name="직사각형 4"/>
           <p:cNvSpPr/>
           <p:nvPr/>
         </p:nvSpPr>
         <p:spPr>
           <a:xfrm>
-            <a:off x="6674267" y="2467598"/>
-            <a:ext cx="640934" cy="640934"/>
+            <a:off x="5381625" y="1549061"/>
+            <a:ext cx="1447799" cy="1447799"/>
           </a:xfrm>
           <a:prstGeom prst="rect">
             <a:avLst/>
           </a:prstGeom>
+          <a:blipFill>
+            <a:blip r:embed="rId3"/>
+            <a:stretch>
+              <a:fillRect/>
+            </a:stretch>
+          </a:blipFill>
+          <a:ln>
+            <a:noFill/>
+          </a:ln>
         </p:spPr>
         <p:style>
           <a:lnRef idx="2">
@@ -5950,28 +6784,33 @@
           <a:lstStyle/>
           <a:p>
             <a:pPr algn="ctr"/>
-            <a:r>
-              <a:rPr lang="ko-KR" altLang="en-US" dirty="0" err="1" smtClean="0"/>
-              <a:t>미래공주</a:t>
-            </a:r>
             <a:endParaRPr lang="ko-KR" altLang="en-US" dirty="0"/>
           </a:p>
         </p:txBody>
       </p:sp>
       <p:sp>
         <p:nvSpPr>
-          <p:cNvPr id="7" name="직사각형 6"/>
+          <p:cNvPr id="6" name="직사각형 5"/>
           <p:cNvSpPr/>
           <p:nvPr/>
         </p:nvSpPr>
         <p:spPr>
           <a:xfrm>
-            <a:off x="8656890" y="2467598"/>
-            <a:ext cx="640934" cy="640934"/>
+            <a:off x="8483169" y="1562578"/>
+            <a:ext cx="1447799" cy="1447799"/>
           </a:xfrm>
           <a:prstGeom prst="rect">
             <a:avLst/>
           </a:prstGeom>
+          <a:blipFill>
+            <a:blip r:embed="rId4"/>
+            <a:stretch>
+              <a:fillRect/>
+            </a:stretch>
+          </a:blipFill>
+          <a:ln>
+            <a:noFill/>
+          </a:ln>
         </p:spPr>
         <p:style>
           <a:lnRef idx="2">
@@ -5994,10 +6833,6 @@
           <a:lstStyle/>
           <a:p>
             <a:pPr algn="ctr"/>
-            <a:r>
-              <a:rPr lang="ko-KR" altLang="en-US" dirty="0" smtClean="0"/>
-              <a:t>크레이그</a:t>
-            </a:r>
             <a:endParaRPr lang="ko-KR" altLang="en-US" dirty="0"/>
           </a:p>
         </p:txBody>
@@ -6010,8 +6845,8 @@
         </p:nvSpPr>
         <p:spPr>
           <a:xfrm>
-            <a:off x="2187723" y="3606325"/>
-            <a:ext cx="1546789" cy="923330"/>
+            <a:off x="2214160" y="3606324"/>
+            <a:ext cx="1546789" cy="467885"/>
           </a:xfrm>
           <a:prstGeom prst="rect">
             <a:avLst/>
@@ -6024,41 +6859,29 @@
           </a:bodyPr>
           <a:lstStyle/>
           <a:p>
-            <a:pPr>
+            <a:pPr algn="ctr">
               <a:lnSpc>
                 <a:spcPct val="150000"/>
               </a:lnSpc>
             </a:pPr>
             <a:r>
-              <a:rPr lang="ko-KR" altLang="en-US" dirty="0" err="1" smtClean="0">
+              <a:rPr lang="ko-KR" altLang="en-US" dirty="0" err="1">
+                <a:solidFill>
+                  <a:schemeClr val="bg1"/>
+                </a:solidFill>
                 <a:latin typeface="나눔스퀘어 Bold" panose="020B0600000101010101" pitchFamily="50" charset="-127"/>
                 <a:ea typeface="나눔스퀘어 Bold" panose="020B0600000101010101" pitchFamily="50" charset="-127"/>
               </a:rPr>
               <a:t>딜탱</a:t>
             </a:r>
-            <a:r>
-              <a:rPr lang="ko-KR" altLang="en-US" dirty="0" smtClean="0">
-                <a:latin typeface="나눔스퀘어 Bold" panose="020B0600000101010101" pitchFamily="50" charset="-127"/>
-                <a:ea typeface="나눔스퀘어 Bold" panose="020B0600000101010101" pitchFamily="50" charset="-127"/>
-              </a:rPr>
-              <a:t> 포지션</a:t>
-            </a:r>
-            <a:endParaRPr lang="en-US" altLang="ko-KR" dirty="0" smtClean="0">
+            <a:endParaRPr lang="ko-KR" altLang="en-US" dirty="0">
+              <a:solidFill>
+                <a:schemeClr val="bg1"/>
+              </a:solidFill>
               <a:latin typeface="나눔스퀘어 Bold" panose="020B0600000101010101" pitchFamily="50" charset="-127"/>
               <a:ea typeface="나눔스퀘어 Bold" panose="020B0600000101010101" pitchFamily="50" charset="-127"/>
             </a:endParaRPr>
           </a:p>
-          <a:p>
-            <a:pPr>
-              <a:lnSpc>
-                <a:spcPct val="150000"/>
-              </a:lnSpc>
-            </a:pPr>
-            <a:endParaRPr lang="ko-KR" altLang="en-US" dirty="0">
-              <a:latin typeface="나눔스퀘어 Bold" panose="020B0600000101010101" pitchFamily="50" charset="-127"/>
-              <a:ea typeface="나눔스퀘어 Bold" panose="020B0600000101010101" pitchFamily="50" charset="-127"/>
-            </a:endParaRPr>
-          </a:p>
         </p:txBody>
       </p:sp>
       <p:sp>
@@ -6069,8 +6892,8 @@
         </p:nvSpPr>
         <p:spPr>
           <a:xfrm>
-            <a:off x="4170347" y="3606325"/>
-            <a:ext cx="1546789" cy="507831"/>
+            <a:off x="5332130" y="3606324"/>
+            <a:ext cx="1546789" cy="467885"/>
           </a:xfrm>
           <a:prstGeom prst="rect">
             <a:avLst/>
@@ -6083,19 +6906,25 @@
           </a:bodyPr>
           <a:lstStyle/>
           <a:p>
-            <a:pPr>
+            <a:pPr algn="ctr">
               <a:lnSpc>
                 <a:spcPct val="150000"/>
               </a:lnSpc>
             </a:pPr>
             <a:r>
-              <a:rPr lang="ko-KR" altLang="en-US" dirty="0" err="1" smtClean="0">
+              <a:rPr lang="ko-KR" altLang="en-US" dirty="0" err="1">
+                <a:solidFill>
+                  <a:schemeClr val="bg1"/>
+                </a:solidFill>
                 <a:latin typeface="나눔스퀘어 Bold" panose="020B0600000101010101" pitchFamily="50" charset="-127"/>
                 <a:ea typeface="나눔스퀘어 Bold" panose="020B0600000101010101" pitchFamily="50" charset="-127"/>
               </a:rPr>
               <a:t>반사탱</a:t>
             </a:r>
             <a:endParaRPr lang="ko-KR" altLang="en-US" dirty="0">
+              <a:solidFill>
+                <a:schemeClr val="bg1"/>
+              </a:solidFill>
               <a:latin typeface="나눔스퀘어 Bold" panose="020B0600000101010101" pitchFamily="50" charset="-127"/>
               <a:ea typeface="나눔스퀘어 Bold" panose="020B0600000101010101" pitchFamily="50" charset="-127"/>
             </a:endParaRPr>
@@ -6110,8 +6939,8 @@
         </p:nvSpPr>
         <p:spPr>
           <a:xfrm>
-            <a:off x="6152971" y="3606325"/>
-            <a:ext cx="1546789" cy="923330"/>
+            <a:off x="8564401" y="3606323"/>
+            <a:ext cx="1546789" cy="467885"/>
           </a:xfrm>
           <a:prstGeom prst="rect">
             <a:avLst/>
@@ -6124,60 +6953,41 @@
           </a:bodyPr>
           <a:lstStyle/>
           <a:p>
-            <a:pPr>
+            <a:pPr algn="ctr">
               <a:lnSpc>
                 <a:spcPct val="150000"/>
               </a:lnSpc>
             </a:pPr>
             <a:r>
               <a:rPr lang="ko-KR" altLang="en-US" dirty="0" err="1">
+                <a:solidFill>
+                  <a:schemeClr val="bg1"/>
+                </a:solidFill>
                 <a:latin typeface="나눔스퀘어 Bold" panose="020B0600000101010101" pitchFamily="50" charset="-127"/>
                 <a:ea typeface="나눔스퀘어 Bold" panose="020B0600000101010101" pitchFamily="50" charset="-127"/>
               </a:rPr>
-              <a:t>힐</a:t>
-            </a:r>
-            <a:r>
-              <a:rPr lang="ko-KR" altLang="en-US" dirty="0" err="1" smtClean="0">
-                <a:latin typeface="나눔스퀘어 Bold" panose="020B0600000101010101" pitchFamily="50" charset="-127"/>
-                <a:ea typeface="나눔스퀘어 Bold" panose="020B0600000101010101" pitchFamily="50" charset="-127"/>
-              </a:rPr>
-              <a:t>탱</a:t>
-            </a:r>
-            <a:r>
-              <a:rPr lang="ko-KR" altLang="en-US" dirty="0" smtClean="0">
-                <a:latin typeface="나눔스퀘어 Bold" panose="020B0600000101010101" pitchFamily="50" charset="-127"/>
-                <a:ea typeface="나눔스퀘어 Bold" panose="020B0600000101010101" pitchFamily="50" charset="-127"/>
-              </a:rPr>
-              <a:t> 포지션</a:t>
-            </a:r>
-            <a:endParaRPr lang="en-US" altLang="ko-KR" dirty="0" smtClean="0">
+              <a:t>힐탱</a:t>
+            </a:r>
+            <a:endParaRPr lang="ko-KR" altLang="en-US" dirty="0">
+              <a:solidFill>
+                <a:schemeClr val="bg1"/>
+              </a:solidFill>
               <a:latin typeface="나눔스퀘어 Bold" panose="020B0600000101010101" pitchFamily="50" charset="-127"/>
               <a:ea typeface="나눔스퀘어 Bold" panose="020B0600000101010101" pitchFamily="50" charset="-127"/>
             </a:endParaRPr>
           </a:p>
-          <a:p>
-            <a:pPr>
-              <a:lnSpc>
-                <a:spcPct val="150000"/>
-              </a:lnSpc>
-            </a:pPr>
-            <a:endParaRPr lang="ko-KR" altLang="en-US" dirty="0">
-              <a:latin typeface="나눔스퀘어 Bold" panose="020B0600000101010101" pitchFamily="50" charset="-127"/>
-              <a:ea typeface="나눔스퀘어 Bold" panose="020B0600000101010101" pitchFamily="50" charset="-127"/>
-            </a:endParaRPr>
-          </a:p>
-        </p:txBody>
-      </p:sp>
-      <p:sp>
-        <p:nvSpPr>
-          <p:cNvPr id="11" name="TextBox 10"/>
+        </p:txBody>
+      </p:sp>
+      <p:sp>
+        <p:nvSpPr>
+          <p:cNvPr id="12" name="TextBox 11"/>
           <p:cNvSpPr txBox="1"/>
           <p:nvPr/>
         </p:nvSpPr>
         <p:spPr>
           <a:xfrm>
-            <a:off x="8135595" y="3606325"/>
-            <a:ext cx="1546789" cy="923330"/>
+            <a:off x="2659210" y="5293138"/>
+            <a:ext cx="6873579" cy="883383"/>
           </a:xfrm>
           <a:prstGeom prst="rect">
             <a:avLst/>
@@ -6196,16 +7006,85 @@
               </a:lnSpc>
             </a:pPr>
             <a:r>
-              <a:rPr lang="ko-KR" altLang="en-US" dirty="0" err="1" smtClean="0">
+              <a:rPr lang="ko-KR" altLang="en-US" dirty="0">
+                <a:solidFill>
+                  <a:schemeClr val="bg1"/>
+                </a:solidFill>
                 <a:latin typeface="나눔스퀘어 Bold" panose="020B0600000101010101" pitchFamily="50" charset="-127"/>
                 <a:ea typeface="나눔스퀘어 Bold" panose="020B0600000101010101" pitchFamily="50" charset="-127"/>
               </a:rPr>
-              <a:t>퓨어탱</a:t>
-            </a:r>
-            <a:endParaRPr lang="en-US" altLang="ko-KR" dirty="0" smtClean="0">
-              <a:latin typeface="나눔스퀘어 Bold" panose="020B0600000101010101" pitchFamily="50" charset="-127"/>
-              <a:ea typeface="나눔스퀘어 Bold" panose="020B0600000101010101" pitchFamily="50" charset="-127"/>
-            </a:endParaRPr>
+              <a:t>태생 </a:t>
+            </a:r>
+            <a:r>
+              <a:rPr lang="en-US" altLang="ko-KR" dirty="0">
+                <a:solidFill>
+                  <a:schemeClr val="bg1"/>
+                </a:solidFill>
+                <a:latin typeface="나눔스퀘어 Bold" panose="020B0600000101010101" pitchFamily="50" charset="-127"/>
+                <a:ea typeface="나눔스퀘어 Bold" panose="020B0600000101010101" pitchFamily="50" charset="-127"/>
+              </a:rPr>
+              <a:t>3</a:t>
+            </a:r>
+            <a:r>
+              <a:rPr lang="ko-KR" altLang="en-US" dirty="0">
+                <a:solidFill>
+                  <a:schemeClr val="bg1"/>
+                </a:solidFill>
+                <a:latin typeface="나눔스퀘어 Bold" panose="020B0600000101010101" pitchFamily="50" charset="-127"/>
+                <a:ea typeface="나눔스퀘어 Bold" panose="020B0600000101010101" pitchFamily="50" charset="-127"/>
+              </a:rPr>
+              <a:t>성 </a:t>
+            </a:r>
+            <a:r>
+              <a:rPr lang="ko-KR" altLang="en-US" dirty="0" err="1">
+                <a:solidFill>
+                  <a:schemeClr val="bg1"/>
+                </a:solidFill>
+                <a:latin typeface="나눔스퀘어 Bold" panose="020B0600000101010101" pitchFamily="50" charset="-127"/>
+                <a:ea typeface="나눔스퀘어 Bold" panose="020B0600000101010101" pitchFamily="50" charset="-127"/>
+              </a:rPr>
+              <a:t>탱커중</a:t>
+            </a:r>
+            <a:r>
+              <a:rPr lang="ko-KR" altLang="en-US" dirty="0">
+                <a:solidFill>
+                  <a:schemeClr val="bg1"/>
+                </a:solidFill>
+                <a:latin typeface="나눔스퀘어 Bold" panose="020B0600000101010101" pitchFamily="50" charset="-127"/>
+                <a:ea typeface="나눔스퀘어 Bold" panose="020B0600000101010101" pitchFamily="50" charset="-127"/>
+              </a:rPr>
+              <a:t> </a:t>
+            </a:r>
+            <a:r>
+              <a:rPr lang="ko-KR" altLang="en-US" dirty="0" err="1">
+                <a:solidFill>
+                  <a:schemeClr val="bg1"/>
+                </a:solidFill>
+                <a:latin typeface="나눔스퀘어 Bold" panose="020B0600000101010101" pitchFamily="50" charset="-127"/>
+                <a:ea typeface="나눔스퀘어 Bold" panose="020B0600000101010101" pitchFamily="50" charset="-127"/>
+              </a:rPr>
+              <a:t>퓨어</a:t>
+            </a:r>
+            <a:r>
+              <a:rPr lang="ko-KR" altLang="en-US" dirty="0">
+                <a:solidFill>
+                  <a:schemeClr val="bg1"/>
+                </a:solidFill>
+                <a:latin typeface="나눔스퀘어 Bold" panose="020B0600000101010101" pitchFamily="50" charset="-127"/>
+                <a:ea typeface="나눔스퀘어 Bold" panose="020B0600000101010101" pitchFamily="50" charset="-127"/>
+              </a:rPr>
+              <a:t> 탱커 포지션은 </a:t>
+            </a:r>
+            <a:r>
+              <a:rPr lang="en-US" altLang="ko-KR" dirty="0">
+                <a:solidFill>
+                  <a:schemeClr val="bg1"/>
+                </a:solidFill>
+                <a:latin typeface="나눔스퀘어 Bold" panose="020B0600000101010101" pitchFamily="50" charset="-127"/>
+                <a:ea typeface="나눔스퀘어 Bold" panose="020B0600000101010101" pitchFamily="50" charset="-127"/>
+              </a:rPr>
+              <a:t>X</a:t>
+            </a:r>
           </a:p>
           <a:p>
             <a:pPr>
@@ -6213,23 +7092,153 @@
                 <a:spcPct val="150000"/>
               </a:lnSpc>
             </a:pPr>
+            <a:r>
+              <a:rPr lang="ko-KR" altLang="en-US" dirty="0" err="1">
+                <a:solidFill>
+                  <a:schemeClr val="bg1"/>
+                </a:solidFill>
+                <a:latin typeface="나눔스퀘어 Bold" panose="020B0600000101010101" pitchFamily="50" charset="-127"/>
+                <a:ea typeface="나눔스퀘어 Bold" panose="020B0600000101010101" pitchFamily="50" charset="-127"/>
+              </a:rPr>
+              <a:t>퓨어</a:t>
+            </a:r>
+            <a:r>
+              <a:rPr lang="ko-KR" altLang="en-US" dirty="0">
+                <a:solidFill>
+                  <a:schemeClr val="bg1"/>
+                </a:solidFill>
+                <a:latin typeface="나눔스퀘어 Bold" panose="020B0600000101010101" pitchFamily="50" charset="-127"/>
+                <a:ea typeface="나눔스퀘어 Bold" panose="020B0600000101010101" pitchFamily="50" charset="-127"/>
+              </a:rPr>
+              <a:t> 탱커가 출시 된다면</a:t>
+            </a:r>
+            <a:r>
+              <a:rPr lang="en-US" altLang="ko-KR" dirty="0">
+                <a:solidFill>
+                  <a:schemeClr val="bg1"/>
+                </a:solidFill>
+                <a:latin typeface="나눔스퀘어 Bold" panose="020B0600000101010101" pitchFamily="50" charset="-127"/>
+                <a:ea typeface="나눔스퀘어 Bold" panose="020B0600000101010101" pitchFamily="50" charset="-127"/>
+              </a:rPr>
+              <a:t>, </a:t>
+            </a:r>
+            <a:r>
+              <a:rPr lang="ko-KR" altLang="en-US" dirty="0">
+                <a:solidFill>
+                  <a:schemeClr val="bg1"/>
+                </a:solidFill>
+                <a:latin typeface="나눔스퀘어 Bold" panose="020B0600000101010101" pitchFamily="50" charset="-127"/>
+                <a:ea typeface="나눔스퀘어 Bold" panose="020B0600000101010101" pitchFamily="50" charset="-127"/>
+              </a:rPr>
+              <a:t>아레나 </a:t>
+            </a:r>
+            <a:r>
+              <a:rPr lang="ko-KR" altLang="en-US" dirty="0" err="1">
+                <a:solidFill>
+                  <a:schemeClr val="bg1"/>
+                </a:solidFill>
+                <a:latin typeface="나눔스퀘어 Bold" panose="020B0600000101010101" pitchFamily="50" charset="-127"/>
+                <a:ea typeface="나눔스퀘어 Bold" panose="020B0600000101010101" pitchFamily="50" charset="-127"/>
+              </a:rPr>
+              <a:t>방덱에서</a:t>
+            </a:r>
+            <a:r>
+              <a:rPr lang="ko-KR" altLang="en-US" dirty="0">
+                <a:solidFill>
+                  <a:schemeClr val="bg1"/>
+                </a:solidFill>
+                <a:latin typeface="나눔스퀘어 Bold" panose="020B0600000101010101" pitchFamily="50" charset="-127"/>
+                <a:ea typeface="나눔스퀘어 Bold" panose="020B0600000101010101" pitchFamily="50" charset="-127"/>
+              </a:rPr>
+              <a:t> 기용이 많이 될 것으로 예상</a:t>
+            </a:r>
+          </a:p>
+        </p:txBody>
+      </p:sp>
+      <p:sp>
+        <p:nvSpPr>
+          <p:cNvPr id="14" name="직사각형 13">
+            <a:extLst>
+              <a:ext uri="{FF2B5EF4-FFF2-40B4-BE49-F238E27FC236}">
+                <a16:creationId xmlns:a16="http://schemas.microsoft.com/office/drawing/2014/main" id="{9C6EEADC-2AE8-4DBB-AA79-2002E0F5157A}"/>
+              </a:ext>
+            </a:extLst>
+          </p:cNvPr>
+          <p:cNvSpPr/>
+          <p:nvPr/>
+        </p:nvSpPr>
+        <p:spPr>
+          <a:xfrm>
+            <a:off x="0" y="0"/>
+            <a:ext cx="561975" cy="561975"/>
+          </a:xfrm>
+          <a:prstGeom prst="rect">
+            <a:avLst/>
+          </a:prstGeom>
+          <a:solidFill>
+            <a:schemeClr val="bg1"/>
+          </a:solidFill>
+          <a:ln>
+            <a:noFill/>
+          </a:ln>
+        </p:spPr>
+        <p:style>
+          <a:lnRef idx="2">
+            <a:schemeClr val="accent1">
+              <a:shade val="50000"/>
+            </a:schemeClr>
+          </a:lnRef>
+          <a:fillRef idx="1">
+            <a:schemeClr val="accent1"/>
+          </a:fillRef>
+          <a:effectRef idx="0">
+            <a:schemeClr val="accent1"/>
+          </a:effectRef>
+          <a:fontRef idx="minor">
+            <a:schemeClr val="lt1"/>
+          </a:fontRef>
+        </p:style>
+        <p:txBody>
+          <a:bodyPr rtlCol="0" anchor="ctr"/>
+          <a:lstStyle/>
+          <a:p>
+            <a:pPr algn="ctr"/>
+            <a:r>
+              <a:rPr lang="en-US" altLang="ko-KR" dirty="0">
+                <a:solidFill>
+                  <a:schemeClr val="tx1"/>
+                </a:solidFill>
+                <a:latin typeface="나눔스퀘어 ExtraBold" panose="020B0600000101010101" pitchFamily="50" charset="-127"/>
+                <a:ea typeface="나눔스퀘어 ExtraBold" panose="020B0600000101010101" pitchFamily="50" charset="-127"/>
+              </a:rPr>
+              <a:t>3</a:t>
+            </a:r>
             <a:endParaRPr lang="ko-KR" altLang="en-US" dirty="0">
-              <a:latin typeface="나눔스퀘어 Bold" panose="020B0600000101010101" pitchFamily="50" charset="-127"/>
-              <a:ea typeface="나눔스퀘어 Bold" panose="020B0600000101010101" pitchFamily="50" charset="-127"/>
+              <a:solidFill>
+                <a:schemeClr val="tx1"/>
+              </a:solidFill>
+              <a:latin typeface="나눔스퀘어 ExtraBold" panose="020B0600000101010101" pitchFamily="50" charset="-127"/>
+              <a:ea typeface="나눔스퀘어 ExtraBold" panose="020B0600000101010101" pitchFamily="50" charset="-127"/>
             </a:endParaRPr>
           </a:p>
         </p:txBody>
       </p:sp>
       <p:sp>
         <p:nvSpPr>
-          <p:cNvPr id="12" name="TextBox 11"/>
+          <p:cNvPr id="15" name="TextBox 14">
+            <a:extLst>
+              <a:ext uri="{FF2B5EF4-FFF2-40B4-BE49-F238E27FC236}">
+                <a16:creationId xmlns:a16="http://schemas.microsoft.com/office/drawing/2014/main" id="{F7233774-8942-45E7-AC99-E4F43A4DA818}"/>
+              </a:ext>
+            </a:extLst>
+          </p:cNvPr>
           <p:cNvSpPr txBox="1"/>
           <p:nvPr/>
         </p:nvSpPr>
         <p:spPr>
           <a:xfrm>
-            <a:off x="2927646" y="5349668"/>
-            <a:ext cx="6336707" cy="1338828"/>
+            <a:off x="561975" y="96321"/>
+            <a:ext cx="3114675" cy="369332"/>
           </a:xfrm>
           <a:prstGeom prst="rect">
             <a:avLst/>
@@ -6242,134 +7251,16 @@
           </a:bodyPr>
           <a:lstStyle/>
           <a:p>
-            <a:pPr>
-              <a:lnSpc>
-                <a:spcPct val="150000"/>
-              </a:lnSpc>
-            </a:pPr>
-            <a:r>
-              <a:rPr lang="ko-KR" altLang="en-US" dirty="0" smtClean="0">
+            <a:r>
+              <a:rPr lang="ko-KR" altLang="en-US" dirty="0">
+                <a:solidFill>
+                  <a:schemeClr val="bg1"/>
+                </a:solidFill>
                 <a:latin typeface="나눔스퀘어 Bold" panose="020B0600000101010101" pitchFamily="50" charset="-127"/>
                 <a:ea typeface="나눔스퀘어 Bold" panose="020B0600000101010101" pitchFamily="50" charset="-127"/>
               </a:rPr>
-              <a:t>태생 </a:t>
-            </a:r>
-            <a:r>
-              <a:rPr lang="en-US" altLang="ko-KR" dirty="0" smtClean="0">
-                <a:latin typeface="나눔스퀘어 Bold" panose="020B0600000101010101" pitchFamily="50" charset="-127"/>
-                <a:ea typeface="나눔스퀘어 Bold" panose="020B0600000101010101" pitchFamily="50" charset="-127"/>
-              </a:rPr>
-              <a:t>3</a:t>
-            </a:r>
-            <a:r>
-              <a:rPr lang="ko-KR" altLang="en-US" dirty="0" smtClean="0">
-                <a:latin typeface="나눔스퀘어 Bold" panose="020B0600000101010101" pitchFamily="50" charset="-127"/>
-                <a:ea typeface="나눔스퀘어 Bold" panose="020B0600000101010101" pitchFamily="50" charset="-127"/>
-              </a:rPr>
-              <a:t>성 </a:t>
-            </a:r>
-            <a:r>
-              <a:rPr lang="ko-KR" altLang="en-US" dirty="0" err="1" smtClean="0">
-                <a:latin typeface="나눔스퀘어 Bold" panose="020B0600000101010101" pitchFamily="50" charset="-127"/>
-                <a:ea typeface="나눔스퀘어 Bold" panose="020B0600000101010101" pitchFamily="50" charset="-127"/>
-              </a:rPr>
-              <a:t>탱커중</a:t>
-            </a:r>
-            <a:r>
-              <a:rPr lang="ko-KR" altLang="en-US" dirty="0" smtClean="0">
-                <a:latin typeface="나눔스퀘어 Bold" panose="020B0600000101010101" pitchFamily="50" charset="-127"/>
-                <a:ea typeface="나눔스퀘어 Bold" panose="020B0600000101010101" pitchFamily="50" charset="-127"/>
-              </a:rPr>
-              <a:t> </a:t>
-            </a:r>
-            <a:r>
-              <a:rPr lang="ko-KR" altLang="en-US" dirty="0" err="1" smtClean="0">
-                <a:latin typeface="나눔스퀘어 Bold" panose="020B0600000101010101" pitchFamily="50" charset="-127"/>
-                <a:ea typeface="나눔스퀘어 Bold" panose="020B0600000101010101" pitchFamily="50" charset="-127"/>
-              </a:rPr>
-              <a:t>퓨어</a:t>
-            </a:r>
-            <a:r>
-              <a:rPr lang="ko-KR" altLang="en-US" dirty="0" smtClean="0">
-                <a:latin typeface="나눔스퀘어 Bold" panose="020B0600000101010101" pitchFamily="50" charset="-127"/>
-                <a:ea typeface="나눔스퀘어 Bold" panose="020B0600000101010101" pitchFamily="50" charset="-127"/>
-              </a:rPr>
-              <a:t> 탱커 포지션은 </a:t>
-            </a:r>
-            <a:r>
-              <a:rPr lang="en-US" altLang="ko-KR" dirty="0" smtClean="0">
-                <a:latin typeface="나눔스퀘어 Bold" panose="020B0600000101010101" pitchFamily="50" charset="-127"/>
-                <a:ea typeface="나눔스퀘어 Bold" panose="020B0600000101010101" pitchFamily="50" charset="-127"/>
-              </a:rPr>
-              <a:t>X</a:t>
-            </a:r>
-          </a:p>
-          <a:p>
-            <a:pPr>
-              <a:lnSpc>
-                <a:spcPct val="150000"/>
-              </a:lnSpc>
-            </a:pPr>
-            <a:r>
-              <a:rPr lang="ko-KR" altLang="en-US" dirty="0" err="1" smtClean="0">
-                <a:latin typeface="나눔스퀘어 Bold" panose="020B0600000101010101" pitchFamily="50" charset="-127"/>
-                <a:ea typeface="나눔스퀘어 Bold" panose="020B0600000101010101" pitchFamily="50" charset="-127"/>
-              </a:rPr>
-              <a:t>퓨어</a:t>
-            </a:r>
-            <a:r>
-              <a:rPr lang="ko-KR" altLang="en-US" dirty="0" smtClean="0">
-                <a:latin typeface="나눔스퀘어 Bold" panose="020B0600000101010101" pitchFamily="50" charset="-127"/>
-                <a:ea typeface="나눔스퀘어 Bold" panose="020B0600000101010101" pitchFamily="50" charset="-127"/>
-              </a:rPr>
-              <a:t> 탱커가 출시 된다면</a:t>
-            </a:r>
-            <a:r>
-              <a:rPr lang="en-US" altLang="ko-KR" dirty="0" smtClean="0">
-                <a:latin typeface="나눔스퀘어 Bold" panose="020B0600000101010101" pitchFamily="50" charset="-127"/>
-                <a:ea typeface="나눔스퀘어 Bold" panose="020B0600000101010101" pitchFamily="50" charset="-127"/>
-              </a:rPr>
-              <a:t>, </a:t>
-            </a:r>
-            <a:r>
-              <a:rPr lang="ko-KR" altLang="en-US" dirty="0" smtClean="0">
-                <a:latin typeface="나눔스퀘어 Bold" panose="020B0600000101010101" pitchFamily="50" charset="-127"/>
-                <a:ea typeface="나눔스퀘어 Bold" panose="020B0600000101010101" pitchFamily="50" charset="-127"/>
-              </a:rPr>
-              <a:t>아레나 </a:t>
-            </a:r>
-            <a:r>
-              <a:rPr lang="ko-KR" altLang="en-US" dirty="0" err="1" smtClean="0">
-                <a:latin typeface="나눔스퀘어 Bold" panose="020B0600000101010101" pitchFamily="50" charset="-127"/>
-                <a:ea typeface="나눔스퀘어 Bold" panose="020B0600000101010101" pitchFamily="50" charset="-127"/>
-              </a:rPr>
-              <a:t>방덱에서</a:t>
-            </a:r>
-            <a:r>
-              <a:rPr lang="ko-KR" altLang="en-US" dirty="0" smtClean="0">
-                <a:latin typeface="나눔스퀘어 Bold" panose="020B0600000101010101" pitchFamily="50" charset="-127"/>
-                <a:ea typeface="나눔스퀘어 Bold" panose="020B0600000101010101" pitchFamily="50" charset="-127"/>
-              </a:rPr>
-              <a:t> 기용이 많이 </a:t>
-            </a:r>
-            <a:r>
-              <a:rPr lang="ko-KR" altLang="en-US" dirty="0" err="1" smtClean="0">
-                <a:latin typeface="나눔스퀘어 Bold" panose="020B0600000101010101" pitchFamily="50" charset="-127"/>
-                <a:ea typeface="나눔스퀘어 Bold" panose="020B0600000101010101" pitchFamily="50" charset="-127"/>
-              </a:rPr>
-              <a:t>될것으로</a:t>
-            </a:r>
-            <a:r>
-              <a:rPr lang="ko-KR" altLang="en-US" dirty="0" smtClean="0">
-                <a:latin typeface="나눔스퀘어 Bold" panose="020B0600000101010101" pitchFamily="50" charset="-127"/>
-                <a:ea typeface="나눔스퀘어 Bold" panose="020B0600000101010101" pitchFamily="50" charset="-127"/>
-              </a:rPr>
-              <a:t> 예상</a:t>
-            </a:r>
-            <a:endParaRPr lang="ko-KR" altLang="en-US" dirty="0">
-              <a:latin typeface="나눔스퀘어 Bold" panose="020B0600000101010101" pitchFamily="50" charset="-127"/>
-              <a:ea typeface="나눔스퀘어 Bold" panose="020B0600000101010101" pitchFamily="50" charset="-127"/>
-            </a:endParaRPr>
+              <a:t>기존 탱커 군 분석</a:t>
+            </a:r>
           </a:p>
         </p:txBody>
       </p:sp>
@@ -6389,6 +7280,14 @@
 <file path=ppt/slides/slide5.xml><?xml version="1.0" encoding="utf-8"?>
 <p:sld xmlns:a="http://schemas.openxmlformats.org/drawingml/2006/main" xmlns:r="http://schemas.openxmlformats.org/officeDocument/2006/relationships" xmlns:p="http://schemas.openxmlformats.org/presentationml/2006/main">
   <p:cSld>
+    <p:bg>
+      <p:bgPr>
+        <a:solidFill>
+          <a:schemeClr val="tx1"/>
+        </a:solidFill>
+        <a:effectLst/>
+      </p:bgPr>
+    </p:bg>
     <p:spTree>
       <p:nvGrpSpPr>
         <p:cNvPr id="1" name=""/>
@@ -6403,47 +7302,6 @@
           <a:chExt cx="0" cy="0"/>
         </a:xfrm>
       </p:grpSpPr>
-      <p:sp>
-        <p:nvSpPr>
-          <p:cNvPr id="3" name="TextBox 2"/>
-          <p:cNvSpPr txBox="1"/>
-          <p:nvPr/>
-        </p:nvSpPr>
-        <p:spPr>
-          <a:xfrm>
-            <a:off x="555476" y="333286"/>
-            <a:ext cx="3179035" cy="467885"/>
-          </a:xfrm>
-          <a:prstGeom prst="rect">
-            <a:avLst/>
-          </a:prstGeom>
-          <a:noFill/>
-        </p:spPr>
-        <p:txBody>
-          <a:bodyPr wrap="square" rtlCol="0">
-            <a:spAutoFit/>
-          </a:bodyPr>
-          <a:lstStyle/>
-          <a:p>
-            <a:pPr>
-              <a:lnSpc>
-                <a:spcPct val="150000"/>
-              </a:lnSpc>
-            </a:pPr>
-            <a:r>
-              <a:rPr lang="ko-KR" altLang="en-US" dirty="0" smtClean="0">
-                <a:latin typeface="나눔스퀘어 Bold" panose="020B0600000101010101" pitchFamily="50" charset="-127"/>
-                <a:ea typeface="나눔스퀘어 Bold" panose="020B0600000101010101" pitchFamily="50" charset="-127"/>
-              </a:rPr>
-              <a:t>신규 캐릭터 외형 모티브</a:t>
-            </a:r>
-            <a:endParaRPr lang="ko-KR" altLang="en-US" dirty="0">
-              <a:latin typeface="나눔스퀘어 Bold" panose="020B0600000101010101" pitchFamily="50" charset="-127"/>
-              <a:ea typeface="나눔스퀘어 Bold" panose="020B0600000101010101" pitchFamily="50" charset="-127"/>
-            </a:endParaRPr>
-          </a:p>
-        </p:txBody>
-      </p:sp>
       <p:pic>
         <p:nvPicPr>
           <p:cNvPr id="4" name="그림 3"/>
@@ -6502,13 +7360,19 @@
               </a:lnSpc>
             </a:pPr>
             <a:r>
-              <a:rPr lang="ko-KR" altLang="en-US" dirty="0" smtClean="0">
+              <a:rPr lang="ko-KR" altLang="en-US" dirty="0">
+                <a:solidFill>
+                  <a:schemeClr val="bg1"/>
+                </a:solidFill>
                 <a:latin typeface="나눔스퀘어 Bold" panose="020B0600000101010101" pitchFamily="50" charset="-127"/>
                 <a:ea typeface="나눔스퀘어 Bold" panose="020B0600000101010101" pitchFamily="50" charset="-127"/>
               </a:rPr>
               <a:t>육체적으로 강력해 보이는 외모</a:t>
             </a:r>
-            <a:endParaRPr lang="en-US" altLang="ko-KR" dirty="0" smtClean="0">
+            <a:endParaRPr lang="en-US" altLang="ko-KR" dirty="0">
+              <a:solidFill>
+                <a:schemeClr val="bg1"/>
+              </a:solidFill>
               <a:latin typeface="나눔스퀘어 Bold" panose="020B0600000101010101" pitchFamily="50" charset="-127"/>
               <a:ea typeface="나눔스퀘어 Bold" panose="020B0600000101010101" pitchFamily="50" charset="-127"/>
             </a:endParaRPr>
@@ -6520,13 +7384,19 @@
               </a:lnSpc>
             </a:pPr>
             <a:r>
-              <a:rPr lang="ko-KR" altLang="en-US" dirty="0" smtClean="0">
+              <a:rPr lang="ko-KR" altLang="en-US" dirty="0">
+                <a:solidFill>
+                  <a:schemeClr val="bg1"/>
+                </a:solidFill>
                 <a:latin typeface="나눔스퀘어 Bold" panose="020B0600000101010101" pitchFamily="50" charset="-127"/>
                 <a:ea typeface="나눔스퀘어 Bold" panose="020B0600000101010101" pitchFamily="50" charset="-127"/>
               </a:rPr>
               <a:t>엄청난 근육</a:t>
             </a:r>
-            <a:endParaRPr lang="en-US" altLang="ko-KR" dirty="0" smtClean="0">
+            <a:endParaRPr lang="en-US" altLang="ko-KR" dirty="0">
+              <a:solidFill>
+                <a:schemeClr val="bg1"/>
+              </a:solidFill>
               <a:latin typeface="나눔스퀘어 Bold" panose="020B0600000101010101" pitchFamily="50" charset="-127"/>
               <a:ea typeface="나눔스퀘어 Bold" panose="020B0600000101010101" pitchFamily="50" charset="-127"/>
             </a:endParaRPr>
@@ -6537,7 +7407,10 @@
                 <a:spcPct val="150000"/>
               </a:lnSpc>
             </a:pPr>
-            <a:endParaRPr lang="en-US" altLang="ko-KR" dirty="0" smtClean="0">
+            <a:endParaRPr lang="en-US" altLang="ko-KR" dirty="0">
+              <a:solidFill>
+                <a:schemeClr val="bg1"/>
+              </a:solidFill>
               <a:latin typeface="나눔스퀘어 Bold" panose="020B0600000101010101" pitchFamily="50" charset="-127"/>
               <a:ea typeface="나눔스퀘어 Bold" panose="020B0600000101010101" pitchFamily="50" charset="-127"/>
             </a:endParaRPr>
@@ -6549,13 +7422,19 @@
               </a:lnSpc>
             </a:pPr>
             <a:r>
-              <a:rPr lang="ko-KR" altLang="en-US" dirty="0" smtClean="0">
+              <a:rPr lang="ko-KR" altLang="en-US" dirty="0">
+                <a:solidFill>
+                  <a:schemeClr val="bg1"/>
+                </a:solidFill>
                 <a:latin typeface="나눔스퀘어 Bold" panose="020B0600000101010101" pitchFamily="50" charset="-127"/>
                 <a:ea typeface="나눔스퀘어 Bold" panose="020B0600000101010101" pitchFamily="50" charset="-127"/>
               </a:rPr>
               <a:t>하지만 동료들에게는 상냥하고</a:t>
             </a:r>
-            <a:endParaRPr lang="en-US" altLang="ko-KR" dirty="0" smtClean="0">
+            <a:endParaRPr lang="en-US" altLang="ko-KR" dirty="0">
+              <a:solidFill>
+                <a:schemeClr val="bg1"/>
+              </a:solidFill>
               <a:latin typeface="나눔스퀘어 Bold" panose="020B0600000101010101" pitchFamily="50" charset="-127"/>
               <a:ea typeface="나눔스퀘어 Bold" panose="020B0600000101010101" pitchFamily="50" charset="-127"/>
             </a:endParaRPr>
@@ -6567,13 +7446,19 @@
               </a:lnSpc>
             </a:pPr>
             <a:r>
-              <a:rPr lang="ko-KR" altLang="en-US" dirty="0" smtClean="0">
+              <a:rPr lang="ko-KR" altLang="en-US" dirty="0">
+                <a:solidFill>
+                  <a:schemeClr val="bg1"/>
+                </a:solidFill>
                 <a:latin typeface="나눔스퀘어 Bold" panose="020B0600000101010101" pitchFamily="50" charset="-127"/>
                 <a:ea typeface="나눔스퀘어 Bold" panose="020B0600000101010101" pitchFamily="50" charset="-127"/>
               </a:rPr>
               <a:t>재미있으며 믿을 수 있는 동료</a:t>
             </a:r>
             <a:endParaRPr lang="en-US" altLang="ko-KR" dirty="0">
+              <a:solidFill>
+                <a:schemeClr val="bg1"/>
+              </a:solidFill>
               <a:latin typeface="나눔스퀘어 Bold" panose="020B0600000101010101" pitchFamily="50" charset="-127"/>
               <a:ea typeface="나눔스퀘어 Bold" panose="020B0600000101010101" pitchFamily="50" charset="-127"/>
             </a:endParaRPr>
@@ -6584,7 +7469,10 @@
                 <a:spcPct val="150000"/>
               </a:lnSpc>
             </a:pPr>
-            <a:endParaRPr lang="en-US" altLang="ko-KR" dirty="0" smtClean="0">
+            <a:endParaRPr lang="en-US" altLang="ko-KR" dirty="0">
+              <a:solidFill>
+                <a:schemeClr val="bg1"/>
+              </a:solidFill>
               <a:latin typeface="나눔스퀘어 Bold" panose="020B0600000101010101" pitchFamily="50" charset="-127"/>
               <a:ea typeface="나눔스퀘어 Bold" panose="020B0600000101010101" pitchFamily="50" charset="-127"/>
             </a:endParaRPr>
@@ -6596,13 +7484,19 @@
               </a:lnSpc>
             </a:pPr>
             <a:r>
-              <a:rPr lang="ko-KR" altLang="en-US" dirty="0" smtClean="0">
+              <a:rPr lang="ko-KR" altLang="en-US" dirty="0">
+                <a:solidFill>
+                  <a:schemeClr val="bg1"/>
+                </a:solidFill>
                 <a:latin typeface="나눔스퀘어 Bold" panose="020B0600000101010101" pitchFamily="50" charset="-127"/>
                 <a:ea typeface="나눔스퀘어 Bold" panose="020B0600000101010101" pitchFamily="50" charset="-127"/>
               </a:rPr>
               <a:t>근육 자랑하는 것을 좋아함</a:t>
             </a:r>
-            <a:endParaRPr lang="en-US" altLang="ko-KR" dirty="0" smtClean="0">
+            <a:endParaRPr lang="en-US" altLang="ko-KR" dirty="0">
+              <a:solidFill>
+                <a:schemeClr val="bg1"/>
+              </a:solidFill>
               <a:latin typeface="나눔스퀘어 Bold" panose="020B0600000101010101" pitchFamily="50" charset="-127"/>
               <a:ea typeface="나눔스퀘어 Bold" panose="020B0600000101010101" pitchFamily="50" charset="-127"/>
             </a:endParaRPr>
@@ -6614,44 +7508,55 @@
               </a:lnSpc>
             </a:pPr>
             <a:r>
-              <a:rPr lang="en-US" altLang="ko-KR" dirty="0" smtClean="0">
+              <a:rPr lang="en-US" altLang="ko-KR" dirty="0">
+                <a:solidFill>
+                  <a:schemeClr val="bg1"/>
+                </a:solidFill>
                 <a:latin typeface="나눔스퀘어 Bold" panose="020B0600000101010101" pitchFamily="50" charset="-127"/>
                 <a:ea typeface="나눔스퀘어 Bold" panose="020B0600000101010101" pitchFamily="50" charset="-127"/>
               </a:rPr>
               <a:t>(</a:t>
             </a:r>
             <a:r>
-              <a:rPr lang="ko-KR" altLang="en-US" dirty="0" smtClean="0">
+              <a:rPr lang="ko-KR" altLang="en-US" dirty="0">
+                <a:solidFill>
+                  <a:schemeClr val="bg1"/>
+                </a:solidFill>
                 <a:latin typeface="나눔스퀘어 Bold" panose="020B0600000101010101" pitchFamily="50" charset="-127"/>
                 <a:ea typeface="나눔스퀘어 Bold" panose="020B0600000101010101" pitchFamily="50" charset="-127"/>
               </a:rPr>
               <a:t>보디 </a:t>
             </a:r>
             <a:r>
-              <a:rPr lang="ko-KR" altLang="en-US" dirty="0" err="1" smtClean="0">
+              <a:rPr lang="ko-KR" altLang="en-US" dirty="0" err="1">
+                <a:solidFill>
+                  <a:schemeClr val="bg1"/>
+                </a:solidFill>
                 <a:latin typeface="나눔스퀘어 Bold" panose="020B0600000101010101" pitchFamily="50" charset="-127"/>
                 <a:ea typeface="나눔스퀘어 Bold" panose="020B0600000101010101" pitchFamily="50" charset="-127"/>
               </a:rPr>
               <a:t>빌더</a:t>
             </a:r>
             <a:r>
-              <a:rPr lang="ko-KR" altLang="en-US" dirty="0" smtClean="0">
+              <a:rPr lang="ko-KR" altLang="en-US" dirty="0">
+                <a:solidFill>
+                  <a:schemeClr val="bg1"/>
+                </a:solidFill>
                 <a:latin typeface="나눔스퀘어 Bold" panose="020B0600000101010101" pitchFamily="50" charset="-127"/>
                 <a:ea typeface="나눔스퀘어 Bold" panose="020B0600000101010101" pitchFamily="50" charset="-127"/>
               </a:rPr>
               <a:t> 포즈</a:t>
             </a:r>
             <a:r>
-              <a:rPr lang="en-US" altLang="ko-KR" dirty="0" smtClean="0">
+              <a:rPr lang="en-US" altLang="ko-KR" dirty="0">
+                <a:solidFill>
+                  <a:schemeClr val="bg1"/>
+                </a:solidFill>
                 <a:latin typeface="나눔스퀘어 Bold" panose="020B0600000101010101" pitchFamily="50" charset="-127"/>
                 <a:ea typeface="나눔스퀘어 Bold" panose="020B0600000101010101" pitchFamily="50" charset="-127"/>
               </a:rPr>
               <a:t>)</a:t>
             </a:r>
-            <a:endParaRPr lang="en-US" altLang="ko-KR" dirty="0">
-              <a:latin typeface="나눔스퀘어 Bold" panose="020B0600000101010101" pitchFamily="50" charset="-127"/>
-              <a:ea typeface="나눔스퀘어 Bold" panose="020B0600000101010101" pitchFamily="50" charset="-127"/>
-            </a:endParaRPr>
           </a:p>
           <a:p>
             <a:pPr>
@@ -6659,7 +7564,10 @@
                 <a:spcPct val="150000"/>
               </a:lnSpc>
             </a:pPr>
-            <a:endParaRPr lang="en-US" altLang="ko-KR" dirty="0" smtClean="0">
+            <a:endParaRPr lang="en-US" altLang="ko-KR" dirty="0">
+              <a:solidFill>
+                <a:schemeClr val="bg1"/>
+              </a:solidFill>
               <a:latin typeface="나눔스퀘어 Bold" panose="020B0600000101010101" pitchFamily="50" charset="-127"/>
               <a:ea typeface="나눔스퀘어 Bold" panose="020B0600000101010101" pitchFamily="50" charset="-127"/>
             </a:endParaRPr>
@@ -6671,13 +7579,19 @@
               </a:lnSpc>
             </a:pPr>
             <a:r>
-              <a:rPr lang="ko-KR" altLang="en-US" dirty="0" smtClean="0">
+              <a:rPr lang="ko-KR" altLang="en-US" dirty="0">
+                <a:solidFill>
+                  <a:schemeClr val="bg1"/>
+                </a:solidFill>
                 <a:latin typeface="나눔스퀘어 Bold" panose="020B0600000101010101" pitchFamily="50" charset="-127"/>
                 <a:ea typeface="나눔스퀘어 Bold" panose="020B0600000101010101" pitchFamily="50" charset="-127"/>
               </a:rPr>
               <a:t>상체는 탈의</a:t>
             </a:r>
-            <a:endParaRPr lang="en-US" altLang="ko-KR" dirty="0" smtClean="0">
+            <a:endParaRPr lang="en-US" altLang="ko-KR" dirty="0">
+              <a:solidFill>
+                <a:schemeClr val="bg1"/>
+              </a:solidFill>
               <a:latin typeface="나눔스퀘어 Bold" panose="020B0600000101010101" pitchFamily="50" charset="-127"/>
               <a:ea typeface="나눔스퀘어 Bold" panose="020B0600000101010101" pitchFamily="50" charset="-127"/>
             </a:endParaRPr>
@@ -6689,13 +7603,19 @@
               </a:lnSpc>
             </a:pPr>
             <a:r>
-              <a:rPr lang="ko-KR" altLang="en-US" dirty="0" smtClean="0">
+              <a:rPr lang="ko-KR" altLang="en-US" dirty="0">
+                <a:solidFill>
+                  <a:schemeClr val="bg1"/>
+                </a:solidFill>
                 <a:latin typeface="나눔스퀘어 Bold" panose="020B0600000101010101" pitchFamily="50" charset="-127"/>
                 <a:ea typeface="나눔스퀘어 Bold" panose="020B0600000101010101" pitchFamily="50" charset="-127"/>
               </a:rPr>
               <a:t>하의는 군복을 입고 있는 형태</a:t>
             </a:r>
-            <a:endParaRPr lang="en-US" altLang="ko-KR" dirty="0" smtClean="0">
+            <a:endParaRPr lang="en-US" altLang="ko-KR" dirty="0">
+              <a:solidFill>
+                <a:schemeClr val="bg1"/>
+              </a:solidFill>
               <a:latin typeface="나눔스퀘어 Bold" panose="020B0600000101010101" pitchFamily="50" charset="-127"/>
               <a:ea typeface="나눔스퀘어 Bold" panose="020B0600000101010101" pitchFamily="50" charset="-127"/>
             </a:endParaRPr>
@@ -6743,6 +7663,115 @@
           </a:extLst>
         </p:spPr>
       </p:pic>
+      <p:sp>
+        <p:nvSpPr>
+          <p:cNvPr id="6" name="직사각형 5">
+            <a:extLst>
+              <a:ext uri="{FF2B5EF4-FFF2-40B4-BE49-F238E27FC236}">
+                <a16:creationId xmlns:a16="http://schemas.microsoft.com/office/drawing/2014/main" id="{DDEB7EA2-24C3-436B-AAB5-82C2546290E5}"/>
+              </a:ext>
+            </a:extLst>
+          </p:cNvPr>
+          <p:cNvSpPr/>
+          <p:nvPr/>
+        </p:nvSpPr>
+        <p:spPr>
+          <a:xfrm>
+            <a:off x="0" y="0"/>
+            <a:ext cx="561975" cy="561975"/>
+          </a:xfrm>
+          <a:prstGeom prst="rect">
+            <a:avLst/>
+          </a:prstGeom>
+          <a:solidFill>
+            <a:schemeClr val="bg1"/>
+          </a:solidFill>
+          <a:ln>
+            <a:noFill/>
+          </a:ln>
+        </p:spPr>
+        <p:style>
+          <a:lnRef idx="2">
+            <a:schemeClr val="accent1">
+              <a:shade val="50000"/>
+            </a:schemeClr>
+          </a:lnRef>
+          <a:fillRef idx="1">
+            <a:schemeClr val="accent1"/>
+          </a:fillRef>
+          <a:effectRef idx="0">
+            <a:schemeClr val="accent1"/>
+          </a:effectRef>
+          <a:fontRef idx="minor">
+            <a:schemeClr val="lt1"/>
+          </a:fontRef>
+        </p:style>
+        <p:txBody>
+          <a:bodyPr rtlCol="0" anchor="ctr"/>
+          <a:lstStyle/>
+          <a:p>
+            <a:pPr algn="ctr"/>
+            <a:r>
+              <a:rPr lang="en-US" altLang="ko-KR" dirty="0">
+                <a:solidFill>
+                  <a:schemeClr val="tx1"/>
+                </a:solidFill>
+                <a:latin typeface="나눔스퀘어 ExtraBold" panose="020B0600000101010101" pitchFamily="50" charset="-127"/>
+                <a:ea typeface="나눔스퀘어 ExtraBold" panose="020B0600000101010101" pitchFamily="50" charset="-127"/>
+              </a:rPr>
+              <a:t>4</a:t>
+            </a:r>
+            <a:endParaRPr lang="ko-KR" altLang="en-US" dirty="0">
+              <a:solidFill>
+                <a:schemeClr val="tx1"/>
+              </a:solidFill>
+              <a:latin typeface="나눔스퀘어 ExtraBold" panose="020B0600000101010101" pitchFamily="50" charset="-127"/>
+              <a:ea typeface="나눔스퀘어 ExtraBold" panose="020B0600000101010101" pitchFamily="50" charset="-127"/>
+            </a:endParaRPr>
+          </a:p>
+        </p:txBody>
+      </p:sp>
+      <p:sp>
+        <p:nvSpPr>
+          <p:cNvPr id="7" name="TextBox 6">
+            <a:extLst>
+              <a:ext uri="{FF2B5EF4-FFF2-40B4-BE49-F238E27FC236}">
+                <a16:creationId xmlns:a16="http://schemas.microsoft.com/office/drawing/2014/main" id="{7AFA022F-1E32-4CA0-AFB5-9913C7C5063B}"/>
+              </a:ext>
+            </a:extLst>
+          </p:cNvPr>
+          <p:cNvSpPr txBox="1"/>
+          <p:nvPr/>
+        </p:nvSpPr>
+        <p:spPr>
+          <a:xfrm>
+            <a:off x="561975" y="96321"/>
+            <a:ext cx="3114675" cy="369332"/>
+          </a:xfrm>
+          <a:prstGeom prst="rect">
+            <a:avLst/>
+          </a:prstGeom>
+          <a:noFill/>
+        </p:spPr>
+        <p:txBody>
+          <a:bodyPr wrap="square" rtlCol="0" anchor="t">
+            <a:spAutoFit/>
+          </a:bodyPr>
+          <a:lstStyle/>
+          <a:p>
+            <a:r>
+              <a:rPr lang="ko-KR" altLang="en-US" dirty="0">
+                <a:solidFill>
+                  <a:schemeClr val="bg1"/>
+                </a:solidFill>
+                <a:latin typeface="나눔스퀘어 Bold" panose="020B0600000101010101" pitchFamily="50" charset="-127"/>
+                <a:ea typeface="나눔스퀘어 Bold" panose="020B0600000101010101" pitchFamily="50" charset="-127"/>
+              </a:rPr>
+              <a:t>신규 캐릭터 외형 모티브</a:t>
+            </a:r>
+          </a:p>
+        </p:txBody>
+      </p:sp>
     </p:spTree>
     <p:extLst>
       <p:ext uri="{BB962C8B-B14F-4D97-AF65-F5344CB8AC3E}">
@@ -6759,6 +7788,14 @@
 <file path=ppt/slides/slide6.xml><?xml version="1.0" encoding="utf-8"?>
 <p:sld xmlns:a="http://schemas.openxmlformats.org/drawingml/2006/main" xmlns:r="http://schemas.openxmlformats.org/officeDocument/2006/relationships" xmlns:p="http://schemas.openxmlformats.org/presentationml/2006/main">
   <p:cSld>
+    <p:bg>
+      <p:bgPr>
+        <a:solidFill>
+          <a:schemeClr val="tx1"/>
+        </a:solidFill>
+        <a:effectLst/>
+      </p:bgPr>
+    </p:bg>
     <p:spTree>
       <p:nvGrpSpPr>
         <p:cNvPr id="1" name=""/>
@@ -6773,47 +7810,6 @@
           <a:chExt cx="0" cy="0"/>
         </a:xfrm>
       </p:grpSpPr>
-      <p:sp>
-        <p:nvSpPr>
-          <p:cNvPr id="3" name="TextBox 2"/>
-          <p:cNvSpPr txBox="1"/>
-          <p:nvPr/>
-        </p:nvSpPr>
-        <p:spPr>
-          <a:xfrm>
-            <a:off x="555477" y="333286"/>
-            <a:ext cx="2521009" cy="467885"/>
-          </a:xfrm>
-          <a:prstGeom prst="rect">
-            <a:avLst/>
-          </a:prstGeom>
-          <a:noFill/>
-        </p:spPr>
-        <p:txBody>
-          <a:bodyPr wrap="square" rtlCol="0">
-            <a:spAutoFit/>
-          </a:bodyPr>
-          <a:lstStyle/>
-          <a:p>
-            <a:pPr>
-              <a:lnSpc>
-                <a:spcPct val="150000"/>
-              </a:lnSpc>
-            </a:pPr>
-            <a:r>
-              <a:rPr lang="ko-KR" altLang="en-US" dirty="0" smtClean="0">
-                <a:latin typeface="나눔스퀘어 Bold" panose="020B0600000101010101" pitchFamily="50" charset="-127"/>
-                <a:ea typeface="나눔스퀘어 Bold" panose="020B0600000101010101" pitchFamily="50" charset="-127"/>
-              </a:rPr>
-              <a:t>신규 캐릭터 성격 모티브</a:t>
-            </a:r>
-            <a:endParaRPr lang="ko-KR" altLang="en-US" dirty="0">
-              <a:latin typeface="나눔스퀘어 Bold" panose="020B0600000101010101" pitchFamily="50" charset="-127"/>
-              <a:ea typeface="나눔스퀘어 Bold" panose="020B0600000101010101" pitchFamily="50" charset="-127"/>
-            </a:endParaRPr>
-          </a:p>
-        </p:txBody>
-      </p:sp>
       <p:pic>
         <p:nvPicPr>
           <p:cNvPr id="6146" name="Picture 2" descr="Ichigo Kurosaki"/>
@@ -6864,7 +7860,7 @@
         <p:spPr>
           <a:xfrm>
             <a:off x="863125" y="1606680"/>
-            <a:ext cx="3486684" cy="1298882"/>
+            <a:ext cx="3486684" cy="923330"/>
           </a:xfrm>
           <a:prstGeom prst="rect">
             <a:avLst/>
@@ -6877,40 +7873,151 @@
           </a:bodyPr>
           <a:lstStyle/>
           <a:p>
-            <a:pPr>
-              <a:lnSpc>
-                <a:spcPct val="150000"/>
-              </a:lnSpc>
-            </a:pPr>
-            <a:r>
-              <a:rPr lang="ko-KR" altLang="en-US" dirty="0" smtClean="0">
+            <a:r>
+              <a:rPr lang="ko-KR" altLang="en-US" dirty="0">
+                <a:solidFill>
+                  <a:schemeClr val="bg1"/>
+                </a:solidFill>
                 <a:latin typeface="나눔스퀘어 Bold" panose="020B0600000101010101" pitchFamily="50" charset="-127"/>
                 <a:ea typeface="나눔스퀘어 Bold" panose="020B0600000101010101" pitchFamily="50" charset="-127"/>
               </a:rPr>
               <a:t>자신의 동료를 지키기 위해</a:t>
             </a:r>
-            <a:endParaRPr lang="en-US" altLang="ko-KR" dirty="0" smtClean="0">
+            <a:endParaRPr lang="en-US" altLang="ko-KR" dirty="0">
+              <a:solidFill>
+                <a:schemeClr val="bg1"/>
+              </a:solidFill>
               <a:latin typeface="나눔스퀘어 Bold" panose="020B0600000101010101" pitchFamily="50" charset="-127"/>
               <a:ea typeface="나눔스퀘어 Bold" panose="020B0600000101010101" pitchFamily="50" charset="-127"/>
             </a:endParaRPr>
           </a:p>
           <a:p>
-            <a:pPr>
-              <a:lnSpc>
-                <a:spcPct val="150000"/>
-              </a:lnSpc>
-            </a:pPr>
-            <a:r>
-              <a:rPr lang="ko-KR" altLang="en-US" dirty="0" smtClean="0">
+            <a:r>
+              <a:rPr lang="ko-KR" altLang="en-US" dirty="0">
+                <a:solidFill>
+                  <a:schemeClr val="bg1"/>
+                </a:solidFill>
                 <a:latin typeface="나눔스퀘어 Bold" panose="020B0600000101010101" pitchFamily="50" charset="-127"/>
                 <a:ea typeface="나눔스퀘어 Bold" panose="020B0600000101010101" pitchFamily="50" charset="-127"/>
               </a:rPr>
               <a:t>무모할 정도로 모든 것을 포기 할 수 있는 성격</a:t>
             </a:r>
-            <a:endParaRPr lang="en-US" altLang="ko-KR" dirty="0" smtClean="0">
+            <a:endParaRPr lang="en-US" altLang="ko-KR" dirty="0">
+              <a:solidFill>
+                <a:schemeClr val="bg1"/>
+              </a:solidFill>
               <a:latin typeface="나눔스퀘어 Bold" panose="020B0600000101010101" pitchFamily="50" charset="-127"/>
               <a:ea typeface="나눔스퀘어 Bold" panose="020B0600000101010101" pitchFamily="50" charset="-127"/>
             </a:endParaRPr>
+          </a:p>
+        </p:txBody>
+      </p:sp>
+      <p:sp>
+        <p:nvSpPr>
+          <p:cNvPr id="6" name="직사각형 5">
+            <a:extLst>
+              <a:ext uri="{FF2B5EF4-FFF2-40B4-BE49-F238E27FC236}">
+                <a16:creationId xmlns:a16="http://schemas.microsoft.com/office/drawing/2014/main" id="{415A8FF6-AA21-4BA8-8F89-1FE77AC6D819}"/>
+              </a:ext>
+            </a:extLst>
+          </p:cNvPr>
+          <p:cNvSpPr/>
+          <p:nvPr/>
+        </p:nvSpPr>
+        <p:spPr>
+          <a:xfrm>
+            <a:off x="0" y="0"/>
+            <a:ext cx="561975" cy="561975"/>
+          </a:xfrm>
+          <a:prstGeom prst="rect">
+            <a:avLst/>
+          </a:prstGeom>
+          <a:solidFill>
+            <a:schemeClr val="bg1"/>
+          </a:solidFill>
+          <a:ln>
+            <a:noFill/>
+          </a:ln>
+        </p:spPr>
+        <p:style>
+          <a:lnRef idx="2">
+            <a:schemeClr val="accent1">
+              <a:shade val="50000"/>
+            </a:schemeClr>
+          </a:lnRef>
+          <a:fillRef idx="1">
+            <a:schemeClr val="accent1"/>
+          </a:fillRef>
+          <a:effectRef idx="0">
+            <a:schemeClr val="accent1"/>
+          </a:effectRef>
+          <a:fontRef idx="minor">
+            <a:schemeClr val="lt1"/>
+          </a:fontRef>
+        </p:style>
+        <p:txBody>
+          <a:bodyPr rtlCol="0" anchor="ctr"/>
+          <a:lstStyle/>
+          <a:p>
+            <a:pPr algn="ctr"/>
+            <a:r>
+              <a:rPr lang="en-US" altLang="ko-KR" dirty="0">
+                <a:solidFill>
+                  <a:schemeClr val="tx1"/>
+                </a:solidFill>
+                <a:latin typeface="나눔스퀘어 ExtraBold" panose="020B0600000101010101" pitchFamily="50" charset="-127"/>
+                <a:ea typeface="나눔스퀘어 ExtraBold" panose="020B0600000101010101" pitchFamily="50" charset="-127"/>
+              </a:rPr>
+              <a:t>5</a:t>
+            </a:r>
+            <a:endParaRPr lang="ko-KR" altLang="en-US" dirty="0">
+              <a:solidFill>
+                <a:schemeClr val="tx1"/>
+              </a:solidFill>
+              <a:latin typeface="나눔스퀘어 ExtraBold" panose="020B0600000101010101" pitchFamily="50" charset="-127"/>
+              <a:ea typeface="나눔스퀘어 ExtraBold" panose="020B0600000101010101" pitchFamily="50" charset="-127"/>
+            </a:endParaRPr>
+          </a:p>
+        </p:txBody>
+      </p:sp>
+      <p:sp>
+        <p:nvSpPr>
+          <p:cNvPr id="7" name="TextBox 6">
+            <a:extLst>
+              <a:ext uri="{FF2B5EF4-FFF2-40B4-BE49-F238E27FC236}">
+                <a16:creationId xmlns:a16="http://schemas.microsoft.com/office/drawing/2014/main" id="{11DA30C3-C731-4072-B98F-038B75791591}"/>
+              </a:ext>
+            </a:extLst>
+          </p:cNvPr>
+          <p:cNvSpPr txBox="1"/>
+          <p:nvPr/>
+        </p:nvSpPr>
+        <p:spPr>
+          <a:xfrm>
+            <a:off x="561975" y="96321"/>
+            <a:ext cx="3114675" cy="369332"/>
+          </a:xfrm>
+          <a:prstGeom prst="rect">
+            <a:avLst/>
+          </a:prstGeom>
+          <a:noFill/>
+        </p:spPr>
+        <p:txBody>
+          <a:bodyPr wrap="square" rtlCol="0" anchor="t">
+            <a:spAutoFit/>
+          </a:bodyPr>
+          <a:lstStyle/>
+          <a:p>
+            <a:r>
+              <a:rPr lang="ko-KR" altLang="en-US" dirty="0">
+                <a:solidFill>
+                  <a:schemeClr val="bg1"/>
+                </a:solidFill>
+                <a:latin typeface="나눔스퀘어 Bold" panose="020B0600000101010101" pitchFamily="50" charset="-127"/>
+                <a:ea typeface="나눔스퀘어 Bold" panose="020B0600000101010101" pitchFamily="50" charset="-127"/>
+              </a:rPr>
+              <a:t>신규 캐릭터 성격 모티브</a:t>
+            </a:r>
           </a:p>
         </p:txBody>
       </p:sp>
@@ -6930,6 +8037,14 @@
 <file path=ppt/slides/slide7.xml><?xml version="1.0" encoding="utf-8"?>
 <p:sld xmlns:a="http://schemas.openxmlformats.org/drawingml/2006/main" xmlns:r="http://schemas.openxmlformats.org/officeDocument/2006/relationships" xmlns:p="http://schemas.openxmlformats.org/presentationml/2006/main">
   <p:cSld>
+    <p:bg>
+      <p:bgPr>
+        <a:solidFill>
+          <a:schemeClr val="tx1"/>
+        </a:solidFill>
+        <a:effectLst/>
+      </p:bgPr>
+    </p:bg>
     <p:spTree>
       <p:nvGrpSpPr>
         <p:cNvPr id="1" name=""/>
@@ -6946,14 +8061,88 @@
       </p:grpSpPr>
       <p:sp>
         <p:nvSpPr>
-          <p:cNvPr id="3" name="TextBox 2"/>
+          <p:cNvPr id="4" name="직사각형 3">
+            <a:extLst>
+              <a:ext uri="{FF2B5EF4-FFF2-40B4-BE49-F238E27FC236}">
+                <a16:creationId xmlns:a16="http://schemas.microsoft.com/office/drawing/2014/main" id="{85EF37EE-5B1C-48D2-A856-D1B701573D11}"/>
+              </a:ext>
+            </a:extLst>
+          </p:cNvPr>
+          <p:cNvSpPr/>
+          <p:nvPr/>
+        </p:nvSpPr>
+        <p:spPr>
+          <a:xfrm>
+            <a:off x="0" y="0"/>
+            <a:ext cx="561975" cy="561975"/>
+          </a:xfrm>
+          <a:prstGeom prst="rect">
+            <a:avLst/>
+          </a:prstGeom>
+          <a:solidFill>
+            <a:schemeClr val="bg1"/>
+          </a:solidFill>
+          <a:ln>
+            <a:noFill/>
+          </a:ln>
+        </p:spPr>
+        <p:style>
+          <a:lnRef idx="2">
+            <a:schemeClr val="accent1">
+              <a:shade val="50000"/>
+            </a:schemeClr>
+          </a:lnRef>
+          <a:fillRef idx="1">
+            <a:schemeClr val="accent1"/>
+          </a:fillRef>
+          <a:effectRef idx="0">
+            <a:schemeClr val="accent1"/>
+          </a:effectRef>
+          <a:fontRef idx="minor">
+            <a:schemeClr val="lt1"/>
+          </a:fontRef>
+        </p:style>
+        <p:txBody>
+          <a:bodyPr rtlCol="0" anchor="ctr"/>
+          <a:lstStyle/>
+          <a:p>
+            <a:pPr algn="ctr"/>
+            <a:r>
+              <a:rPr lang="en-US" altLang="ko-KR" dirty="0">
+                <a:solidFill>
+                  <a:schemeClr val="tx1"/>
+                </a:solidFill>
+                <a:latin typeface="나눔스퀘어 ExtraBold" panose="020B0600000101010101" pitchFamily="50" charset="-127"/>
+                <a:ea typeface="나눔스퀘어 ExtraBold" panose="020B0600000101010101" pitchFamily="50" charset="-127"/>
+              </a:rPr>
+              <a:t>6</a:t>
+            </a:r>
+            <a:endParaRPr lang="ko-KR" altLang="en-US" dirty="0">
+              <a:solidFill>
+                <a:schemeClr val="tx1"/>
+              </a:solidFill>
+              <a:latin typeface="나눔스퀘어 ExtraBold" panose="020B0600000101010101" pitchFamily="50" charset="-127"/>
+              <a:ea typeface="나눔스퀘어 ExtraBold" panose="020B0600000101010101" pitchFamily="50" charset="-127"/>
+            </a:endParaRPr>
+          </a:p>
+        </p:txBody>
+      </p:sp>
+      <p:sp>
+        <p:nvSpPr>
+          <p:cNvPr id="5" name="TextBox 4">
+            <a:extLst>
+              <a:ext uri="{FF2B5EF4-FFF2-40B4-BE49-F238E27FC236}">
+                <a16:creationId xmlns:a16="http://schemas.microsoft.com/office/drawing/2014/main" id="{5C69A88F-319D-444E-815E-5080FB8C0D16}"/>
+              </a:ext>
+            </a:extLst>
+          </p:cNvPr>
           <p:cNvSpPr txBox="1"/>
           <p:nvPr/>
         </p:nvSpPr>
         <p:spPr>
           <a:xfrm>
-            <a:off x="555477" y="333286"/>
-            <a:ext cx="2521009" cy="369332"/>
+            <a:off x="561975" y="96321"/>
+            <a:ext cx="3114675" cy="369332"/>
           </a:xfrm>
           <a:prstGeom prst="rect">
             <a:avLst/>
@@ -6961,16 +8150,21 @@
           <a:noFill/>
         </p:spPr>
         <p:txBody>
-          <a:bodyPr wrap="square" rtlCol="0">
+          <a:bodyPr wrap="square" rtlCol="0" anchor="t">
             <a:spAutoFit/>
           </a:bodyPr>
           <a:lstStyle/>
           <a:p>
             <a:r>
-              <a:rPr lang="ko-KR" altLang="en-US" dirty="0" smtClean="0"/>
+              <a:rPr lang="ko-KR" altLang="en-US" dirty="0">
+                <a:solidFill>
+                  <a:schemeClr val="bg1"/>
+                </a:solidFill>
+                <a:latin typeface="나눔스퀘어 Bold" panose="020B0600000101010101" pitchFamily="50" charset="-127"/>
+                <a:ea typeface="나눔스퀘어 Bold" panose="020B0600000101010101" pitchFamily="50" charset="-127"/>
+              </a:rPr>
               <a:t>신규 캐릭터 외형</a:t>
             </a:r>
-            <a:endParaRPr lang="ko-KR" altLang="en-US" dirty="0"/>
           </a:p>
         </p:txBody>
       </p:sp>
@@ -6990,6 +8184,14 @@
 <file path=ppt/slides/slide8.xml><?xml version="1.0" encoding="utf-8"?>
 <p:sld xmlns:a="http://schemas.openxmlformats.org/drawingml/2006/main" xmlns:r="http://schemas.openxmlformats.org/officeDocument/2006/relationships" xmlns:p="http://schemas.openxmlformats.org/presentationml/2006/main">
   <p:cSld>
+    <p:bg>
+      <p:bgPr>
+        <a:solidFill>
+          <a:schemeClr val="tx1"/>
+        </a:solidFill>
+        <a:effectLst/>
+      </p:bgPr>
+    </p:bg>
     <p:spTree>
       <p:nvGrpSpPr>
         <p:cNvPr id="1" name=""/>
@@ -7006,54 +8208,6 @@
       </p:grpSpPr>
       <p:sp>
         <p:nvSpPr>
-          <p:cNvPr id="3" name="TextBox 2"/>
-          <p:cNvSpPr txBox="1"/>
-          <p:nvPr/>
-        </p:nvSpPr>
-        <p:spPr>
-          <a:xfrm>
-            <a:off x="555477" y="333286"/>
-            <a:ext cx="2521009" cy="467885"/>
-          </a:xfrm>
-          <a:prstGeom prst="rect">
-            <a:avLst/>
-          </a:prstGeom>
-          <a:noFill/>
-        </p:spPr>
-        <p:txBody>
-          <a:bodyPr wrap="square" rtlCol="0">
-            <a:spAutoFit/>
-          </a:bodyPr>
-          <a:lstStyle/>
-          <a:p>
-            <a:pPr>
-              <a:lnSpc>
-                <a:spcPct val="150000"/>
-              </a:lnSpc>
-            </a:pPr>
-            <a:r>
-              <a:rPr lang="ko-KR" altLang="en-US" dirty="0" smtClean="0">
-                <a:latin typeface="나눔스퀘어 Bold" panose="020B0600000101010101" pitchFamily="50" charset="-127"/>
-                <a:ea typeface="나눔스퀘어 Bold" panose="020B0600000101010101" pitchFamily="50" charset="-127"/>
-              </a:rPr>
-              <a:t>신규 캐릭터 </a:t>
-            </a:r>
-            <a:r>
-              <a:rPr lang="ko-KR" altLang="en-US" dirty="0" smtClean="0">
-                <a:latin typeface="나눔스퀘어 Bold" panose="020B0600000101010101" pitchFamily="50" charset="-127"/>
-                <a:ea typeface="나눔스퀘어 Bold" panose="020B0600000101010101" pitchFamily="50" charset="-127"/>
-              </a:rPr>
-              <a:t>스토리</a:t>
-            </a:r>
-            <a:endParaRPr lang="ko-KR" altLang="en-US" dirty="0">
-              <a:latin typeface="나눔스퀘어 Bold" panose="020B0600000101010101" pitchFamily="50" charset="-127"/>
-              <a:ea typeface="나눔스퀘어 Bold" panose="020B0600000101010101" pitchFamily="50" charset="-127"/>
-            </a:endParaRPr>
-          </a:p>
-        </p:txBody>
-      </p:sp>
-      <p:sp>
-        <p:nvSpPr>
           <p:cNvPr id="2" name="TextBox 1"/>
           <p:cNvSpPr txBox="1"/>
           <p:nvPr/>
@@ -7080,28 +8234,28 @@
               </a:lnSpc>
             </a:pPr>
             <a:r>
-              <a:rPr lang="ko-KR" altLang="en-US" dirty="0" smtClean="0">
+              <a:rPr lang="ko-KR" altLang="en-US" dirty="0">
                 <a:latin typeface="나눔스퀘어 Bold" panose="020B0600000101010101" pitchFamily="50" charset="-127"/>
                 <a:ea typeface="나눔스퀘어 Bold" panose="020B0600000101010101" pitchFamily="50" charset="-127"/>
               </a:rPr>
               <a:t>태어나자마자 버려져 전쟁터에서 자란 그는 전장이 집이었고</a:t>
             </a:r>
             <a:r>
-              <a:rPr lang="en-US" altLang="ko-KR" dirty="0" smtClean="0">
+              <a:rPr lang="en-US" altLang="ko-KR" dirty="0">
                 <a:latin typeface="나눔스퀘어 Bold" panose="020B0600000101010101" pitchFamily="50" charset="-127"/>
                 <a:ea typeface="나눔스퀘어 Bold" panose="020B0600000101010101" pitchFamily="50" charset="-127"/>
               </a:rPr>
               <a:t>, </a:t>
             </a:r>
             <a:r>
-              <a:rPr lang="ko-KR" altLang="en-US" dirty="0" smtClean="0">
+              <a:rPr lang="ko-KR" altLang="en-US" dirty="0">
                 <a:latin typeface="나눔스퀘어 Bold" panose="020B0600000101010101" pitchFamily="50" charset="-127"/>
                 <a:ea typeface="나눔스퀘어 Bold" panose="020B0600000101010101" pitchFamily="50" charset="-127"/>
               </a:rPr>
               <a:t>동료들이 가족이었다</a:t>
             </a:r>
             <a:r>
-              <a:rPr lang="en-US" altLang="ko-KR" dirty="0" smtClean="0">
+              <a:rPr lang="en-US" altLang="ko-KR" dirty="0">
                 <a:latin typeface="나눔스퀘어 Bold" panose="020B0600000101010101" pitchFamily="50" charset="-127"/>
                 <a:ea typeface="나눔스퀘어 Bold" panose="020B0600000101010101" pitchFamily="50" charset="-127"/>
               </a:rPr>
@@ -7115,28 +8269,28 @@
               </a:lnSpc>
             </a:pPr>
             <a:r>
-              <a:rPr lang="ko-KR" altLang="en-US" dirty="0" smtClean="0">
+              <a:rPr lang="ko-KR" altLang="en-US" dirty="0">
                 <a:latin typeface="나눔스퀘어 Bold" panose="020B0600000101010101" pitchFamily="50" charset="-127"/>
                 <a:ea typeface="나눔스퀘어 Bold" panose="020B0600000101010101" pitchFamily="50" charset="-127"/>
               </a:rPr>
               <a:t>하지만 가혹한 전장에서 살아남는 동료들은 극소수였고</a:t>
             </a:r>
             <a:r>
-              <a:rPr lang="en-US" altLang="ko-KR" dirty="0" smtClean="0">
+              <a:rPr lang="en-US" altLang="ko-KR" dirty="0">
                 <a:latin typeface="나눔스퀘어 Bold" panose="020B0600000101010101" pitchFamily="50" charset="-127"/>
                 <a:ea typeface="나눔스퀘어 Bold" panose="020B0600000101010101" pitchFamily="50" charset="-127"/>
               </a:rPr>
               <a:t>, </a:t>
             </a:r>
             <a:r>
-              <a:rPr lang="ko-KR" altLang="en-US" dirty="0" smtClean="0">
+              <a:rPr lang="ko-KR" altLang="en-US" dirty="0">
                 <a:latin typeface="나눔스퀘어 Bold" panose="020B0600000101010101" pitchFamily="50" charset="-127"/>
                 <a:ea typeface="나눔스퀘어 Bold" panose="020B0600000101010101" pitchFamily="50" charset="-127"/>
               </a:rPr>
               <a:t>그 극소수의 동료들 마저 반복되는 전장 속에서 죽어갔다</a:t>
             </a:r>
             <a:r>
-              <a:rPr lang="en-US" altLang="ko-KR" dirty="0" smtClean="0">
+              <a:rPr lang="en-US" altLang="ko-KR" dirty="0">
                 <a:latin typeface="나눔스퀘어 Bold" panose="020B0600000101010101" pitchFamily="50" charset="-127"/>
                 <a:ea typeface="나눔스퀘어 Bold" panose="020B0600000101010101" pitchFamily="50" charset="-127"/>
               </a:rPr>
@@ -7150,13 +8304,13 @@
               </a:lnSpc>
             </a:pPr>
             <a:r>
-              <a:rPr lang="ko-KR" altLang="en-US" dirty="0" smtClean="0">
+              <a:rPr lang="ko-KR" altLang="en-US" dirty="0">
                 <a:latin typeface="나눔스퀘어 Bold" panose="020B0600000101010101" pitchFamily="50" charset="-127"/>
                 <a:ea typeface="나눔스퀘어 Bold" panose="020B0600000101010101" pitchFamily="50" charset="-127"/>
               </a:rPr>
               <a:t>이러한 상황에 정신적으로 지쳐버린 그는</a:t>
             </a:r>
-            <a:endParaRPr lang="en-US" altLang="ko-KR" dirty="0" smtClean="0">
+            <a:endParaRPr lang="en-US" altLang="ko-KR" dirty="0">
               <a:latin typeface="나눔스퀘어 Bold" panose="020B0600000101010101" pitchFamily="50" charset="-127"/>
               <a:ea typeface="나눔스퀘어 Bold" panose="020B0600000101010101" pitchFamily="50" charset="-127"/>
             </a:endParaRPr>
@@ -7168,48 +8322,48 @@
               </a:lnSpc>
             </a:pPr>
             <a:r>
-              <a:rPr lang="en-US" altLang="ko-KR" dirty="0" smtClean="0">
+              <a:rPr lang="en-US" altLang="ko-KR" dirty="0">
                 <a:latin typeface="나눔스퀘어 Bold" panose="020B0600000101010101" pitchFamily="50" charset="-127"/>
                 <a:ea typeface="나눔스퀘어 Bold" panose="020B0600000101010101" pitchFamily="50" charset="-127"/>
               </a:rPr>
               <a:t>“</a:t>
             </a:r>
             <a:r>
-              <a:rPr lang="ko-KR" altLang="en-US" dirty="0" smtClean="0">
+              <a:rPr lang="ko-KR" altLang="en-US" dirty="0">
                 <a:latin typeface="나눔스퀘어 Bold" panose="020B0600000101010101" pitchFamily="50" charset="-127"/>
                 <a:ea typeface="나눔스퀘어 Bold" panose="020B0600000101010101" pitchFamily="50" charset="-127"/>
               </a:rPr>
               <a:t>나도 이제 제발 동료 곁으로 가고 싶어</a:t>
             </a:r>
             <a:r>
-              <a:rPr lang="en-US" altLang="ko-KR" dirty="0" smtClean="0">
+              <a:rPr lang="en-US" altLang="ko-KR" dirty="0">
                 <a:latin typeface="나눔스퀘어 Bold" panose="020B0600000101010101" pitchFamily="50" charset="-127"/>
                 <a:ea typeface="나눔스퀘어 Bold" panose="020B0600000101010101" pitchFamily="50" charset="-127"/>
               </a:rPr>
               <a:t>＂</a:t>
             </a:r>
             <a:r>
-              <a:rPr lang="ko-KR" altLang="en-US" dirty="0" smtClean="0">
+              <a:rPr lang="ko-KR" altLang="en-US" dirty="0">
                 <a:latin typeface="나눔스퀘어 Bold" panose="020B0600000101010101" pitchFamily="50" charset="-127"/>
                 <a:ea typeface="나눔스퀘어 Bold" panose="020B0600000101010101" pitchFamily="50" charset="-127"/>
               </a:rPr>
               <a:t>라고 할 때 적군이 사용한 폭격에 휘말리게 되었고</a:t>
             </a:r>
             <a:r>
-              <a:rPr lang="en-US" altLang="ko-KR" dirty="0" smtClean="0">
+              <a:rPr lang="en-US" altLang="ko-KR" dirty="0">
                 <a:latin typeface="나눔스퀘어 Bold" panose="020B0600000101010101" pitchFamily="50" charset="-127"/>
                 <a:ea typeface="나눔스퀘어 Bold" panose="020B0600000101010101" pitchFamily="50" charset="-127"/>
               </a:rPr>
               <a:t>, </a:t>
             </a:r>
             <a:r>
-              <a:rPr lang="ko-KR" altLang="en-US" dirty="0" smtClean="0">
+              <a:rPr lang="ko-KR" altLang="en-US" dirty="0">
                 <a:latin typeface="나눔스퀘어 Bold" panose="020B0600000101010101" pitchFamily="50" charset="-127"/>
                 <a:ea typeface="나눔스퀘어 Bold" panose="020B0600000101010101" pitchFamily="50" charset="-127"/>
               </a:rPr>
               <a:t>눈을 감았다 떴을 때</a:t>
             </a:r>
-            <a:endParaRPr lang="en-US" altLang="ko-KR" dirty="0" smtClean="0">
+            <a:endParaRPr lang="en-US" altLang="ko-KR" dirty="0">
               <a:latin typeface="나눔스퀘어 Bold" panose="020B0600000101010101" pitchFamily="50" charset="-127"/>
               <a:ea typeface="나눔스퀘어 Bold" panose="020B0600000101010101" pitchFamily="50" charset="-127"/>
             </a:endParaRPr>
@@ -7221,14 +8375,14 @@
               </a:lnSpc>
             </a:pPr>
             <a:r>
-              <a:rPr lang="ko-KR" altLang="en-US" dirty="0" smtClean="0">
+              <a:rPr lang="ko-KR" altLang="en-US" dirty="0">
                 <a:latin typeface="나눔스퀘어 Bold" panose="020B0600000101010101" pitchFamily="50" charset="-127"/>
                 <a:ea typeface="나눔스퀘어 Bold" panose="020B0600000101010101" pitchFamily="50" charset="-127"/>
               </a:rPr>
               <a:t>그는 라 제국의 한 전장에 있었다</a:t>
             </a:r>
             <a:r>
-              <a:rPr lang="en-US" altLang="ko-KR" dirty="0" smtClean="0">
+              <a:rPr lang="en-US" altLang="ko-KR" dirty="0">
                 <a:latin typeface="나눔스퀘어 Bold" panose="020B0600000101010101" pitchFamily="50" charset="-127"/>
                 <a:ea typeface="나눔스퀘어 Bold" panose="020B0600000101010101" pitchFamily="50" charset="-127"/>
               </a:rPr>
@@ -7238,6 +8392,115 @@
               <a:latin typeface="나눔스퀘어 Bold" panose="020B0600000101010101" pitchFamily="50" charset="-127"/>
               <a:ea typeface="나눔스퀘어 Bold" panose="020B0600000101010101" pitchFamily="50" charset="-127"/>
             </a:endParaRPr>
+          </a:p>
+        </p:txBody>
+      </p:sp>
+      <p:sp>
+        <p:nvSpPr>
+          <p:cNvPr id="4" name="직사각형 3">
+            <a:extLst>
+              <a:ext uri="{FF2B5EF4-FFF2-40B4-BE49-F238E27FC236}">
+                <a16:creationId xmlns:a16="http://schemas.microsoft.com/office/drawing/2014/main" id="{C41D9335-50FA-405A-A6CE-4E67FBB4D783}"/>
+              </a:ext>
+            </a:extLst>
+          </p:cNvPr>
+          <p:cNvSpPr/>
+          <p:nvPr/>
+        </p:nvSpPr>
+        <p:spPr>
+          <a:xfrm>
+            <a:off x="0" y="0"/>
+            <a:ext cx="561975" cy="561975"/>
+          </a:xfrm>
+          <a:prstGeom prst="rect">
+            <a:avLst/>
+          </a:prstGeom>
+          <a:solidFill>
+            <a:schemeClr val="bg1"/>
+          </a:solidFill>
+          <a:ln>
+            <a:noFill/>
+          </a:ln>
+        </p:spPr>
+        <p:style>
+          <a:lnRef idx="2">
+            <a:schemeClr val="accent1">
+              <a:shade val="50000"/>
+            </a:schemeClr>
+          </a:lnRef>
+          <a:fillRef idx="1">
+            <a:schemeClr val="accent1"/>
+          </a:fillRef>
+          <a:effectRef idx="0">
+            <a:schemeClr val="accent1"/>
+          </a:effectRef>
+          <a:fontRef idx="minor">
+            <a:schemeClr val="lt1"/>
+          </a:fontRef>
+        </p:style>
+        <p:txBody>
+          <a:bodyPr rtlCol="0" anchor="ctr"/>
+          <a:lstStyle/>
+          <a:p>
+            <a:pPr algn="ctr"/>
+            <a:r>
+              <a:rPr lang="en-US" altLang="ko-KR" dirty="0">
+                <a:solidFill>
+                  <a:schemeClr val="tx1"/>
+                </a:solidFill>
+                <a:latin typeface="나눔스퀘어 ExtraBold" panose="020B0600000101010101" pitchFamily="50" charset="-127"/>
+                <a:ea typeface="나눔스퀘어 ExtraBold" panose="020B0600000101010101" pitchFamily="50" charset="-127"/>
+              </a:rPr>
+              <a:t>7</a:t>
+            </a:r>
+            <a:endParaRPr lang="ko-KR" altLang="en-US" dirty="0">
+              <a:solidFill>
+                <a:schemeClr val="tx1"/>
+              </a:solidFill>
+              <a:latin typeface="나눔스퀘어 ExtraBold" panose="020B0600000101010101" pitchFamily="50" charset="-127"/>
+              <a:ea typeface="나눔스퀘어 ExtraBold" panose="020B0600000101010101" pitchFamily="50" charset="-127"/>
+            </a:endParaRPr>
+          </a:p>
+        </p:txBody>
+      </p:sp>
+      <p:sp>
+        <p:nvSpPr>
+          <p:cNvPr id="5" name="TextBox 4">
+            <a:extLst>
+              <a:ext uri="{FF2B5EF4-FFF2-40B4-BE49-F238E27FC236}">
+                <a16:creationId xmlns:a16="http://schemas.microsoft.com/office/drawing/2014/main" id="{45DE6EFC-4A69-4FCC-8B2C-66F4CD58F98F}"/>
+              </a:ext>
+            </a:extLst>
+          </p:cNvPr>
+          <p:cNvSpPr txBox="1"/>
+          <p:nvPr/>
+        </p:nvSpPr>
+        <p:spPr>
+          <a:xfrm>
+            <a:off x="561975" y="96321"/>
+            <a:ext cx="3114675" cy="369332"/>
+          </a:xfrm>
+          <a:prstGeom prst="rect">
+            <a:avLst/>
+          </a:prstGeom>
+          <a:noFill/>
+        </p:spPr>
+        <p:txBody>
+          <a:bodyPr wrap="square" rtlCol="0" anchor="t">
+            <a:spAutoFit/>
+          </a:bodyPr>
+          <a:lstStyle/>
+          <a:p>
+            <a:r>
+              <a:rPr lang="ko-KR" altLang="en-US" dirty="0">
+                <a:solidFill>
+                  <a:schemeClr val="bg1"/>
+                </a:solidFill>
+                <a:latin typeface="나눔스퀘어 Bold" panose="020B0600000101010101" pitchFamily="50" charset="-127"/>
+                <a:ea typeface="나눔스퀘어 Bold" panose="020B0600000101010101" pitchFamily="50" charset="-127"/>
+              </a:rPr>
+              <a:t>신규 캐릭터 스토리</a:t>
+            </a:r>
           </a:p>
         </p:txBody>
       </p:sp>
@@ -7257,6 +8520,14 @@
 <file path=ppt/slides/slide9.xml><?xml version="1.0" encoding="utf-8"?>
 <p:sld xmlns:a="http://schemas.openxmlformats.org/drawingml/2006/main" xmlns:r="http://schemas.openxmlformats.org/officeDocument/2006/relationships" xmlns:p="http://schemas.openxmlformats.org/presentationml/2006/main">
   <p:cSld>
+    <p:bg>
+      <p:bgPr>
+        <a:solidFill>
+          <a:schemeClr val="tx1"/>
+        </a:solidFill>
+        <a:effectLst/>
+      </p:bgPr>
+    </p:bg>
     <p:spTree>
       <p:nvGrpSpPr>
         <p:cNvPr id="1" name=""/>
@@ -7273,14 +8544,88 @@
       </p:grpSpPr>
       <p:sp>
         <p:nvSpPr>
-          <p:cNvPr id="3" name="TextBox 2"/>
+          <p:cNvPr id="4" name="직사각형 3">
+            <a:extLst>
+              <a:ext uri="{FF2B5EF4-FFF2-40B4-BE49-F238E27FC236}">
+                <a16:creationId xmlns:a16="http://schemas.microsoft.com/office/drawing/2014/main" id="{BD32CF42-B24B-4AA9-8FA2-1F17BFC2A361}"/>
+              </a:ext>
+            </a:extLst>
+          </p:cNvPr>
+          <p:cNvSpPr/>
+          <p:nvPr/>
+        </p:nvSpPr>
+        <p:spPr>
+          <a:xfrm>
+            <a:off x="0" y="0"/>
+            <a:ext cx="561975" cy="561975"/>
+          </a:xfrm>
+          <a:prstGeom prst="rect">
+            <a:avLst/>
+          </a:prstGeom>
+          <a:solidFill>
+            <a:schemeClr val="bg1"/>
+          </a:solidFill>
+          <a:ln>
+            <a:noFill/>
+          </a:ln>
+        </p:spPr>
+        <p:style>
+          <a:lnRef idx="2">
+            <a:schemeClr val="accent1">
+              <a:shade val="50000"/>
+            </a:schemeClr>
+          </a:lnRef>
+          <a:fillRef idx="1">
+            <a:schemeClr val="accent1"/>
+          </a:fillRef>
+          <a:effectRef idx="0">
+            <a:schemeClr val="accent1"/>
+          </a:effectRef>
+          <a:fontRef idx="minor">
+            <a:schemeClr val="lt1"/>
+          </a:fontRef>
+        </p:style>
+        <p:txBody>
+          <a:bodyPr rtlCol="0" anchor="ctr"/>
+          <a:lstStyle/>
+          <a:p>
+            <a:pPr algn="ctr"/>
+            <a:r>
+              <a:rPr lang="en-US" altLang="ko-KR" dirty="0">
+                <a:solidFill>
+                  <a:schemeClr val="tx1"/>
+                </a:solidFill>
+                <a:latin typeface="나눔스퀘어 ExtraBold" panose="020B0600000101010101" pitchFamily="50" charset="-127"/>
+                <a:ea typeface="나눔스퀘어 ExtraBold" panose="020B0600000101010101" pitchFamily="50" charset="-127"/>
+              </a:rPr>
+              <a:t>8</a:t>
+            </a:r>
+            <a:endParaRPr lang="ko-KR" altLang="en-US" dirty="0">
+              <a:solidFill>
+                <a:schemeClr val="tx1"/>
+              </a:solidFill>
+              <a:latin typeface="나눔스퀘어 ExtraBold" panose="020B0600000101010101" pitchFamily="50" charset="-127"/>
+              <a:ea typeface="나눔스퀘어 ExtraBold" panose="020B0600000101010101" pitchFamily="50" charset="-127"/>
+            </a:endParaRPr>
+          </a:p>
+        </p:txBody>
+      </p:sp>
+      <p:sp>
+        <p:nvSpPr>
+          <p:cNvPr id="5" name="TextBox 4">
+            <a:extLst>
+              <a:ext uri="{FF2B5EF4-FFF2-40B4-BE49-F238E27FC236}">
+                <a16:creationId xmlns:a16="http://schemas.microsoft.com/office/drawing/2014/main" id="{F00D18B9-0280-47ED-9E64-AE0287AAFC27}"/>
+              </a:ext>
+            </a:extLst>
+          </p:cNvPr>
           <p:cNvSpPr txBox="1"/>
           <p:nvPr/>
         </p:nvSpPr>
         <p:spPr>
           <a:xfrm>
-            <a:off x="555477" y="333286"/>
-            <a:ext cx="2521009" cy="369332"/>
+            <a:off x="561975" y="96321"/>
+            <a:ext cx="3114675" cy="369332"/>
           </a:xfrm>
           <a:prstGeom prst="rect">
             <a:avLst/>
@@ -7288,29 +8633,21 @@
           <a:noFill/>
         </p:spPr>
         <p:txBody>
-          <a:bodyPr wrap="square" rtlCol="0">
+          <a:bodyPr wrap="square" rtlCol="0" anchor="t">
             <a:spAutoFit/>
           </a:bodyPr>
           <a:lstStyle/>
           <a:p>
             <a:r>
-              <a:rPr lang="ko-KR" altLang="en-US" dirty="0" smtClean="0">
+              <a:rPr lang="ko-KR" altLang="en-US" dirty="0">
+                <a:solidFill>
+                  <a:schemeClr val="bg1"/>
+                </a:solidFill>
                 <a:latin typeface="나눔스퀘어 Bold" panose="020B0600000101010101" pitchFamily="50" charset="-127"/>
                 <a:ea typeface="나눔스퀘어 Bold" panose="020B0600000101010101" pitchFamily="50" charset="-127"/>
               </a:rPr>
-              <a:t>신규 캐릭터 </a:t>
-            </a:r>
-            <a:r>
-              <a:rPr lang="ko-KR" altLang="en-US" dirty="0" smtClean="0">
-                <a:latin typeface="나눔스퀘어 Bold" panose="020B0600000101010101" pitchFamily="50" charset="-127"/>
-                <a:ea typeface="나눔스퀘어 Bold" panose="020B0600000101010101" pitchFamily="50" charset="-127"/>
-              </a:rPr>
-              <a:t>보유 능력</a:t>
-            </a:r>
-            <a:endParaRPr lang="ko-KR" altLang="en-US" dirty="0">
-              <a:latin typeface="나눔스퀘어 Bold" panose="020B0600000101010101" pitchFamily="50" charset="-127"/>
-              <a:ea typeface="나눔스퀘어 Bold" panose="020B0600000101010101" pitchFamily="50" charset="-127"/>
-            </a:endParaRPr>
+              <a:t>신규 캐릭터 보유 능력</a:t>
+            </a:r>
           </a:p>
         </p:txBody>
       </p:sp>

--- a/가디언 테일즈/1. PPT/신규_캐릭터_기획.pptx
+++ b/가디언 테일즈/1. PPT/신규_캐릭터_기획.pptx
@@ -9,7 +9,7 @@
     <p:sldId id="257" r:id="rId3"/>
     <p:sldId id="258" r:id="rId4"/>
     <p:sldId id="259" r:id="rId5"/>
-    <p:sldId id="260" r:id="rId6"/>
+    <p:sldId id="268" r:id="rId6"/>
     <p:sldId id="261" r:id="rId7"/>
     <p:sldId id="262" r:id="rId8"/>
     <p:sldId id="263" r:id="rId9"/>
@@ -128,6 +128,16 @@
             <a:srgbClr val="A4A3A4"/>
           </p15:clr>
         </p15:guide>
+        <p15:guide id="3" orient="horz" pos="3181" userDrawn="1">
+          <p15:clr>
+            <a:srgbClr val="A4A3A4"/>
+          </p15:clr>
+        </p15:guide>
+        <p15:guide id="4" orient="horz" pos="958" userDrawn="1">
+          <p15:clr>
+            <a:srgbClr val="A4A3A4"/>
+          </p15:clr>
+        </p15:guide>
       </p15:sldGuideLst>
     </p:ext>
   </p:extLst>
@@ -263,7 +273,7 @@
           <a:p>
             <a:fld id="{8659668E-6701-4295-90E3-12D022C7DF88}" type="datetimeFigureOut">
               <a:rPr lang="ko-KR" altLang="en-US" smtClean="0"/>
-              <a:t>2021-03-29</a:t>
+              <a:t>2021-03-30</a:t>
             </a:fld>
             <a:endParaRPr lang="ko-KR" altLang="en-US"/>
           </a:p>
@@ -431,7 +441,7 @@
           <a:p>
             <a:fld id="{8659668E-6701-4295-90E3-12D022C7DF88}" type="datetimeFigureOut">
               <a:rPr lang="ko-KR" altLang="en-US" smtClean="0"/>
-              <a:t>2021-03-29</a:t>
+              <a:t>2021-03-30</a:t>
             </a:fld>
             <a:endParaRPr lang="ko-KR" altLang="en-US"/>
           </a:p>
@@ -609,7 +619,7 @@
           <a:p>
             <a:fld id="{8659668E-6701-4295-90E3-12D022C7DF88}" type="datetimeFigureOut">
               <a:rPr lang="ko-KR" altLang="en-US" smtClean="0"/>
-              <a:t>2021-03-29</a:t>
+              <a:t>2021-03-30</a:t>
             </a:fld>
             <a:endParaRPr lang="ko-KR" altLang="en-US"/>
           </a:p>
@@ -777,7 +787,7 @@
           <a:p>
             <a:fld id="{8659668E-6701-4295-90E3-12D022C7DF88}" type="datetimeFigureOut">
               <a:rPr lang="ko-KR" altLang="en-US" smtClean="0"/>
-              <a:t>2021-03-29</a:t>
+              <a:t>2021-03-30</a:t>
             </a:fld>
             <a:endParaRPr lang="ko-KR" altLang="en-US"/>
           </a:p>
@@ -1022,7 +1032,7 @@
           <a:p>
             <a:fld id="{8659668E-6701-4295-90E3-12D022C7DF88}" type="datetimeFigureOut">
               <a:rPr lang="ko-KR" altLang="en-US" smtClean="0"/>
-              <a:t>2021-03-29</a:t>
+              <a:t>2021-03-30</a:t>
             </a:fld>
             <a:endParaRPr lang="ko-KR" altLang="en-US"/>
           </a:p>
@@ -1251,7 +1261,7 @@
           <a:p>
             <a:fld id="{8659668E-6701-4295-90E3-12D022C7DF88}" type="datetimeFigureOut">
               <a:rPr lang="ko-KR" altLang="en-US" smtClean="0"/>
-              <a:t>2021-03-29</a:t>
+              <a:t>2021-03-30</a:t>
             </a:fld>
             <a:endParaRPr lang="ko-KR" altLang="en-US"/>
           </a:p>
@@ -1615,7 +1625,7 @@
           <a:p>
             <a:fld id="{8659668E-6701-4295-90E3-12D022C7DF88}" type="datetimeFigureOut">
               <a:rPr lang="ko-KR" altLang="en-US" smtClean="0"/>
-              <a:t>2021-03-29</a:t>
+              <a:t>2021-03-30</a:t>
             </a:fld>
             <a:endParaRPr lang="ko-KR" altLang="en-US"/>
           </a:p>
@@ -1732,7 +1742,7 @@
           <a:p>
             <a:fld id="{8659668E-6701-4295-90E3-12D022C7DF88}" type="datetimeFigureOut">
               <a:rPr lang="ko-KR" altLang="en-US" smtClean="0"/>
-              <a:t>2021-03-29</a:t>
+              <a:t>2021-03-30</a:t>
             </a:fld>
             <a:endParaRPr lang="ko-KR" altLang="en-US"/>
           </a:p>
@@ -1827,7 +1837,7 @@
           <a:p>
             <a:fld id="{8659668E-6701-4295-90E3-12D022C7DF88}" type="datetimeFigureOut">
               <a:rPr lang="ko-KR" altLang="en-US" smtClean="0"/>
-              <a:t>2021-03-29</a:t>
+              <a:t>2021-03-30</a:t>
             </a:fld>
             <a:endParaRPr lang="ko-KR" altLang="en-US"/>
           </a:p>
@@ -2102,7 +2112,7 @@
           <a:p>
             <a:fld id="{8659668E-6701-4295-90E3-12D022C7DF88}" type="datetimeFigureOut">
               <a:rPr lang="ko-KR" altLang="en-US" smtClean="0"/>
-              <a:t>2021-03-29</a:t>
+              <a:t>2021-03-30</a:t>
             </a:fld>
             <a:endParaRPr lang="ko-KR" altLang="en-US"/>
           </a:p>
@@ -2354,7 +2364,7 @@
           <a:p>
             <a:fld id="{8659668E-6701-4295-90E3-12D022C7DF88}" type="datetimeFigureOut">
               <a:rPr lang="ko-KR" altLang="en-US" smtClean="0"/>
-              <a:t>2021-03-29</a:t>
+              <a:t>2021-03-30</a:t>
             </a:fld>
             <a:endParaRPr lang="ko-KR" altLang="en-US"/>
           </a:p>
@@ -2565,7 +2575,7 @@
           <a:p>
             <a:fld id="{8659668E-6701-4295-90E3-12D022C7DF88}" type="datetimeFigureOut">
               <a:rPr lang="ko-KR" altLang="en-US" smtClean="0"/>
-              <a:t>2021-03-29</a:t>
+              <a:t>2021-03-30</a:t>
             </a:fld>
             <a:endParaRPr lang="ko-KR" altLang="en-US"/>
           </a:p>
@@ -4601,14 +4611,14 @@
                     <a:p>
                       <a:pPr algn="ctr" fontAlgn="ctr"/>
                       <a:r>
-                        <a:rPr lang="en-US" altLang="ko-KR" sz="1300" u="none" strike="noStrike">
+                        <a:rPr lang="en-US" altLang="ko-KR" sz="1300" u="none" strike="noStrike" dirty="0">
                           <a:effectLst/>
                           <a:latin typeface="나눔스퀘어 Bold" panose="020B0600000101010101" pitchFamily="50" charset="-127"/>
                           <a:ea typeface="나눔스퀘어 Bold" panose="020B0600000101010101" pitchFamily="50" charset="-127"/>
                         </a:rPr>
                         <a:t>1</a:t>
                       </a:r>
-                      <a:endParaRPr lang="en-US" altLang="ko-KR" sz="1300" b="0" i="0" u="none" strike="noStrike">
+                      <a:endParaRPr lang="en-US" altLang="ko-KR" sz="1300" b="0" i="0" u="none" strike="noStrike" dirty="0">
                         <a:solidFill>
                           <a:srgbClr val="000000"/>
                         </a:solidFill>
@@ -4972,14 +4982,14 @@
                     <a:p>
                       <a:pPr algn="ctr" fontAlgn="ctr"/>
                       <a:r>
-                        <a:rPr lang="en-US" altLang="ko-KR" sz="1300" u="none" strike="noStrike">
+                        <a:rPr lang="en-US" altLang="ko-KR" sz="1300" u="none" strike="noStrike" dirty="0">
                           <a:effectLst/>
                           <a:latin typeface="나눔스퀘어 Bold" panose="020B0600000101010101" pitchFamily="50" charset="-127"/>
                           <a:ea typeface="나눔스퀘어 Bold" panose="020B0600000101010101" pitchFamily="50" charset="-127"/>
                         </a:rPr>
                         <a:t>1</a:t>
                       </a:r>
-                      <a:endParaRPr lang="en-US" altLang="ko-KR" sz="1300" b="0" i="0" u="none" strike="noStrike">
+                      <a:endParaRPr lang="en-US" altLang="ko-KR" sz="1300" b="0" i="0" u="none" strike="noStrike" dirty="0">
                         <a:solidFill>
                           <a:srgbClr val="000000"/>
                         </a:solidFill>
@@ -6535,8 +6545,8 @@
         </p:blipFill>
         <p:spPr>
           <a:xfrm>
-            <a:off x="3731638" y="1047254"/>
-            <a:ext cx="4728721" cy="4763491"/>
+            <a:off x="1693345" y="1520824"/>
+            <a:ext cx="3966609" cy="3995775"/>
           </a:xfrm>
           <a:prstGeom prst="rect">
             <a:avLst/>
@@ -6652,6 +6662,917 @@
           </a:p>
         </p:txBody>
       </p:sp>
+      <p:graphicFrame>
+        <p:nvGraphicFramePr>
+          <p:cNvPr id="4" name="표 3"/>
+          <p:cNvGraphicFramePr>
+            <a:graphicFrameLocks noGrp="1"/>
+          </p:cNvGraphicFramePr>
+          <p:nvPr>
+            <p:extLst>
+              <p:ext uri="{D42A27DB-BD31-4B8C-83A1-F6EECF244321}">
+                <p14:modId xmlns:p14="http://schemas.microsoft.com/office/powerpoint/2010/main" val="1805593985"/>
+              </p:ext>
+            </p:extLst>
+          </p:nvPr>
+        </p:nvGraphicFramePr>
+        <p:xfrm>
+          <a:off x="7316084" y="1520825"/>
+          <a:ext cx="1629938" cy="3995776"/>
+        </p:xfrm>
+        <a:graphic>
+          <a:graphicData uri="http://schemas.openxmlformats.org/drawingml/2006/table">
+            <a:tbl>
+              <a:tblPr>
+                <a:tableStyleId>{00A15C55-8517-42AA-B614-E9B94910E393}</a:tableStyleId>
+              </a:tblPr>
+              <a:tblGrid>
+                <a:gridCol w="814969">
+                  <a:extLst>
+                    <a:ext uri="{9D8B030D-6E8A-4147-A177-3AD203B41FA5}">
+                      <a16:colId xmlns:a16="http://schemas.microsoft.com/office/drawing/2014/main" val="2360379768"/>
+                    </a:ext>
+                  </a:extLst>
+                </a:gridCol>
+                <a:gridCol w="814969">
+                  <a:extLst>
+                    <a:ext uri="{9D8B030D-6E8A-4147-A177-3AD203B41FA5}">
+                      <a16:colId xmlns:a16="http://schemas.microsoft.com/office/drawing/2014/main" val="320349119"/>
+                    </a:ext>
+                  </a:extLst>
+                </a:gridCol>
+              </a:tblGrid>
+              <a:tr h="249736">
+                <a:tc gridSpan="2">
+                  <a:txBody>
+                    <a:bodyPr/>
+                    <a:lstStyle/>
+                    <a:p>
+                      <a:pPr algn="ctr" fontAlgn="ctr"/>
+                      <a:r>
+                        <a:rPr lang="ko-KR" altLang="en-US" sz="1300" u="none" strike="noStrike" dirty="0">
+                          <a:effectLst/>
+                        </a:rPr>
+                        <a:t>업데이트 순서</a:t>
+                      </a:r>
+                      <a:endParaRPr lang="ko-KR" altLang="en-US" sz="1300" b="0" i="0" u="none" strike="noStrike" dirty="0">
+                        <a:solidFill>
+                          <a:srgbClr val="000000"/>
+                        </a:solidFill>
+                        <a:effectLst/>
+                        <a:latin typeface="맑은 고딕" panose="020B0503020000020004" pitchFamily="50" charset="-127"/>
+                        <a:ea typeface="맑은 고딕" panose="020B0503020000020004" pitchFamily="50" charset="-127"/>
+                      </a:endParaRPr>
+                    </a:p>
+                  </a:txBody>
+                  <a:tcPr marL="11319" marR="11319" marT="11319" marB="0" anchor="ctr"/>
+                </a:tc>
+                <a:tc hMerge="1">
+                  <a:txBody>
+                    <a:bodyPr/>
+                    <a:lstStyle/>
+                    <a:p>
+                      <a:pPr latinLnBrk="1"/>
+                      <a:endParaRPr lang="ko-KR" altLang="en-US"/>
+                    </a:p>
+                  </a:txBody>
+                  <a:tcPr/>
+                </a:tc>
+                <a:extLst>
+                  <a:ext uri="{0D108BD9-81ED-4DB2-BD59-A6C34878D82A}">
+                    <a16:rowId xmlns:a16="http://schemas.microsoft.com/office/drawing/2014/main" val="3456028621"/>
+                  </a:ext>
+                </a:extLst>
+              </a:tr>
+              <a:tr h="249736">
+                <a:tc>
+                  <a:txBody>
+                    <a:bodyPr/>
+                    <a:lstStyle/>
+                    <a:p>
+                      <a:pPr algn="l" fontAlgn="ctr"/>
+                      <a:r>
+                        <a:rPr lang="ko-KR" altLang="en-US" sz="1300" u="none" strike="noStrike">
+                          <a:effectLst/>
+                        </a:rPr>
+                        <a:t>화 속성</a:t>
+                      </a:r>
+                      <a:endParaRPr lang="ko-KR" altLang="en-US" sz="1300" b="0" i="0" u="none" strike="noStrike">
+                        <a:solidFill>
+                          <a:srgbClr val="000000"/>
+                        </a:solidFill>
+                        <a:effectLst/>
+                        <a:latin typeface="맑은 고딕" panose="020B0503020000020004" pitchFamily="50" charset="-127"/>
+                        <a:ea typeface="맑은 고딕" panose="020B0503020000020004" pitchFamily="50" charset="-127"/>
+                      </a:endParaRPr>
+                    </a:p>
+                  </a:txBody>
+                  <a:tcPr marL="11319" marR="11319" marT="11319" marB="0" anchor="ctr"/>
+                </a:tc>
+                <a:tc>
+                  <a:txBody>
+                    <a:bodyPr/>
+                    <a:lstStyle/>
+                    <a:p>
+                      <a:pPr algn="l" fontAlgn="ctr"/>
+                      <a:r>
+                        <a:rPr lang="ko-KR" altLang="en-US" sz="1300" u="none" strike="noStrike">
+                          <a:effectLst/>
+                        </a:rPr>
+                        <a:t>전사</a:t>
+                      </a:r>
+                      <a:endParaRPr lang="ko-KR" altLang="en-US" sz="1300" b="0" i="0" u="none" strike="noStrike">
+                        <a:solidFill>
+                          <a:srgbClr val="000000"/>
+                        </a:solidFill>
+                        <a:effectLst/>
+                        <a:latin typeface="맑은 고딕" panose="020B0503020000020004" pitchFamily="50" charset="-127"/>
+                        <a:ea typeface="맑은 고딕" panose="020B0503020000020004" pitchFamily="50" charset="-127"/>
+                      </a:endParaRPr>
+                    </a:p>
+                  </a:txBody>
+                  <a:tcPr marL="11319" marR="11319" marT="11319" marB="0" anchor="ctr"/>
+                </a:tc>
+                <a:extLst>
+                  <a:ext uri="{0D108BD9-81ED-4DB2-BD59-A6C34878D82A}">
+                    <a16:rowId xmlns:a16="http://schemas.microsoft.com/office/drawing/2014/main" val="3639657556"/>
+                  </a:ext>
+                </a:extLst>
+              </a:tr>
+              <a:tr h="249736">
+                <a:tc>
+                  <a:txBody>
+                    <a:bodyPr/>
+                    <a:lstStyle/>
+                    <a:p>
+                      <a:pPr algn="l" fontAlgn="ctr"/>
+                      <a:r>
+                        <a:rPr lang="ko-KR" altLang="en-US" sz="1300" u="none" strike="noStrike">
+                          <a:effectLst/>
+                        </a:rPr>
+                        <a:t>무 속성</a:t>
+                      </a:r>
+                      <a:endParaRPr lang="ko-KR" altLang="en-US" sz="1300" b="0" i="0" u="none" strike="noStrike">
+                        <a:solidFill>
+                          <a:srgbClr val="000000"/>
+                        </a:solidFill>
+                        <a:effectLst/>
+                        <a:latin typeface="맑은 고딕" panose="020B0503020000020004" pitchFamily="50" charset="-127"/>
+                        <a:ea typeface="맑은 고딕" panose="020B0503020000020004" pitchFamily="50" charset="-127"/>
+                      </a:endParaRPr>
+                    </a:p>
+                  </a:txBody>
+                  <a:tcPr marL="11319" marR="11319" marT="11319" marB="0" anchor="ctr"/>
+                </a:tc>
+                <a:tc>
+                  <a:txBody>
+                    <a:bodyPr/>
+                    <a:lstStyle/>
+                    <a:p>
+                      <a:pPr algn="l" fontAlgn="ctr"/>
+                      <a:r>
+                        <a:rPr lang="ko-KR" altLang="en-US" sz="1300" u="none" strike="noStrike">
+                          <a:effectLst/>
+                        </a:rPr>
+                        <a:t>원거리</a:t>
+                      </a:r>
+                      <a:endParaRPr lang="ko-KR" altLang="en-US" sz="1300" b="0" i="0" u="none" strike="noStrike">
+                        <a:solidFill>
+                          <a:srgbClr val="000000"/>
+                        </a:solidFill>
+                        <a:effectLst/>
+                        <a:latin typeface="맑은 고딕" panose="020B0503020000020004" pitchFamily="50" charset="-127"/>
+                        <a:ea typeface="맑은 고딕" panose="020B0503020000020004" pitchFamily="50" charset="-127"/>
+                      </a:endParaRPr>
+                    </a:p>
+                  </a:txBody>
+                  <a:tcPr marL="11319" marR="11319" marT="11319" marB="0" anchor="ctr"/>
+                </a:tc>
+                <a:extLst>
+                  <a:ext uri="{0D108BD9-81ED-4DB2-BD59-A6C34878D82A}">
+                    <a16:rowId xmlns:a16="http://schemas.microsoft.com/office/drawing/2014/main" val="1932538206"/>
+                  </a:ext>
+                </a:extLst>
+              </a:tr>
+              <a:tr h="249736">
+                <a:tc>
+                  <a:txBody>
+                    <a:bodyPr/>
+                    <a:lstStyle/>
+                    <a:p>
+                      <a:pPr algn="l" fontAlgn="ctr"/>
+                      <a:r>
+                        <a:rPr lang="ko-KR" altLang="en-US" sz="1300" u="none" strike="noStrike">
+                          <a:effectLst/>
+                        </a:rPr>
+                        <a:t>수 속성</a:t>
+                      </a:r>
+                      <a:endParaRPr lang="ko-KR" altLang="en-US" sz="1300" b="0" i="0" u="none" strike="noStrike">
+                        <a:solidFill>
+                          <a:srgbClr val="000000"/>
+                        </a:solidFill>
+                        <a:effectLst/>
+                        <a:latin typeface="맑은 고딕" panose="020B0503020000020004" pitchFamily="50" charset="-127"/>
+                        <a:ea typeface="맑은 고딕" panose="020B0503020000020004" pitchFamily="50" charset="-127"/>
+                      </a:endParaRPr>
+                    </a:p>
+                  </a:txBody>
+                  <a:tcPr marL="11319" marR="11319" marT="11319" marB="0" anchor="ctr"/>
+                </a:tc>
+                <a:tc>
+                  <a:txBody>
+                    <a:bodyPr/>
+                    <a:lstStyle/>
+                    <a:p>
+                      <a:pPr algn="l" fontAlgn="ctr"/>
+                      <a:r>
+                        <a:rPr lang="ko-KR" altLang="en-US" sz="1300" u="none" strike="noStrike">
+                          <a:effectLst/>
+                        </a:rPr>
+                        <a:t>원거리</a:t>
+                      </a:r>
+                      <a:endParaRPr lang="ko-KR" altLang="en-US" sz="1300" b="0" i="0" u="none" strike="noStrike">
+                        <a:solidFill>
+                          <a:srgbClr val="000000"/>
+                        </a:solidFill>
+                        <a:effectLst/>
+                        <a:latin typeface="맑은 고딕" panose="020B0503020000020004" pitchFamily="50" charset="-127"/>
+                        <a:ea typeface="맑은 고딕" panose="020B0503020000020004" pitchFamily="50" charset="-127"/>
+                      </a:endParaRPr>
+                    </a:p>
+                  </a:txBody>
+                  <a:tcPr marL="11319" marR="11319" marT="11319" marB="0" anchor="ctr"/>
+                </a:tc>
+                <a:extLst>
+                  <a:ext uri="{0D108BD9-81ED-4DB2-BD59-A6C34878D82A}">
+                    <a16:rowId xmlns:a16="http://schemas.microsoft.com/office/drawing/2014/main" val="990900056"/>
+                  </a:ext>
+                </a:extLst>
+              </a:tr>
+              <a:tr h="249736">
+                <a:tc>
+                  <a:txBody>
+                    <a:bodyPr/>
+                    <a:lstStyle/>
+                    <a:p>
+                      <a:pPr algn="l" fontAlgn="ctr"/>
+                      <a:r>
+                        <a:rPr lang="ko-KR" altLang="en-US" sz="1300" u="none" strike="noStrike">
+                          <a:effectLst/>
+                        </a:rPr>
+                        <a:t>암 속성</a:t>
+                      </a:r>
+                      <a:endParaRPr lang="ko-KR" altLang="en-US" sz="1300" b="0" i="0" u="none" strike="noStrike">
+                        <a:solidFill>
+                          <a:srgbClr val="000000"/>
+                        </a:solidFill>
+                        <a:effectLst/>
+                        <a:latin typeface="맑은 고딕" panose="020B0503020000020004" pitchFamily="50" charset="-127"/>
+                        <a:ea typeface="맑은 고딕" panose="020B0503020000020004" pitchFamily="50" charset="-127"/>
+                      </a:endParaRPr>
+                    </a:p>
+                  </a:txBody>
+                  <a:tcPr marL="11319" marR="11319" marT="11319" marB="0" anchor="ctr"/>
+                </a:tc>
+                <a:tc>
+                  <a:txBody>
+                    <a:bodyPr/>
+                    <a:lstStyle/>
+                    <a:p>
+                      <a:pPr algn="l" fontAlgn="ctr"/>
+                      <a:r>
+                        <a:rPr lang="ko-KR" altLang="en-US" sz="1300" u="none" strike="noStrike">
+                          <a:effectLst/>
+                        </a:rPr>
+                        <a:t>탱커</a:t>
+                      </a:r>
+                      <a:endParaRPr lang="ko-KR" altLang="en-US" sz="1300" b="0" i="0" u="none" strike="noStrike">
+                        <a:solidFill>
+                          <a:srgbClr val="000000"/>
+                        </a:solidFill>
+                        <a:effectLst/>
+                        <a:latin typeface="맑은 고딕" panose="020B0503020000020004" pitchFamily="50" charset="-127"/>
+                        <a:ea typeface="맑은 고딕" panose="020B0503020000020004" pitchFamily="50" charset="-127"/>
+                      </a:endParaRPr>
+                    </a:p>
+                  </a:txBody>
+                  <a:tcPr marL="11319" marR="11319" marT="11319" marB="0" anchor="ctr"/>
+                </a:tc>
+                <a:extLst>
+                  <a:ext uri="{0D108BD9-81ED-4DB2-BD59-A6C34878D82A}">
+                    <a16:rowId xmlns:a16="http://schemas.microsoft.com/office/drawing/2014/main" val="1764171371"/>
+                  </a:ext>
+                </a:extLst>
+              </a:tr>
+              <a:tr h="249736">
+                <a:tc>
+                  <a:txBody>
+                    <a:bodyPr/>
+                    <a:lstStyle/>
+                    <a:p>
+                      <a:pPr algn="l" fontAlgn="ctr"/>
+                      <a:r>
+                        <a:rPr lang="ko-KR" altLang="en-US" sz="1300" u="none" strike="noStrike">
+                          <a:effectLst/>
+                        </a:rPr>
+                        <a:t>지 속성</a:t>
+                      </a:r>
+                      <a:endParaRPr lang="ko-KR" altLang="en-US" sz="1300" b="0" i="0" u="none" strike="noStrike">
+                        <a:solidFill>
+                          <a:srgbClr val="000000"/>
+                        </a:solidFill>
+                        <a:effectLst/>
+                        <a:latin typeface="맑은 고딕" panose="020B0503020000020004" pitchFamily="50" charset="-127"/>
+                        <a:ea typeface="맑은 고딕" panose="020B0503020000020004" pitchFamily="50" charset="-127"/>
+                      </a:endParaRPr>
+                    </a:p>
+                  </a:txBody>
+                  <a:tcPr marL="11319" marR="11319" marT="11319" marB="0" anchor="ctr"/>
+                </a:tc>
+                <a:tc>
+                  <a:txBody>
+                    <a:bodyPr/>
+                    <a:lstStyle/>
+                    <a:p>
+                      <a:pPr algn="l" fontAlgn="ctr"/>
+                      <a:r>
+                        <a:rPr lang="ko-KR" altLang="en-US" sz="1300" u="none" strike="noStrike" dirty="0">
+                          <a:effectLst/>
+                        </a:rPr>
+                        <a:t>전사</a:t>
+                      </a:r>
+                      <a:endParaRPr lang="ko-KR" altLang="en-US" sz="1300" b="0" i="0" u="none" strike="noStrike" dirty="0">
+                        <a:solidFill>
+                          <a:srgbClr val="000000"/>
+                        </a:solidFill>
+                        <a:effectLst/>
+                        <a:latin typeface="맑은 고딕" panose="020B0503020000020004" pitchFamily="50" charset="-127"/>
+                        <a:ea typeface="맑은 고딕" panose="020B0503020000020004" pitchFamily="50" charset="-127"/>
+                      </a:endParaRPr>
+                    </a:p>
+                  </a:txBody>
+                  <a:tcPr marL="11319" marR="11319" marT="11319" marB="0" anchor="ctr"/>
+                </a:tc>
+                <a:extLst>
+                  <a:ext uri="{0D108BD9-81ED-4DB2-BD59-A6C34878D82A}">
+                    <a16:rowId xmlns:a16="http://schemas.microsoft.com/office/drawing/2014/main" val="1560440491"/>
+                  </a:ext>
+                </a:extLst>
+              </a:tr>
+              <a:tr h="249736">
+                <a:tc>
+                  <a:txBody>
+                    <a:bodyPr/>
+                    <a:lstStyle/>
+                    <a:p>
+                      <a:pPr algn="l" fontAlgn="ctr"/>
+                      <a:r>
+                        <a:rPr lang="ko-KR" altLang="en-US" sz="1300" u="none" strike="noStrike">
+                          <a:effectLst/>
+                        </a:rPr>
+                        <a:t>화 속성</a:t>
+                      </a:r>
+                      <a:endParaRPr lang="ko-KR" altLang="en-US" sz="1300" b="0" i="0" u="none" strike="noStrike">
+                        <a:solidFill>
+                          <a:srgbClr val="000000"/>
+                        </a:solidFill>
+                        <a:effectLst/>
+                        <a:latin typeface="맑은 고딕" panose="020B0503020000020004" pitchFamily="50" charset="-127"/>
+                        <a:ea typeface="맑은 고딕" panose="020B0503020000020004" pitchFamily="50" charset="-127"/>
+                      </a:endParaRPr>
+                    </a:p>
+                  </a:txBody>
+                  <a:tcPr marL="11319" marR="11319" marT="11319" marB="0" anchor="ctr"/>
+                </a:tc>
+                <a:tc>
+                  <a:txBody>
+                    <a:bodyPr/>
+                    <a:lstStyle/>
+                    <a:p>
+                      <a:pPr algn="l" fontAlgn="ctr"/>
+                      <a:r>
+                        <a:rPr lang="ko-KR" altLang="en-US" sz="1300" u="none" strike="noStrike">
+                          <a:effectLst/>
+                        </a:rPr>
+                        <a:t>지원가</a:t>
+                      </a:r>
+                      <a:endParaRPr lang="ko-KR" altLang="en-US" sz="1300" b="0" i="0" u="none" strike="noStrike">
+                        <a:solidFill>
+                          <a:srgbClr val="000000"/>
+                        </a:solidFill>
+                        <a:effectLst/>
+                        <a:latin typeface="맑은 고딕" panose="020B0503020000020004" pitchFamily="50" charset="-127"/>
+                        <a:ea typeface="맑은 고딕" panose="020B0503020000020004" pitchFamily="50" charset="-127"/>
+                      </a:endParaRPr>
+                    </a:p>
+                  </a:txBody>
+                  <a:tcPr marL="11319" marR="11319" marT="11319" marB="0" anchor="ctr"/>
+                </a:tc>
+                <a:extLst>
+                  <a:ext uri="{0D108BD9-81ED-4DB2-BD59-A6C34878D82A}">
+                    <a16:rowId xmlns:a16="http://schemas.microsoft.com/office/drawing/2014/main" val="904711925"/>
+                  </a:ext>
+                </a:extLst>
+              </a:tr>
+              <a:tr h="249736">
+                <a:tc>
+                  <a:txBody>
+                    <a:bodyPr/>
+                    <a:lstStyle/>
+                    <a:p>
+                      <a:pPr algn="l" fontAlgn="ctr"/>
+                      <a:r>
+                        <a:rPr lang="ko-KR" altLang="en-US" sz="1300" u="none" strike="noStrike">
+                          <a:effectLst/>
+                        </a:rPr>
+                        <a:t>광 속성</a:t>
+                      </a:r>
+                      <a:endParaRPr lang="ko-KR" altLang="en-US" sz="1300" b="0" i="0" u="none" strike="noStrike">
+                        <a:solidFill>
+                          <a:srgbClr val="000000"/>
+                        </a:solidFill>
+                        <a:effectLst/>
+                        <a:latin typeface="맑은 고딕" panose="020B0503020000020004" pitchFamily="50" charset="-127"/>
+                        <a:ea typeface="맑은 고딕" panose="020B0503020000020004" pitchFamily="50" charset="-127"/>
+                      </a:endParaRPr>
+                    </a:p>
+                  </a:txBody>
+                  <a:tcPr marL="11319" marR="11319" marT="11319" marB="0" anchor="ctr"/>
+                </a:tc>
+                <a:tc>
+                  <a:txBody>
+                    <a:bodyPr/>
+                    <a:lstStyle/>
+                    <a:p>
+                      <a:pPr algn="l" fontAlgn="ctr"/>
+                      <a:r>
+                        <a:rPr lang="ko-KR" altLang="en-US" sz="1300" u="none" strike="noStrike">
+                          <a:effectLst/>
+                        </a:rPr>
+                        <a:t>탱커</a:t>
+                      </a:r>
+                      <a:endParaRPr lang="ko-KR" altLang="en-US" sz="1300" b="0" i="0" u="none" strike="noStrike">
+                        <a:solidFill>
+                          <a:srgbClr val="000000"/>
+                        </a:solidFill>
+                        <a:effectLst/>
+                        <a:latin typeface="맑은 고딕" panose="020B0503020000020004" pitchFamily="50" charset="-127"/>
+                        <a:ea typeface="맑은 고딕" panose="020B0503020000020004" pitchFamily="50" charset="-127"/>
+                      </a:endParaRPr>
+                    </a:p>
+                  </a:txBody>
+                  <a:tcPr marL="11319" marR="11319" marT="11319" marB="0" anchor="ctr"/>
+                </a:tc>
+                <a:extLst>
+                  <a:ext uri="{0D108BD9-81ED-4DB2-BD59-A6C34878D82A}">
+                    <a16:rowId xmlns:a16="http://schemas.microsoft.com/office/drawing/2014/main" val="3659861285"/>
+                  </a:ext>
+                </a:extLst>
+              </a:tr>
+              <a:tr h="249736">
+                <a:tc>
+                  <a:txBody>
+                    <a:bodyPr/>
+                    <a:lstStyle/>
+                    <a:p>
+                      <a:pPr algn="l" fontAlgn="ctr"/>
+                      <a:r>
+                        <a:rPr lang="ko-KR" altLang="en-US" sz="1300" u="none" strike="noStrike" dirty="0">
+                          <a:effectLst/>
+                        </a:rPr>
+                        <a:t>수 속성</a:t>
+                      </a:r>
+                      <a:endParaRPr lang="ko-KR" altLang="en-US" sz="1300" b="0" i="0" u="none" strike="noStrike" dirty="0">
+                        <a:solidFill>
+                          <a:srgbClr val="000000"/>
+                        </a:solidFill>
+                        <a:effectLst/>
+                        <a:latin typeface="맑은 고딕" panose="020B0503020000020004" pitchFamily="50" charset="-127"/>
+                        <a:ea typeface="맑은 고딕" panose="020B0503020000020004" pitchFamily="50" charset="-127"/>
+                      </a:endParaRPr>
+                    </a:p>
+                  </a:txBody>
+                  <a:tcPr marL="11319" marR="11319" marT="11319" marB="0" anchor="ctr"/>
+                </a:tc>
+                <a:tc>
+                  <a:txBody>
+                    <a:bodyPr/>
+                    <a:lstStyle/>
+                    <a:p>
+                      <a:pPr algn="l" fontAlgn="ctr"/>
+                      <a:r>
+                        <a:rPr lang="ko-KR" altLang="en-US" sz="1300" u="none" strike="noStrike" dirty="0">
+                          <a:effectLst/>
+                        </a:rPr>
+                        <a:t>원거리</a:t>
+                      </a:r>
+                      <a:endParaRPr lang="ko-KR" altLang="en-US" sz="1300" b="0" i="0" u="none" strike="noStrike" dirty="0">
+                        <a:solidFill>
+                          <a:srgbClr val="000000"/>
+                        </a:solidFill>
+                        <a:effectLst/>
+                        <a:latin typeface="맑은 고딕" panose="020B0503020000020004" pitchFamily="50" charset="-127"/>
+                        <a:ea typeface="맑은 고딕" panose="020B0503020000020004" pitchFamily="50" charset="-127"/>
+                      </a:endParaRPr>
+                    </a:p>
+                  </a:txBody>
+                  <a:tcPr marL="11319" marR="11319" marT="11319" marB="0" anchor="ctr"/>
+                </a:tc>
+                <a:extLst>
+                  <a:ext uri="{0D108BD9-81ED-4DB2-BD59-A6C34878D82A}">
+                    <a16:rowId xmlns:a16="http://schemas.microsoft.com/office/drawing/2014/main" val="4098704916"/>
+                  </a:ext>
+                </a:extLst>
+              </a:tr>
+              <a:tr h="249736">
+                <a:tc>
+                  <a:txBody>
+                    <a:bodyPr/>
+                    <a:lstStyle/>
+                    <a:p>
+                      <a:pPr algn="l" fontAlgn="ctr"/>
+                      <a:r>
+                        <a:rPr lang="ko-KR" altLang="en-US" sz="1300" u="none" strike="noStrike">
+                          <a:effectLst/>
+                        </a:rPr>
+                        <a:t>암 속성</a:t>
+                      </a:r>
+                      <a:endParaRPr lang="ko-KR" altLang="en-US" sz="1300" b="0" i="0" u="none" strike="noStrike">
+                        <a:solidFill>
+                          <a:srgbClr val="000000"/>
+                        </a:solidFill>
+                        <a:effectLst/>
+                        <a:latin typeface="맑은 고딕" panose="020B0503020000020004" pitchFamily="50" charset="-127"/>
+                        <a:ea typeface="맑은 고딕" panose="020B0503020000020004" pitchFamily="50" charset="-127"/>
+                      </a:endParaRPr>
+                    </a:p>
+                  </a:txBody>
+                  <a:tcPr marL="11319" marR="11319" marT="11319" marB="0" anchor="ctr"/>
+                </a:tc>
+                <a:tc>
+                  <a:txBody>
+                    <a:bodyPr/>
+                    <a:lstStyle/>
+                    <a:p>
+                      <a:pPr algn="l" fontAlgn="ctr"/>
+                      <a:r>
+                        <a:rPr lang="ko-KR" altLang="en-US" sz="1300" u="none" strike="noStrike">
+                          <a:effectLst/>
+                        </a:rPr>
+                        <a:t>전사</a:t>
+                      </a:r>
+                      <a:endParaRPr lang="ko-KR" altLang="en-US" sz="1300" b="0" i="0" u="none" strike="noStrike">
+                        <a:solidFill>
+                          <a:srgbClr val="000000"/>
+                        </a:solidFill>
+                        <a:effectLst/>
+                        <a:latin typeface="맑은 고딕" panose="020B0503020000020004" pitchFamily="50" charset="-127"/>
+                        <a:ea typeface="맑은 고딕" panose="020B0503020000020004" pitchFamily="50" charset="-127"/>
+                      </a:endParaRPr>
+                    </a:p>
+                  </a:txBody>
+                  <a:tcPr marL="11319" marR="11319" marT="11319" marB="0" anchor="ctr"/>
+                </a:tc>
+                <a:extLst>
+                  <a:ext uri="{0D108BD9-81ED-4DB2-BD59-A6C34878D82A}">
+                    <a16:rowId xmlns:a16="http://schemas.microsoft.com/office/drawing/2014/main" val="2285511887"/>
+                  </a:ext>
+                </a:extLst>
+              </a:tr>
+              <a:tr h="249736">
+                <a:tc>
+                  <a:txBody>
+                    <a:bodyPr/>
+                    <a:lstStyle/>
+                    <a:p>
+                      <a:pPr algn="l" fontAlgn="ctr"/>
+                      <a:r>
+                        <a:rPr lang="ko-KR" altLang="en-US" sz="1300" u="none" strike="noStrike">
+                          <a:effectLst/>
+                        </a:rPr>
+                        <a:t>지 속성</a:t>
+                      </a:r>
+                      <a:endParaRPr lang="ko-KR" altLang="en-US" sz="1300" b="0" i="0" u="none" strike="noStrike">
+                        <a:solidFill>
+                          <a:srgbClr val="000000"/>
+                        </a:solidFill>
+                        <a:effectLst/>
+                        <a:latin typeface="맑은 고딕" panose="020B0503020000020004" pitchFamily="50" charset="-127"/>
+                        <a:ea typeface="맑은 고딕" panose="020B0503020000020004" pitchFamily="50" charset="-127"/>
+                      </a:endParaRPr>
+                    </a:p>
+                  </a:txBody>
+                  <a:tcPr marL="11319" marR="11319" marT="11319" marB="0" anchor="ctr"/>
+                </a:tc>
+                <a:tc>
+                  <a:txBody>
+                    <a:bodyPr/>
+                    <a:lstStyle/>
+                    <a:p>
+                      <a:pPr algn="l" fontAlgn="ctr"/>
+                      <a:r>
+                        <a:rPr lang="ko-KR" altLang="en-US" sz="1300" u="none" strike="noStrike">
+                          <a:effectLst/>
+                        </a:rPr>
+                        <a:t>전사</a:t>
+                      </a:r>
+                      <a:endParaRPr lang="ko-KR" altLang="en-US" sz="1300" b="0" i="0" u="none" strike="noStrike">
+                        <a:solidFill>
+                          <a:srgbClr val="000000"/>
+                        </a:solidFill>
+                        <a:effectLst/>
+                        <a:latin typeface="맑은 고딕" panose="020B0503020000020004" pitchFamily="50" charset="-127"/>
+                        <a:ea typeface="맑은 고딕" panose="020B0503020000020004" pitchFamily="50" charset="-127"/>
+                      </a:endParaRPr>
+                    </a:p>
+                  </a:txBody>
+                  <a:tcPr marL="11319" marR="11319" marT="11319" marB="0" anchor="ctr"/>
+                </a:tc>
+                <a:extLst>
+                  <a:ext uri="{0D108BD9-81ED-4DB2-BD59-A6C34878D82A}">
+                    <a16:rowId xmlns:a16="http://schemas.microsoft.com/office/drawing/2014/main" val="3656921416"/>
+                  </a:ext>
+                </a:extLst>
+              </a:tr>
+              <a:tr h="249736">
+                <a:tc>
+                  <a:txBody>
+                    <a:bodyPr/>
+                    <a:lstStyle/>
+                    <a:p>
+                      <a:pPr algn="l" fontAlgn="ctr"/>
+                      <a:r>
+                        <a:rPr lang="ko-KR" altLang="en-US" sz="1300" u="none" strike="noStrike">
+                          <a:effectLst/>
+                        </a:rPr>
+                        <a:t>광 속성</a:t>
+                      </a:r>
+                      <a:endParaRPr lang="ko-KR" altLang="en-US" sz="1300" b="0" i="0" u="none" strike="noStrike">
+                        <a:solidFill>
+                          <a:srgbClr val="000000"/>
+                        </a:solidFill>
+                        <a:effectLst/>
+                        <a:latin typeface="맑은 고딕" panose="020B0503020000020004" pitchFamily="50" charset="-127"/>
+                        <a:ea typeface="맑은 고딕" panose="020B0503020000020004" pitchFamily="50" charset="-127"/>
+                      </a:endParaRPr>
+                    </a:p>
+                  </a:txBody>
+                  <a:tcPr marL="11319" marR="11319" marT="11319" marB="0" anchor="ctr"/>
+                </a:tc>
+                <a:tc>
+                  <a:txBody>
+                    <a:bodyPr/>
+                    <a:lstStyle/>
+                    <a:p>
+                      <a:pPr algn="l" fontAlgn="ctr"/>
+                      <a:r>
+                        <a:rPr lang="ko-KR" altLang="en-US" sz="1300" u="none" strike="noStrike">
+                          <a:effectLst/>
+                        </a:rPr>
+                        <a:t>지원가</a:t>
+                      </a:r>
+                      <a:endParaRPr lang="ko-KR" altLang="en-US" sz="1300" b="0" i="0" u="none" strike="noStrike">
+                        <a:solidFill>
+                          <a:srgbClr val="000000"/>
+                        </a:solidFill>
+                        <a:effectLst/>
+                        <a:latin typeface="맑은 고딕" panose="020B0503020000020004" pitchFamily="50" charset="-127"/>
+                        <a:ea typeface="맑은 고딕" panose="020B0503020000020004" pitchFamily="50" charset="-127"/>
+                      </a:endParaRPr>
+                    </a:p>
+                  </a:txBody>
+                  <a:tcPr marL="11319" marR="11319" marT="11319" marB="0" anchor="ctr"/>
+                </a:tc>
+                <a:extLst>
+                  <a:ext uri="{0D108BD9-81ED-4DB2-BD59-A6C34878D82A}">
+                    <a16:rowId xmlns:a16="http://schemas.microsoft.com/office/drawing/2014/main" val="1157322895"/>
+                  </a:ext>
+                </a:extLst>
+              </a:tr>
+              <a:tr h="249736">
+                <a:tc>
+                  <a:txBody>
+                    <a:bodyPr/>
+                    <a:lstStyle/>
+                    <a:p>
+                      <a:pPr algn="l" fontAlgn="ctr"/>
+                      <a:r>
+                        <a:rPr lang="ko-KR" altLang="en-US" sz="1300" u="none" strike="noStrike">
+                          <a:effectLst/>
+                        </a:rPr>
+                        <a:t>화 속성</a:t>
+                      </a:r>
+                      <a:endParaRPr lang="ko-KR" altLang="en-US" sz="1300" b="0" i="0" u="none" strike="noStrike">
+                        <a:solidFill>
+                          <a:srgbClr val="000000"/>
+                        </a:solidFill>
+                        <a:effectLst/>
+                        <a:latin typeface="맑은 고딕" panose="020B0503020000020004" pitchFamily="50" charset="-127"/>
+                        <a:ea typeface="맑은 고딕" panose="020B0503020000020004" pitchFamily="50" charset="-127"/>
+                      </a:endParaRPr>
+                    </a:p>
+                  </a:txBody>
+                  <a:tcPr marL="11319" marR="11319" marT="11319" marB="0" anchor="ctr"/>
+                </a:tc>
+                <a:tc>
+                  <a:txBody>
+                    <a:bodyPr/>
+                    <a:lstStyle/>
+                    <a:p>
+                      <a:pPr algn="l" fontAlgn="ctr"/>
+                      <a:r>
+                        <a:rPr lang="ko-KR" altLang="en-US" sz="1300" u="none" strike="noStrike">
+                          <a:effectLst/>
+                        </a:rPr>
+                        <a:t>전사</a:t>
+                      </a:r>
+                      <a:endParaRPr lang="ko-KR" altLang="en-US" sz="1300" b="0" i="0" u="none" strike="noStrike">
+                        <a:solidFill>
+                          <a:srgbClr val="000000"/>
+                        </a:solidFill>
+                        <a:effectLst/>
+                        <a:latin typeface="맑은 고딕" panose="020B0503020000020004" pitchFamily="50" charset="-127"/>
+                        <a:ea typeface="맑은 고딕" panose="020B0503020000020004" pitchFamily="50" charset="-127"/>
+                      </a:endParaRPr>
+                    </a:p>
+                  </a:txBody>
+                  <a:tcPr marL="11319" marR="11319" marT="11319" marB="0" anchor="ctr"/>
+                </a:tc>
+                <a:extLst>
+                  <a:ext uri="{0D108BD9-81ED-4DB2-BD59-A6C34878D82A}">
+                    <a16:rowId xmlns:a16="http://schemas.microsoft.com/office/drawing/2014/main" val="563685903"/>
+                  </a:ext>
+                </a:extLst>
+              </a:tr>
+              <a:tr h="249736">
+                <a:tc>
+                  <a:txBody>
+                    <a:bodyPr/>
+                    <a:lstStyle/>
+                    <a:p>
+                      <a:pPr algn="l" fontAlgn="ctr"/>
+                      <a:r>
+                        <a:rPr lang="ko-KR" altLang="en-US" sz="1300" u="none" strike="noStrike">
+                          <a:effectLst/>
+                        </a:rPr>
+                        <a:t>무 속성</a:t>
+                      </a:r>
+                      <a:endParaRPr lang="ko-KR" altLang="en-US" sz="1300" b="0" i="0" u="none" strike="noStrike">
+                        <a:solidFill>
+                          <a:srgbClr val="000000"/>
+                        </a:solidFill>
+                        <a:effectLst/>
+                        <a:latin typeface="맑은 고딕" panose="020B0503020000020004" pitchFamily="50" charset="-127"/>
+                        <a:ea typeface="맑은 고딕" panose="020B0503020000020004" pitchFamily="50" charset="-127"/>
+                      </a:endParaRPr>
+                    </a:p>
+                  </a:txBody>
+                  <a:tcPr marL="11319" marR="11319" marT="11319" marB="0" anchor="ctr"/>
+                </a:tc>
+                <a:tc>
+                  <a:txBody>
+                    <a:bodyPr/>
+                    <a:lstStyle/>
+                    <a:p>
+                      <a:pPr algn="l" fontAlgn="ctr"/>
+                      <a:r>
+                        <a:rPr lang="ko-KR" altLang="en-US" sz="1300" u="none" strike="noStrike">
+                          <a:effectLst/>
+                        </a:rPr>
+                        <a:t>원거리</a:t>
+                      </a:r>
+                      <a:endParaRPr lang="ko-KR" altLang="en-US" sz="1300" b="0" i="0" u="none" strike="noStrike">
+                        <a:solidFill>
+                          <a:srgbClr val="000000"/>
+                        </a:solidFill>
+                        <a:effectLst/>
+                        <a:latin typeface="맑은 고딕" panose="020B0503020000020004" pitchFamily="50" charset="-127"/>
+                        <a:ea typeface="맑은 고딕" panose="020B0503020000020004" pitchFamily="50" charset="-127"/>
+                      </a:endParaRPr>
+                    </a:p>
+                  </a:txBody>
+                  <a:tcPr marL="11319" marR="11319" marT="11319" marB="0" anchor="ctr"/>
+                </a:tc>
+                <a:extLst>
+                  <a:ext uri="{0D108BD9-81ED-4DB2-BD59-A6C34878D82A}">
+                    <a16:rowId xmlns:a16="http://schemas.microsoft.com/office/drawing/2014/main" val="182014932"/>
+                  </a:ext>
+                </a:extLst>
+              </a:tr>
+              <a:tr h="249736">
+                <a:tc>
+                  <a:txBody>
+                    <a:bodyPr/>
+                    <a:lstStyle/>
+                    <a:p>
+                      <a:pPr algn="l" fontAlgn="ctr"/>
+                      <a:r>
+                        <a:rPr lang="ko-KR" altLang="en-US" sz="1300" u="none" strike="noStrike">
+                          <a:effectLst/>
+                        </a:rPr>
+                        <a:t>수 속성</a:t>
+                      </a:r>
+                      <a:endParaRPr lang="ko-KR" altLang="en-US" sz="1300" b="0" i="0" u="none" strike="noStrike">
+                        <a:solidFill>
+                          <a:srgbClr val="000000"/>
+                        </a:solidFill>
+                        <a:effectLst/>
+                        <a:latin typeface="맑은 고딕" panose="020B0503020000020004" pitchFamily="50" charset="-127"/>
+                        <a:ea typeface="맑은 고딕" panose="020B0503020000020004" pitchFamily="50" charset="-127"/>
+                      </a:endParaRPr>
+                    </a:p>
+                  </a:txBody>
+                  <a:tcPr marL="11319" marR="11319" marT="11319" marB="0" anchor="ctr"/>
+                </a:tc>
+                <a:tc>
+                  <a:txBody>
+                    <a:bodyPr/>
+                    <a:lstStyle/>
+                    <a:p>
+                      <a:pPr algn="l" fontAlgn="ctr"/>
+                      <a:r>
+                        <a:rPr lang="ko-KR" altLang="en-US" sz="1300" u="none" strike="noStrike">
+                          <a:effectLst/>
+                        </a:rPr>
+                        <a:t>지원가</a:t>
+                      </a:r>
+                      <a:endParaRPr lang="ko-KR" altLang="en-US" sz="1300" b="0" i="0" u="none" strike="noStrike">
+                        <a:solidFill>
+                          <a:srgbClr val="000000"/>
+                        </a:solidFill>
+                        <a:effectLst/>
+                        <a:latin typeface="맑은 고딕" panose="020B0503020000020004" pitchFamily="50" charset="-127"/>
+                        <a:ea typeface="맑은 고딕" panose="020B0503020000020004" pitchFamily="50" charset="-127"/>
+                      </a:endParaRPr>
+                    </a:p>
+                  </a:txBody>
+                  <a:tcPr marL="11319" marR="11319" marT="11319" marB="0" anchor="ctr"/>
+                </a:tc>
+                <a:extLst>
+                  <a:ext uri="{0D108BD9-81ED-4DB2-BD59-A6C34878D82A}">
+                    <a16:rowId xmlns:a16="http://schemas.microsoft.com/office/drawing/2014/main" val="4251685045"/>
+                  </a:ext>
+                </a:extLst>
+              </a:tr>
+              <a:tr h="249736">
+                <a:tc>
+                  <a:txBody>
+                    <a:bodyPr/>
+                    <a:lstStyle/>
+                    <a:p>
+                      <a:pPr algn="l" fontAlgn="ctr"/>
+                      <a:r>
+                        <a:rPr lang="ko-KR" altLang="en-US" sz="1300" u="none" strike="noStrike" dirty="0">
+                          <a:effectLst/>
+                        </a:rPr>
+                        <a:t>암 속성</a:t>
+                      </a:r>
+                      <a:endParaRPr lang="ko-KR" altLang="en-US" sz="1300" b="0" i="0" u="none" strike="noStrike" dirty="0">
+                        <a:solidFill>
+                          <a:srgbClr val="000000"/>
+                        </a:solidFill>
+                        <a:effectLst/>
+                        <a:latin typeface="맑은 고딕" panose="020B0503020000020004" pitchFamily="50" charset="-127"/>
+                        <a:ea typeface="맑은 고딕" panose="020B0503020000020004" pitchFamily="50" charset="-127"/>
+                      </a:endParaRPr>
+                    </a:p>
+                  </a:txBody>
+                  <a:tcPr marL="11319" marR="11319" marT="11319" marB="0" anchor="ctr"/>
+                </a:tc>
+                <a:tc>
+                  <a:txBody>
+                    <a:bodyPr/>
+                    <a:lstStyle/>
+                    <a:p>
+                      <a:pPr algn="l" fontAlgn="ctr"/>
+                      <a:r>
+                        <a:rPr lang="ko-KR" altLang="en-US" sz="1300" u="none" strike="noStrike" dirty="0" err="1">
+                          <a:effectLst/>
+                        </a:rPr>
+                        <a:t>지원가</a:t>
+                      </a:r>
+                      <a:endParaRPr lang="ko-KR" altLang="en-US" sz="1300" b="0" i="0" u="none" strike="noStrike" dirty="0">
+                        <a:solidFill>
+                          <a:srgbClr val="000000"/>
+                        </a:solidFill>
+                        <a:effectLst/>
+                        <a:latin typeface="맑은 고딕" panose="020B0503020000020004" pitchFamily="50" charset="-127"/>
+                        <a:ea typeface="맑은 고딕" panose="020B0503020000020004" pitchFamily="50" charset="-127"/>
+                      </a:endParaRPr>
+                    </a:p>
+                  </a:txBody>
+                  <a:tcPr marL="11319" marR="11319" marT="11319" marB="0" anchor="ctr"/>
+                </a:tc>
+                <a:extLst>
+                  <a:ext uri="{0D108BD9-81ED-4DB2-BD59-A6C34878D82A}">
+                    <a16:rowId xmlns:a16="http://schemas.microsoft.com/office/drawing/2014/main" val="2946696643"/>
+                  </a:ext>
+                </a:extLst>
+              </a:tr>
+            </a:tbl>
+          </a:graphicData>
+        </a:graphic>
+      </p:graphicFrame>
     </p:spTree>
     <p:extLst>
       <p:ext uri="{BB962C8B-B14F-4D97-AF65-F5344CB8AC3E}">
@@ -6986,8 +7907,8 @@
         </p:nvSpPr>
         <p:spPr>
           <a:xfrm>
-            <a:off x="2659210" y="5293138"/>
-            <a:ext cx="6873579" cy="883383"/>
+            <a:off x="2544910" y="5293138"/>
+            <a:ext cx="7103915" cy="923330"/>
           </a:xfrm>
           <a:prstGeom prst="rect">
             <a:avLst/>
@@ -7036,24 +7957,14 @@
               <a:t>성 </a:t>
             </a:r>
             <a:r>
-              <a:rPr lang="ko-KR" altLang="en-US" dirty="0" err="1">
+              <a:rPr lang="ko-KR" altLang="en-US" dirty="0" smtClean="0">
                 <a:solidFill>
                   <a:schemeClr val="bg1"/>
                 </a:solidFill>
                 <a:latin typeface="나눔스퀘어 Bold" panose="020B0600000101010101" pitchFamily="50" charset="-127"/>
                 <a:ea typeface="나눔스퀘어 Bold" panose="020B0600000101010101" pitchFamily="50" charset="-127"/>
               </a:rPr>
-              <a:t>탱커중</a:t>
-            </a:r>
-            <a:r>
-              <a:rPr lang="ko-KR" altLang="en-US" dirty="0">
-                <a:solidFill>
-                  <a:schemeClr val="bg1"/>
-                </a:solidFill>
-                <a:latin typeface="나눔스퀘어 Bold" panose="020B0600000101010101" pitchFamily="50" charset="-127"/>
-                <a:ea typeface="나눔스퀘어 Bold" panose="020B0600000101010101" pitchFamily="50" charset="-127"/>
-              </a:rPr>
-              <a:t> </a:t>
+              <a:t>탱커 중 </a:t>
             </a:r>
             <a:r>
               <a:rPr lang="ko-KR" altLang="en-US" dirty="0" err="1">
@@ -7123,6 +8034,36 @@
               <a:t>, </a:t>
             </a:r>
             <a:r>
+              <a:rPr lang="ko-KR" altLang="en-US" dirty="0" smtClean="0">
+                <a:solidFill>
+                  <a:schemeClr val="bg1"/>
+                </a:solidFill>
+                <a:latin typeface="나눔스퀘어 Bold" panose="020B0600000101010101" pitchFamily="50" charset="-127"/>
+                <a:ea typeface="나눔스퀘어 Bold" panose="020B0600000101010101" pitchFamily="50" charset="-127"/>
+              </a:rPr>
+              <a:t>콜로세움 </a:t>
+            </a:r>
+            <a:r>
+              <a:rPr lang="ko-KR" altLang="en-US" dirty="0" err="1" smtClean="0">
+                <a:solidFill>
+                  <a:schemeClr val="bg1"/>
+                </a:solidFill>
+                <a:latin typeface="나눔스퀘어 Bold" panose="020B0600000101010101" pitchFamily="50" charset="-127"/>
+                <a:ea typeface="나눔스퀘어 Bold" panose="020B0600000101010101" pitchFamily="50" charset="-127"/>
+              </a:rPr>
+              <a:t>방어덱에서</a:t>
+            </a:r>
+            <a:r>
+              <a:rPr lang="ko-KR" altLang="en-US" dirty="0" smtClean="0">
+                <a:solidFill>
+                  <a:schemeClr val="bg1"/>
+                </a:solidFill>
+                <a:latin typeface="나눔스퀘어 Bold" panose="020B0600000101010101" pitchFamily="50" charset="-127"/>
+                <a:ea typeface="나눔스퀘어 Bold" panose="020B0600000101010101" pitchFamily="50" charset="-127"/>
+              </a:rPr>
+              <a:t> </a:t>
+            </a:r>
+            <a:r>
               <a:rPr lang="ko-KR" altLang="en-US" dirty="0">
                 <a:solidFill>
                   <a:schemeClr val="bg1"/>
@@ -7130,27 +8071,7 @@
                 <a:latin typeface="나눔스퀘어 Bold" panose="020B0600000101010101" pitchFamily="50" charset="-127"/>
                 <a:ea typeface="나눔스퀘어 Bold" panose="020B0600000101010101" pitchFamily="50" charset="-127"/>
               </a:rPr>
-              <a:t>아레나 </a:t>
-            </a:r>
-            <a:r>
-              <a:rPr lang="ko-KR" altLang="en-US" dirty="0" err="1">
-                <a:solidFill>
-                  <a:schemeClr val="bg1"/>
-                </a:solidFill>
-                <a:latin typeface="나눔스퀘어 Bold" panose="020B0600000101010101" pitchFamily="50" charset="-127"/>
-                <a:ea typeface="나눔스퀘어 Bold" panose="020B0600000101010101" pitchFamily="50" charset="-127"/>
-              </a:rPr>
-              <a:t>방덱에서</a:t>
-            </a:r>
-            <a:r>
-              <a:rPr lang="ko-KR" altLang="en-US" dirty="0">
-                <a:solidFill>
-                  <a:schemeClr val="bg1"/>
-                </a:solidFill>
-                <a:latin typeface="나눔스퀘어 Bold" panose="020B0600000101010101" pitchFamily="50" charset="-127"/>
-                <a:ea typeface="나눔스퀘어 Bold" panose="020B0600000101010101" pitchFamily="50" charset="-127"/>
-              </a:rPr>
-              <a:t> 기용이 많이 될 것으로 예상</a:t>
+              <a:t>기용이 많이 될 것으로 예상</a:t>
             </a:r>
           </a:p>
         </p:txBody>
@@ -7324,7 +8245,7 @@
         </p:blipFill>
         <p:spPr>
           <a:xfrm>
-            <a:off x="6096000" y="979617"/>
+            <a:off x="1028344" y="2090551"/>
             <a:ext cx="4763165" cy="2676899"/>
           </a:xfrm>
           <a:prstGeom prst="rect">
@@ -7340,8 +8261,8 @@
         </p:nvSpPr>
         <p:spPr>
           <a:xfrm>
-            <a:off x="863125" y="1606680"/>
-            <a:ext cx="3486684" cy="4622869"/>
+            <a:off x="1411612" y="5062066"/>
+            <a:ext cx="9368776" cy="923330"/>
           </a:xfrm>
           <a:prstGeom prst="rect">
             <a:avLst/>
@@ -7354,7 +8275,7 @@
           </a:bodyPr>
           <a:lstStyle/>
           <a:p>
-            <a:pPr>
+            <a:pPr algn="ctr">
               <a:lnSpc>
                 <a:spcPct val="150000"/>
               </a:lnSpc>
@@ -7367,7 +8288,27 @@
                 <a:latin typeface="나눔스퀘어 Bold" panose="020B0600000101010101" pitchFamily="50" charset="-127"/>
                 <a:ea typeface="나눔스퀘어 Bold" panose="020B0600000101010101" pitchFamily="50" charset="-127"/>
               </a:rPr>
-              <a:t>육체적으로 강력해 보이는 외모</a:t>
+              <a:t>육체적으로 강력해 보이는 </a:t>
+            </a:r>
+            <a:r>
+              <a:rPr lang="ko-KR" altLang="en-US" dirty="0" smtClean="0">
+                <a:solidFill>
+                  <a:schemeClr val="bg1"/>
+                </a:solidFill>
+                <a:latin typeface="나눔스퀘어 Bold" panose="020B0600000101010101" pitchFamily="50" charset="-127"/>
+                <a:ea typeface="나눔스퀘어 Bold" panose="020B0600000101010101" pitchFamily="50" charset="-127"/>
+              </a:rPr>
+              <a:t>외모 엄청난 </a:t>
+            </a:r>
+            <a:r>
+              <a:rPr lang="ko-KR" altLang="en-US" dirty="0">
+                <a:solidFill>
+                  <a:schemeClr val="bg1"/>
+                </a:solidFill>
+                <a:latin typeface="나눔스퀘어 Bold" panose="020B0600000101010101" pitchFamily="50" charset="-127"/>
+                <a:ea typeface="나눔스퀘어 Bold" panose="020B0600000101010101" pitchFamily="50" charset="-127"/>
+              </a:rPr>
+              <a:t>근육</a:t>
             </a:r>
             <a:endParaRPr lang="en-US" altLang="ko-KR" dirty="0">
               <a:solidFill>
@@ -7378,12 +8319,22 @@
             </a:endParaRPr>
           </a:p>
           <a:p>
-            <a:pPr>
+            <a:pPr algn="ctr">
               <a:lnSpc>
                 <a:spcPct val="150000"/>
               </a:lnSpc>
             </a:pPr>
             <a:r>
+              <a:rPr lang="ko-KR" altLang="en-US" dirty="0" smtClean="0">
+                <a:solidFill>
+                  <a:schemeClr val="bg1"/>
+                </a:solidFill>
+                <a:latin typeface="나눔스퀘어 Bold" panose="020B0600000101010101" pitchFamily="50" charset="-127"/>
+                <a:ea typeface="나눔스퀘어 Bold" panose="020B0600000101010101" pitchFamily="50" charset="-127"/>
+              </a:rPr>
+              <a:t>근육 </a:t>
+            </a:r>
+            <a:r>
               <a:rPr lang="ko-KR" altLang="en-US" dirty="0">
                 <a:solidFill>
                   <a:schemeClr val="bg1"/>
@@ -7391,36 +8342,28 @@
                 <a:latin typeface="나눔스퀘어 Bold" panose="020B0600000101010101" pitchFamily="50" charset="-127"/>
                 <a:ea typeface="나눔스퀘어 Bold" panose="020B0600000101010101" pitchFamily="50" charset="-127"/>
               </a:rPr>
-              <a:t>엄청난 근육</a:t>
-            </a:r>
-            <a:endParaRPr lang="en-US" altLang="ko-KR" dirty="0">
-              <a:solidFill>
-                <a:schemeClr val="bg1"/>
-              </a:solidFill>
-              <a:latin typeface="나눔스퀘어 Bold" panose="020B0600000101010101" pitchFamily="50" charset="-127"/>
-              <a:ea typeface="나눔스퀘어 Bold" panose="020B0600000101010101" pitchFamily="50" charset="-127"/>
-            </a:endParaRPr>
-          </a:p>
-          <a:p>
-            <a:pPr>
-              <a:lnSpc>
-                <a:spcPct val="150000"/>
-              </a:lnSpc>
-            </a:pPr>
-            <a:endParaRPr lang="en-US" altLang="ko-KR" dirty="0">
-              <a:solidFill>
-                <a:schemeClr val="bg1"/>
-              </a:solidFill>
-              <a:latin typeface="나눔스퀘어 Bold" panose="020B0600000101010101" pitchFamily="50" charset="-127"/>
-              <a:ea typeface="나눔스퀘어 Bold" panose="020B0600000101010101" pitchFamily="50" charset="-127"/>
-            </a:endParaRPr>
-          </a:p>
-          <a:p>
-            <a:pPr>
-              <a:lnSpc>
-                <a:spcPct val="150000"/>
-              </a:lnSpc>
-            </a:pPr>
+              <a:t>자랑하는 것을 </a:t>
+            </a:r>
+            <a:r>
+              <a:rPr lang="ko-KR" altLang="en-US" dirty="0" smtClean="0">
+                <a:solidFill>
+                  <a:schemeClr val="bg1"/>
+                </a:solidFill>
+                <a:latin typeface="나눔스퀘어 Bold" panose="020B0600000101010101" pitchFamily="50" charset="-127"/>
+                <a:ea typeface="나눔스퀘어 Bold" panose="020B0600000101010101" pitchFamily="50" charset="-127"/>
+              </a:rPr>
+              <a:t>좋아함 </a:t>
+            </a:r>
+            <a:r>
+              <a:rPr lang="en-US" altLang="ko-KR" dirty="0" smtClean="0">
+                <a:solidFill>
+                  <a:schemeClr val="bg1"/>
+                </a:solidFill>
+                <a:latin typeface="나눔스퀘어 Bold" panose="020B0600000101010101" pitchFamily="50" charset="-127"/>
+                <a:ea typeface="나눔스퀘어 Bold" panose="020B0600000101010101" pitchFamily="50" charset="-127"/>
+              </a:rPr>
+              <a:t>(</a:t>
+            </a:r>
             <a:r>
               <a:rPr lang="ko-KR" altLang="en-US" dirty="0">
                 <a:solidFill>
@@ -7429,22 +8372,18 @@
                 <a:latin typeface="나눔스퀘어 Bold" panose="020B0600000101010101" pitchFamily="50" charset="-127"/>
                 <a:ea typeface="나눔스퀘어 Bold" panose="020B0600000101010101" pitchFamily="50" charset="-127"/>
               </a:rPr>
-              <a:t>하지만 동료들에게는 상냥하고</a:t>
-            </a:r>
-            <a:endParaRPr lang="en-US" altLang="ko-KR" dirty="0">
-              <a:solidFill>
-                <a:schemeClr val="bg1"/>
-              </a:solidFill>
-              <a:latin typeface="나눔스퀘어 Bold" panose="020B0600000101010101" pitchFamily="50" charset="-127"/>
-              <a:ea typeface="나눔스퀘어 Bold" panose="020B0600000101010101" pitchFamily="50" charset="-127"/>
-            </a:endParaRPr>
-          </a:p>
-          <a:p>
-            <a:pPr>
-              <a:lnSpc>
-                <a:spcPct val="150000"/>
-              </a:lnSpc>
-            </a:pPr>
+              <a:t>보디 </a:t>
+            </a:r>
+            <a:r>
+              <a:rPr lang="ko-KR" altLang="en-US" dirty="0" err="1">
+                <a:solidFill>
+                  <a:schemeClr val="bg1"/>
+                </a:solidFill>
+                <a:latin typeface="나눔스퀘어 Bold" panose="020B0600000101010101" pitchFamily="50" charset="-127"/>
+                <a:ea typeface="나눔스퀘어 Bold" panose="020B0600000101010101" pitchFamily="50" charset="-127"/>
+              </a:rPr>
+              <a:t>빌더</a:t>
+            </a:r>
             <a:r>
               <a:rPr lang="ko-KR" altLang="en-US" dirty="0">
                 <a:solidFill>
@@ -7453,164 +8392,17 @@
                 <a:latin typeface="나눔스퀘어 Bold" panose="020B0600000101010101" pitchFamily="50" charset="-127"/>
                 <a:ea typeface="나눔스퀘어 Bold" panose="020B0600000101010101" pitchFamily="50" charset="-127"/>
               </a:rPr>
-              <a:t>재미있으며 믿을 수 있는 동료</a:t>
-            </a:r>
-            <a:endParaRPr lang="en-US" altLang="ko-KR" dirty="0">
-              <a:solidFill>
-                <a:schemeClr val="bg1"/>
-              </a:solidFill>
-              <a:latin typeface="나눔스퀘어 Bold" panose="020B0600000101010101" pitchFamily="50" charset="-127"/>
-              <a:ea typeface="나눔스퀘어 Bold" panose="020B0600000101010101" pitchFamily="50" charset="-127"/>
-            </a:endParaRPr>
-          </a:p>
-          <a:p>
-            <a:pPr>
-              <a:lnSpc>
-                <a:spcPct val="150000"/>
-              </a:lnSpc>
-            </a:pPr>
-            <a:endParaRPr lang="en-US" altLang="ko-KR" dirty="0">
-              <a:solidFill>
-                <a:schemeClr val="bg1"/>
-              </a:solidFill>
-              <a:latin typeface="나눔스퀘어 Bold" panose="020B0600000101010101" pitchFamily="50" charset="-127"/>
-              <a:ea typeface="나눔스퀘어 Bold" panose="020B0600000101010101" pitchFamily="50" charset="-127"/>
-            </a:endParaRPr>
-          </a:p>
-          <a:p>
-            <a:pPr>
-              <a:lnSpc>
-                <a:spcPct val="150000"/>
-              </a:lnSpc>
-            </a:pPr>
-            <a:r>
-              <a:rPr lang="ko-KR" altLang="en-US" dirty="0">
+              <a:t> 포즈</a:t>
+            </a:r>
+            <a:r>
+              <a:rPr lang="en-US" altLang="ko-KR" dirty="0" smtClean="0">
                 <a:solidFill>
                   <a:schemeClr val="bg1"/>
                 </a:solidFill>
                 <a:latin typeface="나눔스퀘어 Bold" panose="020B0600000101010101" pitchFamily="50" charset="-127"/>
                 <a:ea typeface="나눔스퀘어 Bold" panose="020B0600000101010101" pitchFamily="50" charset="-127"/>
               </a:rPr>
-              <a:t>근육 자랑하는 것을 좋아함</a:t>
-            </a:r>
-            <a:endParaRPr lang="en-US" altLang="ko-KR" dirty="0">
-              <a:solidFill>
-                <a:schemeClr val="bg1"/>
-              </a:solidFill>
-              <a:latin typeface="나눔스퀘어 Bold" panose="020B0600000101010101" pitchFamily="50" charset="-127"/>
-              <a:ea typeface="나눔스퀘어 Bold" panose="020B0600000101010101" pitchFamily="50" charset="-127"/>
-            </a:endParaRPr>
-          </a:p>
-          <a:p>
-            <a:pPr>
-              <a:lnSpc>
-                <a:spcPct val="150000"/>
-              </a:lnSpc>
-            </a:pPr>
-            <a:r>
-              <a:rPr lang="en-US" altLang="ko-KR" dirty="0">
-                <a:solidFill>
-                  <a:schemeClr val="bg1"/>
-                </a:solidFill>
-                <a:latin typeface="나눔스퀘어 Bold" panose="020B0600000101010101" pitchFamily="50" charset="-127"/>
-                <a:ea typeface="나눔스퀘어 Bold" panose="020B0600000101010101" pitchFamily="50" charset="-127"/>
-              </a:rPr>
-              <a:t>(</a:t>
-            </a:r>
-            <a:r>
-              <a:rPr lang="ko-KR" altLang="en-US" dirty="0">
-                <a:solidFill>
-                  <a:schemeClr val="bg1"/>
-                </a:solidFill>
-                <a:latin typeface="나눔스퀘어 Bold" panose="020B0600000101010101" pitchFamily="50" charset="-127"/>
-                <a:ea typeface="나눔스퀘어 Bold" panose="020B0600000101010101" pitchFamily="50" charset="-127"/>
-              </a:rPr>
-              <a:t>보디 </a:t>
-            </a:r>
-            <a:r>
-              <a:rPr lang="ko-KR" altLang="en-US" dirty="0" err="1">
-                <a:solidFill>
-                  <a:schemeClr val="bg1"/>
-                </a:solidFill>
-                <a:latin typeface="나눔스퀘어 Bold" panose="020B0600000101010101" pitchFamily="50" charset="-127"/>
-                <a:ea typeface="나눔스퀘어 Bold" panose="020B0600000101010101" pitchFamily="50" charset="-127"/>
-              </a:rPr>
-              <a:t>빌더</a:t>
-            </a:r>
-            <a:r>
-              <a:rPr lang="ko-KR" altLang="en-US" dirty="0">
-                <a:solidFill>
-                  <a:schemeClr val="bg1"/>
-                </a:solidFill>
-                <a:latin typeface="나눔스퀘어 Bold" panose="020B0600000101010101" pitchFamily="50" charset="-127"/>
-                <a:ea typeface="나눔스퀘어 Bold" panose="020B0600000101010101" pitchFamily="50" charset="-127"/>
-              </a:rPr>
-              <a:t> 포즈</a:t>
-            </a:r>
-            <a:r>
-              <a:rPr lang="en-US" altLang="ko-KR" dirty="0">
-                <a:solidFill>
-                  <a:schemeClr val="bg1"/>
-                </a:solidFill>
-                <a:latin typeface="나눔스퀘어 Bold" panose="020B0600000101010101" pitchFamily="50" charset="-127"/>
-                <a:ea typeface="나눔스퀘어 Bold" panose="020B0600000101010101" pitchFamily="50" charset="-127"/>
-              </a:rPr>
               <a:t>)</a:t>
-            </a:r>
-          </a:p>
-          <a:p>
-            <a:pPr>
-              <a:lnSpc>
-                <a:spcPct val="150000"/>
-              </a:lnSpc>
-            </a:pPr>
-            <a:endParaRPr lang="en-US" altLang="ko-KR" dirty="0">
-              <a:solidFill>
-                <a:schemeClr val="bg1"/>
-              </a:solidFill>
-              <a:latin typeface="나눔스퀘어 Bold" panose="020B0600000101010101" pitchFamily="50" charset="-127"/>
-              <a:ea typeface="나눔스퀘어 Bold" panose="020B0600000101010101" pitchFamily="50" charset="-127"/>
-            </a:endParaRPr>
-          </a:p>
-          <a:p>
-            <a:pPr>
-              <a:lnSpc>
-                <a:spcPct val="150000"/>
-              </a:lnSpc>
-            </a:pPr>
-            <a:r>
-              <a:rPr lang="ko-KR" altLang="en-US" dirty="0">
-                <a:solidFill>
-                  <a:schemeClr val="bg1"/>
-                </a:solidFill>
-                <a:latin typeface="나눔스퀘어 Bold" panose="020B0600000101010101" pitchFamily="50" charset="-127"/>
-                <a:ea typeface="나눔스퀘어 Bold" panose="020B0600000101010101" pitchFamily="50" charset="-127"/>
-              </a:rPr>
-              <a:t>상체는 탈의</a:t>
-            </a:r>
-            <a:endParaRPr lang="en-US" altLang="ko-KR" dirty="0">
-              <a:solidFill>
-                <a:schemeClr val="bg1"/>
-              </a:solidFill>
-              <a:latin typeface="나눔스퀘어 Bold" panose="020B0600000101010101" pitchFamily="50" charset="-127"/>
-              <a:ea typeface="나눔스퀘어 Bold" panose="020B0600000101010101" pitchFamily="50" charset="-127"/>
-            </a:endParaRPr>
-          </a:p>
-          <a:p>
-            <a:pPr>
-              <a:lnSpc>
-                <a:spcPct val="150000"/>
-              </a:lnSpc>
-            </a:pPr>
-            <a:r>
-              <a:rPr lang="ko-KR" altLang="en-US" dirty="0">
-                <a:solidFill>
-                  <a:schemeClr val="bg1"/>
-                </a:solidFill>
-                <a:latin typeface="나눔스퀘어 Bold" panose="020B0600000101010101" pitchFamily="50" charset="-127"/>
-                <a:ea typeface="나눔스퀘어 Bold" panose="020B0600000101010101" pitchFamily="50" charset="-127"/>
-              </a:rPr>
-              <a:t>하의는 군복을 입고 있는 형태</a:t>
             </a:r>
             <a:endParaRPr lang="en-US" altLang="ko-KR" dirty="0">
               <a:solidFill>
@@ -7645,8 +8437,8 @@
         </p:blipFill>
         <p:spPr bwMode="auto">
           <a:xfrm>
-            <a:off x="6634954" y="3833999"/>
-            <a:ext cx="3685255" cy="2760592"/>
+            <a:off x="6823591" y="2090550"/>
+            <a:ext cx="3573530" cy="2676900"/>
           </a:xfrm>
           <a:prstGeom prst="rect">
             <a:avLst/>
@@ -7775,7 +8567,7 @@
     </p:spTree>
     <p:extLst>
       <p:ext uri="{BB962C8B-B14F-4D97-AF65-F5344CB8AC3E}">
-        <p14:creationId xmlns:p14="http://schemas.microsoft.com/office/powerpoint/2010/main" val="802808175"/>
+        <p14:creationId xmlns:p14="http://schemas.microsoft.com/office/powerpoint/2010/main" val="681875852"/>
       </p:ext>
     </p:extLst>
   </p:cSld>
@@ -7810,108 +8602,6 @@
           <a:chExt cx="0" cy="0"/>
         </a:xfrm>
       </p:grpSpPr>
-      <p:pic>
-        <p:nvPicPr>
-          <p:cNvPr id="6146" name="Picture 2" descr="Ichigo Kurosaki"/>
-          <p:cNvPicPr>
-            <a:picLocks noChangeAspect="1" noChangeArrowheads="1"/>
-          </p:cNvPicPr>
-          <p:nvPr/>
-        </p:nvPicPr>
-        <p:blipFill>
-          <a:blip r:embed="rId2">
-            <a:extLst>
-              <a:ext uri="{28A0092B-C50C-407E-A947-70E740481C1C}">
-                <a14:useLocalDpi xmlns:a14="http://schemas.microsoft.com/office/drawing/2010/main" val="0"/>
-              </a:ext>
-            </a:extLst>
-          </a:blip>
-          <a:srcRect/>
-          <a:stretch>
-            <a:fillRect/>
-          </a:stretch>
-        </p:blipFill>
-        <p:spPr bwMode="auto">
-          <a:xfrm>
-            <a:off x="8010915" y="1657029"/>
-            <a:ext cx="2866000" cy="3960813"/>
-          </a:xfrm>
-          <a:prstGeom prst="rect">
-            <a:avLst/>
-          </a:prstGeom>
-          <a:noFill/>
-          <a:extLst>
-            <a:ext uri="{909E8E84-426E-40DD-AFC4-6F175D3DCCD1}">
-              <a14:hiddenFill xmlns:a14="http://schemas.microsoft.com/office/drawing/2010/main">
-                <a:solidFill>
-                  <a:srgbClr val="FFFFFF"/>
-                </a:solidFill>
-              </a14:hiddenFill>
-            </a:ext>
-          </a:extLst>
-        </p:spPr>
-      </p:pic>
-      <p:sp>
-        <p:nvSpPr>
-          <p:cNvPr id="5" name="TextBox 4"/>
-          <p:cNvSpPr txBox="1"/>
-          <p:nvPr/>
-        </p:nvSpPr>
-        <p:spPr>
-          <a:xfrm>
-            <a:off x="863125" y="1606680"/>
-            <a:ext cx="3486684" cy="923330"/>
-          </a:xfrm>
-          <a:prstGeom prst="rect">
-            <a:avLst/>
-          </a:prstGeom>
-          <a:noFill/>
-        </p:spPr>
-        <p:txBody>
-          <a:bodyPr wrap="square" rtlCol="0">
-            <a:spAutoFit/>
-          </a:bodyPr>
-          <a:lstStyle/>
-          <a:p>
-            <a:r>
-              <a:rPr lang="ko-KR" altLang="en-US" dirty="0">
-                <a:solidFill>
-                  <a:schemeClr val="bg1"/>
-                </a:solidFill>
-                <a:latin typeface="나눔스퀘어 Bold" panose="020B0600000101010101" pitchFamily="50" charset="-127"/>
-                <a:ea typeface="나눔스퀘어 Bold" panose="020B0600000101010101" pitchFamily="50" charset="-127"/>
-              </a:rPr>
-              <a:t>자신의 동료를 지키기 위해</a:t>
-            </a:r>
-            <a:endParaRPr lang="en-US" altLang="ko-KR" dirty="0">
-              <a:solidFill>
-                <a:schemeClr val="bg1"/>
-              </a:solidFill>
-              <a:latin typeface="나눔스퀘어 Bold" panose="020B0600000101010101" pitchFamily="50" charset="-127"/>
-              <a:ea typeface="나눔스퀘어 Bold" panose="020B0600000101010101" pitchFamily="50" charset="-127"/>
-            </a:endParaRPr>
-          </a:p>
-          <a:p>
-            <a:r>
-              <a:rPr lang="ko-KR" altLang="en-US" dirty="0">
-                <a:solidFill>
-                  <a:schemeClr val="bg1"/>
-                </a:solidFill>
-                <a:latin typeface="나눔스퀘어 Bold" panose="020B0600000101010101" pitchFamily="50" charset="-127"/>
-                <a:ea typeface="나눔스퀘어 Bold" panose="020B0600000101010101" pitchFamily="50" charset="-127"/>
-              </a:rPr>
-              <a:t>무모할 정도로 모든 것을 포기 할 수 있는 성격</a:t>
-            </a:r>
-            <a:endParaRPr lang="en-US" altLang="ko-KR" dirty="0">
-              <a:solidFill>
-                <a:schemeClr val="bg1"/>
-              </a:solidFill>
-              <a:latin typeface="나눔스퀘어 Bold" panose="020B0600000101010101" pitchFamily="50" charset="-127"/>
-              <a:ea typeface="나눔스퀘어 Bold" panose="020B0600000101010101" pitchFamily="50" charset="-127"/>
-            </a:endParaRPr>
-          </a:p>
-        </p:txBody>
-      </p:sp>
       <p:sp>
         <p:nvSpPr>
           <p:cNvPr id="6" name="직사각형 5">
@@ -8018,6 +8708,138 @@
               </a:rPr>
               <a:t>신규 캐릭터 성격 모티브</a:t>
             </a:r>
+          </a:p>
+        </p:txBody>
+      </p:sp>
+      <p:pic>
+        <p:nvPicPr>
+          <p:cNvPr id="2050" name="Picture 2" descr="완전호로화 쿠로사키 이치고"/>
+          <p:cNvPicPr>
+            <a:picLocks noChangeAspect="1" noChangeArrowheads="1"/>
+          </p:cNvPicPr>
+          <p:nvPr/>
+        </p:nvPicPr>
+        <p:blipFill>
+          <a:blip r:embed="rId2">
+            <a:extLst>
+              <a:ext uri="{28A0092B-C50C-407E-A947-70E740481C1C}">
+                <a14:useLocalDpi xmlns:a14="http://schemas.microsoft.com/office/drawing/2010/main" val="0"/>
+              </a:ext>
+            </a:extLst>
+          </a:blip>
+          <a:srcRect/>
+          <a:stretch>
+            <a:fillRect/>
+          </a:stretch>
+        </p:blipFill>
+        <p:spPr bwMode="auto">
+          <a:xfrm>
+            <a:off x="3371850" y="1528762"/>
+            <a:ext cx="5448300" cy="3518339"/>
+          </a:xfrm>
+          <a:prstGeom prst="rect">
+            <a:avLst/>
+          </a:prstGeom>
+          <a:noFill/>
+          <a:extLst>
+            <a:ext uri="{909E8E84-426E-40DD-AFC4-6F175D3DCCD1}">
+              <a14:hiddenFill xmlns:a14="http://schemas.microsoft.com/office/drawing/2010/main">
+                <a:solidFill>
+                  <a:srgbClr val="FFFFFF"/>
+                </a:solidFill>
+              </a14:hiddenFill>
+            </a:ext>
+          </a:extLst>
+        </p:spPr>
+      </p:pic>
+      <p:sp>
+        <p:nvSpPr>
+          <p:cNvPr id="8" name="TextBox 7"/>
+          <p:cNvSpPr txBox="1"/>
+          <p:nvPr/>
+        </p:nvSpPr>
+        <p:spPr>
+          <a:xfrm>
+            <a:off x="3371850" y="5062066"/>
+            <a:ext cx="5448300" cy="923330"/>
+          </a:xfrm>
+          <a:prstGeom prst="rect">
+            <a:avLst/>
+          </a:prstGeom>
+          <a:noFill/>
+        </p:spPr>
+        <p:txBody>
+          <a:bodyPr wrap="square" rtlCol="0">
+            <a:spAutoFit/>
+          </a:bodyPr>
+          <a:lstStyle/>
+          <a:p>
+            <a:pPr>
+              <a:lnSpc>
+                <a:spcPct val="150000"/>
+              </a:lnSpc>
+            </a:pPr>
+            <a:r>
+              <a:rPr lang="ko-KR" altLang="en-US" dirty="0" smtClean="0">
+                <a:solidFill>
+                  <a:schemeClr val="bg1"/>
+                </a:solidFill>
+                <a:latin typeface="나눔스퀘어 Bold" panose="020B0600000101010101" pitchFamily="50" charset="-127"/>
+                <a:ea typeface="나눔스퀘어 Bold" panose="020B0600000101010101" pitchFamily="50" charset="-127"/>
+              </a:rPr>
+              <a:t>     자신의 </a:t>
+            </a:r>
+            <a:r>
+              <a:rPr lang="ko-KR" altLang="en-US" dirty="0">
+                <a:solidFill>
+                  <a:schemeClr val="bg1"/>
+                </a:solidFill>
+                <a:latin typeface="나눔스퀘어 Bold" panose="020B0600000101010101" pitchFamily="50" charset="-127"/>
+                <a:ea typeface="나눔스퀘어 Bold" panose="020B0600000101010101" pitchFamily="50" charset="-127"/>
+              </a:rPr>
+              <a:t>동료를 지키기 위해</a:t>
+            </a:r>
+            <a:endParaRPr lang="en-US" altLang="ko-KR" dirty="0">
+              <a:solidFill>
+                <a:schemeClr val="bg1"/>
+              </a:solidFill>
+              <a:latin typeface="나눔스퀘어 Bold" panose="020B0600000101010101" pitchFamily="50" charset="-127"/>
+              <a:ea typeface="나눔스퀘어 Bold" panose="020B0600000101010101" pitchFamily="50" charset="-127"/>
+            </a:endParaRPr>
+          </a:p>
+          <a:p>
+            <a:pPr algn="ctr">
+              <a:lnSpc>
+                <a:spcPct val="150000"/>
+              </a:lnSpc>
+            </a:pPr>
+            <a:r>
+              <a:rPr lang="ko-KR" altLang="en-US" dirty="0">
+                <a:solidFill>
+                  <a:schemeClr val="bg1"/>
+                </a:solidFill>
+                <a:latin typeface="나눔스퀘어 Bold" panose="020B0600000101010101" pitchFamily="50" charset="-127"/>
+                <a:ea typeface="나눔스퀘어 Bold" panose="020B0600000101010101" pitchFamily="50" charset="-127"/>
+              </a:rPr>
+              <a:t>무모할 정도로 모든 것을 포기 할 수 있는 </a:t>
+            </a:r>
+            <a:r>
+              <a:rPr lang="ko-KR" altLang="en-US" dirty="0" smtClean="0">
+                <a:solidFill>
+                  <a:schemeClr val="bg1"/>
+                </a:solidFill>
+                <a:latin typeface="나눔스퀘어 Bold" panose="020B0600000101010101" pitchFamily="50" charset="-127"/>
+                <a:ea typeface="나눔스퀘어 Bold" panose="020B0600000101010101" pitchFamily="50" charset="-127"/>
+              </a:rPr>
+              <a:t>성격 차용</a:t>
+            </a:r>
+            <a:endParaRPr lang="en-US" altLang="ko-KR" dirty="0">
+              <a:solidFill>
+                <a:schemeClr val="bg1"/>
+              </a:solidFill>
+              <a:latin typeface="나눔스퀘어 Bold" panose="020B0600000101010101" pitchFamily="50" charset="-127"/>
+              <a:ea typeface="나눔스퀘어 Bold" panose="020B0600000101010101" pitchFamily="50" charset="-127"/>
+            </a:endParaRPr>
           </a:p>
         </p:txBody>
       </p:sp>
@@ -8168,6 +8990,575 @@
           </a:p>
         </p:txBody>
       </p:sp>
+      <p:pic>
+        <p:nvPicPr>
+          <p:cNvPr id="6" name="Picture 4" descr="Imatge"/>
+          <p:cNvPicPr>
+            <a:picLocks noChangeAspect="1" noChangeArrowheads="1"/>
+          </p:cNvPicPr>
+          <p:nvPr/>
+        </p:nvPicPr>
+        <p:blipFill>
+          <a:blip r:embed="rId2">
+            <a:extLst>
+              <a:ext uri="{BEBA8EAE-BF5A-486C-A8C5-ECC9F3942E4B}">
+                <a14:imgProps xmlns:a14="http://schemas.microsoft.com/office/drawing/2010/main">
+                  <a14:imgLayer r:embed="rId3">
+                    <a14:imgEffect>
+                      <a14:backgroundRemoval t="8981" b="99757" l="10000" r="90000">
+                        <a14:foregroundMark x1="47818" y1="13835" x2="49091" y2="9223"/>
+                        <a14:foregroundMark x1="49091" y1="11650" x2="50545" y2="10680"/>
+                        <a14:foregroundMark x1="47818" y1="58252" x2="34545" y2="99757"/>
+                        <a14:foregroundMark x1="48000" y1="62379" x2="38909" y2="99757"/>
+                        <a14:foregroundMark x1="57818" y1="60437" x2="61455" y2="98058"/>
+                        <a14:foregroundMark x1="46545" y1="10194" x2="46545" y2="10194"/>
+                        <a14:foregroundMark x1="46182" y1="11893" x2="46182" y2="11893"/>
+                        <a14:backgroundMark x1="40182" y1="15534" x2="14545" y2="42718"/>
+                        <a14:backgroundMark x1="71636" y1="44903" x2="70000" y2="84709"/>
+                        <a14:backgroundMark x1="32727" y1="63592" x2="22000" y2="81553"/>
+                        <a14:backgroundMark x1="58909" y1="18204" x2="58909" y2="18204"/>
+                        <a14:backgroundMark x1="49273" y1="94175" x2="49273" y2="94175"/>
+                        <a14:backgroundMark x1="49636" y1="84709" x2="49636" y2="84709"/>
+                        <a14:backgroundMark x1="49636" y1="83738" x2="49636" y2="83738"/>
+                        <a14:backgroundMark x1="70545" y1="97087" x2="72364" y2="98058"/>
+                      </a14:backgroundRemoval>
+                    </a14:imgEffect>
+                  </a14:imgLayer>
+                </a14:imgProps>
+              </a:ext>
+              <a:ext uri="{28A0092B-C50C-407E-A947-70E740481C1C}">
+                <a14:useLocalDpi xmlns:a14="http://schemas.microsoft.com/office/drawing/2010/main" val="0"/>
+              </a:ext>
+            </a:extLst>
+          </a:blip>
+          <a:srcRect/>
+          <a:stretch>
+            <a:fillRect/>
+          </a:stretch>
+        </p:blipFill>
+        <p:spPr bwMode="auto">
+          <a:xfrm>
+            <a:off x="2537393" y="1526528"/>
+            <a:ext cx="7117253" cy="5331472"/>
+          </a:xfrm>
+          <a:prstGeom prst="rect">
+            <a:avLst/>
+          </a:prstGeom>
+          <a:noFill/>
+          <a:extLst>
+            <a:ext uri="{909E8E84-426E-40DD-AFC4-6F175D3DCCD1}">
+              <a14:hiddenFill xmlns:a14="http://schemas.microsoft.com/office/drawing/2010/main">
+                <a:solidFill>
+                  <a:srgbClr val="FFFFFF"/>
+                </a:solidFill>
+              </a14:hiddenFill>
+            </a:ext>
+          </a:extLst>
+        </p:spPr>
+      </p:pic>
+      <p:grpSp>
+        <p:nvGrpSpPr>
+          <p:cNvPr id="9" name="그룹 8"/>
+          <p:cNvGrpSpPr/>
+          <p:nvPr/>
+        </p:nvGrpSpPr>
+        <p:grpSpPr>
+          <a:xfrm>
+            <a:off x="7530091" y="1520825"/>
+            <a:ext cx="3777241" cy="1273323"/>
+            <a:chOff x="7434841" y="1457058"/>
+            <a:chExt cx="3777241" cy="1273323"/>
+          </a:xfrm>
+        </p:grpSpPr>
+        <p:cxnSp>
+          <p:nvCxnSpPr>
+            <p:cNvPr id="3" name="직선 연결선 2"/>
+            <p:cNvCxnSpPr>
+              <a:endCxn id="7" idx="1"/>
+            </p:cNvCxnSpPr>
+            <p:nvPr/>
+          </p:nvCxnSpPr>
+          <p:spPr>
+            <a:xfrm>
+              <a:off x="7434841" y="2093720"/>
+              <a:ext cx="1563880" cy="0"/>
+            </a:xfrm>
+            <a:prstGeom prst="line">
+              <a:avLst/>
+            </a:prstGeom>
+            <a:ln>
+              <a:solidFill>
+                <a:schemeClr val="bg1"/>
+              </a:solidFill>
+            </a:ln>
+          </p:spPr>
+          <p:style>
+            <a:lnRef idx="1">
+              <a:schemeClr val="accent1"/>
+            </a:lnRef>
+            <a:fillRef idx="0">
+              <a:schemeClr val="accent1"/>
+            </a:fillRef>
+            <a:effectRef idx="0">
+              <a:schemeClr val="accent1"/>
+            </a:effectRef>
+            <a:fontRef idx="minor">
+              <a:schemeClr val="tx1"/>
+            </a:fontRef>
+          </p:style>
+        </p:cxnSp>
+        <p:sp>
+          <p:nvSpPr>
+            <p:cNvPr id="7" name="직사각형 6"/>
+            <p:cNvSpPr/>
+            <p:nvPr/>
+          </p:nvSpPr>
+          <p:spPr>
+            <a:xfrm>
+              <a:off x="8998721" y="1457058"/>
+              <a:ext cx="2213361" cy="1273323"/>
+            </a:xfrm>
+            <a:prstGeom prst="rect">
+              <a:avLst/>
+            </a:prstGeom>
+            <a:noFill/>
+            <a:ln w="25400">
+              <a:solidFill>
+                <a:schemeClr val="bg1"/>
+              </a:solidFill>
+            </a:ln>
+          </p:spPr>
+          <p:style>
+            <a:lnRef idx="2">
+              <a:schemeClr val="accent1">
+                <a:shade val="50000"/>
+              </a:schemeClr>
+            </a:lnRef>
+            <a:fillRef idx="1">
+              <a:schemeClr val="accent1"/>
+            </a:fillRef>
+            <a:effectRef idx="0">
+              <a:schemeClr val="accent1"/>
+            </a:effectRef>
+            <a:fontRef idx="minor">
+              <a:schemeClr val="lt1"/>
+            </a:fontRef>
+          </p:style>
+          <p:txBody>
+            <a:bodyPr rtlCol="0" anchor="t"/>
+            <a:lstStyle/>
+            <a:p>
+              <a:pPr>
+                <a:lnSpc>
+                  <a:spcPct val="150000"/>
+                </a:lnSpc>
+              </a:pPr>
+              <a:r>
+                <a:rPr lang="ko-KR" altLang="en-US" dirty="0" smtClean="0">
+                  <a:latin typeface="나눔스퀘어 Bold" panose="020B0600000101010101" pitchFamily="50" charset="-127"/>
+                  <a:ea typeface="나눔스퀘어 Bold" panose="020B0600000101010101" pitchFamily="50" charset="-127"/>
+                </a:rPr>
+                <a:t>무기</a:t>
+              </a:r>
+              <a:endParaRPr lang="en-US" altLang="ko-KR" dirty="0" smtClean="0">
+                <a:latin typeface="나눔스퀘어 Bold" panose="020B0600000101010101" pitchFamily="50" charset="-127"/>
+                <a:ea typeface="나눔스퀘어 Bold" panose="020B0600000101010101" pitchFamily="50" charset="-127"/>
+              </a:endParaRPr>
+            </a:p>
+            <a:p>
+              <a:pPr>
+                <a:lnSpc>
+                  <a:spcPct val="150000"/>
+                </a:lnSpc>
+              </a:pPr>
+              <a:r>
+                <a:rPr lang="ko-KR" altLang="en-US" dirty="0" smtClean="0">
+                  <a:latin typeface="나눔스퀘어 Bold" panose="020B0600000101010101" pitchFamily="50" charset="-127"/>
+                  <a:ea typeface="나눔스퀘어 Bold" panose="020B0600000101010101" pitchFamily="50" charset="-127"/>
+                </a:rPr>
+                <a:t>날카로운 징이 달린</a:t>
+              </a:r>
+              <a:endParaRPr lang="en-US" altLang="ko-KR" dirty="0" smtClean="0">
+                <a:latin typeface="나눔스퀘어 Bold" panose="020B0600000101010101" pitchFamily="50" charset="-127"/>
+                <a:ea typeface="나눔스퀘어 Bold" panose="020B0600000101010101" pitchFamily="50" charset="-127"/>
+              </a:endParaRPr>
+            </a:p>
+            <a:p>
+              <a:pPr>
+                <a:lnSpc>
+                  <a:spcPct val="150000"/>
+                </a:lnSpc>
+              </a:pPr>
+              <a:r>
+                <a:rPr lang="ko-KR" altLang="en-US" dirty="0" err="1" smtClean="0">
+                  <a:latin typeface="나눔스퀘어 Bold" panose="020B0600000101010101" pitchFamily="50" charset="-127"/>
+                  <a:ea typeface="나눔스퀘어 Bold" panose="020B0600000101010101" pitchFamily="50" charset="-127"/>
+                </a:rPr>
+                <a:t>너클의</a:t>
+              </a:r>
+              <a:r>
+                <a:rPr lang="ko-KR" altLang="en-US" dirty="0" smtClean="0">
+                  <a:latin typeface="나눔스퀘어 Bold" panose="020B0600000101010101" pitchFamily="50" charset="-127"/>
+                  <a:ea typeface="나눔스퀘어 Bold" panose="020B0600000101010101" pitchFamily="50" charset="-127"/>
+                </a:rPr>
+                <a:t> 형태</a:t>
+              </a:r>
+              <a:endParaRPr lang="ko-KR" altLang="en-US" dirty="0">
+                <a:latin typeface="나눔스퀘어 Bold" panose="020B0600000101010101" pitchFamily="50" charset="-127"/>
+                <a:ea typeface="나눔스퀘어 Bold" panose="020B0600000101010101" pitchFamily="50" charset="-127"/>
+              </a:endParaRPr>
+            </a:p>
+          </p:txBody>
+        </p:sp>
+      </p:grpSp>
+      <p:cxnSp>
+        <p:nvCxnSpPr>
+          <p:cNvPr id="11" name="직선 연결선 10"/>
+          <p:cNvCxnSpPr>
+            <a:stCxn id="12" idx="3"/>
+          </p:cNvCxnSpPr>
+          <p:nvPr/>
+        </p:nvCxnSpPr>
+        <p:spPr>
+          <a:xfrm>
+            <a:off x="3238500" y="3143250"/>
+            <a:ext cx="1504950" cy="0"/>
+          </a:xfrm>
+          <a:prstGeom prst="line">
+            <a:avLst/>
+          </a:prstGeom>
+          <a:ln>
+            <a:solidFill>
+              <a:schemeClr val="bg1"/>
+            </a:solidFill>
+          </a:ln>
+        </p:spPr>
+        <p:style>
+          <a:lnRef idx="1">
+            <a:schemeClr val="accent1"/>
+          </a:lnRef>
+          <a:fillRef idx="0">
+            <a:schemeClr val="accent1"/>
+          </a:fillRef>
+          <a:effectRef idx="0">
+            <a:schemeClr val="accent1"/>
+          </a:effectRef>
+          <a:fontRef idx="minor">
+            <a:schemeClr val="tx1"/>
+          </a:fontRef>
+        </p:style>
+      </p:cxnSp>
+      <p:sp>
+        <p:nvSpPr>
+          <p:cNvPr id="12" name="직사각형 11"/>
+          <p:cNvSpPr/>
+          <p:nvPr/>
+        </p:nvSpPr>
+        <p:spPr>
+          <a:xfrm>
+            <a:off x="457200" y="2424112"/>
+            <a:ext cx="2781300" cy="1438275"/>
+          </a:xfrm>
+          <a:prstGeom prst="rect">
+            <a:avLst/>
+          </a:prstGeom>
+          <a:noFill/>
+          <a:ln w="25400">
+            <a:solidFill>
+              <a:schemeClr val="bg1"/>
+            </a:solidFill>
+          </a:ln>
+        </p:spPr>
+        <p:style>
+          <a:lnRef idx="2">
+            <a:schemeClr val="accent1">
+              <a:shade val="50000"/>
+            </a:schemeClr>
+          </a:lnRef>
+          <a:fillRef idx="1">
+            <a:schemeClr val="accent1"/>
+          </a:fillRef>
+          <a:effectRef idx="0">
+            <a:schemeClr val="accent1"/>
+          </a:effectRef>
+          <a:fontRef idx="minor">
+            <a:schemeClr val="lt1"/>
+          </a:fontRef>
+        </p:style>
+        <p:txBody>
+          <a:bodyPr rtlCol="0" anchor="t"/>
+          <a:lstStyle/>
+          <a:p>
+            <a:pPr>
+              <a:lnSpc>
+                <a:spcPct val="150000"/>
+              </a:lnSpc>
+            </a:pPr>
+            <a:r>
+              <a:rPr lang="ko-KR" altLang="en-US" dirty="0" smtClean="0">
+                <a:latin typeface="나눔스퀘어 Bold" panose="020B0600000101010101" pitchFamily="50" charset="-127"/>
+                <a:ea typeface="나눔스퀘어 Bold" panose="020B0600000101010101" pitchFamily="50" charset="-127"/>
+              </a:rPr>
+              <a:t>상체</a:t>
+            </a:r>
+            <a:endParaRPr lang="en-US" altLang="ko-KR" dirty="0" smtClean="0">
+              <a:latin typeface="나눔스퀘어 Bold" panose="020B0600000101010101" pitchFamily="50" charset="-127"/>
+              <a:ea typeface="나눔스퀘어 Bold" panose="020B0600000101010101" pitchFamily="50" charset="-127"/>
+            </a:endParaRPr>
+          </a:p>
+          <a:p>
+            <a:pPr>
+              <a:lnSpc>
+                <a:spcPct val="150000"/>
+              </a:lnSpc>
+            </a:pPr>
+            <a:r>
+              <a:rPr lang="ko-KR" altLang="en-US" dirty="0" smtClean="0">
+                <a:latin typeface="나눔스퀘어 Bold" panose="020B0600000101010101" pitchFamily="50" charset="-127"/>
+                <a:ea typeface="나눔스퀘어 Bold" panose="020B0600000101010101" pitchFamily="50" charset="-127"/>
+              </a:rPr>
+              <a:t>과도하게 느껴질 만큼</a:t>
+            </a:r>
+            <a:endParaRPr lang="en-US" altLang="ko-KR" dirty="0" smtClean="0">
+              <a:latin typeface="나눔스퀘어 Bold" panose="020B0600000101010101" pitchFamily="50" charset="-127"/>
+              <a:ea typeface="나눔스퀘어 Bold" panose="020B0600000101010101" pitchFamily="50" charset="-127"/>
+            </a:endParaRPr>
+          </a:p>
+          <a:p>
+            <a:pPr>
+              <a:lnSpc>
+                <a:spcPct val="150000"/>
+              </a:lnSpc>
+            </a:pPr>
+            <a:r>
+              <a:rPr lang="ko-KR" altLang="en-US" dirty="0" smtClean="0">
+                <a:latin typeface="나눔스퀘어 Bold" panose="020B0600000101010101" pitchFamily="50" charset="-127"/>
+                <a:ea typeface="나눔스퀘어 Bold" panose="020B0600000101010101" pitchFamily="50" charset="-127"/>
+              </a:rPr>
+              <a:t>큰 근육이 포인트</a:t>
+            </a:r>
+            <a:endParaRPr lang="ko-KR" altLang="en-US" dirty="0">
+              <a:latin typeface="나눔스퀘어 Bold" panose="020B0600000101010101" pitchFamily="50" charset="-127"/>
+              <a:ea typeface="나눔스퀘어 Bold" panose="020B0600000101010101" pitchFamily="50" charset="-127"/>
+            </a:endParaRPr>
+          </a:p>
+        </p:txBody>
+      </p:sp>
+      <p:cxnSp>
+        <p:nvCxnSpPr>
+          <p:cNvPr id="15" name="직선 연결선 14"/>
+          <p:cNvCxnSpPr>
+            <a:endCxn id="16" idx="1"/>
+          </p:cNvCxnSpPr>
+          <p:nvPr/>
+        </p:nvCxnSpPr>
+        <p:spPr>
+          <a:xfrm flipV="1">
+            <a:off x="7023100" y="5481712"/>
+            <a:ext cx="2070871" cy="4688"/>
+          </a:xfrm>
+          <a:prstGeom prst="line">
+            <a:avLst/>
+          </a:prstGeom>
+          <a:ln>
+            <a:solidFill>
+              <a:schemeClr val="bg1"/>
+            </a:solidFill>
+          </a:ln>
+        </p:spPr>
+        <p:style>
+          <a:lnRef idx="1">
+            <a:schemeClr val="accent1"/>
+          </a:lnRef>
+          <a:fillRef idx="0">
+            <a:schemeClr val="accent1"/>
+          </a:fillRef>
+          <a:effectRef idx="0">
+            <a:schemeClr val="accent1"/>
+          </a:effectRef>
+          <a:fontRef idx="minor">
+            <a:schemeClr val="tx1"/>
+          </a:fontRef>
+        </p:style>
+      </p:cxnSp>
+      <p:sp>
+        <p:nvSpPr>
+          <p:cNvPr id="16" name="직사각형 15"/>
+          <p:cNvSpPr/>
+          <p:nvPr/>
+        </p:nvSpPr>
+        <p:spPr>
+          <a:xfrm>
+            <a:off x="9093971" y="4845050"/>
+            <a:ext cx="2213361" cy="1273323"/>
+          </a:xfrm>
+          <a:prstGeom prst="rect">
+            <a:avLst/>
+          </a:prstGeom>
+          <a:noFill/>
+          <a:ln w="25400">
+            <a:solidFill>
+              <a:schemeClr val="bg1"/>
+            </a:solidFill>
+          </a:ln>
+        </p:spPr>
+        <p:style>
+          <a:lnRef idx="2">
+            <a:schemeClr val="accent1">
+              <a:shade val="50000"/>
+            </a:schemeClr>
+          </a:lnRef>
+          <a:fillRef idx="1">
+            <a:schemeClr val="accent1"/>
+          </a:fillRef>
+          <a:effectRef idx="0">
+            <a:schemeClr val="accent1"/>
+          </a:effectRef>
+          <a:fontRef idx="minor">
+            <a:schemeClr val="lt1"/>
+          </a:fontRef>
+        </p:style>
+        <p:txBody>
+          <a:bodyPr rtlCol="0" anchor="t"/>
+          <a:lstStyle/>
+          <a:p>
+            <a:pPr>
+              <a:lnSpc>
+                <a:spcPct val="150000"/>
+              </a:lnSpc>
+            </a:pPr>
+            <a:r>
+              <a:rPr lang="ko-KR" altLang="en-US" dirty="0" smtClean="0">
+                <a:latin typeface="나눔스퀘어 Bold" panose="020B0600000101010101" pitchFamily="50" charset="-127"/>
+                <a:ea typeface="나눔스퀘어 Bold" panose="020B0600000101010101" pitchFamily="50" charset="-127"/>
+              </a:rPr>
+              <a:t>하체</a:t>
+            </a:r>
+            <a:endParaRPr lang="en-US" altLang="ko-KR" dirty="0" smtClean="0">
+              <a:latin typeface="나눔스퀘어 Bold" panose="020B0600000101010101" pitchFamily="50" charset="-127"/>
+              <a:ea typeface="나눔스퀘어 Bold" panose="020B0600000101010101" pitchFamily="50" charset="-127"/>
+            </a:endParaRPr>
+          </a:p>
+          <a:p>
+            <a:pPr>
+              <a:lnSpc>
+                <a:spcPct val="150000"/>
+              </a:lnSpc>
+            </a:pPr>
+            <a:r>
+              <a:rPr lang="ko-KR" altLang="en-US" dirty="0" smtClean="0">
+                <a:latin typeface="나눔스퀘어 Bold" panose="020B0600000101010101" pitchFamily="50" charset="-127"/>
+                <a:ea typeface="나눔스퀘어 Bold" panose="020B0600000101010101" pitchFamily="50" charset="-127"/>
+              </a:rPr>
+              <a:t>몸에 딱 떨어지는 </a:t>
+            </a:r>
+            <a:endParaRPr lang="en-US" altLang="ko-KR" dirty="0" smtClean="0">
+              <a:latin typeface="나눔스퀘어 Bold" panose="020B0600000101010101" pitchFamily="50" charset="-127"/>
+              <a:ea typeface="나눔스퀘어 Bold" panose="020B0600000101010101" pitchFamily="50" charset="-127"/>
+            </a:endParaRPr>
+          </a:p>
+          <a:p>
+            <a:pPr>
+              <a:lnSpc>
+                <a:spcPct val="150000"/>
+              </a:lnSpc>
+            </a:pPr>
+            <a:r>
+              <a:rPr lang="ko-KR" altLang="en-US" dirty="0" smtClean="0">
+                <a:latin typeface="나눔스퀘어 Bold" panose="020B0600000101010101" pitchFamily="50" charset="-127"/>
+                <a:ea typeface="나눔스퀘어 Bold" panose="020B0600000101010101" pitchFamily="50" charset="-127"/>
+              </a:rPr>
+              <a:t>군복 하의와 전투화</a:t>
+            </a:r>
+            <a:endParaRPr lang="ko-KR" altLang="en-US" dirty="0">
+              <a:latin typeface="나눔스퀘어 Bold" panose="020B0600000101010101" pitchFamily="50" charset="-127"/>
+              <a:ea typeface="나눔스퀘어 Bold" panose="020B0600000101010101" pitchFamily="50" charset="-127"/>
+            </a:endParaRPr>
+          </a:p>
+        </p:txBody>
+      </p:sp>
+      <p:pic>
+        <p:nvPicPr>
+          <p:cNvPr id="3074" name="Picture 2" descr="G마켓 - 사막색/전투복/상하의 BDU세트/태양의 후예/군복"/>
+          <p:cNvPicPr>
+            <a:picLocks noChangeAspect="1" noChangeArrowheads="1"/>
+          </p:cNvPicPr>
+          <p:nvPr/>
+        </p:nvPicPr>
+        <p:blipFill>
+          <a:blip r:embed="rId4" cstate="print">
+            <a:extLst>
+              <a:ext uri="{28A0092B-C50C-407E-A947-70E740481C1C}">
+                <a14:useLocalDpi xmlns:a14="http://schemas.microsoft.com/office/drawing/2010/main" val="0"/>
+              </a:ext>
+            </a:extLst>
+          </a:blip>
+          <a:srcRect/>
+          <a:stretch>
+            <a:fillRect/>
+          </a:stretch>
+        </p:blipFill>
+        <p:spPr bwMode="auto">
+          <a:xfrm flipH="1">
+            <a:off x="6873132" y="4371291"/>
+            <a:ext cx="2220839" cy="2220839"/>
+          </a:xfrm>
+          <a:prstGeom prst="rect">
+            <a:avLst/>
+          </a:prstGeom>
+          <a:noFill/>
+          <a:extLst>
+            <a:ext uri="{909E8E84-426E-40DD-AFC4-6F175D3DCCD1}">
+              <a14:hiddenFill xmlns:a14="http://schemas.microsoft.com/office/drawing/2010/main">
+                <a:solidFill>
+                  <a:srgbClr val="FFFFFF"/>
+                </a:solidFill>
+              </a14:hiddenFill>
+            </a:ext>
+          </a:extLst>
+        </p:spPr>
+      </p:pic>
+      <p:pic>
+        <p:nvPicPr>
+          <p:cNvPr id="3076" name="Picture 4" descr="attachment/너클/22"/>
+          <p:cNvPicPr>
+            <a:picLocks noChangeAspect="1" noChangeArrowheads="1"/>
+          </p:cNvPicPr>
+          <p:nvPr/>
+        </p:nvPicPr>
+        <p:blipFill>
+          <a:blip r:embed="rId5" cstate="print">
+            <a:extLst>
+              <a:ext uri="{28A0092B-C50C-407E-A947-70E740481C1C}">
+                <a14:useLocalDpi xmlns:a14="http://schemas.microsoft.com/office/drawing/2010/main" val="0"/>
+              </a:ext>
+            </a:extLst>
+          </a:blip>
+          <a:srcRect/>
+          <a:stretch>
+            <a:fillRect/>
+          </a:stretch>
+        </p:blipFill>
+        <p:spPr bwMode="auto">
+          <a:xfrm>
+            <a:off x="9250008" y="94861"/>
+            <a:ext cx="1901285" cy="1425964"/>
+          </a:xfrm>
+          <a:prstGeom prst="rect">
+            <a:avLst/>
+          </a:prstGeom>
+          <a:noFill/>
+          <a:extLst>
+            <a:ext uri="{909E8E84-426E-40DD-AFC4-6F175D3DCCD1}">
+              <a14:hiddenFill xmlns:a14="http://schemas.microsoft.com/office/drawing/2010/main">
+                <a:solidFill>
+                  <a:srgbClr val="FFFFFF"/>
+                </a:solidFill>
+              </a14:hiddenFill>
+            </a:ext>
+          </a:extLst>
+        </p:spPr>
+      </p:pic>
     </p:spTree>
     <p:extLst>
       <p:ext uri="{BB962C8B-B14F-4D97-AF65-F5344CB8AC3E}">
@@ -8214,8 +9605,8 @@
         </p:nvSpPr>
         <p:spPr>
           <a:xfrm>
-            <a:off x="1273323" y="1495514"/>
-            <a:ext cx="4195985" cy="4207370"/>
+            <a:off x="561975" y="1530350"/>
+            <a:ext cx="4381500" cy="4207370"/>
           </a:xfrm>
           <a:prstGeom prst="rect">
             <a:avLst/>
@@ -8235,6 +9626,9 @@
             </a:pPr>
             <a:r>
               <a:rPr lang="ko-KR" altLang="en-US" dirty="0">
+                <a:solidFill>
+                  <a:schemeClr val="bg1"/>
+                </a:solidFill>
                 <a:latin typeface="나눔스퀘어 Bold" panose="020B0600000101010101" pitchFamily="50" charset="-127"/>
                 <a:ea typeface="나눔스퀘어 Bold" panose="020B0600000101010101" pitchFamily="50" charset="-127"/>
               </a:rPr>
@@ -8242,6 +9636,9 @@
             </a:r>
             <a:r>
               <a:rPr lang="en-US" altLang="ko-KR" dirty="0">
+                <a:solidFill>
+                  <a:schemeClr val="bg1"/>
+                </a:solidFill>
                 <a:latin typeface="나눔스퀘어 Bold" panose="020B0600000101010101" pitchFamily="50" charset="-127"/>
                 <a:ea typeface="나눔스퀘어 Bold" panose="020B0600000101010101" pitchFamily="50" charset="-127"/>
               </a:rPr>
@@ -8249,6 +9646,9 @@
             </a:r>
             <a:r>
               <a:rPr lang="ko-KR" altLang="en-US" dirty="0">
+                <a:solidFill>
+                  <a:schemeClr val="bg1"/>
+                </a:solidFill>
                 <a:latin typeface="나눔스퀘어 Bold" panose="020B0600000101010101" pitchFamily="50" charset="-127"/>
                 <a:ea typeface="나눔스퀘어 Bold" panose="020B0600000101010101" pitchFamily="50" charset="-127"/>
               </a:rPr>
@@ -8256,6 +9656,9 @@
             </a:r>
             <a:r>
               <a:rPr lang="en-US" altLang="ko-KR" dirty="0">
+                <a:solidFill>
+                  <a:schemeClr val="bg1"/>
+                </a:solidFill>
                 <a:latin typeface="나눔스퀘어 Bold" panose="020B0600000101010101" pitchFamily="50" charset="-127"/>
                 <a:ea typeface="나눔스퀘어 Bold" panose="020B0600000101010101" pitchFamily="50" charset="-127"/>
               </a:rPr>
@@ -8270,6 +9673,9 @@
             </a:pPr>
             <a:r>
               <a:rPr lang="ko-KR" altLang="en-US" dirty="0">
+                <a:solidFill>
+                  <a:schemeClr val="bg1"/>
+                </a:solidFill>
                 <a:latin typeface="나눔스퀘어 Bold" panose="020B0600000101010101" pitchFamily="50" charset="-127"/>
                 <a:ea typeface="나눔스퀘어 Bold" panose="020B0600000101010101" pitchFamily="50" charset="-127"/>
               </a:rPr>
@@ -8277,6 +9683,9 @@
             </a:r>
             <a:r>
               <a:rPr lang="en-US" altLang="ko-KR" dirty="0">
+                <a:solidFill>
+                  <a:schemeClr val="bg1"/>
+                </a:solidFill>
                 <a:latin typeface="나눔스퀘어 Bold" panose="020B0600000101010101" pitchFamily="50" charset="-127"/>
                 <a:ea typeface="나눔스퀘어 Bold" panose="020B0600000101010101" pitchFamily="50" charset="-127"/>
               </a:rPr>
@@ -8284,6 +9693,9 @@
             </a:r>
             <a:r>
               <a:rPr lang="ko-KR" altLang="en-US" dirty="0">
+                <a:solidFill>
+                  <a:schemeClr val="bg1"/>
+                </a:solidFill>
                 <a:latin typeface="나눔스퀘어 Bold" panose="020B0600000101010101" pitchFamily="50" charset="-127"/>
                 <a:ea typeface="나눔스퀘어 Bold" panose="020B0600000101010101" pitchFamily="50" charset="-127"/>
               </a:rPr>
@@ -8291,6 +9703,9 @@
             </a:r>
             <a:r>
               <a:rPr lang="en-US" altLang="ko-KR" dirty="0">
+                <a:solidFill>
+                  <a:schemeClr val="bg1"/>
+                </a:solidFill>
                 <a:latin typeface="나눔스퀘어 Bold" panose="020B0600000101010101" pitchFamily="50" charset="-127"/>
                 <a:ea typeface="나눔스퀘어 Bold" panose="020B0600000101010101" pitchFamily="50" charset="-127"/>
               </a:rPr>
@@ -8305,12 +9720,18 @@
             </a:pPr>
             <a:r>
               <a:rPr lang="ko-KR" altLang="en-US" dirty="0">
+                <a:solidFill>
+                  <a:schemeClr val="bg1"/>
+                </a:solidFill>
                 <a:latin typeface="나눔스퀘어 Bold" panose="020B0600000101010101" pitchFamily="50" charset="-127"/>
                 <a:ea typeface="나눔스퀘어 Bold" panose="020B0600000101010101" pitchFamily="50" charset="-127"/>
               </a:rPr>
               <a:t>이러한 상황에 정신적으로 지쳐버린 그는</a:t>
             </a:r>
             <a:endParaRPr lang="en-US" altLang="ko-KR" dirty="0">
+              <a:solidFill>
+                <a:schemeClr val="bg1"/>
+              </a:solidFill>
               <a:latin typeface="나눔스퀘어 Bold" panose="020B0600000101010101" pitchFamily="50" charset="-127"/>
               <a:ea typeface="나눔스퀘어 Bold" panose="020B0600000101010101" pitchFamily="50" charset="-127"/>
             </a:endParaRPr>
@@ -8323,6 +9744,9 @@
             </a:pPr>
             <a:r>
               <a:rPr lang="en-US" altLang="ko-KR" dirty="0">
+                <a:solidFill>
+                  <a:schemeClr val="bg1"/>
+                </a:solidFill>
                 <a:latin typeface="나눔스퀘어 Bold" panose="020B0600000101010101" pitchFamily="50" charset="-127"/>
                 <a:ea typeface="나눔스퀘어 Bold" panose="020B0600000101010101" pitchFamily="50" charset="-127"/>
               </a:rPr>
@@ -8330,6 +9754,9 @@
             </a:r>
             <a:r>
               <a:rPr lang="ko-KR" altLang="en-US" dirty="0">
+                <a:solidFill>
+                  <a:schemeClr val="bg1"/>
+                </a:solidFill>
                 <a:latin typeface="나눔스퀘어 Bold" panose="020B0600000101010101" pitchFamily="50" charset="-127"/>
                 <a:ea typeface="나눔스퀘어 Bold" panose="020B0600000101010101" pitchFamily="50" charset="-127"/>
               </a:rPr>
@@ -8337,6 +9764,9 @@
             </a:r>
             <a:r>
               <a:rPr lang="en-US" altLang="ko-KR" dirty="0">
+                <a:solidFill>
+                  <a:schemeClr val="bg1"/>
+                </a:solidFill>
                 <a:latin typeface="나눔스퀘어 Bold" panose="020B0600000101010101" pitchFamily="50" charset="-127"/>
                 <a:ea typeface="나눔스퀘어 Bold" panose="020B0600000101010101" pitchFamily="50" charset="-127"/>
               </a:rPr>
@@ -8344,6 +9774,9 @@
             </a:r>
             <a:r>
               <a:rPr lang="ko-KR" altLang="en-US" dirty="0">
+                <a:solidFill>
+                  <a:schemeClr val="bg1"/>
+                </a:solidFill>
                 <a:latin typeface="나눔스퀘어 Bold" panose="020B0600000101010101" pitchFamily="50" charset="-127"/>
                 <a:ea typeface="나눔스퀘어 Bold" panose="020B0600000101010101" pitchFamily="50" charset="-127"/>
               </a:rPr>
@@ -8351,6 +9784,9 @@
             </a:r>
             <a:r>
               <a:rPr lang="en-US" altLang="ko-KR" dirty="0">
+                <a:solidFill>
+                  <a:schemeClr val="bg1"/>
+                </a:solidFill>
                 <a:latin typeface="나눔스퀘어 Bold" panose="020B0600000101010101" pitchFamily="50" charset="-127"/>
                 <a:ea typeface="나눔스퀘어 Bold" panose="020B0600000101010101" pitchFamily="50" charset="-127"/>
               </a:rPr>
@@ -8358,12 +9794,18 @@
             </a:r>
             <a:r>
               <a:rPr lang="ko-KR" altLang="en-US" dirty="0">
+                <a:solidFill>
+                  <a:schemeClr val="bg1"/>
+                </a:solidFill>
                 <a:latin typeface="나눔스퀘어 Bold" panose="020B0600000101010101" pitchFamily="50" charset="-127"/>
                 <a:ea typeface="나눔스퀘어 Bold" panose="020B0600000101010101" pitchFamily="50" charset="-127"/>
               </a:rPr>
               <a:t>눈을 감았다 떴을 때</a:t>
             </a:r>
             <a:endParaRPr lang="en-US" altLang="ko-KR" dirty="0">
+              <a:solidFill>
+                <a:schemeClr val="bg1"/>
+              </a:solidFill>
               <a:latin typeface="나눔스퀘어 Bold" panose="020B0600000101010101" pitchFamily="50" charset="-127"/>
               <a:ea typeface="나눔스퀘어 Bold" panose="020B0600000101010101" pitchFamily="50" charset="-127"/>
             </a:endParaRPr>
@@ -8376,19 +9818,48 @@
             </a:pPr>
             <a:r>
               <a:rPr lang="ko-KR" altLang="en-US" dirty="0">
-                <a:latin typeface="나눔스퀘어 Bold" panose="020B0600000101010101" pitchFamily="50" charset="-127"/>
-                <a:ea typeface="나눔스퀘어 Bold" panose="020B0600000101010101" pitchFamily="50" charset="-127"/>
-              </a:rPr>
-              <a:t>그는 라 제국의 한 전장에 있었다</a:t>
+                <a:solidFill>
+                  <a:schemeClr val="bg1"/>
+                </a:solidFill>
+                <a:latin typeface="나눔스퀘어 Bold" panose="020B0600000101010101" pitchFamily="50" charset="-127"/>
+                <a:ea typeface="나눔스퀘어 Bold" panose="020B0600000101010101" pitchFamily="50" charset="-127"/>
+              </a:rPr>
+              <a:t>그는 </a:t>
+            </a:r>
+            <a:r>
+              <a:rPr lang="ko-KR" altLang="en-US" dirty="0" smtClean="0">
+                <a:solidFill>
+                  <a:schemeClr val="bg1"/>
+                </a:solidFill>
+                <a:latin typeface="나눔스퀘어 Bold" panose="020B0600000101010101" pitchFamily="50" charset="-127"/>
+                <a:ea typeface="나눔스퀘어 Bold" panose="020B0600000101010101" pitchFamily="50" charset="-127"/>
+              </a:rPr>
+              <a:t>광기의 사막에 </a:t>
+            </a:r>
+            <a:r>
+              <a:rPr lang="ko-KR" altLang="en-US" dirty="0">
+                <a:solidFill>
+                  <a:schemeClr val="bg1"/>
+                </a:solidFill>
+                <a:latin typeface="나눔스퀘어 Bold" panose="020B0600000101010101" pitchFamily="50" charset="-127"/>
+                <a:ea typeface="나눔스퀘어 Bold" panose="020B0600000101010101" pitchFamily="50" charset="-127"/>
+              </a:rPr>
+              <a:t>있었다</a:t>
             </a:r>
             <a:r>
               <a:rPr lang="en-US" altLang="ko-KR" dirty="0">
+                <a:solidFill>
+                  <a:schemeClr val="bg1"/>
+                </a:solidFill>
                 <a:latin typeface="나눔스퀘어 Bold" panose="020B0600000101010101" pitchFamily="50" charset="-127"/>
                 <a:ea typeface="나눔스퀘어 Bold" panose="020B0600000101010101" pitchFamily="50" charset="-127"/>
               </a:rPr>
               <a:t>.</a:t>
             </a:r>
             <a:endParaRPr lang="ko-KR" altLang="en-US" dirty="0">
+              <a:solidFill>
+                <a:schemeClr val="bg1"/>
+              </a:solidFill>
               <a:latin typeface="나눔스퀘어 Bold" panose="020B0600000101010101" pitchFamily="50" charset="-127"/>
               <a:ea typeface="나눔스퀘어 Bold" panose="020B0600000101010101" pitchFamily="50" charset="-127"/>
             </a:endParaRPr>
@@ -8648,6 +10119,1795 @@
               </a:rPr>
               <a:t>신규 캐릭터 보유 능력</a:t>
             </a:r>
+          </a:p>
+        </p:txBody>
+      </p:sp>
+      <p:pic>
+        <p:nvPicPr>
+          <p:cNvPr id="2" name="그림 1"/>
+          <p:cNvPicPr>
+            <a:picLocks noChangeAspect="1"/>
+          </p:cNvPicPr>
+          <p:nvPr/>
+        </p:nvPicPr>
+        <p:blipFill>
+          <a:blip r:embed="rId2"/>
+          <a:stretch>
+            <a:fillRect/>
+          </a:stretch>
+        </p:blipFill>
+        <p:spPr>
+          <a:xfrm>
+            <a:off x="1540759" y="1520825"/>
+            <a:ext cx="9110481" cy="4314825"/>
+          </a:xfrm>
+          <a:prstGeom prst="rect">
+            <a:avLst/>
+          </a:prstGeom>
+        </p:spPr>
+      </p:pic>
+      <p:grpSp>
+        <p:nvGrpSpPr>
+          <p:cNvPr id="19" name="그룹 18"/>
+          <p:cNvGrpSpPr/>
+          <p:nvPr/>
+        </p:nvGrpSpPr>
+        <p:grpSpPr>
+          <a:xfrm>
+            <a:off x="5317802" y="2012870"/>
+            <a:ext cx="5103495" cy="3610451"/>
+            <a:chOff x="5324031" y="2014537"/>
+            <a:chExt cx="5103495" cy="3610451"/>
+          </a:xfrm>
+        </p:grpSpPr>
+        <p:sp>
+          <p:nvSpPr>
+            <p:cNvPr id="3" name="모서리가 둥근 직사각형 2"/>
+            <p:cNvSpPr/>
+            <p:nvPr/>
+          </p:nvSpPr>
+          <p:spPr>
+            <a:xfrm>
+              <a:off x="5324031" y="2014537"/>
+              <a:ext cx="5103495" cy="3610451"/>
+            </a:xfrm>
+            <a:prstGeom prst="roundRect">
+              <a:avLst>
+                <a:gd name="adj" fmla="val 2155"/>
+              </a:avLst>
+            </a:prstGeom>
+            <a:solidFill>
+              <a:schemeClr val="tx1">
+                <a:alpha val="50000"/>
+              </a:schemeClr>
+            </a:solidFill>
+            <a:ln>
+              <a:solidFill>
+                <a:srgbClr val="434136"/>
+              </a:solidFill>
+            </a:ln>
+          </p:spPr>
+          <p:style>
+            <a:lnRef idx="2">
+              <a:schemeClr val="accent1">
+                <a:shade val="50000"/>
+              </a:schemeClr>
+            </a:lnRef>
+            <a:fillRef idx="1">
+              <a:schemeClr val="accent1"/>
+            </a:fillRef>
+            <a:effectRef idx="0">
+              <a:schemeClr val="accent1"/>
+            </a:effectRef>
+            <a:fontRef idx="minor">
+              <a:schemeClr val="lt1"/>
+            </a:fontRef>
+          </p:style>
+          <p:txBody>
+            <a:bodyPr rtlCol="0" anchor="ctr"/>
+            <a:lstStyle/>
+            <a:p>
+              <a:pPr algn="ctr"/>
+              <a:endParaRPr lang="ko-KR" altLang="en-US"/>
+            </a:p>
+          </p:txBody>
+        </p:sp>
+        <p:grpSp>
+          <p:nvGrpSpPr>
+            <p:cNvPr id="12" name="그룹 11"/>
+            <p:cNvGrpSpPr/>
+            <p:nvPr/>
+          </p:nvGrpSpPr>
+          <p:grpSpPr>
+            <a:xfrm>
+              <a:off x="5358004" y="2047875"/>
+              <a:ext cx="5010150" cy="301625"/>
+              <a:chOff x="5372292" y="2509837"/>
+              <a:chExt cx="5010150" cy="301625"/>
+            </a:xfrm>
+          </p:grpSpPr>
+          <p:sp>
+            <p:nvSpPr>
+              <p:cNvPr id="6" name="모서리가 둥근 직사각형 5"/>
+              <p:cNvSpPr/>
+              <p:nvPr/>
+            </p:nvSpPr>
+            <p:spPr>
+              <a:xfrm>
+                <a:off x="5372292" y="2509837"/>
+                <a:ext cx="5010150" cy="301625"/>
+              </a:xfrm>
+              <a:prstGeom prst="roundRect">
+                <a:avLst/>
+              </a:prstGeom>
+              <a:solidFill>
+                <a:srgbClr val="2D2A25"/>
+              </a:solidFill>
+              <a:ln>
+                <a:solidFill>
+                  <a:srgbClr val="918275"/>
+                </a:solidFill>
+              </a:ln>
+            </p:spPr>
+            <p:style>
+              <a:lnRef idx="2">
+                <a:schemeClr val="accent1">
+                  <a:shade val="50000"/>
+                </a:schemeClr>
+              </a:lnRef>
+              <a:fillRef idx="1">
+                <a:schemeClr val="accent1"/>
+              </a:fillRef>
+              <a:effectRef idx="0">
+                <a:schemeClr val="accent1"/>
+              </a:effectRef>
+              <a:fontRef idx="minor">
+                <a:schemeClr val="lt1"/>
+              </a:fontRef>
+            </p:style>
+            <p:txBody>
+              <a:bodyPr rtlCol="0" anchor="ctr"/>
+              <a:lstStyle/>
+              <a:p>
+                <a:pPr algn="ctr"/>
+                <a:endParaRPr lang="ko-KR" altLang="en-US"/>
+              </a:p>
+            </p:txBody>
+          </p:sp>
+          <p:grpSp>
+            <p:nvGrpSpPr>
+              <p:cNvPr id="11" name="그룹 10"/>
+              <p:cNvGrpSpPr/>
+              <p:nvPr/>
+            </p:nvGrpSpPr>
+            <p:grpSpPr>
+              <a:xfrm>
+                <a:off x="5396107" y="2534649"/>
+                <a:ext cx="4962378" cy="253293"/>
+                <a:chOff x="5396107" y="2534649"/>
+                <a:chExt cx="4962378" cy="253293"/>
+              </a:xfrm>
+            </p:grpSpPr>
+            <p:sp>
+              <p:nvSpPr>
+                <p:cNvPr id="8" name="모서리가 둥근 직사각형 7"/>
+                <p:cNvSpPr/>
+                <p:nvPr/>
+              </p:nvSpPr>
+              <p:spPr>
+                <a:xfrm>
+                  <a:off x="7058313" y="2534649"/>
+                  <a:ext cx="1638108" cy="252000"/>
+                </a:xfrm>
+                <a:prstGeom prst="roundRect">
+                  <a:avLst/>
+                </a:prstGeom>
+                <a:solidFill>
+                  <a:srgbClr val="ECD9BB"/>
+                </a:solidFill>
+                <a:ln>
+                  <a:noFill/>
+                </a:ln>
+              </p:spPr>
+              <p:style>
+                <a:lnRef idx="2">
+                  <a:schemeClr val="accent1">
+                    <a:shade val="50000"/>
+                  </a:schemeClr>
+                </a:lnRef>
+                <a:fillRef idx="1">
+                  <a:schemeClr val="accent1"/>
+                </a:fillRef>
+                <a:effectRef idx="0">
+                  <a:schemeClr val="accent1"/>
+                </a:effectRef>
+                <a:fontRef idx="minor">
+                  <a:schemeClr val="lt1"/>
+                </a:fontRef>
+              </p:style>
+              <p:txBody>
+                <a:bodyPr rtlCol="0" anchor="ctr"/>
+                <a:lstStyle/>
+                <a:p>
+                  <a:pPr algn="ctr"/>
+                  <a:r>
+                    <a:rPr lang="ko-KR" altLang="en-US" sz="1000" dirty="0" smtClean="0">
+                      <a:solidFill>
+                        <a:srgbClr val="271D10"/>
+                      </a:solidFill>
+                      <a:latin typeface="나눔스퀘어 Bold" panose="020B0600000101010101" pitchFamily="50" charset="-127"/>
+                      <a:ea typeface="나눔스퀘어 Bold" panose="020B0600000101010101" pitchFamily="50" charset="-127"/>
+                    </a:rPr>
+                    <a:t>보유 능력</a:t>
+                  </a:r>
+                  <a:endParaRPr lang="ko-KR" altLang="en-US" sz="1000" dirty="0">
+                    <a:solidFill>
+                      <a:srgbClr val="271D10"/>
+                    </a:solidFill>
+                    <a:latin typeface="나눔스퀘어 Bold" panose="020B0600000101010101" pitchFamily="50" charset="-127"/>
+                    <a:ea typeface="나눔스퀘어 Bold" panose="020B0600000101010101" pitchFamily="50" charset="-127"/>
+                  </a:endParaRPr>
+                </a:p>
+              </p:txBody>
+            </p:sp>
+            <p:sp>
+              <p:nvSpPr>
+                <p:cNvPr id="9" name="모서리가 둥근 직사각형 8"/>
+                <p:cNvSpPr/>
+                <p:nvPr/>
+              </p:nvSpPr>
+              <p:spPr>
+                <a:xfrm>
+                  <a:off x="5396107" y="2534649"/>
+                  <a:ext cx="1638108" cy="252000"/>
+                </a:xfrm>
+                <a:prstGeom prst="roundRect">
+                  <a:avLst/>
+                </a:prstGeom>
+                <a:solidFill>
+                  <a:srgbClr val="271D10"/>
+                </a:solidFill>
+                <a:ln>
+                  <a:noFill/>
+                </a:ln>
+              </p:spPr>
+              <p:style>
+                <a:lnRef idx="2">
+                  <a:schemeClr val="accent1">
+                    <a:shade val="50000"/>
+                  </a:schemeClr>
+                </a:lnRef>
+                <a:fillRef idx="1">
+                  <a:schemeClr val="accent1"/>
+                </a:fillRef>
+                <a:effectRef idx="0">
+                  <a:schemeClr val="accent1"/>
+                </a:effectRef>
+                <a:fontRef idx="minor">
+                  <a:schemeClr val="lt1"/>
+                </a:fontRef>
+              </p:style>
+              <p:txBody>
+                <a:bodyPr rtlCol="0" anchor="ctr"/>
+                <a:lstStyle/>
+                <a:p>
+                  <a:pPr algn="ctr"/>
+                  <a:r>
+                    <a:rPr lang="ko-KR" altLang="en-US" sz="1000" dirty="0" smtClean="0">
+                      <a:solidFill>
+                        <a:srgbClr val="ECD9BB"/>
+                      </a:solidFill>
+                      <a:latin typeface="나눔스퀘어 Bold" panose="020B0600000101010101" pitchFamily="50" charset="-127"/>
+                      <a:ea typeface="나눔스퀘어 Bold" panose="020B0600000101010101" pitchFamily="50" charset="-127"/>
+                    </a:rPr>
+                    <a:t>프로필</a:t>
+                  </a:r>
+                  <a:endParaRPr lang="ko-KR" altLang="en-US" sz="1000" dirty="0">
+                    <a:solidFill>
+                      <a:srgbClr val="ECD9BB"/>
+                    </a:solidFill>
+                    <a:latin typeface="나눔스퀘어 Bold" panose="020B0600000101010101" pitchFamily="50" charset="-127"/>
+                    <a:ea typeface="나눔스퀘어 Bold" panose="020B0600000101010101" pitchFamily="50" charset="-127"/>
+                  </a:endParaRPr>
+                </a:p>
+              </p:txBody>
+            </p:sp>
+            <p:sp>
+              <p:nvSpPr>
+                <p:cNvPr id="10" name="모서리가 둥근 직사각형 9"/>
+                <p:cNvSpPr/>
+                <p:nvPr/>
+              </p:nvSpPr>
+              <p:spPr>
+                <a:xfrm>
+                  <a:off x="8720377" y="2535942"/>
+                  <a:ext cx="1638108" cy="252000"/>
+                </a:xfrm>
+                <a:prstGeom prst="roundRect">
+                  <a:avLst/>
+                </a:prstGeom>
+                <a:solidFill>
+                  <a:srgbClr val="271D10"/>
+                </a:solidFill>
+                <a:ln>
+                  <a:noFill/>
+                </a:ln>
+              </p:spPr>
+              <p:style>
+                <a:lnRef idx="2">
+                  <a:schemeClr val="accent1">
+                    <a:shade val="50000"/>
+                  </a:schemeClr>
+                </a:lnRef>
+                <a:fillRef idx="1">
+                  <a:schemeClr val="accent1"/>
+                </a:fillRef>
+                <a:effectRef idx="0">
+                  <a:schemeClr val="accent1"/>
+                </a:effectRef>
+                <a:fontRef idx="minor">
+                  <a:schemeClr val="lt1"/>
+                </a:fontRef>
+              </p:style>
+              <p:txBody>
+                <a:bodyPr rtlCol="0" anchor="ctr"/>
+                <a:lstStyle/>
+                <a:p>
+                  <a:pPr algn="ctr"/>
+                  <a:r>
+                    <a:rPr lang="ko-KR" altLang="en-US" sz="1000" dirty="0" smtClean="0">
+                      <a:solidFill>
+                        <a:srgbClr val="ECD9BB"/>
+                      </a:solidFill>
+                      <a:latin typeface="나눔스퀘어 Bold" panose="020B0600000101010101" pitchFamily="50" charset="-127"/>
+                      <a:ea typeface="나눔스퀘어 Bold" panose="020B0600000101010101" pitchFamily="50" charset="-127"/>
+                    </a:rPr>
+                    <a:t>진행도</a:t>
+                  </a:r>
+                  <a:endParaRPr lang="ko-KR" altLang="en-US" sz="1000" dirty="0">
+                    <a:solidFill>
+                      <a:srgbClr val="ECD9BB"/>
+                    </a:solidFill>
+                    <a:latin typeface="나눔스퀘어 Bold" panose="020B0600000101010101" pitchFamily="50" charset="-127"/>
+                    <a:ea typeface="나눔스퀘어 Bold" panose="020B0600000101010101" pitchFamily="50" charset="-127"/>
+                  </a:endParaRPr>
+                </a:p>
+              </p:txBody>
+            </p:sp>
+          </p:grpSp>
+        </p:grpSp>
+        <p:sp>
+          <p:nvSpPr>
+            <p:cNvPr id="15" name="모서리가 둥근 직사각형 14"/>
+            <p:cNvSpPr/>
+            <p:nvPr/>
+          </p:nvSpPr>
+          <p:spPr>
+            <a:xfrm>
+              <a:off x="5358004" y="2374312"/>
+              <a:ext cx="5010150" cy="3226388"/>
+            </a:xfrm>
+            <a:prstGeom prst="roundRect">
+              <a:avLst>
+                <a:gd name="adj" fmla="val 2155"/>
+              </a:avLst>
+            </a:prstGeom>
+            <a:solidFill>
+              <a:schemeClr val="tx1">
+                <a:alpha val="50000"/>
+              </a:schemeClr>
+            </a:solidFill>
+            <a:ln>
+              <a:solidFill>
+                <a:srgbClr val="2E2321"/>
+              </a:solidFill>
+            </a:ln>
+          </p:spPr>
+          <p:style>
+            <a:lnRef idx="2">
+              <a:schemeClr val="accent1">
+                <a:shade val="50000"/>
+              </a:schemeClr>
+            </a:lnRef>
+            <a:fillRef idx="1">
+              <a:schemeClr val="accent1"/>
+            </a:fillRef>
+            <a:effectRef idx="0">
+              <a:schemeClr val="accent1"/>
+            </a:effectRef>
+            <a:fontRef idx="minor">
+              <a:schemeClr val="lt1"/>
+            </a:fontRef>
+          </p:style>
+          <p:txBody>
+            <a:bodyPr rtlCol="0" anchor="ctr"/>
+            <a:lstStyle/>
+            <a:p>
+              <a:pPr algn="ctr"/>
+              <a:endParaRPr lang="ko-KR" altLang="en-US"/>
+            </a:p>
+          </p:txBody>
+        </p:sp>
+        <p:pic>
+          <p:nvPicPr>
+            <p:cNvPr id="13" name="그림 12"/>
+            <p:cNvPicPr>
+              <a:picLocks noChangeAspect="1"/>
+            </p:cNvPicPr>
+            <p:nvPr/>
+          </p:nvPicPr>
+          <p:blipFill rotWithShape="1">
+            <a:blip r:embed="rId2"/>
+            <a:srcRect l="63670" t="23253" r="30449" b="64386"/>
+            <a:stretch/>
+          </p:blipFill>
+          <p:spPr>
+            <a:xfrm>
+              <a:off x="7351825" y="2519363"/>
+              <a:ext cx="535781" cy="533400"/>
+            </a:xfrm>
+            <a:prstGeom prst="rect">
+              <a:avLst/>
+            </a:prstGeom>
+          </p:spPr>
+        </p:pic>
+        <p:pic>
+          <p:nvPicPr>
+            <p:cNvPr id="14" name="그림 13"/>
+            <p:cNvPicPr>
+              <a:picLocks noChangeAspect="1"/>
+            </p:cNvPicPr>
+            <p:nvPr/>
+          </p:nvPicPr>
+          <p:blipFill rotWithShape="1">
+            <a:blip r:embed="rId2"/>
+            <a:srcRect l="63626" t="37336" r="30261" b="49882"/>
+            <a:stretch/>
+          </p:blipFill>
+          <p:spPr>
+            <a:xfrm>
+              <a:off x="7348538" y="3139440"/>
+              <a:ext cx="533020" cy="551498"/>
+            </a:xfrm>
+            <a:prstGeom prst="rect">
+              <a:avLst/>
+            </a:prstGeom>
+          </p:spPr>
+        </p:pic>
+        <p:pic>
+          <p:nvPicPr>
+            <p:cNvPr id="16" name="그림 15"/>
+            <p:cNvPicPr>
+              <a:picLocks noChangeAspect="1"/>
+            </p:cNvPicPr>
+            <p:nvPr/>
+          </p:nvPicPr>
+          <p:blipFill rotWithShape="1">
+            <a:blip r:embed="rId2"/>
+            <a:srcRect l="63626" t="51663" r="30524" b="35423"/>
+            <a:stretch/>
+          </p:blipFill>
+          <p:spPr>
+            <a:xfrm>
+              <a:off x="7348537" y="3777615"/>
+              <a:ext cx="533020" cy="557213"/>
+            </a:xfrm>
+            <a:prstGeom prst="rect">
+              <a:avLst/>
+            </a:prstGeom>
+          </p:spPr>
+        </p:pic>
+        <p:pic>
+          <p:nvPicPr>
+            <p:cNvPr id="17" name="그림 16"/>
+            <p:cNvPicPr>
+              <a:picLocks noChangeAspect="1"/>
+            </p:cNvPicPr>
+            <p:nvPr/>
+          </p:nvPicPr>
+          <p:blipFill rotWithShape="1">
+            <a:blip r:embed="rId2"/>
+            <a:srcRect l="63626" t="73437" r="30472" b="14091"/>
+            <a:stretch/>
+          </p:blipFill>
+          <p:spPr>
+            <a:xfrm>
+              <a:off x="7343823" y="4698682"/>
+              <a:ext cx="537734" cy="538163"/>
+            </a:xfrm>
+            <a:prstGeom prst="rect">
+              <a:avLst/>
+            </a:prstGeom>
+          </p:spPr>
+        </p:pic>
+      </p:grpSp>
+      <p:sp>
+        <p:nvSpPr>
+          <p:cNvPr id="20" name="TextBox 19"/>
+          <p:cNvSpPr txBox="1"/>
+          <p:nvPr/>
+        </p:nvSpPr>
+        <p:spPr>
+          <a:xfrm>
+            <a:off x="5353335" y="2359612"/>
+            <a:ext cx="742666" cy="1569660"/>
+          </a:xfrm>
+          <a:prstGeom prst="rect">
+            <a:avLst/>
+          </a:prstGeom>
+          <a:noFill/>
+        </p:spPr>
+        <p:txBody>
+          <a:bodyPr wrap="square" rtlCol="0">
+            <a:spAutoFit/>
+          </a:bodyPr>
+          <a:lstStyle/>
+          <a:p>
+            <a:pPr>
+              <a:lnSpc>
+                <a:spcPct val="150000"/>
+              </a:lnSpc>
+            </a:pPr>
+            <a:r>
+              <a:rPr lang="ko-KR" altLang="en-US" sz="800" dirty="0" smtClean="0">
+                <a:solidFill>
+                  <a:srgbClr val="94654D"/>
+                </a:solidFill>
+                <a:latin typeface="나눔스퀘어 Bold" panose="020B0600000101010101" pitchFamily="50" charset="-127"/>
+                <a:ea typeface="나눔스퀘어 Bold" panose="020B0600000101010101" pitchFamily="50" charset="-127"/>
+              </a:rPr>
+              <a:t>공격력</a:t>
+            </a:r>
+            <a:endParaRPr lang="en-US" altLang="ko-KR" sz="800" dirty="0" smtClean="0">
+              <a:solidFill>
+                <a:srgbClr val="94654D"/>
+              </a:solidFill>
+              <a:latin typeface="나눔스퀘어 Bold" panose="020B0600000101010101" pitchFamily="50" charset="-127"/>
+              <a:ea typeface="나눔스퀘어 Bold" panose="020B0600000101010101" pitchFamily="50" charset="-127"/>
+            </a:endParaRPr>
+          </a:p>
+          <a:p>
+            <a:pPr>
+              <a:lnSpc>
+                <a:spcPct val="150000"/>
+              </a:lnSpc>
+            </a:pPr>
+            <a:r>
+              <a:rPr lang="ko-KR" altLang="en-US" sz="800" dirty="0" smtClean="0">
+                <a:solidFill>
+                  <a:srgbClr val="94654D"/>
+                </a:solidFill>
+                <a:latin typeface="나눔스퀘어 Bold" panose="020B0600000101010101" pitchFamily="50" charset="-127"/>
+                <a:ea typeface="나눔스퀘어 Bold" panose="020B0600000101010101" pitchFamily="50" charset="-127"/>
+              </a:rPr>
+              <a:t>치명타 확률</a:t>
+            </a:r>
+            <a:endParaRPr lang="en-US" altLang="ko-KR" sz="800" dirty="0" smtClean="0">
+              <a:solidFill>
+                <a:srgbClr val="94654D"/>
+              </a:solidFill>
+              <a:latin typeface="나눔스퀘어 Bold" panose="020B0600000101010101" pitchFamily="50" charset="-127"/>
+              <a:ea typeface="나눔스퀘어 Bold" panose="020B0600000101010101" pitchFamily="50" charset="-127"/>
+            </a:endParaRPr>
+          </a:p>
+          <a:p>
+            <a:pPr>
+              <a:lnSpc>
+                <a:spcPct val="150000"/>
+              </a:lnSpc>
+            </a:pPr>
+            <a:r>
+              <a:rPr lang="ko-KR" altLang="en-US" sz="800" dirty="0" smtClean="0">
+                <a:solidFill>
+                  <a:srgbClr val="94654D"/>
+                </a:solidFill>
+                <a:latin typeface="나눔스퀘어 Bold" panose="020B0600000101010101" pitchFamily="50" charset="-127"/>
+                <a:ea typeface="나눔스퀘어 Bold" panose="020B0600000101010101" pitchFamily="50" charset="-127"/>
+              </a:rPr>
+              <a:t>체력 </a:t>
+            </a:r>
+            <a:endParaRPr lang="en-US" altLang="ko-KR" sz="800" dirty="0" smtClean="0">
+              <a:solidFill>
+                <a:srgbClr val="94654D"/>
+              </a:solidFill>
+              <a:latin typeface="나눔스퀘어 Bold" panose="020B0600000101010101" pitchFamily="50" charset="-127"/>
+              <a:ea typeface="나눔스퀘어 Bold" panose="020B0600000101010101" pitchFamily="50" charset="-127"/>
+            </a:endParaRPr>
+          </a:p>
+          <a:p>
+            <a:pPr>
+              <a:lnSpc>
+                <a:spcPct val="150000"/>
+              </a:lnSpc>
+            </a:pPr>
+            <a:r>
+              <a:rPr lang="ko-KR" altLang="en-US" sz="800" dirty="0" smtClean="0">
+                <a:solidFill>
+                  <a:srgbClr val="94654D"/>
+                </a:solidFill>
+                <a:latin typeface="나눔스퀘어 Bold" panose="020B0600000101010101" pitchFamily="50" charset="-127"/>
+                <a:ea typeface="나눔스퀘어 Bold" panose="020B0600000101010101" pitchFamily="50" charset="-127"/>
+              </a:rPr>
+              <a:t>방어력</a:t>
+            </a:r>
+            <a:endParaRPr lang="en-US" altLang="ko-KR" sz="800" dirty="0" smtClean="0">
+              <a:solidFill>
+                <a:srgbClr val="94654D"/>
+              </a:solidFill>
+              <a:latin typeface="나눔스퀘어 Bold" panose="020B0600000101010101" pitchFamily="50" charset="-127"/>
+              <a:ea typeface="나눔스퀘어 Bold" panose="020B0600000101010101" pitchFamily="50" charset="-127"/>
+            </a:endParaRPr>
+          </a:p>
+          <a:p>
+            <a:pPr>
+              <a:lnSpc>
+                <a:spcPct val="150000"/>
+              </a:lnSpc>
+            </a:pPr>
+            <a:r>
+              <a:rPr lang="ko-KR" altLang="en-US" sz="800" dirty="0" smtClean="0">
+                <a:solidFill>
+                  <a:srgbClr val="94654D"/>
+                </a:solidFill>
+                <a:latin typeface="나눔스퀘어 Bold" panose="020B0600000101010101" pitchFamily="50" charset="-127"/>
+                <a:ea typeface="나눔스퀘어 Bold" panose="020B0600000101010101" pitchFamily="50" charset="-127"/>
+              </a:rPr>
+              <a:t>피해 감소</a:t>
+            </a:r>
+            <a:endParaRPr lang="en-US" altLang="ko-KR" sz="800" dirty="0" smtClean="0">
+              <a:solidFill>
+                <a:srgbClr val="94654D"/>
+              </a:solidFill>
+              <a:latin typeface="나눔스퀘어 Bold" panose="020B0600000101010101" pitchFamily="50" charset="-127"/>
+              <a:ea typeface="나눔스퀘어 Bold" panose="020B0600000101010101" pitchFamily="50" charset="-127"/>
+            </a:endParaRPr>
+          </a:p>
+          <a:p>
+            <a:pPr>
+              <a:lnSpc>
+                <a:spcPct val="150000"/>
+              </a:lnSpc>
+            </a:pPr>
+            <a:r>
+              <a:rPr lang="ko-KR" altLang="en-US" sz="800" dirty="0" smtClean="0">
+                <a:solidFill>
+                  <a:srgbClr val="94654D"/>
+                </a:solidFill>
+                <a:latin typeface="나눔스퀘어 Bold" panose="020B0600000101010101" pitchFamily="50" charset="-127"/>
+                <a:ea typeface="나눔스퀘어 Bold" panose="020B0600000101010101" pitchFamily="50" charset="-127"/>
+              </a:rPr>
+              <a:t>카드 슬롯</a:t>
+            </a:r>
+            <a:endParaRPr lang="en-US" altLang="ko-KR" sz="800" dirty="0" smtClean="0">
+              <a:solidFill>
+                <a:srgbClr val="94654D"/>
+              </a:solidFill>
+              <a:latin typeface="나눔스퀘어 Bold" panose="020B0600000101010101" pitchFamily="50" charset="-127"/>
+              <a:ea typeface="나눔스퀘어 Bold" panose="020B0600000101010101" pitchFamily="50" charset="-127"/>
+            </a:endParaRPr>
+          </a:p>
+          <a:p>
+            <a:pPr>
+              <a:lnSpc>
+                <a:spcPct val="150000"/>
+              </a:lnSpc>
+            </a:pPr>
+            <a:r>
+              <a:rPr lang="ko-KR" altLang="en-US" sz="800" dirty="0" err="1" smtClean="0">
+                <a:solidFill>
+                  <a:srgbClr val="94654D"/>
+                </a:solidFill>
+                <a:latin typeface="나눔스퀘어 Bold" panose="020B0600000101010101" pitchFamily="50" charset="-127"/>
+                <a:ea typeface="나눔스퀘어 Bold" panose="020B0600000101010101" pitchFamily="50" charset="-127"/>
+              </a:rPr>
+              <a:t>화속성</a:t>
+            </a:r>
+            <a:r>
+              <a:rPr lang="ko-KR" altLang="en-US" sz="800" dirty="0" smtClean="0">
+                <a:solidFill>
+                  <a:srgbClr val="94654D"/>
+                </a:solidFill>
+                <a:latin typeface="나눔스퀘어 Bold" panose="020B0600000101010101" pitchFamily="50" charset="-127"/>
+                <a:ea typeface="나눔스퀘어 Bold" panose="020B0600000101010101" pitchFamily="50" charset="-127"/>
+              </a:rPr>
+              <a:t> 저항</a:t>
+            </a:r>
+            <a:endParaRPr lang="en-US" altLang="ko-KR" sz="800" dirty="0" smtClean="0">
+              <a:solidFill>
+                <a:srgbClr val="94654D"/>
+              </a:solidFill>
+              <a:latin typeface="나눔스퀘어 Bold" panose="020B0600000101010101" pitchFamily="50" charset="-127"/>
+              <a:ea typeface="나눔스퀘어 Bold" panose="020B0600000101010101" pitchFamily="50" charset="-127"/>
+            </a:endParaRPr>
+          </a:p>
+          <a:p>
+            <a:pPr>
+              <a:lnSpc>
+                <a:spcPct val="150000"/>
+              </a:lnSpc>
+            </a:pPr>
+            <a:r>
+              <a:rPr lang="ko-KR" altLang="en-US" sz="800" dirty="0" err="1" smtClean="0">
+                <a:solidFill>
+                  <a:srgbClr val="94654D"/>
+                </a:solidFill>
+                <a:latin typeface="나눔스퀘어 Bold" panose="020B0600000101010101" pitchFamily="50" charset="-127"/>
+                <a:ea typeface="나눔스퀘어 Bold" panose="020B0600000101010101" pitchFamily="50" charset="-127"/>
+              </a:rPr>
+              <a:t>수속성</a:t>
+            </a:r>
+            <a:r>
+              <a:rPr lang="ko-KR" altLang="en-US" sz="800" dirty="0" smtClean="0">
+                <a:solidFill>
+                  <a:srgbClr val="94654D"/>
+                </a:solidFill>
+                <a:latin typeface="나눔스퀘어 Bold" panose="020B0600000101010101" pitchFamily="50" charset="-127"/>
+                <a:ea typeface="나눔스퀘어 Bold" panose="020B0600000101010101" pitchFamily="50" charset="-127"/>
+              </a:rPr>
+              <a:t> 저항</a:t>
+            </a:r>
+            <a:endParaRPr lang="ko-KR" altLang="en-US" sz="800" dirty="0">
+              <a:solidFill>
+                <a:srgbClr val="94654D"/>
+              </a:solidFill>
+              <a:latin typeface="나눔스퀘어 Bold" panose="020B0600000101010101" pitchFamily="50" charset="-127"/>
+              <a:ea typeface="나눔스퀘어 Bold" panose="020B0600000101010101" pitchFamily="50" charset="-127"/>
+            </a:endParaRPr>
+          </a:p>
+        </p:txBody>
+      </p:sp>
+      <p:sp>
+        <p:nvSpPr>
+          <p:cNvPr id="21" name="TextBox 20"/>
+          <p:cNvSpPr txBox="1"/>
+          <p:nvPr/>
+        </p:nvSpPr>
+        <p:spPr>
+          <a:xfrm>
+            <a:off x="6526952" y="2359612"/>
+            <a:ext cx="742666" cy="1569660"/>
+          </a:xfrm>
+          <a:prstGeom prst="rect">
+            <a:avLst/>
+          </a:prstGeom>
+          <a:noFill/>
+        </p:spPr>
+        <p:txBody>
+          <a:bodyPr wrap="square" rtlCol="0">
+            <a:spAutoFit/>
+          </a:bodyPr>
+          <a:lstStyle/>
+          <a:p>
+            <a:pPr algn="r">
+              <a:lnSpc>
+                <a:spcPct val="150000"/>
+              </a:lnSpc>
+            </a:pPr>
+            <a:r>
+              <a:rPr lang="en-US" altLang="ko-KR" sz="800" dirty="0" smtClean="0">
+                <a:solidFill>
+                  <a:srgbClr val="ECD9BB"/>
+                </a:solidFill>
+                <a:latin typeface="나눔스퀘어 Bold" panose="020B0600000101010101" pitchFamily="50" charset="-127"/>
+                <a:ea typeface="나눔스퀘어 Bold" panose="020B0600000101010101" pitchFamily="50" charset="-127"/>
+              </a:rPr>
+              <a:t>9999</a:t>
+            </a:r>
+          </a:p>
+          <a:p>
+            <a:pPr algn="r">
+              <a:lnSpc>
+                <a:spcPct val="150000"/>
+              </a:lnSpc>
+            </a:pPr>
+            <a:r>
+              <a:rPr lang="en-US" altLang="ko-KR" sz="800" dirty="0" smtClean="0">
+                <a:solidFill>
+                  <a:srgbClr val="ECD9BB"/>
+                </a:solidFill>
+                <a:latin typeface="나눔스퀘어 Bold" panose="020B0600000101010101" pitchFamily="50" charset="-127"/>
+                <a:ea typeface="나눔스퀘어 Bold" panose="020B0600000101010101" pitchFamily="50" charset="-127"/>
+              </a:rPr>
+              <a:t>999%</a:t>
+            </a:r>
+          </a:p>
+          <a:p>
+            <a:pPr algn="r">
+              <a:lnSpc>
+                <a:spcPct val="150000"/>
+              </a:lnSpc>
+            </a:pPr>
+            <a:r>
+              <a:rPr lang="en-US" altLang="ko-KR" sz="800" dirty="0" smtClean="0">
+                <a:solidFill>
+                  <a:srgbClr val="ECD9BB"/>
+                </a:solidFill>
+                <a:latin typeface="나눔스퀘어 Bold" panose="020B0600000101010101" pitchFamily="50" charset="-127"/>
+                <a:ea typeface="나눔스퀘어 Bold" panose="020B0600000101010101" pitchFamily="50" charset="-127"/>
+              </a:rPr>
+              <a:t>99,999</a:t>
+            </a:r>
+          </a:p>
+          <a:p>
+            <a:pPr algn="r">
+              <a:lnSpc>
+                <a:spcPct val="150000"/>
+              </a:lnSpc>
+            </a:pPr>
+            <a:r>
+              <a:rPr lang="en-US" altLang="ko-KR" sz="800" dirty="0" smtClean="0">
+                <a:solidFill>
+                  <a:srgbClr val="ECD9BB"/>
+                </a:solidFill>
+                <a:latin typeface="나눔스퀘어 Bold" panose="020B0600000101010101" pitchFamily="50" charset="-127"/>
+                <a:ea typeface="나눔스퀘어 Bold" panose="020B0600000101010101" pitchFamily="50" charset="-127"/>
+              </a:rPr>
+              <a:t>9999</a:t>
+            </a:r>
+          </a:p>
+          <a:p>
+            <a:pPr algn="r">
+              <a:lnSpc>
+                <a:spcPct val="150000"/>
+              </a:lnSpc>
+            </a:pPr>
+            <a:r>
+              <a:rPr lang="en-US" altLang="ko-KR" sz="800" dirty="0" smtClean="0">
+                <a:solidFill>
+                  <a:srgbClr val="ECD9BB"/>
+                </a:solidFill>
+                <a:latin typeface="나눔스퀘어 Bold" panose="020B0600000101010101" pitchFamily="50" charset="-127"/>
+                <a:ea typeface="나눔스퀘어 Bold" panose="020B0600000101010101" pitchFamily="50" charset="-127"/>
+              </a:rPr>
+              <a:t>999</a:t>
+            </a:r>
+          </a:p>
+          <a:p>
+            <a:pPr algn="r">
+              <a:lnSpc>
+                <a:spcPct val="150000"/>
+              </a:lnSpc>
+            </a:pPr>
+            <a:r>
+              <a:rPr lang="en-US" altLang="ko-KR" sz="800" dirty="0" smtClean="0">
+                <a:solidFill>
+                  <a:srgbClr val="ECD9BB"/>
+                </a:solidFill>
+                <a:latin typeface="나눔스퀘어 Bold" panose="020B0600000101010101" pitchFamily="50" charset="-127"/>
+                <a:ea typeface="나눔스퀘어 Bold" panose="020B0600000101010101" pitchFamily="50" charset="-127"/>
+              </a:rPr>
+              <a:t>2</a:t>
+            </a:r>
+          </a:p>
+          <a:p>
+            <a:pPr algn="r">
+              <a:lnSpc>
+                <a:spcPct val="150000"/>
+              </a:lnSpc>
+            </a:pPr>
+            <a:r>
+              <a:rPr lang="en-US" altLang="ko-KR" sz="800" dirty="0" smtClean="0">
+                <a:solidFill>
+                  <a:srgbClr val="ECD9BB"/>
+                </a:solidFill>
+                <a:latin typeface="나눔스퀘어 Bold" panose="020B0600000101010101" pitchFamily="50" charset="-127"/>
+                <a:ea typeface="나눔스퀘어 Bold" panose="020B0600000101010101" pitchFamily="50" charset="-127"/>
+              </a:rPr>
+              <a:t>-30%</a:t>
+            </a:r>
+          </a:p>
+          <a:p>
+            <a:pPr algn="r">
+              <a:lnSpc>
+                <a:spcPct val="150000"/>
+              </a:lnSpc>
+            </a:pPr>
+            <a:r>
+              <a:rPr lang="en-US" altLang="ko-KR" sz="800" dirty="0" smtClean="0">
+                <a:solidFill>
+                  <a:srgbClr val="ECD9BB"/>
+                </a:solidFill>
+                <a:latin typeface="나눔스퀘어 Bold" panose="020B0600000101010101" pitchFamily="50" charset="-127"/>
+                <a:ea typeface="나눔스퀘어 Bold" panose="020B0600000101010101" pitchFamily="50" charset="-127"/>
+              </a:rPr>
+              <a:t>30%</a:t>
+            </a:r>
+            <a:endParaRPr lang="ko-KR" altLang="en-US" sz="800" dirty="0">
+              <a:solidFill>
+                <a:srgbClr val="ECD9BB"/>
+              </a:solidFill>
+              <a:latin typeface="나눔스퀘어 Bold" panose="020B0600000101010101" pitchFamily="50" charset="-127"/>
+              <a:ea typeface="나눔스퀘어 Bold" panose="020B0600000101010101" pitchFamily="50" charset="-127"/>
+            </a:endParaRPr>
+          </a:p>
+        </p:txBody>
+      </p:sp>
+      <p:sp>
+        <p:nvSpPr>
+          <p:cNvPr id="22" name="TextBox 21"/>
+          <p:cNvSpPr txBox="1"/>
+          <p:nvPr/>
+        </p:nvSpPr>
+        <p:spPr>
+          <a:xfrm>
+            <a:off x="5348282" y="4171945"/>
+            <a:ext cx="1123956" cy="200055"/>
+          </a:xfrm>
+          <a:prstGeom prst="rect">
+            <a:avLst/>
+          </a:prstGeom>
+          <a:noFill/>
+        </p:spPr>
+        <p:txBody>
+          <a:bodyPr wrap="square" rtlCol="0">
+            <a:spAutoFit/>
+          </a:bodyPr>
+          <a:lstStyle/>
+          <a:p>
+            <a:r>
+              <a:rPr lang="en-US" altLang="ko-KR" sz="700" dirty="0" smtClean="0">
+                <a:solidFill>
+                  <a:srgbClr val="ECD9BB"/>
+                </a:solidFill>
+                <a:latin typeface="나눔스퀘어 Bold" panose="020B0600000101010101" pitchFamily="50" charset="-127"/>
+                <a:ea typeface="나눔스퀘어 Bold" panose="020B0600000101010101" pitchFamily="50" charset="-127"/>
+              </a:rPr>
+              <a:t>[</a:t>
+            </a:r>
+            <a:r>
+              <a:rPr lang="ko-KR" altLang="en-US" sz="700" dirty="0" smtClean="0">
+                <a:solidFill>
+                  <a:srgbClr val="ECD9BB"/>
+                </a:solidFill>
+                <a:latin typeface="나눔스퀘어 Bold" panose="020B0600000101010101" pitchFamily="50" charset="-127"/>
+                <a:ea typeface="나눔스퀘어 Bold" panose="020B0600000101010101" pitchFamily="50" charset="-127"/>
+              </a:rPr>
+              <a:t>파티</a:t>
+            </a:r>
+            <a:r>
+              <a:rPr lang="en-US" altLang="ko-KR" sz="700" dirty="0" smtClean="0">
+                <a:solidFill>
+                  <a:srgbClr val="ECD9BB"/>
+                </a:solidFill>
+                <a:latin typeface="나눔스퀘어 Bold" panose="020B0600000101010101" pitchFamily="50" charset="-127"/>
+                <a:ea typeface="나눔스퀘어 Bold" panose="020B0600000101010101" pitchFamily="50" charset="-127"/>
+              </a:rPr>
+              <a:t>] </a:t>
+            </a:r>
+            <a:r>
+              <a:rPr lang="ko-KR" altLang="en-US" sz="700" dirty="0" smtClean="0">
+                <a:solidFill>
+                  <a:srgbClr val="ECD9BB"/>
+                </a:solidFill>
+                <a:latin typeface="나눔스퀘어 Bold" panose="020B0600000101010101" pitchFamily="50" charset="-127"/>
+                <a:ea typeface="나눔스퀘어 Bold" panose="020B0600000101010101" pitchFamily="50" charset="-127"/>
+              </a:rPr>
+              <a:t>방어력 </a:t>
+            </a:r>
+            <a:r>
+              <a:rPr lang="en-US" altLang="ko-KR" sz="700" dirty="0" smtClean="0">
+                <a:solidFill>
+                  <a:srgbClr val="00B050"/>
+                </a:solidFill>
+                <a:latin typeface="나눔스퀘어 Bold" panose="020B0600000101010101" pitchFamily="50" charset="-127"/>
+                <a:ea typeface="나눔스퀘어 Bold" panose="020B0600000101010101" pitchFamily="50" charset="-127"/>
+              </a:rPr>
+              <a:t>+ 999.9% </a:t>
+            </a:r>
+            <a:endParaRPr lang="ko-KR" altLang="en-US" sz="700" dirty="0">
+              <a:solidFill>
+                <a:srgbClr val="00B050"/>
+              </a:solidFill>
+              <a:latin typeface="나눔스퀘어 Bold" panose="020B0600000101010101" pitchFamily="50" charset="-127"/>
+              <a:ea typeface="나눔스퀘어 Bold" panose="020B0600000101010101" pitchFamily="50" charset="-127"/>
+            </a:endParaRPr>
+          </a:p>
+        </p:txBody>
+      </p:sp>
+      <p:sp>
+        <p:nvSpPr>
+          <p:cNvPr id="23" name="직사각형 22"/>
+          <p:cNvSpPr/>
+          <p:nvPr/>
+        </p:nvSpPr>
+        <p:spPr>
+          <a:xfrm>
+            <a:off x="7955074" y="2505076"/>
+            <a:ext cx="2276475" cy="119062"/>
+          </a:xfrm>
+          <a:prstGeom prst="rect">
+            <a:avLst/>
+          </a:prstGeom>
+          <a:solidFill>
+            <a:srgbClr val="1C1914"/>
+          </a:solidFill>
+          <a:ln>
+            <a:noFill/>
+          </a:ln>
+        </p:spPr>
+        <p:style>
+          <a:lnRef idx="2">
+            <a:schemeClr val="accent1">
+              <a:shade val="50000"/>
+            </a:schemeClr>
+          </a:lnRef>
+          <a:fillRef idx="1">
+            <a:schemeClr val="accent1"/>
+          </a:fillRef>
+          <a:effectRef idx="0">
+            <a:schemeClr val="accent1"/>
+          </a:effectRef>
+          <a:fontRef idx="minor">
+            <a:schemeClr val="lt1"/>
+          </a:fontRef>
+        </p:style>
+        <p:txBody>
+          <a:bodyPr lIns="0" tIns="0" rIns="0" bIns="0" rtlCol="0" anchor="ctr"/>
+          <a:lstStyle/>
+          <a:p>
+            <a:r>
+              <a:rPr lang="ko-KR" altLang="en-US" sz="600" dirty="0" smtClean="0">
+                <a:solidFill>
+                  <a:srgbClr val="54452F"/>
+                </a:solidFill>
+                <a:latin typeface="나눔스퀘어 Bold" panose="020B0600000101010101" pitchFamily="50" charset="-127"/>
+                <a:ea typeface="나눔스퀘어 Bold" panose="020B0600000101010101" pitchFamily="50" charset="-127"/>
+              </a:rPr>
+              <a:t>착용 가능 장비</a:t>
+            </a:r>
+            <a:endParaRPr lang="ko-KR" altLang="en-US" sz="600" dirty="0">
+              <a:solidFill>
+                <a:srgbClr val="54452F"/>
+              </a:solidFill>
+              <a:latin typeface="나눔스퀘어 Bold" panose="020B0600000101010101" pitchFamily="50" charset="-127"/>
+              <a:ea typeface="나눔스퀘어 Bold" panose="020B0600000101010101" pitchFamily="50" charset="-127"/>
+            </a:endParaRPr>
+          </a:p>
+        </p:txBody>
+      </p:sp>
+      <p:sp>
+        <p:nvSpPr>
+          <p:cNvPr id="24" name="직사각형 23"/>
+          <p:cNvSpPr/>
+          <p:nvPr/>
+        </p:nvSpPr>
+        <p:spPr>
+          <a:xfrm>
+            <a:off x="7955073" y="3144442"/>
+            <a:ext cx="2276475" cy="119062"/>
+          </a:xfrm>
+          <a:prstGeom prst="rect">
+            <a:avLst/>
+          </a:prstGeom>
+          <a:solidFill>
+            <a:srgbClr val="1C1914"/>
+          </a:solidFill>
+          <a:ln>
+            <a:noFill/>
+          </a:ln>
+        </p:spPr>
+        <p:style>
+          <a:lnRef idx="2">
+            <a:schemeClr val="accent1">
+              <a:shade val="50000"/>
+            </a:schemeClr>
+          </a:lnRef>
+          <a:fillRef idx="1">
+            <a:schemeClr val="accent1"/>
+          </a:fillRef>
+          <a:effectRef idx="0">
+            <a:schemeClr val="accent1"/>
+          </a:effectRef>
+          <a:fontRef idx="minor">
+            <a:schemeClr val="lt1"/>
+          </a:fontRef>
+        </p:style>
+        <p:txBody>
+          <a:bodyPr lIns="0" tIns="0" rIns="0" bIns="0" rtlCol="0" anchor="ctr"/>
+          <a:lstStyle/>
+          <a:p>
+            <a:r>
+              <a:rPr lang="ko-KR" altLang="en-US" sz="600" dirty="0" smtClean="0">
+                <a:solidFill>
+                  <a:srgbClr val="54452F"/>
+                </a:solidFill>
+                <a:latin typeface="나눔스퀘어 Bold" panose="020B0600000101010101" pitchFamily="50" charset="-127"/>
+                <a:ea typeface="나눔스퀘어 Bold" panose="020B0600000101010101" pitchFamily="50" charset="-127"/>
+              </a:rPr>
+              <a:t>일반 공격</a:t>
+            </a:r>
+            <a:endParaRPr lang="ko-KR" altLang="en-US" sz="600" dirty="0">
+              <a:solidFill>
+                <a:srgbClr val="54452F"/>
+              </a:solidFill>
+              <a:latin typeface="나눔스퀘어 Bold" panose="020B0600000101010101" pitchFamily="50" charset="-127"/>
+              <a:ea typeface="나눔스퀘어 Bold" panose="020B0600000101010101" pitchFamily="50" charset="-127"/>
+            </a:endParaRPr>
+          </a:p>
+        </p:txBody>
+      </p:sp>
+      <p:sp>
+        <p:nvSpPr>
+          <p:cNvPr id="25" name="직사각형 24"/>
+          <p:cNvSpPr/>
+          <p:nvPr/>
+        </p:nvSpPr>
+        <p:spPr>
+          <a:xfrm>
+            <a:off x="7955072" y="3758565"/>
+            <a:ext cx="2276475" cy="119062"/>
+          </a:xfrm>
+          <a:prstGeom prst="rect">
+            <a:avLst/>
+          </a:prstGeom>
+          <a:solidFill>
+            <a:srgbClr val="1C1914"/>
+          </a:solidFill>
+          <a:ln>
+            <a:noFill/>
+          </a:ln>
+        </p:spPr>
+        <p:style>
+          <a:lnRef idx="2">
+            <a:schemeClr val="accent1">
+              <a:shade val="50000"/>
+            </a:schemeClr>
+          </a:lnRef>
+          <a:fillRef idx="1">
+            <a:schemeClr val="accent1"/>
+          </a:fillRef>
+          <a:effectRef idx="0">
+            <a:schemeClr val="accent1"/>
+          </a:effectRef>
+          <a:fontRef idx="minor">
+            <a:schemeClr val="lt1"/>
+          </a:fontRef>
+        </p:style>
+        <p:txBody>
+          <a:bodyPr lIns="0" tIns="0" rIns="0" bIns="0" rtlCol="0" anchor="ctr"/>
+          <a:lstStyle/>
+          <a:p>
+            <a:r>
+              <a:rPr lang="ko-KR" altLang="en-US" sz="600" dirty="0" err="1" smtClean="0">
+                <a:solidFill>
+                  <a:srgbClr val="54452F"/>
+                </a:solidFill>
+                <a:latin typeface="나눔스퀘어 Bold" panose="020B0600000101010101" pitchFamily="50" charset="-127"/>
+                <a:ea typeface="나눔스퀘어 Bold" panose="020B0600000101010101" pitchFamily="50" charset="-127"/>
+              </a:rPr>
+              <a:t>연계기</a:t>
+            </a:r>
+            <a:endParaRPr lang="ko-KR" altLang="en-US" sz="600" dirty="0">
+              <a:solidFill>
+                <a:srgbClr val="54452F"/>
+              </a:solidFill>
+              <a:latin typeface="나눔스퀘어 Bold" panose="020B0600000101010101" pitchFamily="50" charset="-127"/>
+              <a:ea typeface="나눔스퀘어 Bold" panose="020B0600000101010101" pitchFamily="50" charset="-127"/>
+            </a:endParaRPr>
+          </a:p>
+        </p:txBody>
+      </p:sp>
+      <p:sp>
+        <p:nvSpPr>
+          <p:cNvPr id="26" name="직사각형 25"/>
+          <p:cNvSpPr/>
+          <p:nvPr/>
+        </p:nvSpPr>
+        <p:spPr>
+          <a:xfrm>
+            <a:off x="7955072" y="4679632"/>
+            <a:ext cx="2276475" cy="119062"/>
+          </a:xfrm>
+          <a:prstGeom prst="rect">
+            <a:avLst/>
+          </a:prstGeom>
+          <a:solidFill>
+            <a:srgbClr val="1C1914"/>
+          </a:solidFill>
+          <a:ln>
+            <a:noFill/>
+          </a:ln>
+        </p:spPr>
+        <p:style>
+          <a:lnRef idx="2">
+            <a:schemeClr val="accent1">
+              <a:shade val="50000"/>
+            </a:schemeClr>
+          </a:lnRef>
+          <a:fillRef idx="1">
+            <a:schemeClr val="accent1"/>
+          </a:fillRef>
+          <a:effectRef idx="0">
+            <a:schemeClr val="accent1"/>
+          </a:effectRef>
+          <a:fontRef idx="minor">
+            <a:schemeClr val="lt1"/>
+          </a:fontRef>
+        </p:style>
+        <p:txBody>
+          <a:bodyPr lIns="0" tIns="0" rIns="0" bIns="0" rtlCol="0" anchor="ctr"/>
+          <a:lstStyle/>
+          <a:p>
+            <a:r>
+              <a:rPr lang="ko-KR" altLang="en-US" sz="600" smtClean="0">
+                <a:solidFill>
+                  <a:srgbClr val="54452F"/>
+                </a:solidFill>
+                <a:latin typeface="나눔스퀘어 Bold" panose="020B0600000101010101" pitchFamily="50" charset="-127"/>
+                <a:ea typeface="나눔스퀘어 Bold" panose="020B0600000101010101" pitchFamily="50" charset="-127"/>
+              </a:rPr>
+              <a:t>특수 능력</a:t>
+            </a:r>
+            <a:endParaRPr lang="ko-KR" altLang="en-US" sz="600" dirty="0">
+              <a:solidFill>
+                <a:srgbClr val="54452F"/>
+              </a:solidFill>
+              <a:latin typeface="나눔스퀘어 Bold" panose="020B0600000101010101" pitchFamily="50" charset="-127"/>
+              <a:ea typeface="나눔스퀘어 Bold" panose="020B0600000101010101" pitchFamily="50" charset="-127"/>
+            </a:endParaRPr>
+          </a:p>
+        </p:txBody>
+      </p:sp>
+      <p:sp>
+        <p:nvSpPr>
+          <p:cNvPr id="27" name="직사각형 26"/>
+          <p:cNvSpPr/>
+          <p:nvPr/>
+        </p:nvSpPr>
+        <p:spPr>
+          <a:xfrm>
+            <a:off x="7955072" y="2648950"/>
+            <a:ext cx="2276475" cy="402146"/>
+          </a:xfrm>
+          <a:prstGeom prst="rect">
+            <a:avLst/>
+          </a:prstGeom>
+          <a:noFill/>
+          <a:ln>
+            <a:noFill/>
+          </a:ln>
+        </p:spPr>
+        <p:style>
+          <a:lnRef idx="2">
+            <a:schemeClr val="accent1">
+              <a:shade val="50000"/>
+            </a:schemeClr>
+          </a:lnRef>
+          <a:fillRef idx="1">
+            <a:schemeClr val="accent1"/>
+          </a:fillRef>
+          <a:effectRef idx="0">
+            <a:schemeClr val="accent1"/>
+          </a:effectRef>
+          <a:fontRef idx="minor">
+            <a:schemeClr val="lt1"/>
+          </a:fontRef>
+        </p:style>
+        <p:txBody>
+          <a:bodyPr lIns="0" tIns="0" rIns="0" bIns="0" rtlCol="0" anchor="t"/>
+          <a:lstStyle/>
+          <a:p>
+            <a:pPr>
+              <a:lnSpc>
+                <a:spcPct val="150000"/>
+              </a:lnSpc>
+            </a:pPr>
+            <a:r>
+              <a:rPr lang="ko-KR" altLang="en-US" sz="700" dirty="0" err="1" smtClean="0">
+                <a:solidFill>
+                  <a:srgbClr val="ECD9BB"/>
+                </a:solidFill>
+                <a:latin typeface="나눔스퀘어 Bold" panose="020B0600000101010101" pitchFamily="50" charset="-127"/>
+                <a:ea typeface="나눔스퀘어 Bold" panose="020B0600000101010101" pitchFamily="50" charset="-127"/>
+              </a:rPr>
+              <a:t>건틀렛</a:t>
+            </a:r>
+            <a:r>
+              <a:rPr lang="en-US" altLang="ko-KR" sz="700" dirty="0" smtClean="0">
+                <a:solidFill>
+                  <a:srgbClr val="ECD9BB"/>
+                </a:solidFill>
+                <a:latin typeface="나눔스퀘어 Bold" panose="020B0600000101010101" pitchFamily="50" charset="-127"/>
+                <a:ea typeface="나눔스퀘어 Bold" panose="020B0600000101010101" pitchFamily="50" charset="-127"/>
+              </a:rPr>
+              <a:t>, </a:t>
+            </a:r>
+            <a:r>
+              <a:rPr lang="ko-KR" altLang="en-US" sz="700" dirty="0" err="1" smtClean="0">
+                <a:solidFill>
+                  <a:srgbClr val="ECD9BB"/>
+                </a:solidFill>
+                <a:latin typeface="나눔스퀘어 Bold" panose="020B0600000101010101" pitchFamily="50" charset="-127"/>
+                <a:ea typeface="나눔스퀘어 Bold" panose="020B0600000101010101" pitchFamily="50" charset="-127"/>
+              </a:rPr>
+              <a:t>악세사리</a:t>
+            </a:r>
+            <a:endParaRPr lang="ko-KR" altLang="en-US" sz="700" dirty="0">
+              <a:solidFill>
+                <a:srgbClr val="ECD9BB"/>
+              </a:solidFill>
+              <a:latin typeface="나눔스퀘어 Bold" panose="020B0600000101010101" pitchFamily="50" charset="-127"/>
+              <a:ea typeface="나눔스퀘어 Bold" panose="020B0600000101010101" pitchFamily="50" charset="-127"/>
+            </a:endParaRPr>
+          </a:p>
+        </p:txBody>
+      </p:sp>
+      <p:sp>
+        <p:nvSpPr>
+          <p:cNvPr id="56" name="직사각형 55"/>
+          <p:cNvSpPr/>
+          <p:nvPr/>
+        </p:nvSpPr>
+        <p:spPr>
+          <a:xfrm>
+            <a:off x="7955072" y="3289316"/>
+            <a:ext cx="2276475" cy="402146"/>
+          </a:xfrm>
+          <a:prstGeom prst="rect">
+            <a:avLst/>
+          </a:prstGeom>
+          <a:noFill/>
+          <a:ln>
+            <a:noFill/>
+          </a:ln>
+        </p:spPr>
+        <p:style>
+          <a:lnRef idx="2">
+            <a:schemeClr val="accent1">
+              <a:shade val="50000"/>
+            </a:schemeClr>
+          </a:lnRef>
+          <a:fillRef idx="1">
+            <a:schemeClr val="accent1"/>
+          </a:fillRef>
+          <a:effectRef idx="0">
+            <a:schemeClr val="accent1"/>
+          </a:effectRef>
+          <a:fontRef idx="minor">
+            <a:schemeClr val="lt1"/>
+          </a:fontRef>
+        </p:style>
+        <p:txBody>
+          <a:bodyPr lIns="0" tIns="0" rIns="0" bIns="0" rtlCol="0" anchor="t"/>
+          <a:lstStyle/>
+          <a:p>
+            <a:pPr>
+              <a:lnSpc>
+                <a:spcPct val="150000"/>
+              </a:lnSpc>
+            </a:pPr>
+            <a:r>
+              <a:rPr lang="ko-KR" altLang="en-US" sz="700" dirty="0" smtClean="0">
+                <a:solidFill>
+                  <a:srgbClr val="ECD9BB"/>
+                </a:solidFill>
+                <a:latin typeface="나눔스퀘어 Bold" panose="020B0600000101010101" pitchFamily="50" charset="-127"/>
+                <a:ea typeface="나눔스퀘어 Bold" panose="020B0600000101010101" pitchFamily="50" charset="-127"/>
+              </a:rPr>
+              <a:t>용병술</a:t>
+            </a:r>
+            <a:endParaRPr lang="en-US" altLang="ko-KR" sz="700" dirty="0" smtClean="0">
+              <a:solidFill>
+                <a:srgbClr val="ECD9BB"/>
+              </a:solidFill>
+              <a:latin typeface="나눔스퀘어 Bold" panose="020B0600000101010101" pitchFamily="50" charset="-127"/>
+              <a:ea typeface="나눔스퀘어 Bold" panose="020B0600000101010101" pitchFamily="50" charset="-127"/>
+            </a:endParaRPr>
+          </a:p>
+          <a:p>
+            <a:pPr>
+              <a:lnSpc>
+                <a:spcPct val="150000"/>
+              </a:lnSpc>
+            </a:pPr>
+            <a:r>
+              <a:rPr lang="ko-KR" altLang="en-US" sz="450" dirty="0" smtClean="0">
+                <a:solidFill>
+                  <a:srgbClr val="ECD9BB"/>
+                </a:solidFill>
+                <a:latin typeface="나눔스퀘어 Bold" panose="020B0600000101010101" pitchFamily="50" charset="-127"/>
+                <a:ea typeface="나눔스퀘어 Bold" panose="020B0600000101010101" pitchFamily="50" charset="-127"/>
+              </a:rPr>
+              <a:t>기본 공격 </a:t>
+            </a:r>
+            <a:r>
+              <a:rPr lang="en-US" altLang="ko-KR" sz="450" dirty="0" smtClean="0">
+                <a:solidFill>
+                  <a:srgbClr val="ECD9BB"/>
+                </a:solidFill>
+                <a:latin typeface="나눔스퀘어 Bold" panose="020B0600000101010101" pitchFamily="50" charset="-127"/>
+                <a:ea typeface="나눔스퀘어 Bold" panose="020B0600000101010101" pitchFamily="50" charset="-127"/>
+              </a:rPr>
+              <a:t>: </a:t>
+            </a:r>
+            <a:r>
+              <a:rPr lang="ko-KR" altLang="en-US" sz="450" dirty="0" smtClean="0">
+                <a:solidFill>
+                  <a:srgbClr val="ECD9BB"/>
+                </a:solidFill>
+                <a:latin typeface="나눔스퀘어 Bold" panose="020B0600000101010101" pitchFamily="50" charset="-127"/>
+                <a:ea typeface="나눔스퀘어 Bold" panose="020B0600000101010101" pitchFamily="50" charset="-127"/>
+              </a:rPr>
+              <a:t>가까운 적에게 빠르게 돌진하여 공격합니다</a:t>
+            </a:r>
+            <a:r>
+              <a:rPr lang="en-US" altLang="ko-KR" sz="450" dirty="0" smtClean="0">
+                <a:solidFill>
+                  <a:srgbClr val="ECD9BB"/>
+                </a:solidFill>
+                <a:latin typeface="나눔스퀘어 Bold" panose="020B0600000101010101" pitchFamily="50" charset="-127"/>
+                <a:ea typeface="나눔스퀘어 Bold" panose="020B0600000101010101" pitchFamily="50" charset="-127"/>
+              </a:rPr>
+              <a:t>.</a:t>
+            </a:r>
+          </a:p>
+          <a:p>
+            <a:pPr>
+              <a:lnSpc>
+                <a:spcPct val="150000"/>
+              </a:lnSpc>
+            </a:pPr>
+            <a:r>
+              <a:rPr lang="ko-KR" altLang="en-US" sz="450" dirty="0" smtClean="0">
+                <a:solidFill>
+                  <a:srgbClr val="ECD9BB"/>
+                </a:solidFill>
+                <a:latin typeface="나눔스퀘어 Bold" panose="020B0600000101010101" pitchFamily="50" charset="-127"/>
+                <a:ea typeface="나눔스퀘어 Bold" panose="020B0600000101010101" pitchFamily="50" charset="-127"/>
+              </a:rPr>
+              <a:t>전투의 함성 </a:t>
+            </a:r>
+            <a:r>
+              <a:rPr lang="en-US" altLang="ko-KR" sz="450" dirty="0" smtClean="0">
+                <a:solidFill>
+                  <a:srgbClr val="ECD9BB"/>
+                </a:solidFill>
+                <a:latin typeface="나눔스퀘어 Bold" panose="020B0600000101010101" pitchFamily="50" charset="-127"/>
+                <a:ea typeface="나눔스퀘어 Bold" panose="020B0600000101010101" pitchFamily="50" charset="-127"/>
+              </a:rPr>
+              <a:t>: </a:t>
+            </a:r>
+            <a:r>
+              <a:rPr lang="ko-KR" altLang="en-US" sz="450" dirty="0" smtClean="0">
+                <a:solidFill>
+                  <a:srgbClr val="ECD9BB"/>
+                </a:solidFill>
+                <a:latin typeface="나눔스퀘어 Bold" panose="020B0600000101010101" pitchFamily="50" charset="-127"/>
+                <a:ea typeface="나눔스퀘어 Bold" panose="020B0600000101010101" pitchFamily="50" charset="-127"/>
+              </a:rPr>
+              <a:t>큰 소리를 내어 주변의 적을 도발하고 적의 방어력을 </a:t>
+            </a:r>
+            <a:r>
+              <a:rPr lang="en-US" altLang="ko-KR" sz="450" dirty="0" smtClean="0">
+                <a:solidFill>
+                  <a:srgbClr val="ECD9BB"/>
+                </a:solidFill>
+                <a:latin typeface="나눔스퀘어 Bold" panose="020B0600000101010101" pitchFamily="50" charset="-127"/>
+                <a:ea typeface="나눔스퀘어 Bold" panose="020B0600000101010101" pitchFamily="50" charset="-127"/>
+              </a:rPr>
+              <a:t>n</a:t>
+            </a:r>
+            <a:r>
+              <a:rPr lang="ko-KR" altLang="en-US" sz="450" dirty="0" smtClean="0">
+                <a:solidFill>
+                  <a:srgbClr val="ECD9BB"/>
+                </a:solidFill>
+                <a:latin typeface="나눔스퀘어 Bold" panose="020B0600000101010101" pitchFamily="50" charset="-127"/>
+                <a:ea typeface="나눔스퀘어 Bold" panose="020B0600000101010101" pitchFamily="50" charset="-127"/>
+              </a:rPr>
+              <a:t>초간 </a:t>
+            </a:r>
+            <a:r>
+              <a:rPr lang="en-US" altLang="ko-KR" sz="450" dirty="0" smtClean="0">
+                <a:solidFill>
+                  <a:srgbClr val="ECD9BB"/>
+                </a:solidFill>
+                <a:latin typeface="나눔스퀘어 Bold" panose="020B0600000101010101" pitchFamily="50" charset="-127"/>
+                <a:ea typeface="나눔스퀘어 Bold" panose="020B0600000101010101" pitchFamily="50" charset="-127"/>
+              </a:rPr>
+              <a:t>n% </a:t>
+            </a:r>
+            <a:r>
+              <a:rPr lang="ko-KR" altLang="en-US" sz="450" dirty="0" smtClean="0">
+                <a:solidFill>
+                  <a:srgbClr val="ECD9BB"/>
+                </a:solidFill>
+                <a:latin typeface="나눔스퀘어 Bold" panose="020B0600000101010101" pitchFamily="50" charset="-127"/>
+                <a:ea typeface="나눔스퀘어 Bold" panose="020B0600000101010101" pitchFamily="50" charset="-127"/>
+              </a:rPr>
+              <a:t>감소 시킵니다</a:t>
+            </a:r>
+            <a:r>
+              <a:rPr lang="en-US" altLang="ko-KR" sz="450" dirty="0" smtClean="0">
+                <a:solidFill>
+                  <a:srgbClr val="ECD9BB"/>
+                </a:solidFill>
+                <a:latin typeface="나눔스퀘어 Bold" panose="020B0600000101010101" pitchFamily="50" charset="-127"/>
+                <a:ea typeface="나눔스퀘어 Bold" panose="020B0600000101010101" pitchFamily="50" charset="-127"/>
+              </a:rPr>
+              <a:t>.</a:t>
+            </a:r>
+            <a:endParaRPr lang="ko-KR" altLang="en-US" sz="450" dirty="0">
+              <a:solidFill>
+                <a:srgbClr val="ECD9BB"/>
+              </a:solidFill>
+              <a:latin typeface="나눔스퀘어 Bold" panose="020B0600000101010101" pitchFamily="50" charset="-127"/>
+              <a:ea typeface="나눔스퀘어 Bold" panose="020B0600000101010101" pitchFamily="50" charset="-127"/>
+            </a:endParaRPr>
+          </a:p>
+        </p:txBody>
+      </p:sp>
+      <p:sp>
+        <p:nvSpPr>
+          <p:cNvPr id="57" name="직사각형 56"/>
+          <p:cNvSpPr/>
+          <p:nvPr/>
+        </p:nvSpPr>
+        <p:spPr>
+          <a:xfrm>
+            <a:off x="7956564" y="3899867"/>
+            <a:ext cx="2276475" cy="402146"/>
+          </a:xfrm>
+          <a:prstGeom prst="rect">
+            <a:avLst/>
+          </a:prstGeom>
+          <a:noFill/>
+          <a:ln>
+            <a:noFill/>
+          </a:ln>
+        </p:spPr>
+        <p:style>
+          <a:lnRef idx="2">
+            <a:schemeClr val="accent1">
+              <a:shade val="50000"/>
+            </a:schemeClr>
+          </a:lnRef>
+          <a:fillRef idx="1">
+            <a:schemeClr val="accent1"/>
+          </a:fillRef>
+          <a:effectRef idx="0">
+            <a:schemeClr val="accent1"/>
+          </a:effectRef>
+          <a:fontRef idx="minor">
+            <a:schemeClr val="lt1"/>
+          </a:fontRef>
+        </p:style>
+        <p:txBody>
+          <a:bodyPr lIns="0" tIns="0" rIns="0" bIns="0" rtlCol="0" anchor="t"/>
+          <a:lstStyle/>
+          <a:p>
+            <a:pPr>
+              <a:lnSpc>
+                <a:spcPct val="150000"/>
+              </a:lnSpc>
+            </a:pPr>
+            <a:r>
+              <a:rPr lang="ko-KR" altLang="en-US" sz="700" dirty="0" err="1" smtClean="0">
+                <a:solidFill>
+                  <a:srgbClr val="ECD9BB"/>
+                </a:solidFill>
+                <a:latin typeface="나눔스퀘어 Bold" panose="020B0600000101010101" pitchFamily="50" charset="-127"/>
+                <a:ea typeface="나눔스퀘어 Bold" panose="020B0600000101010101" pitchFamily="50" charset="-127"/>
+              </a:rPr>
+              <a:t>라이징</a:t>
+            </a:r>
+            <a:r>
+              <a:rPr lang="ko-KR" altLang="en-US" sz="700" dirty="0" smtClean="0">
+                <a:solidFill>
+                  <a:srgbClr val="ECD9BB"/>
+                </a:solidFill>
+                <a:latin typeface="나눔스퀘어 Bold" panose="020B0600000101010101" pitchFamily="50" charset="-127"/>
+                <a:ea typeface="나눔스퀘어 Bold" panose="020B0600000101010101" pitchFamily="50" charset="-127"/>
+              </a:rPr>
+              <a:t> 드래곤</a:t>
+            </a:r>
+            <a:endParaRPr lang="en-US" altLang="ko-KR" sz="700" dirty="0" smtClean="0">
+              <a:solidFill>
+                <a:srgbClr val="ECD9BB"/>
+              </a:solidFill>
+              <a:latin typeface="나눔스퀘어 Bold" panose="020B0600000101010101" pitchFamily="50" charset="-127"/>
+              <a:ea typeface="나눔스퀘어 Bold" panose="020B0600000101010101" pitchFamily="50" charset="-127"/>
+            </a:endParaRPr>
+          </a:p>
+          <a:p>
+            <a:pPr>
+              <a:lnSpc>
+                <a:spcPct val="150000"/>
+              </a:lnSpc>
+            </a:pPr>
+            <a:endParaRPr lang="en-US" altLang="ko-KR" sz="700" dirty="0">
+              <a:solidFill>
+                <a:srgbClr val="ECD9BB"/>
+              </a:solidFill>
+              <a:latin typeface="나눔스퀘어 Bold" panose="020B0600000101010101" pitchFamily="50" charset="-127"/>
+              <a:ea typeface="나눔스퀘어 Bold" panose="020B0600000101010101" pitchFamily="50" charset="-127"/>
+            </a:endParaRPr>
+          </a:p>
+          <a:p>
+            <a:pPr>
+              <a:lnSpc>
+                <a:spcPct val="150000"/>
+              </a:lnSpc>
+            </a:pPr>
+            <a:r>
+              <a:rPr lang="ko-KR" altLang="en-US" sz="700" dirty="0" smtClean="0">
+                <a:solidFill>
+                  <a:srgbClr val="ECD9BB"/>
+                </a:solidFill>
+                <a:latin typeface="나눔스퀘어 Bold" panose="020B0600000101010101" pitchFamily="50" charset="-127"/>
+                <a:ea typeface="나눔스퀘어 Bold" panose="020B0600000101010101" pitchFamily="50" charset="-127"/>
+              </a:rPr>
+              <a:t>적을 강한 힘으로 공중에 띄운 후 땅으로 내려 찍으며</a:t>
+            </a:r>
+            <a:endParaRPr lang="en-US" altLang="ko-KR" sz="700" dirty="0" smtClean="0">
+              <a:solidFill>
+                <a:srgbClr val="ECD9BB"/>
+              </a:solidFill>
+              <a:latin typeface="나눔스퀘어 Bold" panose="020B0600000101010101" pitchFamily="50" charset="-127"/>
+              <a:ea typeface="나눔스퀘어 Bold" panose="020B0600000101010101" pitchFamily="50" charset="-127"/>
+            </a:endParaRPr>
+          </a:p>
+          <a:p>
+            <a:pPr>
+              <a:lnSpc>
+                <a:spcPct val="150000"/>
+              </a:lnSpc>
+            </a:pPr>
+            <a:r>
+              <a:rPr lang="ko-KR" altLang="en-US" sz="700" dirty="0" smtClean="0">
+                <a:solidFill>
+                  <a:srgbClr val="ECD9BB"/>
+                </a:solidFill>
+                <a:latin typeface="나눔스퀘어 Bold" panose="020B0600000101010101" pitchFamily="50" charset="-127"/>
+                <a:ea typeface="나눔스퀘어 Bold" panose="020B0600000101010101" pitchFamily="50" charset="-127"/>
+              </a:rPr>
+              <a:t>주변의 적에게 강인함의 </a:t>
+            </a:r>
+            <a:r>
+              <a:rPr lang="en-US" altLang="ko-KR" sz="700" dirty="0" smtClean="0">
+                <a:solidFill>
+                  <a:srgbClr val="ECD9BB"/>
+                </a:solidFill>
+                <a:latin typeface="나눔스퀘어 Bold" panose="020B0600000101010101" pitchFamily="50" charset="-127"/>
+                <a:ea typeface="나눔스퀘어 Bold" panose="020B0600000101010101" pitchFamily="50" charset="-127"/>
+              </a:rPr>
+              <a:t>n% </a:t>
+            </a:r>
+            <a:r>
+              <a:rPr lang="ko-KR" altLang="en-US" sz="700" dirty="0" smtClean="0">
+                <a:solidFill>
+                  <a:srgbClr val="ECD9BB"/>
+                </a:solidFill>
+                <a:latin typeface="나눔스퀘어 Bold" panose="020B0600000101010101" pitchFamily="50" charset="-127"/>
+                <a:ea typeface="나눔스퀘어 Bold" panose="020B0600000101010101" pitchFamily="50" charset="-127"/>
+              </a:rPr>
+              <a:t>만큼 피해를 줍니다</a:t>
+            </a:r>
+            <a:endParaRPr lang="ko-KR" altLang="en-US" sz="700" dirty="0">
+              <a:solidFill>
+                <a:srgbClr val="ECD9BB"/>
+              </a:solidFill>
+              <a:latin typeface="나눔스퀘어 Bold" panose="020B0600000101010101" pitchFamily="50" charset="-127"/>
+              <a:ea typeface="나눔스퀘어 Bold" panose="020B0600000101010101" pitchFamily="50" charset="-127"/>
+            </a:endParaRPr>
+          </a:p>
+        </p:txBody>
+      </p:sp>
+      <p:sp>
+        <p:nvSpPr>
+          <p:cNvPr id="58" name="직사각형 57"/>
+          <p:cNvSpPr/>
+          <p:nvPr/>
+        </p:nvSpPr>
+        <p:spPr>
+          <a:xfrm>
+            <a:off x="7955072" y="4823506"/>
+            <a:ext cx="2276475" cy="402146"/>
+          </a:xfrm>
+          <a:prstGeom prst="rect">
+            <a:avLst/>
+          </a:prstGeom>
+          <a:noFill/>
+          <a:ln>
+            <a:noFill/>
+          </a:ln>
+        </p:spPr>
+        <p:style>
+          <a:lnRef idx="2">
+            <a:schemeClr val="accent1">
+              <a:shade val="50000"/>
+            </a:schemeClr>
+          </a:lnRef>
+          <a:fillRef idx="1">
+            <a:schemeClr val="accent1"/>
+          </a:fillRef>
+          <a:effectRef idx="0">
+            <a:schemeClr val="accent1"/>
+          </a:effectRef>
+          <a:fontRef idx="minor">
+            <a:schemeClr val="lt1"/>
+          </a:fontRef>
+        </p:style>
+        <p:txBody>
+          <a:bodyPr lIns="0" tIns="0" rIns="0" bIns="0" rtlCol="0" anchor="t"/>
+          <a:lstStyle/>
+          <a:p>
+            <a:pPr>
+              <a:lnSpc>
+                <a:spcPct val="150000"/>
+              </a:lnSpc>
+            </a:pPr>
+            <a:r>
+              <a:rPr lang="ko-KR" altLang="en-US" sz="700" dirty="0" smtClean="0">
+                <a:solidFill>
+                  <a:srgbClr val="ECD9BB"/>
+                </a:solidFill>
+                <a:latin typeface="나눔스퀘어 Bold" panose="020B0600000101010101" pitchFamily="50" charset="-127"/>
+                <a:ea typeface="나눔스퀘어 Bold" panose="020B0600000101010101" pitchFamily="50" charset="-127"/>
+              </a:rPr>
+              <a:t>유대감</a:t>
+            </a:r>
+            <a:endParaRPr lang="en-US" altLang="ko-KR" sz="700" dirty="0" smtClean="0">
+              <a:solidFill>
+                <a:srgbClr val="ECD9BB"/>
+              </a:solidFill>
+              <a:latin typeface="나눔스퀘어 Bold" panose="020B0600000101010101" pitchFamily="50" charset="-127"/>
+              <a:ea typeface="나눔스퀘어 Bold" panose="020B0600000101010101" pitchFamily="50" charset="-127"/>
+            </a:endParaRPr>
+          </a:p>
+          <a:p>
+            <a:pPr>
+              <a:lnSpc>
+                <a:spcPct val="150000"/>
+              </a:lnSpc>
+            </a:pPr>
+            <a:r>
+              <a:rPr lang="ko-KR" altLang="en-US" sz="700" dirty="0" smtClean="0">
+                <a:solidFill>
+                  <a:srgbClr val="ECD9BB"/>
+                </a:solidFill>
+                <a:latin typeface="나눔스퀘어 Bold" panose="020B0600000101010101" pitchFamily="50" charset="-127"/>
+                <a:ea typeface="나눔스퀘어 Bold" panose="020B0600000101010101" pitchFamily="50" charset="-127"/>
+              </a:rPr>
+              <a:t>살아있는 팀원의 수에 비례해 방어력이 최대 </a:t>
+            </a:r>
+            <a:r>
+              <a:rPr lang="en-US" altLang="ko-KR" sz="700" dirty="0" smtClean="0">
+                <a:solidFill>
+                  <a:srgbClr val="ECD9BB"/>
+                </a:solidFill>
+                <a:latin typeface="나눔스퀘어 Bold" panose="020B0600000101010101" pitchFamily="50" charset="-127"/>
+                <a:ea typeface="나눔스퀘어 Bold" panose="020B0600000101010101" pitchFamily="50" charset="-127"/>
+              </a:rPr>
+              <a:t>50%</a:t>
+            </a:r>
+            <a:r>
+              <a:rPr lang="ko-KR" altLang="en-US" sz="700" dirty="0" smtClean="0">
+                <a:solidFill>
+                  <a:srgbClr val="ECD9BB"/>
+                </a:solidFill>
+                <a:latin typeface="나눔스퀘어 Bold" panose="020B0600000101010101" pitchFamily="50" charset="-127"/>
+                <a:ea typeface="나눔스퀘어 Bold" panose="020B0600000101010101" pitchFamily="50" charset="-127"/>
+              </a:rPr>
+              <a:t>까지 증가 합니다</a:t>
+            </a:r>
+            <a:r>
+              <a:rPr lang="en-US" altLang="ko-KR" sz="700" dirty="0" smtClean="0">
+                <a:solidFill>
+                  <a:srgbClr val="ECD9BB"/>
+                </a:solidFill>
+                <a:latin typeface="나눔스퀘어 Bold" panose="020B0600000101010101" pitchFamily="50" charset="-127"/>
+                <a:ea typeface="나눔스퀘어 Bold" panose="020B0600000101010101" pitchFamily="50" charset="-127"/>
+              </a:rPr>
+              <a:t>.</a:t>
+            </a:r>
+            <a:endParaRPr lang="ko-KR" altLang="en-US" sz="700" dirty="0">
+              <a:solidFill>
+                <a:srgbClr val="ECD9BB"/>
+              </a:solidFill>
+              <a:latin typeface="나눔스퀘어 Bold" panose="020B0600000101010101" pitchFamily="50" charset="-127"/>
+              <a:ea typeface="나눔스퀘어 Bold" panose="020B0600000101010101" pitchFamily="50" charset="-127"/>
+            </a:endParaRPr>
           </a:p>
         </p:txBody>
       </p:sp>

--- a/가디언 테일즈/1. PPT/신규_캐릭터_기획.pptx
+++ b/가디언 테일즈/1. PPT/신규_캐릭터_기획.pptx
@@ -3641,6 +3641,2131 @@
           </a:p>
         </p:txBody>
       </p:sp>
+      <p:pic>
+        <p:nvPicPr>
+          <p:cNvPr id="3" name="그림 2">
+            <a:extLst>
+              <a:ext uri="{FF2B5EF4-FFF2-40B4-BE49-F238E27FC236}">
+                <a16:creationId xmlns:a16="http://schemas.microsoft.com/office/drawing/2014/main" id="{85287F58-C668-416B-84F7-1C9A05F2AAB3}"/>
+              </a:ext>
+            </a:extLst>
+          </p:cNvPr>
+          <p:cNvPicPr>
+            <a:picLocks noChangeAspect="1"/>
+          </p:cNvPicPr>
+          <p:nvPr/>
+        </p:nvPicPr>
+        <p:blipFill>
+          <a:blip r:embed="rId2"/>
+          <a:stretch>
+            <a:fillRect/>
+          </a:stretch>
+        </p:blipFill>
+        <p:spPr>
+          <a:xfrm>
+            <a:off x="1540200" y="1530350"/>
+            <a:ext cx="9111600" cy="4315355"/>
+          </a:xfrm>
+          <a:prstGeom prst="rect">
+            <a:avLst/>
+          </a:prstGeom>
+        </p:spPr>
+      </p:pic>
+      <p:grpSp>
+        <p:nvGrpSpPr>
+          <p:cNvPr id="8" name="그룹 7">
+            <a:extLst>
+              <a:ext uri="{FF2B5EF4-FFF2-40B4-BE49-F238E27FC236}">
+                <a16:creationId xmlns:a16="http://schemas.microsoft.com/office/drawing/2014/main" id="{D0DEBC19-3368-4779-9D66-CF5EC66FC0C3}"/>
+              </a:ext>
+            </a:extLst>
+          </p:cNvPr>
+          <p:cNvGrpSpPr/>
+          <p:nvPr/>
+        </p:nvGrpSpPr>
+        <p:grpSpPr>
+          <a:xfrm>
+            <a:off x="3028949" y="1816271"/>
+            <a:ext cx="6470650" cy="3625850"/>
+            <a:chOff x="3039110" y="1800860"/>
+            <a:chExt cx="6470650" cy="3625850"/>
+          </a:xfrm>
+        </p:grpSpPr>
+        <p:sp>
+          <p:nvSpPr>
+            <p:cNvPr id="6" name="사각형: 둥근 모서리 5">
+              <a:extLst>
+                <a:ext uri="{FF2B5EF4-FFF2-40B4-BE49-F238E27FC236}">
+                  <a16:creationId xmlns:a16="http://schemas.microsoft.com/office/drawing/2014/main" id="{1FDF2819-529C-4628-85FE-8F6DADBF377E}"/>
+                </a:ext>
+              </a:extLst>
+            </p:cNvPr>
+            <p:cNvSpPr/>
+            <p:nvPr/>
+          </p:nvSpPr>
+          <p:spPr>
+            <a:xfrm>
+              <a:off x="3039110" y="1800860"/>
+              <a:ext cx="6470650" cy="3625850"/>
+            </a:xfrm>
+            <a:prstGeom prst="roundRect">
+              <a:avLst>
+                <a:gd name="adj" fmla="val 1159"/>
+              </a:avLst>
+            </a:prstGeom>
+            <a:solidFill>
+              <a:schemeClr val="tx1">
+                <a:alpha val="50000"/>
+              </a:schemeClr>
+            </a:solidFill>
+            <a:ln w="25400">
+              <a:solidFill>
+                <a:srgbClr val="473C2C"/>
+              </a:solidFill>
+            </a:ln>
+          </p:spPr>
+          <p:style>
+            <a:lnRef idx="2">
+              <a:schemeClr val="accent1">
+                <a:shade val="50000"/>
+              </a:schemeClr>
+            </a:lnRef>
+            <a:fillRef idx="1">
+              <a:schemeClr val="accent1"/>
+            </a:fillRef>
+            <a:effectRef idx="0">
+              <a:schemeClr val="accent1"/>
+            </a:effectRef>
+            <a:fontRef idx="minor">
+              <a:schemeClr val="lt1"/>
+            </a:fontRef>
+          </p:style>
+          <p:txBody>
+            <a:bodyPr rtlCol="0" anchor="ctr"/>
+            <a:lstStyle/>
+            <a:p>
+              <a:pPr algn="ctr"/>
+              <a:endParaRPr lang="ko-KR" altLang="en-US"/>
+            </a:p>
+          </p:txBody>
+        </p:sp>
+        <p:sp>
+          <p:nvSpPr>
+            <p:cNvPr id="7" name="사각형: 둥근 모서리 6">
+              <a:extLst>
+                <a:ext uri="{FF2B5EF4-FFF2-40B4-BE49-F238E27FC236}">
+                  <a16:creationId xmlns:a16="http://schemas.microsoft.com/office/drawing/2014/main" id="{163EB8C2-384D-483F-B24E-A9CBF2995135}"/>
+                </a:ext>
+              </a:extLst>
+            </p:cNvPr>
+            <p:cNvSpPr/>
+            <p:nvPr/>
+          </p:nvSpPr>
+          <p:spPr>
+            <a:xfrm>
+              <a:off x="3081020" y="2118360"/>
+              <a:ext cx="6386830" cy="3279140"/>
+            </a:xfrm>
+            <a:prstGeom prst="roundRect">
+              <a:avLst>
+                <a:gd name="adj" fmla="val 1159"/>
+              </a:avLst>
+            </a:prstGeom>
+            <a:solidFill>
+              <a:schemeClr val="tx1">
+                <a:alpha val="50000"/>
+              </a:schemeClr>
+            </a:solidFill>
+            <a:ln w="25400">
+              <a:solidFill>
+                <a:srgbClr val="2E211E"/>
+              </a:solidFill>
+            </a:ln>
+          </p:spPr>
+          <p:style>
+            <a:lnRef idx="2">
+              <a:schemeClr val="accent1">
+                <a:shade val="50000"/>
+              </a:schemeClr>
+            </a:lnRef>
+            <a:fillRef idx="1">
+              <a:schemeClr val="accent1"/>
+            </a:fillRef>
+            <a:effectRef idx="0">
+              <a:schemeClr val="accent1"/>
+            </a:effectRef>
+            <a:fontRef idx="minor">
+              <a:schemeClr val="lt1"/>
+            </a:fontRef>
+          </p:style>
+          <p:txBody>
+            <a:bodyPr rtlCol="0" anchor="ctr"/>
+            <a:lstStyle/>
+            <a:p>
+              <a:pPr algn="ctr"/>
+              <a:endParaRPr lang="ko-KR" altLang="en-US"/>
+            </a:p>
+          </p:txBody>
+        </p:sp>
+      </p:grpSp>
+      <p:grpSp>
+        <p:nvGrpSpPr>
+          <p:cNvPr id="13" name="그룹 12">
+            <a:extLst>
+              <a:ext uri="{FF2B5EF4-FFF2-40B4-BE49-F238E27FC236}">
+                <a16:creationId xmlns:a16="http://schemas.microsoft.com/office/drawing/2014/main" id="{72FF72E3-A064-4424-8D75-90C4EA8A64E6}"/>
+              </a:ext>
+            </a:extLst>
+          </p:cNvPr>
+          <p:cNvGrpSpPr/>
+          <p:nvPr/>
+        </p:nvGrpSpPr>
+        <p:grpSpPr>
+          <a:xfrm>
+            <a:off x="3117850" y="2200274"/>
+            <a:ext cx="3108325" cy="279401"/>
+            <a:chOff x="3121024" y="2566565"/>
+            <a:chExt cx="3108325" cy="298450"/>
+          </a:xfrm>
+        </p:grpSpPr>
+        <p:sp>
+          <p:nvSpPr>
+            <p:cNvPr id="9" name="사각형: 둥근 모서리 8">
+              <a:extLst>
+                <a:ext uri="{FF2B5EF4-FFF2-40B4-BE49-F238E27FC236}">
+                  <a16:creationId xmlns:a16="http://schemas.microsoft.com/office/drawing/2014/main" id="{4B7993EB-6E3D-4383-9A89-2E86D85BF823}"/>
+                </a:ext>
+              </a:extLst>
+            </p:cNvPr>
+            <p:cNvSpPr/>
+            <p:nvPr/>
+          </p:nvSpPr>
+          <p:spPr>
+            <a:xfrm>
+              <a:off x="3121024" y="2566565"/>
+              <a:ext cx="3108325" cy="298450"/>
+            </a:xfrm>
+            <a:prstGeom prst="roundRect">
+              <a:avLst>
+                <a:gd name="adj" fmla="val 14632"/>
+              </a:avLst>
+            </a:prstGeom>
+            <a:solidFill>
+              <a:srgbClr val="2D2822"/>
+            </a:solidFill>
+            <a:ln w="19050">
+              <a:solidFill>
+                <a:srgbClr val="877C70"/>
+              </a:solidFill>
+            </a:ln>
+          </p:spPr>
+          <p:style>
+            <a:lnRef idx="2">
+              <a:schemeClr val="accent1">
+                <a:shade val="50000"/>
+              </a:schemeClr>
+            </a:lnRef>
+            <a:fillRef idx="1">
+              <a:schemeClr val="accent1"/>
+            </a:fillRef>
+            <a:effectRef idx="0">
+              <a:schemeClr val="accent1"/>
+            </a:effectRef>
+            <a:fontRef idx="minor">
+              <a:schemeClr val="lt1"/>
+            </a:fontRef>
+          </p:style>
+          <p:txBody>
+            <a:bodyPr rtlCol="0" anchor="ctr"/>
+            <a:lstStyle/>
+            <a:p>
+              <a:pPr algn="ctr"/>
+              <a:endParaRPr lang="ko-KR" altLang="en-US"/>
+            </a:p>
+          </p:txBody>
+        </p:sp>
+        <p:sp>
+          <p:nvSpPr>
+            <p:cNvPr id="10" name="사각형: 둥근 모서리 9">
+              <a:extLst>
+                <a:ext uri="{FF2B5EF4-FFF2-40B4-BE49-F238E27FC236}">
+                  <a16:creationId xmlns:a16="http://schemas.microsoft.com/office/drawing/2014/main" id="{5711B5B6-C8DB-4894-8C80-00E4DC360922}"/>
+                </a:ext>
+              </a:extLst>
+            </p:cNvPr>
+            <p:cNvSpPr/>
+            <p:nvPr/>
+          </p:nvSpPr>
+          <p:spPr>
+            <a:xfrm>
+              <a:off x="5200650" y="2598315"/>
+              <a:ext cx="996950" cy="234950"/>
+            </a:xfrm>
+            <a:prstGeom prst="roundRect">
+              <a:avLst/>
+            </a:prstGeom>
+            <a:solidFill>
+              <a:srgbClr val="ECD9BB"/>
+            </a:solidFill>
+            <a:ln>
+              <a:noFill/>
+            </a:ln>
+          </p:spPr>
+          <p:style>
+            <a:lnRef idx="2">
+              <a:schemeClr val="accent1">
+                <a:shade val="50000"/>
+              </a:schemeClr>
+            </a:lnRef>
+            <a:fillRef idx="1">
+              <a:schemeClr val="accent1"/>
+            </a:fillRef>
+            <a:effectRef idx="0">
+              <a:schemeClr val="accent1"/>
+            </a:effectRef>
+            <a:fontRef idx="minor">
+              <a:schemeClr val="lt1"/>
+            </a:fontRef>
+          </p:style>
+          <p:txBody>
+            <a:bodyPr rtlCol="0" anchor="ctr"/>
+            <a:lstStyle/>
+            <a:p>
+              <a:pPr algn="ctr"/>
+              <a:r>
+                <a:rPr lang="en-US" altLang="ko-KR" sz="900" dirty="0">
+                  <a:solidFill>
+                    <a:srgbClr val="2D2822"/>
+                  </a:solidFill>
+                  <a:latin typeface="나눔스퀘어 Bold" panose="020B0600000101010101" pitchFamily="50" charset="-127"/>
+                  <a:ea typeface="나눔스퀘어 Bold" panose="020B0600000101010101" pitchFamily="50" charset="-127"/>
+                </a:rPr>
+                <a:t>Lv. 77</a:t>
+              </a:r>
+              <a:endParaRPr lang="ko-KR" altLang="en-US" sz="900" dirty="0">
+                <a:solidFill>
+                  <a:srgbClr val="2D2822"/>
+                </a:solidFill>
+                <a:latin typeface="나눔스퀘어 Bold" panose="020B0600000101010101" pitchFamily="50" charset="-127"/>
+                <a:ea typeface="나눔스퀘어 Bold" panose="020B0600000101010101" pitchFamily="50" charset="-127"/>
+              </a:endParaRPr>
+            </a:p>
+          </p:txBody>
+        </p:sp>
+        <p:sp>
+          <p:nvSpPr>
+            <p:cNvPr id="11" name="사각형: 둥근 모서리 10">
+              <a:extLst>
+                <a:ext uri="{FF2B5EF4-FFF2-40B4-BE49-F238E27FC236}">
+                  <a16:creationId xmlns:a16="http://schemas.microsoft.com/office/drawing/2014/main" id="{41D69A7F-E2C7-4230-9C95-509E3463F058}"/>
+                </a:ext>
+              </a:extLst>
+            </p:cNvPr>
+            <p:cNvSpPr/>
+            <p:nvPr/>
+          </p:nvSpPr>
+          <p:spPr>
+            <a:xfrm>
+              <a:off x="4180681" y="2598315"/>
+              <a:ext cx="996950" cy="234950"/>
+            </a:xfrm>
+            <a:prstGeom prst="roundRect">
+              <a:avLst/>
+            </a:prstGeom>
+            <a:solidFill>
+              <a:srgbClr val="2D2822"/>
+            </a:solidFill>
+            <a:ln>
+              <a:noFill/>
+            </a:ln>
+          </p:spPr>
+          <p:style>
+            <a:lnRef idx="2">
+              <a:schemeClr val="accent1">
+                <a:shade val="50000"/>
+              </a:schemeClr>
+            </a:lnRef>
+            <a:fillRef idx="1">
+              <a:schemeClr val="accent1"/>
+            </a:fillRef>
+            <a:effectRef idx="0">
+              <a:schemeClr val="accent1"/>
+            </a:effectRef>
+            <a:fontRef idx="minor">
+              <a:schemeClr val="lt1"/>
+            </a:fontRef>
+          </p:style>
+          <p:txBody>
+            <a:bodyPr rtlCol="0" anchor="ctr"/>
+            <a:lstStyle/>
+            <a:p>
+              <a:pPr algn="ctr"/>
+              <a:r>
+                <a:rPr lang="en-US" altLang="ko-KR" sz="900" dirty="0">
+                  <a:solidFill>
+                    <a:srgbClr val="ECD9BB"/>
+                  </a:solidFill>
+                  <a:latin typeface="나눔스퀘어 Bold" panose="020B0600000101010101" pitchFamily="50" charset="-127"/>
+                  <a:ea typeface="나눔스퀘어 Bold" panose="020B0600000101010101" pitchFamily="50" charset="-127"/>
+                </a:rPr>
+                <a:t>Lv. 72</a:t>
+              </a:r>
+              <a:endParaRPr lang="ko-KR" altLang="en-US" sz="900" dirty="0">
+                <a:solidFill>
+                  <a:srgbClr val="ECD9BB"/>
+                </a:solidFill>
+                <a:latin typeface="나눔스퀘어 Bold" panose="020B0600000101010101" pitchFamily="50" charset="-127"/>
+                <a:ea typeface="나눔스퀘어 Bold" panose="020B0600000101010101" pitchFamily="50" charset="-127"/>
+              </a:endParaRPr>
+            </a:p>
+          </p:txBody>
+        </p:sp>
+        <p:sp>
+          <p:nvSpPr>
+            <p:cNvPr id="12" name="사각형: 둥근 모서리 11">
+              <a:extLst>
+                <a:ext uri="{FF2B5EF4-FFF2-40B4-BE49-F238E27FC236}">
+                  <a16:creationId xmlns:a16="http://schemas.microsoft.com/office/drawing/2014/main" id="{587516CB-3E52-4C56-AA51-8DDF62782887}"/>
+                </a:ext>
+              </a:extLst>
+            </p:cNvPr>
+            <p:cNvSpPr/>
+            <p:nvPr/>
+          </p:nvSpPr>
+          <p:spPr>
+            <a:xfrm>
+              <a:off x="3160713" y="2598315"/>
+              <a:ext cx="996950" cy="234950"/>
+            </a:xfrm>
+            <a:prstGeom prst="roundRect">
+              <a:avLst/>
+            </a:prstGeom>
+            <a:solidFill>
+              <a:srgbClr val="2D2822"/>
+            </a:solidFill>
+            <a:ln>
+              <a:noFill/>
+            </a:ln>
+          </p:spPr>
+          <p:style>
+            <a:lnRef idx="2">
+              <a:schemeClr val="accent1">
+                <a:shade val="50000"/>
+              </a:schemeClr>
+            </a:lnRef>
+            <a:fillRef idx="1">
+              <a:schemeClr val="accent1"/>
+            </a:fillRef>
+            <a:effectRef idx="0">
+              <a:schemeClr val="accent1"/>
+            </a:effectRef>
+            <a:fontRef idx="minor">
+              <a:schemeClr val="lt1"/>
+            </a:fontRef>
+          </p:style>
+          <p:txBody>
+            <a:bodyPr rtlCol="0" anchor="ctr"/>
+            <a:lstStyle/>
+            <a:p>
+              <a:pPr algn="ctr"/>
+              <a:r>
+                <a:rPr lang="en-US" altLang="ko-KR" sz="900" dirty="0">
+                  <a:solidFill>
+                    <a:srgbClr val="ECD9BB"/>
+                  </a:solidFill>
+                  <a:latin typeface="나눔스퀘어 Bold" panose="020B0600000101010101" pitchFamily="50" charset="-127"/>
+                  <a:ea typeface="나눔스퀘어 Bold" panose="020B0600000101010101" pitchFamily="50" charset="-127"/>
+                </a:rPr>
+                <a:t>Lv. 1</a:t>
+              </a:r>
+              <a:endParaRPr lang="ko-KR" altLang="en-US" sz="900" dirty="0">
+                <a:solidFill>
+                  <a:srgbClr val="ECD9BB"/>
+                </a:solidFill>
+                <a:latin typeface="나눔스퀘어 Bold" panose="020B0600000101010101" pitchFamily="50" charset="-127"/>
+                <a:ea typeface="나눔스퀘어 Bold" panose="020B0600000101010101" pitchFamily="50" charset="-127"/>
+              </a:endParaRPr>
+            </a:p>
+          </p:txBody>
+        </p:sp>
+      </p:grpSp>
+      <p:grpSp>
+        <p:nvGrpSpPr>
+          <p:cNvPr id="2" name="그룹 1">
+            <a:extLst>
+              <a:ext uri="{FF2B5EF4-FFF2-40B4-BE49-F238E27FC236}">
+                <a16:creationId xmlns:a16="http://schemas.microsoft.com/office/drawing/2014/main" id="{4957A0D6-3F13-4FE9-8A3A-186ED3DB8C01}"/>
+              </a:ext>
+            </a:extLst>
+          </p:cNvPr>
+          <p:cNvGrpSpPr/>
+          <p:nvPr/>
+        </p:nvGrpSpPr>
+        <p:grpSpPr>
+          <a:xfrm>
+            <a:off x="3117849" y="2537355"/>
+            <a:ext cx="3108325" cy="2790295"/>
+            <a:chOff x="6885768" y="2279914"/>
+            <a:chExt cx="3076576" cy="2790295"/>
+          </a:xfrm>
+        </p:grpSpPr>
+        <p:sp>
+          <p:nvSpPr>
+            <p:cNvPr id="14" name="사각형: 둥근 모서리 13">
+              <a:extLst>
+                <a:ext uri="{FF2B5EF4-FFF2-40B4-BE49-F238E27FC236}">
+                  <a16:creationId xmlns:a16="http://schemas.microsoft.com/office/drawing/2014/main" id="{9BB3C62F-5CA6-4484-83F3-305B5B02BE5E}"/>
+                </a:ext>
+              </a:extLst>
+            </p:cNvPr>
+            <p:cNvSpPr/>
+            <p:nvPr/>
+          </p:nvSpPr>
+          <p:spPr>
+            <a:xfrm>
+              <a:off x="6885768" y="2279914"/>
+              <a:ext cx="3076576" cy="2790295"/>
+            </a:xfrm>
+            <a:prstGeom prst="roundRect">
+              <a:avLst>
+                <a:gd name="adj" fmla="val 2011"/>
+              </a:avLst>
+            </a:prstGeom>
+            <a:solidFill>
+              <a:srgbClr val="161922"/>
+            </a:solidFill>
+            <a:ln>
+              <a:noFill/>
+            </a:ln>
+          </p:spPr>
+          <p:style>
+            <a:lnRef idx="2">
+              <a:schemeClr val="accent1">
+                <a:shade val="50000"/>
+              </a:schemeClr>
+            </a:lnRef>
+            <a:fillRef idx="1">
+              <a:schemeClr val="accent1"/>
+            </a:fillRef>
+            <a:effectRef idx="0">
+              <a:schemeClr val="accent1"/>
+            </a:effectRef>
+            <a:fontRef idx="minor">
+              <a:schemeClr val="lt1"/>
+            </a:fontRef>
+          </p:style>
+          <p:txBody>
+            <a:bodyPr rtlCol="0" anchor="ctr"/>
+            <a:lstStyle/>
+            <a:p>
+              <a:pPr algn="ctr"/>
+              <a:endParaRPr lang="ko-KR" altLang="en-US"/>
+            </a:p>
+          </p:txBody>
+        </p:sp>
+        <p:sp>
+          <p:nvSpPr>
+            <p:cNvPr id="15" name="사각형: 둥근 모서리 14">
+              <a:extLst>
+                <a:ext uri="{FF2B5EF4-FFF2-40B4-BE49-F238E27FC236}">
+                  <a16:creationId xmlns:a16="http://schemas.microsoft.com/office/drawing/2014/main" id="{520E3193-DEF3-40D1-BB0C-4C8E67778FE9}"/>
+                </a:ext>
+              </a:extLst>
+            </p:cNvPr>
+            <p:cNvSpPr/>
+            <p:nvPr/>
+          </p:nvSpPr>
+          <p:spPr>
+            <a:xfrm>
+              <a:off x="6941648" y="2967355"/>
+              <a:ext cx="2964816" cy="1871663"/>
+            </a:xfrm>
+            <a:prstGeom prst="roundRect">
+              <a:avLst>
+                <a:gd name="adj" fmla="val 2011"/>
+              </a:avLst>
+            </a:prstGeom>
+            <a:solidFill>
+              <a:srgbClr val="202538"/>
+            </a:solidFill>
+            <a:ln>
+              <a:noFill/>
+            </a:ln>
+          </p:spPr>
+          <p:style>
+            <a:lnRef idx="2">
+              <a:schemeClr val="accent1">
+                <a:shade val="50000"/>
+              </a:schemeClr>
+            </a:lnRef>
+            <a:fillRef idx="1">
+              <a:schemeClr val="accent1"/>
+            </a:fillRef>
+            <a:effectRef idx="0">
+              <a:schemeClr val="accent1"/>
+            </a:effectRef>
+            <a:fontRef idx="minor">
+              <a:schemeClr val="lt1"/>
+            </a:fontRef>
+          </p:style>
+          <p:txBody>
+            <a:bodyPr rtlCol="0" anchor="ctr"/>
+            <a:lstStyle/>
+            <a:p>
+              <a:pPr algn="ctr"/>
+              <a:endParaRPr lang="ko-KR" altLang="en-US"/>
+            </a:p>
+          </p:txBody>
+        </p:sp>
+      </p:grpSp>
+      <p:grpSp>
+        <p:nvGrpSpPr>
+          <p:cNvPr id="17" name="그룹 16">
+            <a:extLst>
+              <a:ext uri="{FF2B5EF4-FFF2-40B4-BE49-F238E27FC236}">
+                <a16:creationId xmlns:a16="http://schemas.microsoft.com/office/drawing/2014/main" id="{D4DBA586-2D3B-4539-9416-A136220BC83D}"/>
+              </a:ext>
+            </a:extLst>
+          </p:cNvPr>
+          <p:cNvGrpSpPr/>
+          <p:nvPr/>
+        </p:nvGrpSpPr>
+        <p:grpSpPr>
+          <a:xfrm>
+            <a:off x="3191355" y="2552717"/>
+            <a:ext cx="523875" cy="523875"/>
+            <a:chOff x="3533774" y="2566565"/>
+            <a:chExt cx="523875" cy="523875"/>
+          </a:xfrm>
+        </p:grpSpPr>
+        <p:sp>
+          <p:nvSpPr>
+            <p:cNvPr id="16" name="사각형: 둥근 모서리 15">
+              <a:extLst>
+                <a:ext uri="{FF2B5EF4-FFF2-40B4-BE49-F238E27FC236}">
+                  <a16:creationId xmlns:a16="http://schemas.microsoft.com/office/drawing/2014/main" id="{0596C913-64EC-46C3-AEEF-2F057D4A9EF9}"/>
+                </a:ext>
+              </a:extLst>
+            </p:cNvPr>
+            <p:cNvSpPr/>
+            <p:nvPr/>
+          </p:nvSpPr>
+          <p:spPr>
+            <a:xfrm>
+              <a:off x="3533774" y="2566565"/>
+              <a:ext cx="523875" cy="523875"/>
+            </a:xfrm>
+            <a:prstGeom prst="roundRect">
+              <a:avLst>
+                <a:gd name="adj" fmla="val 5767"/>
+              </a:avLst>
+            </a:prstGeom>
+            <a:solidFill>
+              <a:srgbClr val="000000"/>
+            </a:solidFill>
+            <a:ln>
+              <a:solidFill>
+                <a:srgbClr val="00B050"/>
+              </a:solidFill>
+            </a:ln>
+          </p:spPr>
+          <p:style>
+            <a:lnRef idx="2">
+              <a:schemeClr val="accent1">
+                <a:shade val="50000"/>
+              </a:schemeClr>
+            </a:lnRef>
+            <a:fillRef idx="1">
+              <a:schemeClr val="accent1"/>
+            </a:fillRef>
+            <a:effectRef idx="0">
+              <a:schemeClr val="accent1"/>
+            </a:effectRef>
+            <a:fontRef idx="minor">
+              <a:schemeClr val="lt1"/>
+            </a:fontRef>
+          </p:style>
+          <p:txBody>
+            <a:bodyPr rtlCol="0" anchor="ctr"/>
+            <a:lstStyle/>
+            <a:p>
+              <a:pPr algn="ctr"/>
+              <a:endParaRPr lang="ko-KR" altLang="en-US" dirty="0"/>
+            </a:p>
+          </p:txBody>
+        </p:sp>
+        <p:pic>
+          <p:nvPicPr>
+            <p:cNvPr id="1026" name="Picture 2" descr="Pin em dmc">
+              <a:extLst>
+                <a:ext uri="{FF2B5EF4-FFF2-40B4-BE49-F238E27FC236}">
+                  <a16:creationId xmlns:a16="http://schemas.microsoft.com/office/drawing/2014/main" id="{3A08D4C5-56F6-4C53-B69F-61E8992B23D7}"/>
+                </a:ext>
+              </a:extLst>
+            </p:cNvPr>
+            <p:cNvPicPr>
+              <a:picLocks noChangeAspect="1" noChangeArrowheads="1"/>
+            </p:cNvPicPr>
+            <p:nvPr/>
+          </p:nvPicPr>
+          <p:blipFill>
+            <a:blip r:embed="rId3" cstate="print">
+              <a:extLst>
+                <a:ext uri="{28A0092B-C50C-407E-A947-70E740481C1C}">
+                  <a14:useLocalDpi xmlns:a14="http://schemas.microsoft.com/office/drawing/2010/main" val="0"/>
+                </a:ext>
+              </a:extLst>
+            </a:blip>
+            <a:srcRect/>
+            <a:stretch>
+              <a:fillRect/>
+            </a:stretch>
+          </p:blipFill>
+          <p:spPr bwMode="auto">
+            <a:xfrm>
+              <a:off x="3549251" y="2582042"/>
+              <a:ext cx="492919" cy="492919"/>
+            </a:xfrm>
+            <a:prstGeom prst="rect">
+              <a:avLst/>
+            </a:prstGeom>
+            <a:noFill/>
+            <a:extLst>
+              <a:ext uri="{909E8E84-426E-40DD-AFC4-6F175D3DCCD1}">
+                <a14:hiddenFill xmlns:a14="http://schemas.microsoft.com/office/drawing/2010/main">
+                  <a:solidFill>
+                    <a:srgbClr val="FFFFFF"/>
+                  </a:solidFill>
+                </a14:hiddenFill>
+              </a:ext>
+            </a:extLst>
+          </p:spPr>
+        </p:pic>
+      </p:grpSp>
+      <p:sp>
+        <p:nvSpPr>
+          <p:cNvPr id="18" name="TextBox 17">
+            <a:extLst>
+              <a:ext uri="{FF2B5EF4-FFF2-40B4-BE49-F238E27FC236}">
+                <a16:creationId xmlns:a16="http://schemas.microsoft.com/office/drawing/2014/main" id="{0EA9B8EA-1065-4F7B-AE46-B29E91433CB1}"/>
+              </a:ext>
+            </a:extLst>
+          </p:cNvPr>
+          <p:cNvSpPr txBox="1"/>
+          <p:nvPr/>
+        </p:nvSpPr>
+        <p:spPr>
+          <a:xfrm>
+            <a:off x="3734988" y="2543583"/>
+            <a:ext cx="667943" cy="230832"/>
+          </a:xfrm>
+          <a:prstGeom prst="rect">
+            <a:avLst/>
+          </a:prstGeom>
+          <a:noFill/>
+        </p:spPr>
+        <p:txBody>
+          <a:bodyPr wrap="square" rtlCol="0">
+            <a:spAutoFit/>
+          </a:bodyPr>
+          <a:lstStyle/>
+          <a:p>
+            <a:r>
+              <a:rPr lang="ko-KR" altLang="en-US" sz="900" dirty="0">
+                <a:solidFill>
+                  <a:srgbClr val="D5B060"/>
+                </a:solidFill>
+                <a:latin typeface="나눔스퀘어 Bold" panose="020B0600000101010101" pitchFamily="50" charset="-127"/>
+                <a:ea typeface="나눔스퀘어 Bold" panose="020B0600000101010101" pitchFamily="50" charset="-127"/>
+              </a:rPr>
+              <a:t>베오울프</a:t>
+            </a:r>
+          </a:p>
+        </p:txBody>
+      </p:sp>
+      <p:sp>
+        <p:nvSpPr>
+          <p:cNvPr id="19" name="TextBox 18">
+            <a:extLst>
+              <a:ext uri="{FF2B5EF4-FFF2-40B4-BE49-F238E27FC236}">
+                <a16:creationId xmlns:a16="http://schemas.microsoft.com/office/drawing/2014/main" id="{40A1AF8D-0658-4DF9-ADC3-058EAA316E89}"/>
+              </a:ext>
+            </a:extLst>
+          </p:cNvPr>
+          <p:cNvSpPr txBox="1"/>
+          <p:nvPr/>
+        </p:nvSpPr>
+        <p:spPr>
+          <a:xfrm>
+            <a:off x="3730707" y="2706931"/>
+            <a:ext cx="760331" cy="215444"/>
+          </a:xfrm>
+          <a:prstGeom prst="rect">
+            <a:avLst/>
+          </a:prstGeom>
+          <a:noFill/>
+        </p:spPr>
+        <p:txBody>
+          <a:bodyPr wrap="square" rtlCol="0">
+            <a:spAutoFit/>
+          </a:bodyPr>
+          <a:lstStyle/>
+          <a:p>
+            <a:r>
+              <a:rPr lang="ko-KR" altLang="en-US" sz="800" dirty="0" err="1">
+                <a:solidFill>
+                  <a:srgbClr val="7F6C3E"/>
+                </a:solidFill>
+                <a:latin typeface="나눔스퀘어 Bold" panose="020B0600000101010101" pitchFamily="50" charset="-127"/>
+                <a:ea typeface="나눔스퀘어 Bold" panose="020B0600000101010101" pitchFamily="50" charset="-127"/>
+              </a:rPr>
+              <a:t>에픽</a:t>
+            </a:r>
+            <a:r>
+              <a:rPr lang="ko-KR" altLang="en-US" sz="800" dirty="0">
+                <a:solidFill>
+                  <a:srgbClr val="7F6C3E"/>
+                </a:solidFill>
+                <a:latin typeface="나눔스퀘어 Bold" panose="020B0600000101010101" pitchFamily="50" charset="-127"/>
+                <a:ea typeface="나눔스퀘어 Bold" panose="020B0600000101010101" pitchFamily="50" charset="-127"/>
+              </a:rPr>
+              <a:t> </a:t>
+            </a:r>
+            <a:r>
+              <a:rPr lang="ko-KR" altLang="en-US" sz="800" dirty="0" err="1">
+                <a:solidFill>
+                  <a:srgbClr val="7F6C3E"/>
+                </a:solidFill>
+                <a:latin typeface="나눔스퀘어 Bold" panose="020B0600000101010101" pitchFamily="50" charset="-127"/>
+                <a:ea typeface="나눔스퀘어 Bold" panose="020B0600000101010101" pitchFamily="50" charset="-127"/>
+              </a:rPr>
+              <a:t>건틀렛</a:t>
+            </a:r>
+            <a:endParaRPr lang="ko-KR" altLang="en-US" sz="800" dirty="0">
+              <a:solidFill>
+                <a:srgbClr val="7F6C3E"/>
+              </a:solidFill>
+              <a:latin typeface="나눔스퀘어 Bold" panose="020B0600000101010101" pitchFamily="50" charset="-127"/>
+              <a:ea typeface="나눔스퀘어 Bold" panose="020B0600000101010101" pitchFamily="50" charset="-127"/>
+            </a:endParaRPr>
+          </a:p>
+        </p:txBody>
+      </p:sp>
+      <p:sp>
+        <p:nvSpPr>
+          <p:cNvPr id="20" name="TextBox 19">
+            <a:extLst>
+              <a:ext uri="{FF2B5EF4-FFF2-40B4-BE49-F238E27FC236}">
+                <a16:creationId xmlns:a16="http://schemas.microsoft.com/office/drawing/2014/main" id="{7B7675B6-47D2-48EB-9B21-584E91F9D4AF}"/>
+              </a:ext>
+            </a:extLst>
+          </p:cNvPr>
+          <p:cNvSpPr txBox="1"/>
+          <p:nvPr/>
+        </p:nvSpPr>
+        <p:spPr>
+          <a:xfrm>
+            <a:off x="3730707" y="2842708"/>
+            <a:ext cx="1862854" cy="338554"/>
+          </a:xfrm>
+          <a:prstGeom prst="rect">
+            <a:avLst/>
+          </a:prstGeom>
+          <a:noFill/>
+        </p:spPr>
+        <p:txBody>
+          <a:bodyPr wrap="square" rtlCol="0">
+            <a:spAutoFit/>
+          </a:bodyPr>
+          <a:lstStyle/>
+          <a:p>
+            <a:r>
+              <a:rPr lang="en-US" altLang="ko-KR" sz="1600" dirty="0">
+                <a:solidFill>
+                  <a:schemeClr val="bg1"/>
+                </a:solidFill>
+                <a:latin typeface="나눔스퀘어 Bold" panose="020B0600000101010101" pitchFamily="50" charset="-127"/>
+                <a:ea typeface="나눔스퀘어 Bold" panose="020B0600000101010101" pitchFamily="50" charset="-127"/>
+              </a:rPr>
+              <a:t>9,999-9,999 </a:t>
+            </a:r>
+            <a:r>
+              <a:rPr lang="ko-KR" altLang="en-US" sz="700" dirty="0">
+                <a:solidFill>
+                  <a:srgbClr val="81807D"/>
+                </a:solidFill>
+                <a:latin typeface="나눔스퀘어 Bold" panose="020B0600000101010101" pitchFamily="50" charset="-127"/>
+                <a:ea typeface="나눔스퀘어 Bold" panose="020B0600000101010101" pitchFamily="50" charset="-127"/>
+              </a:rPr>
+              <a:t>초당 공격력</a:t>
+            </a:r>
+          </a:p>
+        </p:txBody>
+      </p:sp>
+      <p:sp>
+        <p:nvSpPr>
+          <p:cNvPr id="21" name="TextBox 20">
+            <a:extLst>
+              <a:ext uri="{FF2B5EF4-FFF2-40B4-BE49-F238E27FC236}">
+                <a16:creationId xmlns:a16="http://schemas.microsoft.com/office/drawing/2014/main" id="{B3006959-6CDC-4EE2-BAF4-2A98CFE52ACD}"/>
+              </a:ext>
+            </a:extLst>
+          </p:cNvPr>
+          <p:cNvSpPr txBox="1"/>
+          <p:nvPr/>
+        </p:nvSpPr>
+        <p:spPr>
+          <a:xfrm>
+            <a:off x="3245646" y="3180945"/>
+            <a:ext cx="424419" cy="166905"/>
+          </a:xfrm>
+          <a:prstGeom prst="rect">
+            <a:avLst/>
+          </a:prstGeom>
+          <a:noFill/>
+        </p:spPr>
+        <p:txBody>
+          <a:bodyPr wrap="square" lIns="0" tIns="0" rIns="0" bIns="0" rtlCol="0" anchor="ctr">
+            <a:spAutoFit/>
+          </a:bodyPr>
+          <a:lstStyle/>
+          <a:p>
+            <a:pPr>
+              <a:lnSpc>
+                <a:spcPct val="150000"/>
+              </a:lnSpc>
+            </a:pPr>
+            <a:r>
+              <a:rPr lang="ko-KR" altLang="en-US" sz="800" dirty="0">
+                <a:solidFill>
+                  <a:srgbClr val="7A83B3"/>
+                </a:solidFill>
+                <a:latin typeface="나눔스퀘어 Bold" panose="020B0600000101010101" pitchFamily="50" charset="-127"/>
+                <a:ea typeface="나눔스퀘어 Bold" panose="020B0600000101010101" pitchFamily="50" charset="-127"/>
+              </a:rPr>
+              <a:t>기본 옵션</a:t>
+            </a:r>
+            <a:endParaRPr lang="en-US" altLang="ko-KR" sz="800" dirty="0">
+              <a:solidFill>
+                <a:srgbClr val="7A83B3"/>
+              </a:solidFill>
+              <a:latin typeface="나눔스퀘어 Bold" panose="020B0600000101010101" pitchFamily="50" charset="-127"/>
+              <a:ea typeface="나눔스퀘어 Bold" panose="020B0600000101010101" pitchFamily="50" charset="-127"/>
+            </a:endParaRPr>
+          </a:p>
+        </p:txBody>
+      </p:sp>
+      <p:sp>
+        <p:nvSpPr>
+          <p:cNvPr id="23" name="TextBox 22">
+            <a:extLst>
+              <a:ext uri="{FF2B5EF4-FFF2-40B4-BE49-F238E27FC236}">
+                <a16:creationId xmlns:a16="http://schemas.microsoft.com/office/drawing/2014/main" id="{9732FBBB-4DAB-45BB-A2A7-B4CD560FFB7F}"/>
+              </a:ext>
+            </a:extLst>
+          </p:cNvPr>
+          <p:cNvSpPr txBox="1"/>
+          <p:nvPr/>
+        </p:nvSpPr>
+        <p:spPr>
+          <a:xfrm>
+            <a:off x="3245647" y="3441452"/>
+            <a:ext cx="667944" cy="187744"/>
+          </a:xfrm>
+          <a:prstGeom prst="rect">
+            <a:avLst/>
+          </a:prstGeom>
+          <a:noFill/>
+        </p:spPr>
+        <p:txBody>
+          <a:bodyPr wrap="square" lIns="0" tIns="0" rIns="0" bIns="0" rtlCol="0" anchor="ctr">
+            <a:spAutoFit/>
+          </a:bodyPr>
+          <a:lstStyle/>
+          <a:p>
+            <a:pPr>
+              <a:lnSpc>
+                <a:spcPct val="150000"/>
+              </a:lnSpc>
+            </a:pPr>
+            <a:r>
+              <a:rPr lang="ko-KR" altLang="en-US" sz="900" dirty="0">
+                <a:solidFill>
+                  <a:srgbClr val="7D4045"/>
+                </a:solidFill>
+                <a:latin typeface="나눔스퀘어 Bold" panose="020B0600000101010101" pitchFamily="50" charset="-127"/>
+                <a:ea typeface="나눔스퀘어 Bold" panose="020B0600000101010101" pitchFamily="50" charset="-127"/>
+              </a:rPr>
+              <a:t>지속성 공격력</a:t>
+            </a:r>
+            <a:endParaRPr lang="en-US" altLang="ko-KR" sz="900" dirty="0">
+              <a:solidFill>
+                <a:srgbClr val="7D4045"/>
+              </a:solidFill>
+              <a:latin typeface="나눔스퀘어 Bold" panose="020B0600000101010101" pitchFamily="50" charset="-127"/>
+              <a:ea typeface="나눔스퀘어 Bold" panose="020B0600000101010101" pitchFamily="50" charset="-127"/>
+            </a:endParaRPr>
+          </a:p>
+        </p:txBody>
+      </p:sp>
+      <p:sp>
+        <p:nvSpPr>
+          <p:cNvPr id="24" name="TextBox 23">
+            <a:extLst>
+              <a:ext uri="{FF2B5EF4-FFF2-40B4-BE49-F238E27FC236}">
+                <a16:creationId xmlns:a16="http://schemas.microsoft.com/office/drawing/2014/main" id="{D3444F84-511A-4210-BD1B-6DB6212BE690}"/>
+              </a:ext>
+            </a:extLst>
+          </p:cNvPr>
+          <p:cNvSpPr txBox="1"/>
+          <p:nvPr/>
+        </p:nvSpPr>
+        <p:spPr>
+          <a:xfrm>
+            <a:off x="3245646" y="3611862"/>
+            <a:ext cx="566735" cy="187744"/>
+          </a:xfrm>
+          <a:prstGeom prst="rect">
+            <a:avLst/>
+          </a:prstGeom>
+          <a:noFill/>
+        </p:spPr>
+        <p:txBody>
+          <a:bodyPr wrap="square" lIns="0" tIns="0" rIns="0" bIns="0" rtlCol="0" anchor="ctr">
+            <a:spAutoFit/>
+          </a:bodyPr>
+          <a:lstStyle/>
+          <a:p>
+            <a:pPr>
+              <a:lnSpc>
+                <a:spcPct val="150000"/>
+              </a:lnSpc>
+            </a:pPr>
+            <a:r>
+              <a:rPr lang="ko-KR" altLang="en-US" sz="900" dirty="0">
+                <a:solidFill>
+                  <a:srgbClr val="BDB4A9"/>
+                </a:solidFill>
+                <a:latin typeface="나눔스퀘어 Bold" panose="020B0600000101010101" pitchFamily="50" charset="-127"/>
+                <a:ea typeface="나눔스퀘어 Bold" panose="020B0600000101010101" pitchFamily="50" charset="-127"/>
+              </a:rPr>
+              <a:t>치명타 확률</a:t>
+            </a:r>
+            <a:endParaRPr lang="en-US" altLang="ko-KR" sz="900" dirty="0">
+              <a:solidFill>
+                <a:srgbClr val="BDB4A9"/>
+              </a:solidFill>
+              <a:latin typeface="나눔스퀘어 Bold" panose="020B0600000101010101" pitchFamily="50" charset="-127"/>
+              <a:ea typeface="나눔스퀘어 Bold" panose="020B0600000101010101" pitchFamily="50" charset="-127"/>
+            </a:endParaRPr>
+          </a:p>
+        </p:txBody>
+      </p:sp>
+      <p:sp>
+        <p:nvSpPr>
+          <p:cNvPr id="25" name="TextBox 24">
+            <a:extLst>
+              <a:ext uri="{FF2B5EF4-FFF2-40B4-BE49-F238E27FC236}">
+                <a16:creationId xmlns:a16="http://schemas.microsoft.com/office/drawing/2014/main" id="{8D45D835-E596-4170-9DFD-52E8181766C2}"/>
+              </a:ext>
+            </a:extLst>
+          </p:cNvPr>
+          <p:cNvSpPr txBox="1"/>
+          <p:nvPr/>
+        </p:nvSpPr>
+        <p:spPr>
+          <a:xfrm>
+            <a:off x="3245645" y="3776192"/>
+            <a:ext cx="321468" cy="187744"/>
+          </a:xfrm>
+          <a:prstGeom prst="rect">
+            <a:avLst/>
+          </a:prstGeom>
+          <a:noFill/>
+        </p:spPr>
+        <p:txBody>
+          <a:bodyPr wrap="square" lIns="0" tIns="0" rIns="0" bIns="0" rtlCol="0" anchor="ctr">
+            <a:spAutoFit/>
+          </a:bodyPr>
+          <a:lstStyle/>
+          <a:p>
+            <a:pPr>
+              <a:lnSpc>
+                <a:spcPct val="150000"/>
+              </a:lnSpc>
+            </a:pPr>
+            <a:r>
+              <a:rPr lang="ko-KR" altLang="en-US" sz="900" dirty="0">
+                <a:solidFill>
+                  <a:srgbClr val="BDB4A9"/>
+                </a:solidFill>
+                <a:latin typeface="나눔스퀘어 Bold" panose="020B0600000101010101" pitchFamily="50" charset="-127"/>
+                <a:ea typeface="나눔스퀘어 Bold" panose="020B0600000101010101" pitchFamily="50" charset="-127"/>
+              </a:rPr>
+              <a:t>방어력</a:t>
+            </a:r>
+            <a:endParaRPr lang="en-US" altLang="ko-KR" sz="900" dirty="0">
+              <a:solidFill>
+                <a:srgbClr val="BDB4A9"/>
+              </a:solidFill>
+              <a:latin typeface="나눔스퀘어 Bold" panose="020B0600000101010101" pitchFamily="50" charset="-127"/>
+              <a:ea typeface="나눔스퀘어 Bold" panose="020B0600000101010101" pitchFamily="50" charset="-127"/>
+            </a:endParaRPr>
+          </a:p>
+        </p:txBody>
+      </p:sp>
+      <p:sp>
+        <p:nvSpPr>
+          <p:cNvPr id="26" name="TextBox 25">
+            <a:extLst>
+              <a:ext uri="{FF2B5EF4-FFF2-40B4-BE49-F238E27FC236}">
+                <a16:creationId xmlns:a16="http://schemas.microsoft.com/office/drawing/2014/main" id="{707EB86A-7108-4543-AC32-1C3592ABA6A0}"/>
+              </a:ext>
+            </a:extLst>
+          </p:cNvPr>
+          <p:cNvSpPr txBox="1"/>
+          <p:nvPr/>
+        </p:nvSpPr>
+        <p:spPr>
+          <a:xfrm>
+            <a:off x="3245645" y="3945332"/>
+            <a:ext cx="321468" cy="187744"/>
+          </a:xfrm>
+          <a:prstGeom prst="rect">
+            <a:avLst/>
+          </a:prstGeom>
+          <a:noFill/>
+        </p:spPr>
+        <p:txBody>
+          <a:bodyPr wrap="square" lIns="0" tIns="0" rIns="0" bIns="0" rtlCol="0" anchor="ctr">
+            <a:spAutoFit/>
+          </a:bodyPr>
+          <a:lstStyle/>
+          <a:p>
+            <a:pPr>
+              <a:lnSpc>
+                <a:spcPct val="150000"/>
+              </a:lnSpc>
+            </a:pPr>
+            <a:r>
+              <a:rPr lang="ko-KR" altLang="en-US" sz="900" dirty="0">
+                <a:solidFill>
+                  <a:srgbClr val="90A3BF"/>
+                </a:solidFill>
+                <a:latin typeface="나눔스퀘어 Bold" panose="020B0600000101010101" pitchFamily="50" charset="-127"/>
+                <a:ea typeface="나눔스퀘어 Bold" panose="020B0600000101010101" pitchFamily="50" charset="-127"/>
+              </a:rPr>
+              <a:t>체력</a:t>
+            </a:r>
+            <a:endParaRPr lang="en-US" altLang="ko-KR" sz="900" dirty="0">
+              <a:solidFill>
+                <a:srgbClr val="90A3BF"/>
+              </a:solidFill>
+              <a:latin typeface="나눔스퀘어 Bold" panose="020B0600000101010101" pitchFamily="50" charset="-127"/>
+              <a:ea typeface="나눔스퀘어 Bold" panose="020B0600000101010101" pitchFamily="50" charset="-127"/>
+            </a:endParaRPr>
+          </a:p>
+        </p:txBody>
+      </p:sp>
+      <p:sp>
+        <p:nvSpPr>
+          <p:cNvPr id="27" name="TextBox 26">
+            <a:extLst>
+              <a:ext uri="{FF2B5EF4-FFF2-40B4-BE49-F238E27FC236}">
+                <a16:creationId xmlns:a16="http://schemas.microsoft.com/office/drawing/2014/main" id="{68CC5532-9D96-4025-B35A-9D752F47D45F}"/>
+              </a:ext>
+            </a:extLst>
+          </p:cNvPr>
+          <p:cNvSpPr txBox="1"/>
+          <p:nvPr/>
+        </p:nvSpPr>
+        <p:spPr>
+          <a:xfrm>
+            <a:off x="3245645" y="4109662"/>
+            <a:ext cx="321468" cy="187744"/>
+          </a:xfrm>
+          <a:prstGeom prst="rect">
+            <a:avLst/>
+          </a:prstGeom>
+          <a:noFill/>
+        </p:spPr>
+        <p:txBody>
+          <a:bodyPr wrap="square" lIns="0" tIns="0" rIns="0" bIns="0" rtlCol="0" anchor="ctr">
+            <a:spAutoFit/>
+          </a:bodyPr>
+          <a:lstStyle/>
+          <a:p>
+            <a:pPr>
+              <a:lnSpc>
+                <a:spcPct val="150000"/>
+              </a:lnSpc>
+            </a:pPr>
+            <a:r>
+              <a:rPr lang="ko-KR" altLang="en-US" sz="900" dirty="0">
+                <a:solidFill>
+                  <a:srgbClr val="90A3BF"/>
+                </a:solidFill>
+                <a:latin typeface="나눔스퀘어 Bold" panose="020B0600000101010101" pitchFamily="50" charset="-127"/>
+                <a:ea typeface="나눔스퀘어 Bold" panose="020B0600000101010101" pitchFamily="50" charset="-127"/>
+              </a:rPr>
+              <a:t>방어력</a:t>
+            </a:r>
+            <a:endParaRPr lang="en-US" altLang="ko-KR" sz="900" dirty="0">
+              <a:solidFill>
+                <a:srgbClr val="90A3BF"/>
+              </a:solidFill>
+              <a:latin typeface="나눔스퀘어 Bold" panose="020B0600000101010101" pitchFamily="50" charset="-127"/>
+              <a:ea typeface="나눔스퀘어 Bold" panose="020B0600000101010101" pitchFamily="50" charset="-127"/>
+            </a:endParaRPr>
+          </a:p>
+        </p:txBody>
+      </p:sp>
+      <p:sp>
+        <p:nvSpPr>
+          <p:cNvPr id="28" name="TextBox 27">
+            <a:extLst>
+              <a:ext uri="{FF2B5EF4-FFF2-40B4-BE49-F238E27FC236}">
+                <a16:creationId xmlns:a16="http://schemas.microsoft.com/office/drawing/2014/main" id="{358C6678-3A23-4AB7-BC1B-D8F4CBF96F80}"/>
+              </a:ext>
+            </a:extLst>
+          </p:cNvPr>
+          <p:cNvSpPr txBox="1"/>
+          <p:nvPr/>
+        </p:nvSpPr>
+        <p:spPr>
+          <a:xfrm>
+            <a:off x="3245645" y="4277867"/>
+            <a:ext cx="454106" cy="187744"/>
+          </a:xfrm>
+          <a:prstGeom prst="rect">
+            <a:avLst/>
+          </a:prstGeom>
+          <a:noFill/>
+        </p:spPr>
+        <p:txBody>
+          <a:bodyPr wrap="square" lIns="0" tIns="0" rIns="0" bIns="0" rtlCol="0" anchor="ctr">
+            <a:spAutoFit/>
+          </a:bodyPr>
+          <a:lstStyle/>
+          <a:p>
+            <a:pPr>
+              <a:lnSpc>
+                <a:spcPct val="150000"/>
+              </a:lnSpc>
+            </a:pPr>
+            <a:r>
+              <a:rPr lang="ko-KR" altLang="en-US" sz="900" dirty="0">
+                <a:solidFill>
+                  <a:schemeClr val="bg1"/>
+                </a:solidFill>
+                <a:latin typeface="나눔스퀘어 Bold" panose="020B0600000101010101" pitchFamily="50" charset="-127"/>
+                <a:ea typeface="나눔스퀘어 Bold" panose="020B0600000101010101" pitchFamily="50" charset="-127"/>
+              </a:rPr>
+              <a:t>피해 감소</a:t>
+            </a:r>
+            <a:endParaRPr lang="en-US" altLang="ko-KR" sz="900" dirty="0">
+              <a:solidFill>
+                <a:schemeClr val="bg1"/>
+              </a:solidFill>
+              <a:latin typeface="나눔스퀘어 Bold" panose="020B0600000101010101" pitchFamily="50" charset="-127"/>
+              <a:ea typeface="나눔스퀘어 Bold" panose="020B0600000101010101" pitchFamily="50" charset="-127"/>
+            </a:endParaRPr>
+          </a:p>
+        </p:txBody>
+      </p:sp>
+      <p:sp>
+        <p:nvSpPr>
+          <p:cNvPr id="29" name="TextBox 28">
+            <a:extLst>
+              <a:ext uri="{FF2B5EF4-FFF2-40B4-BE49-F238E27FC236}">
+                <a16:creationId xmlns:a16="http://schemas.microsoft.com/office/drawing/2014/main" id="{50D9CEFF-4B1C-4668-BC7A-0590ABC8B3AC}"/>
+              </a:ext>
+            </a:extLst>
+          </p:cNvPr>
+          <p:cNvSpPr txBox="1"/>
+          <p:nvPr/>
+        </p:nvSpPr>
+        <p:spPr>
+          <a:xfrm>
+            <a:off x="3950453" y="3441452"/>
+            <a:ext cx="490577" cy="187744"/>
+          </a:xfrm>
+          <a:prstGeom prst="rect">
+            <a:avLst/>
+          </a:prstGeom>
+          <a:noFill/>
+        </p:spPr>
+        <p:txBody>
+          <a:bodyPr wrap="square" lIns="0" tIns="0" rIns="0" bIns="0" rtlCol="0" anchor="ctr">
+            <a:spAutoFit/>
+          </a:bodyPr>
+          <a:lstStyle/>
+          <a:p>
+            <a:pPr>
+              <a:lnSpc>
+                <a:spcPct val="150000"/>
+              </a:lnSpc>
+            </a:pPr>
+            <a:r>
+              <a:rPr lang="en-US" altLang="ko-KR" sz="900" dirty="0">
+                <a:solidFill>
+                  <a:schemeClr val="bg1"/>
+                </a:solidFill>
+                <a:latin typeface="나눔스퀘어 Bold" panose="020B0600000101010101" pitchFamily="50" charset="-127"/>
+                <a:ea typeface="나눔스퀘어 Bold" panose="020B0600000101010101" pitchFamily="50" charset="-127"/>
+              </a:rPr>
+              <a:t>999-999</a:t>
+            </a:r>
+          </a:p>
+        </p:txBody>
+      </p:sp>
+      <p:sp>
+        <p:nvSpPr>
+          <p:cNvPr id="30" name="TextBox 29">
+            <a:extLst>
+              <a:ext uri="{FF2B5EF4-FFF2-40B4-BE49-F238E27FC236}">
+                <a16:creationId xmlns:a16="http://schemas.microsoft.com/office/drawing/2014/main" id="{B376A128-BF38-4D23-8233-14EF3F70DADF}"/>
+              </a:ext>
+            </a:extLst>
+          </p:cNvPr>
+          <p:cNvSpPr txBox="1"/>
+          <p:nvPr/>
+        </p:nvSpPr>
+        <p:spPr>
+          <a:xfrm>
+            <a:off x="3849243" y="3611862"/>
+            <a:ext cx="490577" cy="187744"/>
+          </a:xfrm>
+          <a:prstGeom prst="rect">
+            <a:avLst/>
+          </a:prstGeom>
+          <a:noFill/>
+        </p:spPr>
+        <p:txBody>
+          <a:bodyPr wrap="square" lIns="0" tIns="0" rIns="0" bIns="0" rtlCol="0" anchor="ctr">
+            <a:spAutoFit/>
+          </a:bodyPr>
+          <a:lstStyle/>
+          <a:p>
+            <a:pPr>
+              <a:lnSpc>
+                <a:spcPct val="150000"/>
+              </a:lnSpc>
+            </a:pPr>
+            <a:r>
+              <a:rPr lang="en-US" altLang="ko-KR" sz="900" dirty="0">
+                <a:solidFill>
+                  <a:schemeClr val="bg1"/>
+                </a:solidFill>
+                <a:latin typeface="나눔스퀘어 Bold" panose="020B0600000101010101" pitchFamily="50" charset="-127"/>
+                <a:ea typeface="나눔스퀘어 Bold" panose="020B0600000101010101" pitchFamily="50" charset="-127"/>
+              </a:rPr>
+              <a:t>99%</a:t>
+            </a:r>
+          </a:p>
+        </p:txBody>
+      </p:sp>
+      <p:sp>
+        <p:nvSpPr>
+          <p:cNvPr id="31" name="TextBox 30">
+            <a:extLst>
+              <a:ext uri="{FF2B5EF4-FFF2-40B4-BE49-F238E27FC236}">
+                <a16:creationId xmlns:a16="http://schemas.microsoft.com/office/drawing/2014/main" id="{F2746C25-C988-47E9-B565-3D7DD67E4809}"/>
+              </a:ext>
+            </a:extLst>
+          </p:cNvPr>
+          <p:cNvSpPr txBox="1"/>
+          <p:nvPr/>
+        </p:nvSpPr>
+        <p:spPr>
+          <a:xfrm>
+            <a:off x="3603975" y="3776192"/>
+            <a:ext cx="490577" cy="187744"/>
+          </a:xfrm>
+          <a:prstGeom prst="rect">
+            <a:avLst/>
+          </a:prstGeom>
+          <a:noFill/>
+        </p:spPr>
+        <p:txBody>
+          <a:bodyPr wrap="square" lIns="0" tIns="0" rIns="0" bIns="0" rtlCol="0" anchor="ctr">
+            <a:spAutoFit/>
+          </a:bodyPr>
+          <a:lstStyle/>
+          <a:p>
+            <a:pPr>
+              <a:lnSpc>
+                <a:spcPct val="150000"/>
+              </a:lnSpc>
+            </a:pPr>
+            <a:r>
+              <a:rPr lang="en-US" altLang="ko-KR" sz="900" dirty="0">
+                <a:solidFill>
+                  <a:schemeClr val="bg1"/>
+                </a:solidFill>
+                <a:latin typeface="나눔스퀘어 Bold" panose="020B0600000101010101" pitchFamily="50" charset="-127"/>
+                <a:ea typeface="나눔스퀘어 Bold" panose="020B0600000101010101" pitchFamily="50" charset="-127"/>
+              </a:rPr>
+              <a:t>999-999</a:t>
+            </a:r>
+          </a:p>
+        </p:txBody>
+      </p:sp>
+      <p:sp>
+        <p:nvSpPr>
+          <p:cNvPr id="32" name="TextBox 31">
+            <a:extLst>
+              <a:ext uri="{FF2B5EF4-FFF2-40B4-BE49-F238E27FC236}">
+                <a16:creationId xmlns:a16="http://schemas.microsoft.com/office/drawing/2014/main" id="{0F00D5DD-9944-4C10-BE31-72EFB4EFA9C3}"/>
+              </a:ext>
+            </a:extLst>
+          </p:cNvPr>
+          <p:cNvSpPr txBox="1"/>
+          <p:nvPr/>
+        </p:nvSpPr>
+        <p:spPr>
+          <a:xfrm>
+            <a:off x="3514698" y="3945332"/>
+            <a:ext cx="490577" cy="187744"/>
+          </a:xfrm>
+          <a:prstGeom prst="rect">
+            <a:avLst/>
+          </a:prstGeom>
+          <a:noFill/>
+        </p:spPr>
+        <p:txBody>
+          <a:bodyPr wrap="square" lIns="0" tIns="0" rIns="0" bIns="0" rtlCol="0" anchor="ctr">
+            <a:spAutoFit/>
+          </a:bodyPr>
+          <a:lstStyle/>
+          <a:p>
+            <a:pPr>
+              <a:lnSpc>
+                <a:spcPct val="150000"/>
+              </a:lnSpc>
+            </a:pPr>
+            <a:r>
+              <a:rPr lang="en-US" altLang="ko-KR" sz="900" dirty="0">
+                <a:solidFill>
+                  <a:schemeClr val="bg1"/>
+                </a:solidFill>
+                <a:latin typeface="나눔스퀘어 Bold" panose="020B0600000101010101" pitchFamily="50" charset="-127"/>
+                <a:ea typeface="나눔스퀘어 Bold" panose="020B0600000101010101" pitchFamily="50" charset="-127"/>
+              </a:rPr>
+              <a:t>+99.9%</a:t>
+            </a:r>
+          </a:p>
+        </p:txBody>
+      </p:sp>
+      <p:sp>
+        <p:nvSpPr>
+          <p:cNvPr id="33" name="TextBox 32">
+            <a:extLst>
+              <a:ext uri="{FF2B5EF4-FFF2-40B4-BE49-F238E27FC236}">
+                <a16:creationId xmlns:a16="http://schemas.microsoft.com/office/drawing/2014/main" id="{2FB793E8-9663-41CD-84B7-753AAD8583C1}"/>
+              </a:ext>
+            </a:extLst>
+          </p:cNvPr>
+          <p:cNvSpPr txBox="1"/>
+          <p:nvPr/>
+        </p:nvSpPr>
+        <p:spPr>
+          <a:xfrm>
+            <a:off x="3603954" y="4109662"/>
+            <a:ext cx="490577" cy="187744"/>
+          </a:xfrm>
+          <a:prstGeom prst="rect">
+            <a:avLst/>
+          </a:prstGeom>
+          <a:noFill/>
+        </p:spPr>
+        <p:txBody>
+          <a:bodyPr wrap="square" lIns="0" tIns="0" rIns="0" bIns="0" rtlCol="0" anchor="ctr">
+            <a:spAutoFit/>
+          </a:bodyPr>
+          <a:lstStyle/>
+          <a:p>
+            <a:pPr>
+              <a:lnSpc>
+                <a:spcPct val="150000"/>
+              </a:lnSpc>
+            </a:pPr>
+            <a:r>
+              <a:rPr lang="en-US" altLang="ko-KR" sz="900" dirty="0">
+                <a:solidFill>
+                  <a:schemeClr val="bg1"/>
+                </a:solidFill>
+                <a:latin typeface="나눔스퀘어 Bold" panose="020B0600000101010101" pitchFamily="50" charset="-127"/>
+                <a:ea typeface="나눔스퀘어 Bold" panose="020B0600000101010101" pitchFamily="50" charset="-127"/>
+              </a:rPr>
+              <a:t>+99.9%</a:t>
+            </a:r>
+          </a:p>
+        </p:txBody>
+      </p:sp>
+      <p:sp>
+        <p:nvSpPr>
+          <p:cNvPr id="34" name="TextBox 33">
+            <a:extLst>
+              <a:ext uri="{FF2B5EF4-FFF2-40B4-BE49-F238E27FC236}">
+                <a16:creationId xmlns:a16="http://schemas.microsoft.com/office/drawing/2014/main" id="{C86E9787-AC22-4E45-95C5-31F4BD757E07}"/>
+              </a:ext>
+            </a:extLst>
+          </p:cNvPr>
+          <p:cNvSpPr txBox="1"/>
+          <p:nvPr/>
+        </p:nvSpPr>
+        <p:spPr>
+          <a:xfrm>
+            <a:off x="3715871" y="4277867"/>
+            <a:ext cx="490577" cy="187744"/>
+          </a:xfrm>
+          <a:prstGeom prst="rect">
+            <a:avLst/>
+          </a:prstGeom>
+          <a:noFill/>
+        </p:spPr>
+        <p:txBody>
+          <a:bodyPr wrap="square" lIns="0" tIns="0" rIns="0" bIns="0" rtlCol="0" anchor="ctr">
+            <a:spAutoFit/>
+          </a:bodyPr>
+          <a:lstStyle/>
+          <a:p>
+            <a:pPr>
+              <a:lnSpc>
+                <a:spcPct val="150000"/>
+              </a:lnSpc>
+            </a:pPr>
+            <a:r>
+              <a:rPr lang="en-US" altLang="ko-KR" sz="900" dirty="0">
+                <a:solidFill>
+                  <a:srgbClr val="00B050"/>
+                </a:solidFill>
+                <a:latin typeface="나눔스퀘어 Bold" panose="020B0600000101010101" pitchFamily="50" charset="-127"/>
+                <a:ea typeface="나눔스퀘어 Bold" panose="020B0600000101010101" pitchFamily="50" charset="-127"/>
+              </a:rPr>
+              <a:t>99.9</a:t>
+            </a:r>
+          </a:p>
+        </p:txBody>
+      </p:sp>
+      <p:sp>
+        <p:nvSpPr>
+          <p:cNvPr id="35" name="TextBox 34">
+            <a:extLst>
+              <a:ext uri="{FF2B5EF4-FFF2-40B4-BE49-F238E27FC236}">
+                <a16:creationId xmlns:a16="http://schemas.microsoft.com/office/drawing/2014/main" id="{6A0E3446-2A42-467A-87F4-2E8539320AC6}"/>
+              </a:ext>
+            </a:extLst>
+          </p:cNvPr>
+          <p:cNvSpPr txBox="1"/>
+          <p:nvPr/>
+        </p:nvSpPr>
+        <p:spPr>
+          <a:xfrm>
+            <a:off x="3245644" y="4459204"/>
+            <a:ext cx="1345405" cy="166905"/>
+          </a:xfrm>
+          <a:prstGeom prst="rect">
+            <a:avLst/>
+          </a:prstGeom>
+          <a:noFill/>
+        </p:spPr>
+        <p:txBody>
+          <a:bodyPr wrap="square" lIns="0" tIns="0" rIns="0" bIns="0" rtlCol="0" anchor="ctr">
+            <a:spAutoFit/>
+          </a:bodyPr>
+          <a:lstStyle/>
+          <a:p>
+            <a:pPr>
+              <a:lnSpc>
+                <a:spcPct val="150000"/>
+              </a:lnSpc>
+            </a:pPr>
+            <a:r>
+              <a:rPr lang="en-US" altLang="ko-KR" sz="800" dirty="0">
+                <a:solidFill>
+                  <a:srgbClr val="B3B6C5"/>
+                </a:solidFill>
+                <a:latin typeface="나눔스퀘어 Bold" panose="020B0600000101010101" pitchFamily="50" charset="-127"/>
+                <a:ea typeface="나눔스퀘어 Bold" panose="020B0600000101010101" pitchFamily="50" charset="-127"/>
+              </a:rPr>
+              <a:t>[</a:t>
+            </a:r>
+            <a:r>
+              <a:rPr lang="ko-KR" altLang="en-US" sz="800" dirty="0" err="1">
+                <a:solidFill>
+                  <a:srgbClr val="B3B6C5"/>
+                </a:solidFill>
+                <a:latin typeface="나눔스퀘어 Bold" panose="020B0600000101010101" pitchFamily="50" charset="-127"/>
+                <a:ea typeface="나눔스퀘어 Bold" panose="020B0600000101010101" pitchFamily="50" charset="-127"/>
+              </a:rPr>
+              <a:t>이세계</a:t>
+            </a:r>
+            <a:r>
+              <a:rPr lang="ko-KR" altLang="en-US" sz="800" dirty="0">
+                <a:solidFill>
+                  <a:srgbClr val="B3B6C5"/>
+                </a:solidFill>
+                <a:latin typeface="나눔스퀘어 Bold" panose="020B0600000101010101" pitchFamily="50" charset="-127"/>
+                <a:ea typeface="나눔스퀘어 Bold" panose="020B0600000101010101" pitchFamily="50" charset="-127"/>
+              </a:rPr>
+              <a:t> 용병 </a:t>
+            </a:r>
+            <a:r>
+              <a:rPr lang="ko-KR" altLang="en-US" sz="800" dirty="0" err="1">
+                <a:solidFill>
+                  <a:srgbClr val="B3B6C5"/>
+                </a:solidFill>
+                <a:latin typeface="나눔스퀘어 Bold" panose="020B0600000101010101" pitchFamily="50" charset="-127"/>
+                <a:ea typeface="나눔스퀘어 Bold" panose="020B0600000101010101" pitchFamily="50" charset="-127"/>
+              </a:rPr>
+              <a:t>슬로스</a:t>
+            </a:r>
+            <a:r>
+              <a:rPr lang="ko-KR" altLang="en-US" sz="800" dirty="0">
+                <a:solidFill>
+                  <a:srgbClr val="B3B6C5"/>
+                </a:solidFill>
+                <a:latin typeface="나눔스퀘어 Bold" panose="020B0600000101010101" pitchFamily="50" charset="-127"/>
+                <a:ea typeface="나눔스퀘어 Bold" panose="020B0600000101010101" pitchFamily="50" charset="-127"/>
+              </a:rPr>
+              <a:t> 전용</a:t>
+            </a:r>
+            <a:r>
+              <a:rPr lang="en-US" altLang="ko-KR" sz="800" dirty="0">
+                <a:solidFill>
+                  <a:srgbClr val="B3B6C5"/>
+                </a:solidFill>
+                <a:latin typeface="나눔스퀘어 Bold" panose="020B0600000101010101" pitchFamily="50" charset="-127"/>
+                <a:ea typeface="나눔스퀘어 Bold" panose="020B0600000101010101" pitchFamily="50" charset="-127"/>
+              </a:rPr>
+              <a:t>]</a:t>
+            </a:r>
+          </a:p>
+        </p:txBody>
+      </p:sp>
+      <p:sp>
+        <p:nvSpPr>
+          <p:cNvPr id="36" name="TextBox 35">
+            <a:extLst>
+              <a:ext uri="{FF2B5EF4-FFF2-40B4-BE49-F238E27FC236}">
+                <a16:creationId xmlns:a16="http://schemas.microsoft.com/office/drawing/2014/main" id="{4C6EFA2C-9711-479C-8F70-ACECCB8A3556}"/>
+              </a:ext>
+            </a:extLst>
+          </p:cNvPr>
+          <p:cNvSpPr txBox="1"/>
+          <p:nvPr/>
+        </p:nvSpPr>
+        <p:spPr>
+          <a:xfrm>
+            <a:off x="3240888" y="4613757"/>
+            <a:ext cx="2771768" cy="351571"/>
+          </a:xfrm>
+          <a:prstGeom prst="rect">
+            <a:avLst/>
+          </a:prstGeom>
+          <a:noFill/>
+        </p:spPr>
+        <p:txBody>
+          <a:bodyPr wrap="square" lIns="0" tIns="0" rIns="0" bIns="0" rtlCol="0" anchor="ctr">
+            <a:spAutoFit/>
+          </a:bodyPr>
+          <a:lstStyle/>
+          <a:p>
+            <a:pPr>
+              <a:lnSpc>
+                <a:spcPct val="150000"/>
+              </a:lnSpc>
+            </a:pPr>
+            <a:r>
+              <a:rPr lang="ko-KR" altLang="en-US" sz="800" dirty="0" err="1">
+                <a:solidFill>
+                  <a:srgbClr val="BDB4A9"/>
+                </a:solidFill>
+                <a:latin typeface="나눔스퀘어 Bold" panose="020B0600000101010101" pitchFamily="50" charset="-127"/>
+                <a:ea typeface="나눔스퀘어 Bold" panose="020B0600000101010101" pitchFamily="50" charset="-127"/>
+              </a:rPr>
+              <a:t>ㅁㅁㅁㅁㅁㅁㅁㅁㅁㅁㅁㅁㅁㅁㅁㅁㅁㅁㅁㅁㅁㅁㅁㅁㅁㅁㅁㅁㅁㅁㅁㅁㅁㅁㅁㅁㅁㅁㅁㅁㅁㅁㅁㅁㅁㅁㅁㅁㅁㅁㅁㅁㅁㅁㅁㅁㅁㅁㅁㅁ</a:t>
+            </a:r>
+            <a:endParaRPr lang="en-US" altLang="ko-KR" sz="800" dirty="0">
+              <a:solidFill>
+                <a:srgbClr val="BDB4A9"/>
+              </a:solidFill>
+              <a:latin typeface="나눔스퀘어 Bold" panose="020B0600000101010101" pitchFamily="50" charset="-127"/>
+              <a:ea typeface="나눔스퀘어 Bold" panose="020B0600000101010101" pitchFamily="50" charset="-127"/>
+            </a:endParaRPr>
+          </a:p>
+        </p:txBody>
+      </p:sp>
+      <p:sp>
+        <p:nvSpPr>
+          <p:cNvPr id="22" name="사각형: 둥근 모서리 21">
+            <a:extLst>
+              <a:ext uri="{FF2B5EF4-FFF2-40B4-BE49-F238E27FC236}">
+                <a16:creationId xmlns:a16="http://schemas.microsoft.com/office/drawing/2014/main" id="{E38F784C-57B9-4707-8F53-4D3AB5D5AF82}"/>
+              </a:ext>
+            </a:extLst>
+          </p:cNvPr>
+          <p:cNvSpPr/>
+          <p:nvPr/>
+        </p:nvSpPr>
+        <p:spPr>
+          <a:xfrm>
+            <a:off x="6298251" y="3835496"/>
+            <a:ext cx="3108324" cy="1524530"/>
+          </a:xfrm>
+          <a:prstGeom prst="roundRect">
+            <a:avLst>
+              <a:gd name="adj" fmla="val 4112"/>
+            </a:avLst>
+          </a:prstGeom>
+          <a:solidFill>
+            <a:srgbClr val="161922"/>
+          </a:solidFill>
+          <a:ln>
+            <a:noFill/>
+          </a:ln>
+        </p:spPr>
+        <p:style>
+          <a:lnRef idx="2">
+            <a:schemeClr val="accent1">
+              <a:shade val="50000"/>
+            </a:schemeClr>
+          </a:lnRef>
+          <a:fillRef idx="1">
+            <a:schemeClr val="accent1"/>
+          </a:fillRef>
+          <a:effectRef idx="0">
+            <a:schemeClr val="accent1"/>
+          </a:effectRef>
+          <a:fontRef idx="minor">
+            <a:schemeClr val="lt1"/>
+          </a:fontRef>
+        </p:style>
+        <p:txBody>
+          <a:bodyPr rtlCol="0" anchor="ctr"/>
+          <a:lstStyle/>
+          <a:p>
+            <a:pPr algn="ctr"/>
+            <a:endParaRPr lang="ko-KR" altLang="en-US"/>
+          </a:p>
+        </p:txBody>
+      </p:sp>
+      <p:sp>
+        <p:nvSpPr>
+          <p:cNvPr id="37" name="TextBox 36">
+            <a:extLst>
+              <a:ext uri="{FF2B5EF4-FFF2-40B4-BE49-F238E27FC236}">
+                <a16:creationId xmlns:a16="http://schemas.microsoft.com/office/drawing/2014/main" id="{9DE81C39-E22F-4ACA-B250-12429D2C4E7B}"/>
+              </a:ext>
+            </a:extLst>
+          </p:cNvPr>
+          <p:cNvSpPr txBox="1"/>
+          <p:nvPr/>
+        </p:nvSpPr>
+        <p:spPr>
+          <a:xfrm>
+            <a:off x="6300688" y="3848196"/>
+            <a:ext cx="601762" cy="215444"/>
+          </a:xfrm>
+          <a:prstGeom prst="rect">
+            <a:avLst/>
+          </a:prstGeom>
+          <a:noFill/>
+        </p:spPr>
+        <p:txBody>
+          <a:bodyPr wrap="square" rtlCol="0">
+            <a:spAutoFit/>
+          </a:bodyPr>
+          <a:lstStyle/>
+          <a:p>
+            <a:r>
+              <a:rPr lang="ko-KR" altLang="en-US" sz="800" dirty="0">
+                <a:solidFill>
+                  <a:srgbClr val="8895BB"/>
+                </a:solidFill>
+                <a:latin typeface="나눔스퀘어 Bold" panose="020B0600000101010101" pitchFamily="50" charset="-127"/>
+                <a:ea typeface="나눔스퀘어 Bold" panose="020B0600000101010101" pitchFamily="50" charset="-127"/>
+              </a:rPr>
+              <a:t>스킬 정보</a:t>
+            </a:r>
+          </a:p>
+        </p:txBody>
+      </p:sp>
+      <p:cxnSp>
+        <p:nvCxnSpPr>
+          <p:cNvPr id="39" name="직선 연결선 38">
+            <a:extLst>
+              <a:ext uri="{FF2B5EF4-FFF2-40B4-BE49-F238E27FC236}">
+                <a16:creationId xmlns:a16="http://schemas.microsoft.com/office/drawing/2014/main" id="{47DFA80E-FADB-4705-B85C-DF39A8BD11B3}"/>
+              </a:ext>
+            </a:extLst>
+          </p:cNvPr>
+          <p:cNvCxnSpPr/>
+          <p:nvPr/>
+        </p:nvCxnSpPr>
+        <p:spPr>
+          <a:xfrm>
+            <a:off x="6378575" y="4063640"/>
+            <a:ext cx="2978150" cy="0"/>
+          </a:xfrm>
+          <a:prstGeom prst="line">
+            <a:avLst/>
+          </a:prstGeom>
+          <a:ln w="9525">
+            <a:solidFill>
+              <a:srgbClr val="2E3349"/>
+            </a:solidFill>
+          </a:ln>
+        </p:spPr>
+        <p:style>
+          <a:lnRef idx="1">
+            <a:schemeClr val="accent1"/>
+          </a:lnRef>
+          <a:fillRef idx="0">
+            <a:schemeClr val="accent1"/>
+          </a:fillRef>
+          <a:effectRef idx="0">
+            <a:schemeClr val="accent1"/>
+          </a:effectRef>
+          <a:fontRef idx="minor">
+            <a:schemeClr val="tx1"/>
+          </a:fontRef>
+        </p:style>
+      </p:cxnSp>
+      <p:pic>
+        <p:nvPicPr>
+          <p:cNvPr id="40" name="Picture 2" descr="gt airborne">
+            <a:extLst>
+              <a:ext uri="{FF2B5EF4-FFF2-40B4-BE49-F238E27FC236}">
+                <a16:creationId xmlns:a16="http://schemas.microsoft.com/office/drawing/2014/main" id="{05E8510C-15E7-48B0-AC46-8DDCE6EF47DC}"/>
+              </a:ext>
+            </a:extLst>
+          </p:cNvPr>
+          <p:cNvPicPr>
+            <a:picLocks noChangeAspect="1" noChangeArrowheads="1"/>
+          </p:cNvPicPr>
+          <p:nvPr/>
+        </p:nvPicPr>
+        <p:blipFill>
+          <a:blip r:embed="rId4" cstate="print">
+            <a:extLst>
+              <a:ext uri="{28A0092B-C50C-407E-A947-70E740481C1C}">
+                <a14:useLocalDpi xmlns:a14="http://schemas.microsoft.com/office/drawing/2010/main" val="0"/>
+              </a:ext>
+            </a:extLst>
+          </a:blip>
+          <a:srcRect/>
+          <a:stretch>
+            <a:fillRect/>
+          </a:stretch>
+        </p:blipFill>
+        <p:spPr bwMode="auto">
+          <a:xfrm>
+            <a:off x="6388100" y="4154275"/>
+            <a:ext cx="455947" cy="455947"/>
+          </a:xfrm>
+          <a:prstGeom prst="rect">
+            <a:avLst/>
+          </a:prstGeom>
+          <a:noFill/>
+          <a:extLst>
+            <a:ext uri="{909E8E84-426E-40DD-AFC4-6F175D3DCCD1}">
+              <a14:hiddenFill xmlns:a14="http://schemas.microsoft.com/office/drawing/2010/main">
+                <a:solidFill>
+                  <a:srgbClr val="FFFFFF"/>
+                </a:solidFill>
+              </a14:hiddenFill>
+            </a:ext>
+          </a:extLst>
+        </p:spPr>
+      </p:pic>
+      <p:sp>
+        <p:nvSpPr>
+          <p:cNvPr id="41" name="TextBox 40">
+            <a:extLst>
+              <a:ext uri="{FF2B5EF4-FFF2-40B4-BE49-F238E27FC236}">
+                <a16:creationId xmlns:a16="http://schemas.microsoft.com/office/drawing/2014/main" id="{3FC6BCE0-5D79-45A6-905D-1515B20B4E75}"/>
+              </a:ext>
+            </a:extLst>
+          </p:cNvPr>
+          <p:cNvSpPr txBox="1"/>
+          <p:nvPr/>
+        </p:nvSpPr>
+        <p:spPr>
+          <a:xfrm>
+            <a:off x="6860050" y="4098040"/>
+            <a:ext cx="731375" cy="246221"/>
+          </a:xfrm>
+          <a:prstGeom prst="rect">
+            <a:avLst/>
+          </a:prstGeom>
+          <a:noFill/>
+        </p:spPr>
+        <p:txBody>
+          <a:bodyPr wrap="square" rtlCol="0">
+            <a:spAutoFit/>
+          </a:bodyPr>
+          <a:lstStyle/>
+          <a:p>
+            <a:r>
+              <a:rPr lang="en-US" altLang="ko-KR" sz="1000" dirty="0" err="1">
+                <a:solidFill>
+                  <a:srgbClr val="BCBDB7"/>
+                </a:solidFill>
+                <a:latin typeface="나눔스퀘어 Bold" panose="020B0600000101010101" pitchFamily="50" charset="-127"/>
+                <a:ea typeface="나눔스퀘어 Bold" panose="020B0600000101010101" pitchFamily="50" charset="-127"/>
+              </a:rPr>
+              <a:t>Aaa</a:t>
+            </a:r>
+            <a:r>
+              <a:rPr lang="ko-KR" altLang="en-US" sz="1000" dirty="0">
+                <a:latin typeface="나눔스퀘어 Bold" panose="020B0600000101010101" pitchFamily="50" charset="-127"/>
+                <a:ea typeface="나눔스퀘어 Bold" panose="020B0600000101010101" pitchFamily="50" charset="-127"/>
+              </a:rPr>
+              <a:t>  </a:t>
+            </a:r>
+            <a:r>
+              <a:rPr lang="en-US" altLang="ko-KR" sz="1000" dirty="0">
+                <a:solidFill>
+                  <a:srgbClr val="9B8456"/>
+                </a:solidFill>
+                <a:latin typeface="나눔스퀘어 Bold" panose="020B0600000101010101" pitchFamily="50" charset="-127"/>
+                <a:ea typeface="나눔스퀘어 Bold" panose="020B0600000101010101" pitchFamily="50" charset="-127"/>
+              </a:rPr>
+              <a:t>Lv.9</a:t>
+            </a:r>
+            <a:endParaRPr lang="ko-KR" altLang="en-US" sz="1000" dirty="0">
+              <a:solidFill>
+                <a:srgbClr val="9B8456"/>
+              </a:solidFill>
+              <a:latin typeface="나눔스퀘어 Bold" panose="020B0600000101010101" pitchFamily="50" charset="-127"/>
+              <a:ea typeface="나눔스퀘어 Bold" panose="020B0600000101010101" pitchFamily="50" charset="-127"/>
+            </a:endParaRPr>
+          </a:p>
+        </p:txBody>
+      </p:sp>
+      <p:sp>
+        <p:nvSpPr>
+          <p:cNvPr id="43" name="TextBox 42">
+            <a:extLst>
+              <a:ext uri="{FF2B5EF4-FFF2-40B4-BE49-F238E27FC236}">
+                <a16:creationId xmlns:a16="http://schemas.microsoft.com/office/drawing/2014/main" id="{4CB815FD-18FE-4CF9-918B-BD286A316173}"/>
+              </a:ext>
+            </a:extLst>
+          </p:cNvPr>
+          <p:cNvSpPr txBox="1"/>
+          <p:nvPr/>
+        </p:nvSpPr>
+        <p:spPr>
+          <a:xfrm>
+            <a:off x="6860050" y="4320040"/>
+            <a:ext cx="2261725" cy="215444"/>
+          </a:xfrm>
+          <a:prstGeom prst="rect">
+            <a:avLst/>
+          </a:prstGeom>
+          <a:noFill/>
+        </p:spPr>
+        <p:txBody>
+          <a:bodyPr wrap="square" rtlCol="0">
+            <a:spAutoFit/>
+          </a:bodyPr>
+          <a:lstStyle/>
+          <a:p>
+            <a:r>
+              <a:rPr lang="ko-KR" altLang="en-US" sz="800" dirty="0">
+                <a:solidFill>
+                  <a:srgbClr val="9B8456"/>
+                </a:solidFill>
+                <a:latin typeface="나눔스퀘어 Bold" panose="020B0600000101010101" pitchFamily="50" charset="-127"/>
+                <a:ea typeface="나눔스퀘어 Bold" panose="020B0600000101010101" pitchFamily="50" charset="-127"/>
+              </a:rPr>
+              <a:t>공격력</a:t>
+            </a:r>
+            <a:r>
+              <a:rPr lang="en-US" altLang="ko-KR" sz="800" dirty="0">
+                <a:solidFill>
+                  <a:srgbClr val="9B8456"/>
+                </a:solidFill>
+                <a:latin typeface="나눔스퀘어 Bold" panose="020B0600000101010101" pitchFamily="50" charset="-127"/>
+                <a:ea typeface="나눔스퀘어 Bold" panose="020B0600000101010101" pitchFamily="50" charset="-127"/>
+              </a:rPr>
+              <a:t>: </a:t>
+            </a:r>
+            <a:r>
+              <a:rPr lang="ko-KR" altLang="en-US" sz="800" dirty="0">
+                <a:solidFill>
+                  <a:srgbClr val="9B8456"/>
+                </a:solidFill>
+                <a:latin typeface="나눔스퀘어 Bold" panose="020B0600000101010101" pitchFamily="50" charset="-127"/>
+                <a:ea typeface="나눔스퀘어 Bold" panose="020B0600000101010101" pitchFamily="50" charset="-127"/>
+              </a:rPr>
+              <a:t>초당 강인함의 </a:t>
+            </a:r>
+            <a:r>
+              <a:rPr lang="en-US" altLang="ko-KR" sz="800" dirty="0">
+                <a:solidFill>
+                  <a:srgbClr val="6FB05D"/>
+                </a:solidFill>
+                <a:latin typeface="나눔스퀘어 Bold" panose="020B0600000101010101" pitchFamily="50" charset="-127"/>
+                <a:ea typeface="나눔스퀘어 Bold" panose="020B0600000101010101" pitchFamily="50" charset="-127"/>
+              </a:rPr>
+              <a:t>999%</a:t>
+            </a:r>
+            <a:endParaRPr lang="ko-KR" altLang="en-US" sz="800" dirty="0">
+              <a:solidFill>
+                <a:srgbClr val="6FB05D"/>
+              </a:solidFill>
+              <a:latin typeface="나눔스퀘어 Bold" panose="020B0600000101010101" pitchFamily="50" charset="-127"/>
+              <a:ea typeface="나눔스퀘어 Bold" panose="020B0600000101010101" pitchFamily="50" charset="-127"/>
+            </a:endParaRPr>
+          </a:p>
+        </p:txBody>
+      </p:sp>
+      <p:sp>
+        <p:nvSpPr>
+          <p:cNvPr id="44" name="TextBox 43">
+            <a:extLst>
+              <a:ext uri="{FF2B5EF4-FFF2-40B4-BE49-F238E27FC236}">
+                <a16:creationId xmlns:a16="http://schemas.microsoft.com/office/drawing/2014/main" id="{32C75DAC-A7A2-499D-A231-D7CAAEB8D5D0}"/>
+              </a:ext>
+            </a:extLst>
+          </p:cNvPr>
+          <p:cNvSpPr txBox="1"/>
+          <p:nvPr/>
+        </p:nvSpPr>
+        <p:spPr>
+          <a:xfrm>
+            <a:off x="6860049" y="4474613"/>
+            <a:ext cx="2261725" cy="215444"/>
+          </a:xfrm>
+          <a:prstGeom prst="rect">
+            <a:avLst/>
+          </a:prstGeom>
+          <a:noFill/>
+        </p:spPr>
+        <p:txBody>
+          <a:bodyPr wrap="square" rtlCol="0">
+            <a:spAutoFit/>
+          </a:bodyPr>
+          <a:lstStyle/>
+          <a:p>
+            <a:r>
+              <a:rPr lang="ko-KR" altLang="en-US" sz="800" dirty="0">
+                <a:solidFill>
+                  <a:srgbClr val="9B8456"/>
+                </a:solidFill>
+                <a:latin typeface="나눔스퀘어 Bold" panose="020B0600000101010101" pitchFamily="50" charset="-127"/>
+                <a:ea typeface="나눔스퀘어 Bold" panose="020B0600000101010101" pitchFamily="50" charset="-127"/>
+              </a:rPr>
+              <a:t>충전 시간</a:t>
+            </a:r>
+            <a:r>
+              <a:rPr lang="en-US" altLang="ko-KR" sz="800" dirty="0">
+                <a:solidFill>
+                  <a:srgbClr val="9B8456"/>
+                </a:solidFill>
+                <a:latin typeface="나눔스퀘어 Bold" panose="020B0600000101010101" pitchFamily="50" charset="-127"/>
+                <a:ea typeface="나눔스퀘어 Bold" panose="020B0600000101010101" pitchFamily="50" charset="-127"/>
+              </a:rPr>
+              <a:t>: n</a:t>
+            </a:r>
+            <a:r>
+              <a:rPr lang="ko-KR" altLang="en-US" sz="800" dirty="0">
+                <a:solidFill>
+                  <a:srgbClr val="9B8456"/>
+                </a:solidFill>
+                <a:latin typeface="나눔스퀘어 Bold" panose="020B0600000101010101" pitchFamily="50" charset="-127"/>
+                <a:ea typeface="나눔스퀘어 Bold" panose="020B0600000101010101" pitchFamily="50" charset="-127"/>
+              </a:rPr>
+              <a:t>초</a:t>
+            </a:r>
+          </a:p>
+        </p:txBody>
+      </p:sp>
+      <p:sp>
+        <p:nvSpPr>
+          <p:cNvPr id="45" name="TextBox 44">
+            <a:extLst>
+              <a:ext uri="{FF2B5EF4-FFF2-40B4-BE49-F238E27FC236}">
+                <a16:creationId xmlns:a16="http://schemas.microsoft.com/office/drawing/2014/main" id="{1B1D3AFE-A83E-4EB7-ACEC-74B52DDA30AF}"/>
+              </a:ext>
+            </a:extLst>
+          </p:cNvPr>
+          <p:cNvSpPr txBox="1"/>
+          <p:nvPr/>
+        </p:nvSpPr>
+        <p:spPr>
+          <a:xfrm>
+            <a:off x="6844047" y="4664530"/>
+            <a:ext cx="2261725" cy="215444"/>
+          </a:xfrm>
+          <a:prstGeom prst="rect">
+            <a:avLst/>
+          </a:prstGeom>
+          <a:noFill/>
+        </p:spPr>
+        <p:txBody>
+          <a:bodyPr wrap="square" lIns="90000" rtlCol="0">
+            <a:spAutoFit/>
+          </a:bodyPr>
+          <a:lstStyle/>
+          <a:p>
+            <a:r>
+              <a:rPr lang="ko-KR" altLang="en-US" sz="800" dirty="0">
+                <a:solidFill>
+                  <a:srgbClr val="9B8456"/>
+                </a:solidFill>
+                <a:latin typeface="나눔스퀘어 Bold" panose="020B0600000101010101" pitchFamily="50" charset="-127"/>
+                <a:ea typeface="나눔스퀘어 Bold" panose="020B0600000101010101" pitchFamily="50" charset="-127"/>
+              </a:rPr>
+              <a:t>아무튼 스킬 설명 영역</a:t>
+            </a:r>
+            <a:r>
+              <a:rPr lang="en-US" altLang="ko-KR" sz="800" dirty="0">
+                <a:solidFill>
+                  <a:srgbClr val="9B8456"/>
+                </a:solidFill>
+                <a:latin typeface="나눔스퀘어 Bold" panose="020B0600000101010101" pitchFamily="50" charset="-127"/>
+                <a:ea typeface="나눔스퀘어 Bold" panose="020B0600000101010101" pitchFamily="50" charset="-127"/>
+              </a:rPr>
+              <a:t>, </a:t>
+            </a:r>
+            <a:r>
+              <a:rPr lang="ko-KR" altLang="en-US" sz="800" dirty="0" err="1">
+                <a:solidFill>
+                  <a:srgbClr val="68ADAD"/>
+                </a:solidFill>
+                <a:latin typeface="나눔스퀘어 Bold" panose="020B0600000101010101" pitchFamily="50" charset="-127"/>
+                <a:ea typeface="나눔스퀘어 Bold" panose="020B0600000101010101" pitchFamily="50" charset="-127"/>
+              </a:rPr>
+              <a:t>에어본</a:t>
+            </a:r>
+            <a:r>
+              <a:rPr lang="ko-KR" altLang="en-US" sz="800" dirty="0" err="1">
+                <a:solidFill>
+                  <a:srgbClr val="9B8456"/>
+                </a:solidFill>
+                <a:latin typeface="나눔스퀘어 Bold" panose="020B0600000101010101" pitchFamily="50" charset="-127"/>
+                <a:ea typeface="나눔스퀘어 Bold" panose="020B0600000101010101" pitchFamily="50" charset="-127"/>
+              </a:rPr>
+              <a:t>상태로</a:t>
+            </a:r>
+            <a:r>
+              <a:rPr lang="ko-KR" altLang="en-US" sz="800" dirty="0">
+                <a:solidFill>
+                  <a:srgbClr val="9B8456"/>
+                </a:solidFill>
+                <a:latin typeface="나눔스퀘어 Bold" panose="020B0600000101010101" pitchFamily="50" charset="-127"/>
+                <a:ea typeface="나눔스퀘어 Bold" panose="020B0600000101010101" pitchFamily="50" charset="-127"/>
+              </a:rPr>
+              <a:t> 만듭니다</a:t>
+            </a:r>
+          </a:p>
+        </p:txBody>
+      </p:sp>
     </p:spTree>
     <p:extLst>
       <p:ext uri="{BB962C8B-B14F-4D97-AF65-F5344CB8AC3E}">
@@ -3828,13 +5953,13 @@
           <p:nvPr>
             <p:extLst>
               <p:ext uri="{D42A27DB-BD31-4B8C-83A1-F6EECF244321}">
-                <p14:modId xmlns:p14="http://schemas.microsoft.com/office/powerpoint/2010/main" val="1696914802"/>
+                <p14:modId xmlns:p14="http://schemas.microsoft.com/office/powerpoint/2010/main" val="3926098382"/>
               </p:ext>
             </p:extLst>
           </p:nvPr>
         </p:nvGraphicFramePr>
         <p:xfrm>
-          <a:off x="1533493" y="1486256"/>
+          <a:off x="1533493" y="1520760"/>
           <a:ext cx="9125014" cy="1942744"/>
         </p:xfrm>
         <a:graphic>
@@ -4201,7 +6326,7 @@
                     <a:p>
                       <a:pPr algn="ctr" fontAlgn="ctr"/>
                       <a:r>
-                        <a:rPr lang="ko-KR" altLang="en-US" sz="1300" u="none" strike="noStrike">
+                        <a:rPr lang="ko-KR" altLang="en-US" sz="1300" u="none" strike="noStrike" dirty="0">
                           <a:effectLst/>
                           <a:latin typeface="나눔스퀘어 Bold" panose="020B0600000101010101" pitchFamily="50" charset="-127"/>
                           <a:ea typeface="나눔스퀘어 Bold" panose="020B0600000101010101" pitchFamily="50" charset="-127"/>
@@ -4209,7 +6334,7 @@
                         <a:t>태</a:t>
                       </a:r>
                       <a:r>
-                        <a:rPr lang="en-US" altLang="ko-KR" sz="1300" u="none" strike="noStrike">
+                        <a:rPr lang="en-US" altLang="ko-KR" sz="1300" u="none" strike="noStrike" dirty="0">
                           <a:effectLst/>
                           <a:latin typeface="나눔스퀘어 Bold" panose="020B0600000101010101" pitchFamily="50" charset="-127"/>
                           <a:ea typeface="나눔스퀘어 Bold" panose="020B0600000101010101" pitchFamily="50" charset="-127"/>
@@ -4217,14 +6342,14 @@
                         <a:t>2 </a:t>
                       </a:r>
                       <a:r>
-                        <a:rPr lang="ko-KR" altLang="en-US" sz="1300" u="none" strike="noStrike">
+                        <a:rPr lang="ko-KR" altLang="en-US" sz="1300" u="none" strike="noStrike" dirty="0">
                           <a:effectLst/>
                           <a:latin typeface="나눔스퀘어 Bold" panose="020B0600000101010101" pitchFamily="50" charset="-127"/>
                           <a:ea typeface="나눔스퀘어 Bold" panose="020B0600000101010101" pitchFamily="50" charset="-127"/>
                         </a:rPr>
                         <a:t>원거리</a:t>
                       </a:r>
-                      <a:endParaRPr lang="ko-KR" altLang="en-US" sz="1300" b="0" i="0" u="none" strike="noStrike">
+                      <a:endParaRPr lang="ko-KR" altLang="en-US" sz="1300" b="0" i="0" u="none" strike="noStrike" dirty="0">
                         <a:solidFill>
                           <a:srgbClr val="000000"/>
                         </a:solidFill>
@@ -4500,14 +6625,14 @@
                     <a:p>
                       <a:pPr algn="ctr" fontAlgn="ctr"/>
                       <a:r>
-                        <a:rPr lang="en-US" altLang="ko-KR" sz="1300" u="none" strike="noStrike">
+                        <a:rPr lang="en-US" altLang="ko-KR" sz="1300" u="none" strike="noStrike" dirty="0">
                           <a:effectLst/>
                           <a:latin typeface="나눔스퀘어 Bold" panose="020B0600000101010101" pitchFamily="50" charset="-127"/>
                           <a:ea typeface="나눔스퀘어 Bold" panose="020B0600000101010101" pitchFamily="50" charset="-127"/>
                         </a:rPr>
                         <a:t>3</a:t>
                       </a:r>
-                      <a:endParaRPr lang="en-US" altLang="ko-KR" sz="1300" b="0" i="0" u="none" strike="noStrike">
+                      <a:endParaRPr lang="en-US" altLang="ko-KR" sz="1300" b="0" i="0" u="none" strike="noStrike" dirty="0">
                         <a:solidFill>
                           <a:srgbClr val="000000"/>
                         </a:solidFill>
@@ -6045,14 +8170,14 @@
                     <a:p>
                       <a:pPr algn="ctr" fontAlgn="ctr"/>
                       <a:r>
-                        <a:rPr lang="en-US" altLang="ko-KR" sz="1300" u="none" strike="noStrike">
+                        <a:rPr lang="en-US" altLang="ko-KR" sz="1300" u="none" strike="noStrike" dirty="0">
                           <a:effectLst/>
                           <a:latin typeface="나눔스퀘어 Bold" panose="020B0600000101010101" pitchFamily="50" charset="-127"/>
                           <a:ea typeface="나눔스퀘어 Bold" panose="020B0600000101010101" pitchFamily="50" charset="-127"/>
                         </a:rPr>
                         <a:t>3</a:t>
                       </a:r>
-                      <a:endParaRPr lang="en-US" altLang="ko-KR" sz="1300" b="0" i="0" u="none" strike="noStrike">
+                      <a:endParaRPr lang="en-US" altLang="ko-KR" sz="1300" b="0" i="0" u="none" strike="noStrike" dirty="0">
                         <a:solidFill>
                           <a:srgbClr val="000000"/>
                         </a:solidFill>
@@ -6545,7 +8670,7 @@
         </p:blipFill>
         <p:spPr>
           <a:xfrm>
-            <a:off x="1693345" y="1520824"/>
+            <a:off x="1693345" y="1529450"/>
             <a:ext cx="3966609" cy="3995775"/>
           </a:xfrm>
           <a:prstGeom prst="rect">
@@ -6671,7 +8796,7 @@
           <p:nvPr>
             <p:extLst>
               <p:ext uri="{D42A27DB-BD31-4B8C-83A1-F6EECF244321}">
-                <p14:modId xmlns:p14="http://schemas.microsoft.com/office/powerpoint/2010/main" val="1805593985"/>
+                <p14:modId xmlns:p14="http://schemas.microsoft.com/office/powerpoint/2010/main" val="3767864099"/>
               </p:ext>
             </p:extLst>
           </p:nvPr>
@@ -6752,12 +8877,12 @@
                     <a:p>
                       <a:pPr algn="l" fontAlgn="ctr"/>
                       <a:r>
-                        <a:rPr lang="ko-KR" altLang="en-US" sz="1300" u="none" strike="noStrike">
+                        <a:rPr lang="ko-KR" altLang="en-US" sz="1300" u="none" strike="noStrike" dirty="0">
                           <a:effectLst/>
                         </a:rPr>
                         <a:t>화 속성</a:t>
                       </a:r>
-                      <a:endParaRPr lang="ko-KR" altLang="en-US" sz="1300" b="0" i="0" u="none" strike="noStrike">
+                      <a:endParaRPr lang="ko-KR" altLang="en-US" sz="1300" b="0" i="0" u="none" strike="noStrike" dirty="0">
                         <a:solidFill>
                           <a:srgbClr val="000000"/>
                         </a:solidFill>
@@ -7619,7 +9744,7 @@
         </p:nvSpPr>
         <p:spPr>
           <a:xfrm>
-            <a:off x="2263655" y="1578250"/>
+            <a:off x="2263655" y="1543746"/>
             <a:ext cx="1447799" cy="1447799"/>
           </a:xfrm>
           <a:prstGeom prst="rect">
@@ -7668,7 +9793,7 @@
         </p:nvSpPr>
         <p:spPr>
           <a:xfrm>
-            <a:off x="5381625" y="1549061"/>
+            <a:off x="5381625" y="1514557"/>
             <a:ext cx="1447799" cy="1447799"/>
           </a:xfrm>
           <a:prstGeom prst="rect">
@@ -7717,7 +9842,7 @@
         </p:nvSpPr>
         <p:spPr>
           <a:xfrm>
-            <a:off x="8483169" y="1562578"/>
+            <a:off x="8483169" y="1528074"/>
             <a:ext cx="1447799" cy="1447799"/>
           </a:xfrm>
           <a:prstGeom prst="rect">
@@ -7954,17 +10079,7 @@
                 <a:latin typeface="나눔스퀘어 Bold" panose="020B0600000101010101" pitchFamily="50" charset="-127"/>
                 <a:ea typeface="나눔스퀘어 Bold" panose="020B0600000101010101" pitchFamily="50" charset="-127"/>
               </a:rPr>
-              <a:t>성 </a:t>
-            </a:r>
-            <a:r>
-              <a:rPr lang="ko-KR" altLang="en-US" dirty="0" smtClean="0">
-                <a:solidFill>
-                  <a:schemeClr val="bg1"/>
-                </a:solidFill>
-                <a:latin typeface="나눔스퀘어 Bold" panose="020B0600000101010101" pitchFamily="50" charset="-127"/>
-                <a:ea typeface="나눔스퀘어 Bold" panose="020B0600000101010101" pitchFamily="50" charset="-127"/>
-              </a:rPr>
-              <a:t>탱커 중 </a:t>
+              <a:t>성 탱커 중 </a:t>
             </a:r>
             <a:r>
               <a:rPr lang="ko-KR" altLang="en-US" dirty="0" err="1">
@@ -8034,7 +10149,7 @@
               <a:t>, </a:t>
             </a:r>
             <a:r>
-              <a:rPr lang="ko-KR" altLang="en-US" dirty="0" smtClean="0">
+              <a:rPr lang="ko-KR" altLang="en-US" dirty="0">
                 <a:solidFill>
                   <a:schemeClr val="bg1"/>
                 </a:solidFill>
@@ -8044,7 +10159,7 @@
               <a:t>콜로세움 </a:t>
             </a:r>
             <a:r>
-              <a:rPr lang="ko-KR" altLang="en-US" dirty="0" err="1" smtClean="0">
+              <a:rPr lang="ko-KR" altLang="en-US" dirty="0" err="1">
                 <a:solidFill>
                   <a:schemeClr val="bg1"/>
                 </a:solidFill>
@@ -8054,24 +10169,14 @@
               <a:t>방어덱에서</a:t>
             </a:r>
             <a:r>
-              <a:rPr lang="ko-KR" altLang="en-US" dirty="0" smtClean="0">
+              <a:rPr lang="ko-KR" altLang="en-US" dirty="0">
                 <a:solidFill>
                   <a:schemeClr val="bg1"/>
                 </a:solidFill>
                 <a:latin typeface="나눔스퀘어 Bold" panose="020B0600000101010101" pitchFamily="50" charset="-127"/>
                 <a:ea typeface="나눔스퀘어 Bold" panose="020B0600000101010101" pitchFamily="50" charset="-127"/>
               </a:rPr>
-              <a:t> </a:t>
-            </a:r>
-            <a:r>
-              <a:rPr lang="ko-KR" altLang="en-US" dirty="0">
-                <a:solidFill>
-                  <a:schemeClr val="bg1"/>
-                </a:solidFill>
-                <a:latin typeface="나눔스퀘어 Bold" panose="020B0600000101010101" pitchFamily="50" charset="-127"/>
-                <a:ea typeface="나눔스퀘어 Bold" panose="020B0600000101010101" pitchFamily="50" charset="-127"/>
-              </a:rPr>
-              <a:t>기용이 많이 될 것으로 예상</a:t>
+              <a:t> 기용이 많이 될 것으로 예상</a:t>
             </a:r>
           </a:p>
         </p:txBody>
@@ -8261,8 +10366,8 @@
         </p:nvSpPr>
         <p:spPr>
           <a:xfrm>
-            <a:off x="1411612" y="5062066"/>
-            <a:ext cx="9368776" cy="923330"/>
+            <a:off x="4380659" y="5058464"/>
+            <a:ext cx="3430682" cy="883383"/>
           </a:xfrm>
           <a:prstGeom prst="rect">
             <a:avLst/>
@@ -8275,7 +10380,7 @@
           </a:bodyPr>
           <a:lstStyle/>
           <a:p>
-            <a:pPr algn="ctr">
+            <a:pPr>
               <a:lnSpc>
                 <a:spcPct val="150000"/>
               </a:lnSpc>
@@ -8288,27 +10393,7 @@
                 <a:latin typeface="나눔스퀘어 Bold" panose="020B0600000101010101" pitchFamily="50" charset="-127"/>
                 <a:ea typeface="나눔스퀘어 Bold" panose="020B0600000101010101" pitchFamily="50" charset="-127"/>
               </a:rPr>
-              <a:t>육체적으로 강력해 보이는 </a:t>
-            </a:r>
-            <a:r>
-              <a:rPr lang="ko-KR" altLang="en-US" dirty="0" smtClean="0">
-                <a:solidFill>
-                  <a:schemeClr val="bg1"/>
-                </a:solidFill>
-                <a:latin typeface="나눔스퀘어 Bold" panose="020B0600000101010101" pitchFamily="50" charset="-127"/>
-                <a:ea typeface="나눔스퀘어 Bold" panose="020B0600000101010101" pitchFamily="50" charset="-127"/>
-              </a:rPr>
-              <a:t>외모 엄청난 </a:t>
-            </a:r>
-            <a:r>
-              <a:rPr lang="ko-KR" altLang="en-US" dirty="0">
-                <a:solidFill>
-                  <a:schemeClr val="bg1"/>
-                </a:solidFill>
-                <a:latin typeface="나눔스퀘어 Bold" panose="020B0600000101010101" pitchFamily="50" charset="-127"/>
-                <a:ea typeface="나눔스퀘어 Bold" panose="020B0600000101010101" pitchFamily="50" charset="-127"/>
-              </a:rPr>
-              <a:t>근육</a:t>
+              <a:t>육체적으로 강력해 보이는 외모</a:t>
             </a:r>
             <a:endParaRPr lang="en-US" altLang="ko-KR" dirty="0">
               <a:solidFill>
@@ -8319,90 +10404,20 @@
             </a:endParaRPr>
           </a:p>
           <a:p>
-            <a:pPr algn="ctr">
+            <a:pPr>
               <a:lnSpc>
                 <a:spcPct val="150000"/>
               </a:lnSpc>
             </a:pPr>
             <a:r>
-              <a:rPr lang="ko-KR" altLang="en-US" dirty="0" smtClean="0">
+              <a:rPr lang="ko-KR" altLang="en-US" dirty="0">
                 <a:solidFill>
                   <a:schemeClr val="bg1"/>
                 </a:solidFill>
                 <a:latin typeface="나눔스퀘어 Bold" panose="020B0600000101010101" pitchFamily="50" charset="-127"/>
                 <a:ea typeface="나눔스퀘어 Bold" panose="020B0600000101010101" pitchFamily="50" charset="-127"/>
               </a:rPr>
-              <a:t>근육 </a:t>
-            </a:r>
-            <a:r>
-              <a:rPr lang="ko-KR" altLang="en-US" dirty="0">
-                <a:solidFill>
-                  <a:schemeClr val="bg1"/>
-                </a:solidFill>
-                <a:latin typeface="나눔스퀘어 Bold" panose="020B0600000101010101" pitchFamily="50" charset="-127"/>
-                <a:ea typeface="나눔스퀘어 Bold" panose="020B0600000101010101" pitchFamily="50" charset="-127"/>
-              </a:rPr>
-              <a:t>자랑하는 것을 </a:t>
-            </a:r>
-            <a:r>
-              <a:rPr lang="ko-KR" altLang="en-US" dirty="0" smtClean="0">
-                <a:solidFill>
-                  <a:schemeClr val="bg1"/>
-                </a:solidFill>
-                <a:latin typeface="나눔스퀘어 Bold" panose="020B0600000101010101" pitchFamily="50" charset="-127"/>
-                <a:ea typeface="나눔스퀘어 Bold" panose="020B0600000101010101" pitchFamily="50" charset="-127"/>
-              </a:rPr>
-              <a:t>좋아함 </a:t>
-            </a:r>
-            <a:r>
-              <a:rPr lang="en-US" altLang="ko-KR" dirty="0" smtClean="0">
-                <a:solidFill>
-                  <a:schemeClr val="bg1"/>
-                </a:solidFill>
-                <a:latin typeface="나눔스퀘어 Bold" panose="020B0600000101010101" pitchFamily="50" charset="-127"/>
-                <a:ea typeface="나눔스퀘어 Bold" panose="020B0600000101010101" pitchFamily="50" charset="-127"/>
-              </a:rPr>
-              <a:t>(</a:t>
-            </a:r>
-            <a:r>
-              <a:rPr lang="ko-KR" altLang="en-US" dirty="0">
-                <a:solidFill>
-                  <a:schemeClr val="bg1"/>
-                </a:solidFill>
-                <a:latin typeface="나눔스퀘어 Bold" panose="020B0600000101010101" pitchFamily="50" charset="-127"/>
-                <a:ea typeface="나눔스퀘어 Bold" panose="020B0600000101010101" pitchFamily="50" charset="-127"/>
-              </a:rPr>
-              <a:t>보디 </a:t>
-            </a:r>
-            <a:r>
-              <a:rPr lang="ko-KR" altLang="en-US" dirty="0" err="1">
-                <a:solidFill>
-                  <a:schemeClr val="bg1"/>
-                </a:solidFill>
-                <a:latin typeface="나눔스퀘어 Bold" panose="020B0600000101010101" pitchFamily="50" charset="-127"/>
-                <a:ea typeface="나눔스퀘어 Bold" panose="020B0600000101010101" pitchFamily="50" charset="-127"/>
-              </a:rPr>
-              <a:t>빌더</a:t>
-            </a:r>
-            <a:r>
-              <a:rPr lang="ko-KR" altLang="en-US" dirty="0">
-                <a:solidFill>
-                  <a:schemeClr val="bg1"/>
-                </a:solidFill>
-                <a:latin typeface="나눔스퀘어 Bold" panose="020B0600000101010101" pitchFamily="50" charset="-127"/>
-                <a:ea typeface="나눔스퀘어 Bold" panose="020B0600000101010101" pitchFamily="50" charset="-127"/>
-              </a:rPr>
-              <a:t> 포즈</a:t>
-            </a:r>
-            <a:r>
-              <a:rPr lang="en-US" altLang="ko-KR" dirty="0" smtClean="0">
-                <a:solidFill>
-                  <a:schemeClr val="bg1"/>
-                </a:solidFill>
-                <a:latin typeface="나눔스퀘어 Bold" panose="020B0600000101010101" pitchFamily="50" charset="-127"/>
-                <a:ea typeface="나눔스퀘어 Bold" panose="020B0600000101010101" pitchFamily="50" charset="-127"/>
-              </a:rPr>
-              <a:t>)</a:t>
+              <a:t>과하다 싶을 수준의 근육질</a:t>
             </a:r>
             <a:endParaRPr lang="en-US" altLang="ko-KR" dirty="0">
               <a:solidFill>
@@ -8760,7 +10775,7 @@
         </p:nvSpPr>
         <p:spPr>
           <a:xfrm>
-            <a:off x="3371850" y="5062066"/>
+            <a:off x="3371850" y="5053440"/>
             <a:ext cx="5448300" cy="923330"/>
           </a:xfrm>
           <a:prstGeom prst="rect">
@@ -8780,24 +10795,14 @@
               </a:lnSpc>
             </a:pPr>
             <a:r>
-              <a:rPr lang="ko-KR" altLang="en-US" dirty="0" smtClean="0">
+              <a:rPr lang="ko-KR" altLang="en-US" dirty="0">
                 <a:solidFill>
                   <a:schemeClr val="bg1"/>
                 </a:solidFill>
                 <a:latin typeface="나눔스퀘어 Bold" panose="020B0600000101010101" pitchFamily="50" charset="-127"/>
                 <a:ea typeface="나눔스퀘어 Bold" panose="020B0600000101010101" pitchFamily="50" charset="-127"/>
               </a:rPr>
-              <a:t>     자신의 </a:t>
-            </a:r>
-            <a:r>
-              <a:rPr lang="ko-KR" altLang="en-US" dirty="0">
-                <a:solidFill>
-                  <a:schemeClr val="bg1"/>
-                </a:solidFill>
-                <a:latin typeface="나눔스퀘어 Bold" panose="020B0600000101010101" pitchFamily="50" charset="-127"/>
-                <a:ea typeface="나눔스퀘어 Bold" panose="020B0600000101010101" pitchFamily="50" charset="-127"/>
-              </a:rPr>
-              <a:t>동료를 지키기 위해</a:t>
+              <a:t>     자신의 동료를 지키기 위해</a:t>
             </a:r>
             <a:endParaRPr lang="en-US" altLang="ko-KR" dirty="0">
               <a:solidFill>
@@ -8821,17 +10826,7 @@
                 <a:latin typeface="나눔스퀘어 Bold" panose="020B0600000101010101" pitchFamily="50" charset="-127"/>
                 <a:ea typeface="나눔스퀘어 Bold" panose="020B0600000101010101" pitchFamily="50" charset="-127"/>
               </a:rPr>
-              <a:t>무모할 정도로 모든 것을 포기 할 수 있는 </a:t>
-            </a:r>
-            <a:r>
-              <a:rPr lang="ko-KR" altLang="en-US" dirty="0" smtClean="0">
-                <a:solidFill>
-                  <a:schemeClr val="bg1"/>
-                </a:solidFill>
-                <a:latin typeface="나눔스퀘어 Bold" panose="020B0600000101010101" pitchFamily="50" charset="-127"/>
-                <a:ea typeface="나눔스퀘어 Bold" panose="020B0600000101010101" pitchFamily="50" charset="-127"/>
-              </a:rPr>
-              <a:t>성격 차용</a:t>
+              <a:t>무모할 정도로 모든 것을 포기 할 수 있는 성격 차용</a:t>
             </a:r>
             <a:endParaRPr lang="en-US" altLang="ko-KR" dirty="0">
               <a:solidFill>
@@ -9154,13 +11149,13 @@
                 </a:lnSpc>
               </a:pPr>
               <a:r>
-                <a:rPr lang="ko-KR" altLang="en-US" dirty="0" smtClean="0">
+                <a:rPr lang="ko-KR" altLang="en-US" dirty="0">
                   <a:latin typeface="나눔스퀘어 Bold" panose="020B0600000101010101" pitchFamily="50" charset="-127"/>
                   <a:ea typeface="나눔스퀘어 Bold" panose="020B0600000101010101" pitchFamily="50" charset="-127"/>
                 </a:rPr>
                 <a:t>무기</a:t>
               </a:r>
-              <a:endParaRPr lang="en-US" altLang="ko-KR" dirty="0" smtClean="0">
+              <a:endParaRPr lang="en-US" altLang="ko-KR" dirty="0">
                 <a:latin typeface="나눔스퀘어 Bold" panose="020B0600000101010101" pitchFamily="50" charset="-127"/>
                 <a:ea typeface="나눔스퀘어 Bold" panose="020B0600000101010101" pitchFamily="50" charset="-127"/>
               </a:endParaRPr>
@@ -9172,13 +11167,13 @@
                 </a:lnSpc>
               </a:pPr>
               <a:r>
-                <a:rPr lang="ko-KR" altLang="en-US" dirty="0" smtClean="0">
+                <a:rPr lang="ko-KR" altLang="en-US" dirty="0">
                   <a:latin typeface="나눔스퀘어 Bold" panose="020B0600000101010101" pitchFamily="50" charset="-127"/>
                   <a:ea typeface="나눔스퀘어 Bold" panose="020B0600000101010101" pitchFamily="50" charset="-127"/>
                 </a:rPr>
                 <a:t>날카로운 징이 달린</a:t>
               </a:r>
-              <a:endParaRPr lang="en-US" altLang="ko-KR" dirty="0" smtClean="0">
+              <a:endParaRPr lang="en-US" altLang="ko-KR" dirty="0">
                 <a:latin typeface="나눔스퀘어 Bold" panose="020B0600000101010101" pitchFamily="50" charset="-127"/>
                 <a:ea typeface="나눔스퀘어 Bold" panose="020B0600000101010101" pitchFamily="50" charset="-127"/>
               </a:endParaRPr>
@@ -9190,23 +11185,19 @@
                 </a:lnSpc>
               </a:pPr>
               <a:r>
-                <a:rPr lang="ko-KR" altLang="en-US" dirty="0" err="1" smtClean="0">
+                <a:rPr lang="ko-KR" altLang="en-US" dirty="0" err="1">
                   <a:latin typeface="나눔스퀘어 Bold" panose="020B0600000101010101" pitchFamily="50" charset="-127"/>
                   <a:ea typeface="나눔스퀘어 Bold" panose="020B0600000101010101" pitchFamily="50" charset="-127"/>
                 </a:rPr>
                 <a:t>너클의</a:t>
               </a:r>
               <a:r>
-                <a:rPr lang="ko-KR" altLang="en-US" dirty="0" smtClean="0">
+                <a:rPr lang="ko-KR" altLang="en-US" dirty="0">
                   <a:latin typeface="나눔스퀘어 Bold" panose="020B0600000101010101" pitchFamily="50" charset="-127"/>
                   <a:ea typeface="나눔스퀘어 Bold" panose="020B0600000101010101" pitchFamily="50" charset="-127"/>
                 </a:rPr>
                 <a:t> 형태</a:t>
               </a:r>
-              <a:endParaRPr lang="ko-KR" altLang="en-US" dirty="0">
-                <a:latin typeface="나눔스퀘어 Bold" panose="020B0600000101010101" pitchFamily="50" charset="-127"/>
-                <a:ea typeface="나눔스퀘어 Bold" panose="020B0600000101010101" pitchFamily="50" charset="-127"/>
-              </a:endParaRPr>
             </a:p>
           </p:txBody>
         </p:sp>
@@ -9295,13 +11286,13 @@
               </a:lnSpc>
             </a:pPr>
             <a:r>
-              <a:rPr lang="ko-KR" altLang="en-US" dirty="0" smtClean="0">
+              <a:rPr lang="ko-KR" altLang="en-US" dirty="0">
                 <a:latin typeface="나눔스퀘어 Bold" panose="020B0600000101010101" pitchFamily="50" charset="-127"/>
                 <a:ea typeface="나눔스퀘어 Bold" panose="020B0600000101010101" pitchFamily="50" charset="-127"/>
               </a:rPr>
               <a:t>상체</a:t>
             </a:r>
-            <a:endParaRPr lang="en-US" altLang="ko-KR" dirty="0" smtClean="0">
+            <a:endParaRPr lang="en-US" altLang="ko-KR" dirty="0">
               <a:latin typeface="나눔스퀘어 Bold" panose="020B0600000101010101" pitchFamily="50" charset="-127"/>
               <a:ea typeface="나눔스퀘어 Bold" panose="020B0600000101010101" pitchFamily="50" charset="-127"/>
             </a:endParaRPr>
@@ -9313,13 +11304,13 @@
               </a:lnSpc>
             </a:pPr>
             <a:r>
-              <a:rPr lang="ko-KR" altLang="en-US" dirty="0" smtClean="0">
+              <a:rPr lang="ko-KR" altLang="en-US" dirty="0">
                 <a:latin typeface="나눔스퀘어 Bold" panose="020B0600000101010101" pitchFamily="50" charset="-127"/>
                 <a:ea typeface="나눔스퀘어 Bold" panose="020B0600000101010101" pitchFamily="50" charset="-127"/>
               </a:rPr>
               <a:t>과도하게 느껴질 만큼</a:t>
             </a:r>
-            <a:endParaRPr lang="en-US" altLang="ko-KR" dirty="0" smtClean="0">
+            <a:endParaRPr lang="en-US" altLang="ko-KR" dirty="0">
               <a:latin typeface="나눔스퀘어 Bold" panose="020B0600000101010101" pitchFamily="50" charset="-127"/>
               <a:ea typeface="나눔스퀘어 Bold" panose="020B0600000101010101" pitchFamily="50" charset="-127"/>
             </a:endParaRPr>
@@ -9331,16 +11322,12 @@
               </a:lnSpc>
             </a:pPr>
             <a:r>
-              <a:rPr lang="ko-KR" altLang="en-US" dirty="0" smtClean="0">
+              <a:rPr lang="ko-KR" altLang="en-US" dirty="0">
                 <a:latin typeface="나눔스퀘어 Bold" panose="020B0600000101010101" pitchFamily="50" charset="-127"/>
                 <a:ea typeface="나눔스퀘어 Bold" panose="020B0600000101010101" pitchFamily="50" charset="-127"/>
               </a:rPr>
               <a:t>큰 근육이 포인트</a:t>
             </a:r>
-            <a:endParaRPr lang="ko-KR" altLang="en-US" dirty="0">
-              <a:latin typeface="나눔스퀘어 Bold" panose="020B0600000101010101" pitchFamily="50" charset="-127"/>
-              <a:ea typeface="나눔스퀘어 Bold" panose="020B0600000101010101" pitchFamily="50" charset="-127"/>
-            </a:endParaRPr>
           </a:p>
         </p:txBody>
       </p:sp>
@@ -9428,13 +11415,13 @@
               </a:lnSpc>
             </a:pPr>
             <a:r>
-              <a:rPr lang="ko-KR" altLang="en-US" dirty="0" smtClean="0">
+              <a:rPr lang="ko-KR" altLang="en-US" dirty="0">
                 <a:latin typeface="나눔스퀘어 Bold" panose="020B0600000101010101" pitchFamily="50" charset="-127"/>
                 <a:ea typeface="나눔스퀘어 Bold" panose="020B0600000101010101" pitchFamily="50" charset="-127"/>
               </a:rPr>
               <a:t>하체</a:t>
             </a:r>
-            <a:endParaRPr lang="en-US" altLang="ko-KR" dirty="0" smtClean="0">
+            <a:endParaRPr lang="en-US" altLang="ko-KR" dirty="0">
               <a:latin typeface="나눔스퀘어 Bold" panose="020B0600000101010101" pitchFamily="50" charset="-127"/>
               <a:ea typeface="나눔스퀘어 Bold" panose="020B0600000101010101" pitchFamily="50" charset="-127"/>
             </a:endParaRPr>
@@ -9446,13 +11433,13 @@
               </a:lnSpc>
             </a:pPr>
             <a:r>
-              <a:rPr lang="ko-KR" altLang="en-US" dirty="0" smtClean="0">
+              <a:rPr lang="ko-KR" altLang="en-US" dirty="0">
                 <a:latin typeface="나눔스퀘어 Bold" panose="020B0600000101010101" pitchFamily="50" charset="-127"/>
                 <a:ea typeface="나눔스퀘어 Bold" panose="020B0600000101010101" pitchFamily="50" charset="-127"/>
               </a:rPr>
               <a:t>몸에 딱 떨어지는 </a:t>
             </a:r>
-            <a:endParaRPr lang="en-US" altLang="ko-KR" dirty="0" smtClean="0">
+            <a:endParaRPr lang="en-US" altLang="ko-KR" dirty="0">
               <a:latin typeface="나눔스퀘어 Bold" panose="020B0600000101010101" pitchFamily="50" charset="-127"/>
               <a:ea typeface="나눔스퀘어 Bold" panose="020B0600000101010101" pitchFamily="50" charset="-127"/>
             </a:endParaRPr>
@@ -9464,16 +11451,12 @@
               </a:lnSpc>
             </a:pPr>
             <a:r>
-              <a:rPr lang="ko-KR" altLang="en-US" dirty="0" smtClean="0">
+              <a:rPr lang="ko-KR" altLang="en-US" dirty="0">
                 <a:latin typeface="나눔스퀘어 Bold" panose="020B0600000101010101" pitchFamily="50" charset="-127"/>
                 <a:ea typeface="나눔스퀘어 Bold" panose="020B0600000101010101" pitchFamily="50" charset="-127"/>
               </a:rPr>
               <a:t>군복 하의와 전투화</a:t>
             </a:r>
-            <a:endParaRPr lang="ko-KR" altLang="en-US" dirty="0">
-              <a:latin typeface="나눔스퀘어 Bold" panose="020B0600000101010101" pitchFamily="50" charset="-127"/>
-              <a:ea typeface="나눔스퀘어 Bold" panose="020B0600000101010101" pitchFamily="50" charset="-127"/>
-            </a:endParaRPr>
           </a:p>
         </p:txBody>
       </p:sp>
@@ -9824,27 +11807,7 @@
                 <a:latin typeface="나눔스퀘어 Bold" panose="020B0600000101010101" pitchFamily="50" charset="-127"/>
                 <a:ea typeface="나눔스퀘어 Bold" panose="020B0600000101010101" pitchFamily="50" charset="-127"/>
               </a:rPr>
-              <a:t>그는 </a:t>
-            </a:r>
-            <a:r>
-              <a:rPr lang="ko-KR" altLang="en-US" dirty="0" smtClean="0">
-                <a:solidFill>
-                  <a:schemeClr val="bg1"/>
-                </a:solidFill>
-                <a:latin typeface="나눔스퀘어 Bold" panose="020B0600000101010101" pitchFamily="50" charset="-127"/>
-                <a:ea typeface="나눔스퀘어 Bold" panose="020B0600000101010101" pitchFamily="50" charset="-127"/>
-              </a:rPr>
-              <a:t>광기의 사막에 </a:t>
-            </a:r>
-            <a:r>
-              <a:rPr lang="ko-KR" altLang="en-US" dirty="0">
-                <a:solidFill>
-                  <a:schemeClr val="bg1"/>
-                </a:solidFill>
-                <a:latin typeface="나눔스퀘어 Bold" panose="020B0600000101010101" pitchFamily="50" charset="-127"/>
-                <a:ea typeface="나눔스퀘어 Bold" panose="020B0600000101010101" pitchFamily="50" charset="-127"/>
-              </a:rPr>
-              <a:t>있었다</a:t>
+              <a:t>그는 광기의 사막에 있었다</a:t>
             </a:r>
             <a:r>
               <a:rPr lang="en-US" altLang="ko-KR" dirty="0">
@@ -10331,7 +12294,7 @@
                 <a:p>
                   <a:pPr algn="ctr"/>
                   <a:r>
-                    <a:rPr lang="ko-KR" altLang="en-US" sz="1000" dirty="0" smtClean="0">
+                    <a:rPr lang="ko-KR" altLang="en-US" sz="1000" dirty="0">
                       <a:solidFill>
                         <a:srgbClr val="271D10"/>
                       </a:solidFill>
@@ -10340,13 +12303,6 @@
                     </a:rPr>
                     <a:t>보유 능력</a:t>
                   </a:r>
-                  <a:endParaRPr lang="ko-KR" altLang="en-US" sz="1000" dirty="0">
-                    <a:solidFill>
-                      <a:srgbClr val="271D10"/>
-                    </a:solidFill>
-                    <a:latin typeface="나눔스퀘어 Bold" panose="020B0600000101010101" pitchFamily="50" charset="-127"/>
-                    <a:ea typeface="나눔스퀘어 Bold" panose="020B0600000101010101" pitchFamily="50" charset="-127"/>
-                  </a:endParaRPr>
                 </a:p>
               </p:txBody>
             </p:sp>
@@ -10393,7 +12349,7 @@
                 <a:p>
                   <a:pPr algn="ctr"/>
                   <a:r>
-                    <a:rPr lang="ko-KR" altLang="en-US" sz="1000" dirty="0" smtClean="0">
+                    <a:rPr lang="ko-KR" altLang="en-US" sz="1000" dirty="0">
                       <a:solidFill>
                         <a:srgbClr val="ECD9BB"/>
                       </a:solidFill>
@@ -10402,13 +12358,6 @@
                     </a:rPr>
                     <a:t>프로필</a:t>
                   </a:r>
-                  <a:endParaRPr lang="ko-KR" altLang="en-US" sz="1000" dirty="0">
-                    <a:solidFill>
-                      <a:srgbClr val="ECD9BB"/>
-                    </a:solidFill>
-                    <a:latin typeface="나눔스퀘어 Bold" panose="020B0600000101010101" pitchFamily="50" charset="-127"/>
-                    <a:ea typeface="나눔스퀘어 Bold" panose="020B0600000101010101" pitchFamily="50" charset="-127"/>
-                  </a:endParaRPr>
                 </a:p>
               </p:txBody>
             </p:sp>
@@ -10455,7 +12404,7 @@
                 <a:p>
                   <a:pPr algn="ctr"/>
                   <a:r>
-                    <a:rPr lang="ko-KR" altLang="en-US" sz="1000" dirty="0" smtClean="0">
+                    <a:rPr lang="ko-KR" altLang="en-US" sz="1000" dirty="0">
                       <a:solidFill>
                         <a:srgbClr val="ECD9BB"/>
                       </a:solidFill>
@@ -10464,13 +12413,6 @@
                     </a:rPr>
                     <a:t>진행도</a:t>
                   </a:r>
-                  <a:endParaRPr lang="ko-KR" altLang="en-US" sz="1000" dirty="0">
-                    <a:solidFill>
-                      <a:srgbClr val="ECD9BB"/>
-                    </a:solidFill>
-                    <a:latin typeface="나눔스퀘어 Bold" panose="020B0600000101010101" pitchFamily="50" charset="-127"/>
-                    <a:ea typeface="나눔스퀘어 Bold" panose="020B0600000101010101" pitchFamily="50" charset="-127"/>
-                  </a:endParaRPr>
                 </a:p>
               </p:txBody>
             </p:sp>
@@ -10649,7 +12591,7 @@
               </a:lnSpc>
             </a:pPr>
             <a:r>
-              <a:rPr lang="ko-KR" altLang="en-US" sz="800" dirty="0" smtClean="0">
+              <a:rPr lang="ko-KR" altLang="en-US" sz="800" dirty="0">
                 <a:solidFill>
                   <a:srgbClr val="94654D"/>
                 </a:solidFill>
@@ -10658,7 +12600,7 @@
               </a:rPr>
               <a:t>공격력</a:t>
             </a:r>
-            <a:endParaRPr lang="en-US" altLang="ko-KR" sz="800" dirty="0" smtClean="0">
+            <a:endParaRPr lang="en-US" altLang="ko-KR" sz="800" dirty="0">
               <a:solidFill>
                 <a:srgbClr val="94654D"/>
               </a:solidFill>
@@ -10673,7 +12615,7 @@
               </a:lnSpc>
             </a:pPr>
             <a:r>
-              <a:rPr lang="ko-KR" altLang="en-US" sz="800" dirty="0" smtClean="0">
+              <a:rPr lang="ko-KR" altLang="en-US" sz="800" dirty="0">
                 <a:solidFill>
                   <a:srgbClr val="94654D"/>
                 </a:solidFill>
@@ -10682,7 +12624,7 @@
               </a:rPr>
               <a:t>치명타 확률</a:t>
             </a:r>
-            <a:endParaRPr lang="en-US" altLang="ko-KR" sz="800" dirty="0" smtClean="0">
+            <a:endParaRPr lang="en-US" altLang="ko-KR" sz="800" dirty="0">
               <a:solidFill>
                 <a:srgbClr val="94654D"/>
               </a:solidFill>
@@ -10697,7 +12639,7 @@
               </a:lnSpc>
             </a:pPr>
             <a:r>
-              <a:rPr lang="ko-KR" altLang="en-US" sz="800" dirty="0" smtClean="0">
+              <a:rPr lang="ko-KR" altLang="en-US" sz="800" dirty="0">
                 <a:solidFill>
                   <a:srgbClr val="94654D"/>
                 </a:solidFill>
@@ -10706,7 +12648,7 @@
               </a:rPr>
               <a:t>체력 </a:t>
             </a:r>
-            <a:endParaRPr lang="en-US" altLang="ko-KR" sz="800" dirty="0" smtClean="0">
+            <a:endParaRPr lang="en-US" altLang="ko-KR" sz="800" dirty="0">
               <a:solidFill>
                 <a:srgbClr val="94654D"/>
               </a:solidFill>
@@ -10721,7 +12663,7 @@
               </a:lnSpc>
             </a:pPr>
             <a:r>
-              <a:rPr lang="ko-KR" altLang="en-US" sz="800" dirty="0" smtClean="0">
+              <a:rPr lang="ko-KR" altLang="en-US" sz="800" dirty="0">
                 <a:solidFill>
                   <a:srgbClr val="94654D"/>
                 </a:solidFill>
@@ -10730,7 +12672,7 @@
               </a:rPr>
               <a:t>방어력</a:t>
             </a:r>
-            <a:endParaRPr lang="en-US" altLang="ko-KR" sz="800" dirty="0" smtClean="0">
+            <a:endParaRPr lang="en-US" altLang="ko-KR" sz="800" dirty="0">
               <a:solidFill>
                 <a:srgbClr val="94654D"/>
               </a:solidFill>
@@ -10745,7 +12687,7 @@
               </a:lnSpc>
             </a:pPr>
             <a:r>
-              <a:rPr lang="ko-KR" altLang="en-US" sz="800" dirty="0" smtClean="0">
+              <a:rPr lang="ko-KR" altLang="en-US" sz="800" dirty="0">
                 <a:solidFill>
                   <a:srgbClr val="94654D"/>
                 </a:solidFill>
@@ -10754,7 +12696,7 @@
               </a:rPr>
               <a:t>피해 감소</a:t>
             </a:r>
-            <a:endParaRPr lang="en-US" altLang="ko-KR" sz="800" dirty="0" smtClean="0">
+            <a:endParaRPr lang="en-US" altLang="ko-KR" sz="800" dirty="0">
               <a:solidFill>
                 <a:srgbClr val="94654D"/>
               </a:solidFill>
@@ -10769,7 +12711,7 @@
               </a:lnSpc>
             </a:pPr>
             <a:r>
-              <a:rPr lang="ko-KR" altLang="en-US" sz="800" dirty="0" smtClean="0">
+              <a:rPr lang="ko-KR" altLang="en-US" sz="800" dirty="0">
                 <a:solidFill>
                   <a:srgbClr val="94654D"/>
                 </a:solidFill>
@@ -10778,7 +12720,7 @@
               </a:rPr>
               <a:t>카드 슬롯</a:t>
             </a:r>
-            <a:endParaRPr lang="en-US" altLang="ko-KR" sz="800" dirty="0" smtClean="0">
+            <a:endParaRPr lang="en-US" altLang="ko-KR" sz="800" dirty="0">
               <a:solidFill>
                 <a:srgbClr val="94654D"/>
               </a:solidFill>
@@ -10793,7 +12735,7 @@
               </a:lnSpc>
             </a:pPr>
             <a:r>
-              <a:rPr lang="ko-KR" altLang="en-US" sz="800" dirty="0" err="1" smtClean="0">
+              <a:rPr lang="ko-KR" altLang="en-US" sz="800" dirty="0" err="1">
                 <a:solidFill>
                   <a:srgbClr val="94654D"/>
                 </a:solidFill>
@@ -10803,7 +12745,7 @@
               <a:t>화속성</a:t>
             </a:r>
             <a:r>
-              <a:rPr lang="ko-KR" altLang="en-US" sz="800" dirty="0" smtClean="0">
+              <a:rPr lang="ko-KR" altLang="en-US" sz="800" dirty="0">
                 <a:solidFill>
                   <a:srgbClr val="94654D"/>
                 </a:solidFill>
@@ -10812,7 +12754,7 @@
               </a:rPr>
               <a:t> 저항</a:t>
             </a:r>
-            <a:endParaRPr lang="en-US" altLang="ko-KR" sz="800" dirty="0" smtClean="0">
+            <a:endParaRPr lang="en-US" altLang="ko-KR" sz="800" dirty="0">
               <a:solidFill>
                 <a:srgbClr val="94654D"/>
               </a:solidFill>
@@ -10827,7 +12769,7 @@
               </a:lnSpc>
             </a:pPr>
             <a:r>
-              <a:rPr lang="ko-KR" altLang="en-US" sz="800" dirty="0" err="1" smtClean="0">
+              <a:rPr lang="ko-KR" altLang="en-US" sz="800" dirty="0" err="1">
                 <a:solidFill>
                   <a:srgbClr val="94654D"/>
                 </a:solidFill>
@@ -10837,7 +12779,7 @@
               <a:t>수속성</a:t>
             </a:r>
             <a:r>
-              <a:rPr lang="ko-KR" altLang="en-US" sz="800" dirty="0" smtClean="0">
+              <a:rPr lang="ko-KR" altLang="en-US" sz="800" dirty="0">
                 <a:solidFill>
                   <a:srgbClr val="94654D"/>
                 </a:solidFill>
@@ -10846,13 +12788,6 @@
               </a:rPr>
               <a:t> 저항</a:t>
             </a:r>
-            <a:endParaRPr lang="ko-KR" altLang="en-US" sz="800" dirty="0">
-              <a:solidFill>
-                <a:srgbClr val="94654D"/>
-              </a:solidFill>
-              <a:latin typeface="나눔스퀘어 Bold" panose="020B0600000101010101" pitchFamily="50" charset="-127"/>
-              <a:ea typeface="나눔스퀘어 Bold" panose="020B0600000101010101" pitchFamily="50" charset="-127"/>
-            </a:endParaRPr>
           </a:p>
         </p:txBody>
       </p:sp>
@@ -10865,7 +12800,7 @@
         <p:spPr>
           <a:xfrm>
             <a:off x="6526952" y="2359612"/>
-            <a:ext cx="742666" cy="1569660"/>
+            <a:ext cx="742666" cy="1551900"/>
           </a:xfrm>
           <a:prstGeom prst="rect">
             <a:avLst/>
@@ -10884,14 +12819,14 @@
               </a:lnSpc>
             </a:pPr>
             <a:r>
-              <a:rPr lang="en-US" altLang="ko-KR" sz="800" dirty="0" smtClean="0">
+              <a:rPr lang="en-US" altLang="ko-KR" sz="800" dirty="0">
                 <a:solidFill>
                   <a:srgbClr val="ECD9BB"/>
                 </a:solidFill>
                 <a:latin typeface="나눔스퀘어 Bold" panose="020B0600000101010101" pitchFamily="50" charset="-127"/>
                 <a:ea typeface="나눔스퀘어 Bold" panose="020B0600000101010101" pitchFamily="50" charset="-127"/>
               </a:rPr>
-              <a:t>9999</a:t>
+              <a:t>643</a:t>
             </a:r>
           </a:p>
           <a:p>
@@ -10901,14 +12836,14 @@
               </a:lnSpc>
             </a:pPr>
             <a:r>
-              <a:rPr lang="en-US" altLang="ko-KR" sz="800" dirty="0" smtClean="0">
+              <a:rPr lang="en-US" altLang="ko-KR" sz="800" dirty="0">
                 <a:solidFill>
                   <a:srgbClr val="ECD9BB"/>
                 </a:solidFill>
                 <a:latin typeface="나눔스퀘어 Bold" panose="020B0600000101010101" pitchFamily="50" charset="-127"/>
                 <a:ea typeface="나눔스퀘어 Bold" panose="020B0600000101010101" pitchFamily="50" charset="-127"/>
               </a:rPr>
-              <a:t>999%</a:t>
+              <a:t>3%</a:t>
             </a:r>
           </a:p>
           <a:p>
@@ -10918,14 +12853,14 @@
               </a:lnSpc>
             </a:pPr>
             <a:r>
-              <a:rPr lang="en-US" altLang="ko-KR" sz="800" dirty="0" smtClean="0">
+              <a:rPr lang="en-US" altLang="ko-KR" sz="800" dirty="0">
                 <a:solidFill>
                   <a:srgbClr val="ECD9BB"/>
                 </a:solidFill>
                 <a:latin typeface="나눔스퀘어 Bold" panose="020B0600000101010101" pitchFamily="50" charset="-127"/>
                 <a:ea typeface="나눔스퀘어 Bold" panose="020B0600000101010101" pitchFamily="50" charset="-127"/>
               </a:rPr>
-              <a:t>99,999</a:t>
+              <a:t>32,815</a:t>
             </a:r>
           </a:p>
           <a:p>
@@ -10935,14 +12870,14 @@
               </a:lnSpc>
             </a:pPr>
             <a:r>
-              <a:rPr lang="en-US" altLang="ko-KR" sz="800" dirty="0" smtClean="0">
+              <a:rPr lang="en-US" altLang="ko-KR" sz="800" dirty="0">
                 <a:solidFill>
                   <a:srgbClr val="ECD9BB"/>
                 </a:solidFill>
                 <a:latin typeface="나눔스퀘어 Bold" panose="020B0600000101010101" pitchFamily="50" charset="-127"/>
                 <a:ea typeface="나눔스퀘어 Bold" panose="020B0600000101010101" pitchFamily="50" charset="-127"/>
               </a:rPr>
-              <a:t>9999</a:t>
+              <a:t>532</a:t>
             </a:r>
           </a:p>
           <a:p>
@@ -10952,14 +12887,14 @@
               </a:lnSpc>
             </a:pPr>
             <a:r>
-              <a:rPr lang="en-US" altLang="ko-KR" sz="800" dirty="0" smtClean="0">
+              <a:rPr lang="en-US" altLang="ko-KR" sz="800" dirty="0">
                 <a:solidFill>
                   <a:srgbClr val="ECD9BB"/>
                 </a:solidFill>
                 <a:latin typeface="나눔스퀘어 Bold" panose="020B0600000101010101" pitchFamily="50" charset="-127"/>
                 <a:ea typeface="나눔스퀘어 Bold" panose="020B0600000101010101" pitchFamily="50" charset="-127"/>
               </a:rPr>
-              <a:t>999</a:t>
+              <a:t>20</a:t>
             </a:r>
           </a:p>
           <a:p>
@@ -10969,7 +12904,7 @@
               </a:lnSpc>
             </a:pPr>
             <a:r>
-              <a:rPr lang="en-US" altLang="ko-KR" sz="800" dirty="0" smtClean="0">
+              <a:rPr lang="en-US" altLang="ko-KR" sz="800" dirty="0">
                 <a:solidFill>
                   <a:srgbClr val="ECD9BB"/>
                 </a:solidFill>
@@ -10986,7 +12921,7 @@
               </a:lnSpc>
             </a:pPr>
             <a:r>
-              <a:rPr lang="en-US" altLang="ko-KR" sz="800" dirty="0" smtClean="0">
+              <a:rPr lang="en-US" altLang="ko-KR" sz="800" dirty="0">
                 <a:solidFill>
                   <a:srgbClr val="ECD9BB"/>
                 </a:solidFill>
@@ -11003,7 +12938,7 @@
               </a:lnSpc>
             </a:pPr>
             <a:r>
-              <a:rPr lang="en-US" altLang="ko-KR" sz="800" dirty="0" smtClean="0">
+              <a:rPr lang="en-US" altLang="ko-KR" sz="800" dirty="0">
                 <a:solidFill>
                   <a:srgbClr val="ECD9BB"/>
                 </a:solidFill>
@@ -11045,7 +12980,7 @@
           <a:lstStyle/>
           <a:p>
             <a:r>
-              <a:rPr lang="en-US" altLang="ko-KR" sz="700" dirty="0" smtClean="0">
+              <a:rPr lang="en-US" altLang="ko-KR" sz="700" dirty="0">
                 <a:solidFill>
                   <a:srgbClr val="ECD9BB"/>
                 </a:solidFill>
@@ -11055,7 +12990,7 @@
               <a:t>[</a:t>
             </a:r>
             <a:r>
-              <a:rPr lang="ko-KR" altLang="en-US" sz="700" dirty="0" smtClean="0">
+              <a:rPr lang="ko-KR" altLang="en-US" sz="700" dirty="0">
                 <a:solidFill>
                   <a:srgbClr val="ECD9BB"/>
                 </a:solidFill>
@@ -11065,7 +13000,7 @@
               <a:t>파티</a:t>
             </a:r>
             <a:r>
-              <a:rPr lang="en-US" altLang="ko-KR" sz="700" dirty="0" smtClean="0">
+              <a:rPr lang="en-US" altLang="ko-KR" sz="700" dirty="0">
                 <a:solidFill>
                   <a:srgbClr val="ECD9BB"/>
                 </a:solidFill>
@@ -11075,7 +13010,7 @@
               <a:t>] </a:t>
             </a:r>
             <a:r>
-              <a:rPr lang="ko-KR" altLang="en-US" sz="700" dirty="0" smtClean="0">
+              <a:rPr lang="ko-KR" altLang="en-US" sz="700" dirty="0">
                 <a:solidFill>
                   <a:srgbClr val="ECD9BB"/>
                 </a:solidFill>
@@ -11085,14 +13020,14 @@
               <a:t>방어력 </a:t>
             </a:r>
             <a:r>
-              <a:rPr lang="en-US" altLang="ko-KR" sz="700" dirty="0" smtClean="0">
+              <a:rPr lang="en-US" altLang="ko-KR" sz="700" dirty="0">
                 <a:solidFill>
                   <a:srgbClr val="00B050"/>
                 </a:solidFill>
                 <a:latin typeface="나눔스퀘어 Bold" panose="020B0600000101010101" pitchFamily="50" charset="-127"/>
                 <a:ea typeface="나눔스퀘어 Bold" panose="020B0600000101010101" pitchFamily="50" charset="-127"/>
               </a:rPr>
-              <a:t>+ 999.9% </a:t>
+              <a:t>+ 45.0% </a:t>
             </a:r>
             <a:endParaRPr lang="ko-KR" altLang="en-US" sz="700" dirty="0">
               <a:solidFill>
@@ -11146,7 +13081,7 @@
           <a:lstStyle/>
           <a:p>
             <a:r>
-              <a:rPr lang="ko-KR" altLang="en-US" sz="600" dirty="0" smtClean="0">
+              <a:rPr lang="ko-KR" altLang="en-US" sz="600" dirty="0">
                 <a:solidFill>
                   <a:srgbClr val="54452F"/>
                 </a:solidFill>
@@ -11155,13 +13090,6 @@
               </a:rPr>
               <a:t>착용 가능 장비</a:t>
             </a:r>
-            <a:endParaRPr lang="ko-KR" altLang="en-US" sz="600" dirty="0">
-              <a:solidFill>
-                <a:srgbClr val="54452F"/>
-              </a:solidFill>
-              <a:latin typeface="나눔스퀘어 Bold" panose="020B0600000101010101" pitchFamily="50" charset="-127"/>
-              <a:ea typeface="나눔스퀘어 Bold" panose="020B0600000101010101" pitchFamily="50" charset="-127"/>
-            </a:endParaRPr>
           </a:p>
         </p:txBody>
       </p:sp>
@@ -11207,7 +13135,7 @@
           <a:lstStyle/>
           <a:p>
             <a:r>
-              <a:rPr lang="ko-KR" altLang="en-US" sz="600" dirty="0" smtClean="0">
+              <a:rPr lang="ko-KR" altLang="en-US" sz="600" dirty="0">
                 <a:solidFill>
                   <a:srgbClr val="54452F"/>
                 </a:solidFill>
@@ -11216,13 +13144,6 @@
               </a:rPr>
               <a:t>일반 공격</a:t>
             </a:r>
-            <a:endParaRPr lang="ko-KR" altLang="en-US" sz="600" dirty="0">
-              <a:solidFill>
-                <a:srgbClr val="54452F"/>
-              </a:solidFill>
-              <a:latin typeface="나눔스퀘어 Bold" panose="020B0600000101010101" pitchFamily="50" charset="-127"/>
-              <a:ea typeface="나눔스퀘어 Bold" panose="020B0600000101010101" pitchFamily="50" charset="-127"/>
-            </a:endParaRPr>
           </a:p>
         </p:txBody>
       </p:sp>
@@ -11268,7 +13189,7 @@
           <a:lstStyle/>
           <a:p>
             <a:r>
-              <a:rPr lang="ko-KR" altLang="en-US" sz="600" dirty="0" err="1" smtClean="0">
+              <a:rPr lang="ko-KR" altLang="en-US" sz="600" dirty="0" err="1">
                 <a:solidFill>
                   <a:srgbClr val="54452F"/>
                 </a:solidFill>
@@ -11329,7 +13250,7 @@
           <a:lstStyle/>
           <a:p>
             <a:r>
-              <a:rPr lang="ko-KR" altLang="en-US" sz="600" smtClean="0">
+              <a:rPr lang="ko-KR" altLang="en-US" sz="600">
                 <a:solidFill>
                   <a:srgbClr val="54452F"/>
                 </a:solidFill>
@@ -11393,7 +13314,7 @@
               </a:lnSpc>
             </a:pPr>
             <a:r>
-              <a:rPr lang="ko-KR" altLang="en-US" sz="700" dirty="0" err="1" smtClean="0">
+              <a:rPr lang="ko-KR" altLang="en-US" sz="700" dirty="0" err="1">
                 <a:solidFill>
                   <a:srgbClr val="ECD9BB"/>
                 </a:solidFill>
@@ -11403,7 +13324,7 @@
               <a:t>건틀렛</a:t>
             </a:r>
             <a:r>
-              <a:rPr lang="en-US" altLang="ko-KR" sz="700" dirty="0" smtClean="0">
+              <a:rPr lang="en-US" altLang="ko-KR" sz="700" dirty="0">
                 <a:solidFill>
                   <a:srgbClr val="ECD9BB"/>
                 </a:solidFill>
@@ -11413,7 +13334,7 @@
               <a:t>, </a:t>
             </a:r>
             <a:r>
-              <a:rPr lang="ko-KR" altLang="en-US" sz="700" dirty="0" err="1" smtClean="0">
+              <a:rPr lang="ko-KR" altLang="en-US" sz="700" dirty="0" err="1">
                 <a:solidFill>
                   <a:srgbClr val="ECD9BB"/>
                 </a:solidFill>
@@ -11477,7 +13398,7 @@
               </a:lnSpc>
             </a:pPr>
             <a:r>
-              <a:rPr lang="ko-KR" altLang="en-US" sz="700" dirty="0" smtClean="0">
+              <a:rPr lang="ko-KR" altLang="en-US" sz="700" dirty="0">
                 <a:solidFill>
                   <a:srgbClr val="ECD9BB"/>
                 </a:solidFill>
@@ -11486,7 +13407,7 @@
               </a:rPr>
               <a:t>용병술</a:t>
             </a:r>
-            <a:endParaRPr lang="en-US" altLang="ko-KR" sz="700" dirty="0" smtClean="0">
+            <a:endParaRPr lang="en-US" altLang="ko-KR" sz="700" dirty="0">
               <a:solidFill>
                 <a:srgbClr val="ECD9BB"/>
               </a:solidFill>
@@ -11501,7 +13422,7 @@
               </a:lnSpc>
             </a:pPr>
             <a:r>
-              <a:rPr lang="ko-KR" altLang="en-US" sz="450" dirty="0" smtClean="0">
+              <a:rPr lang="ko-KR" altLang="en-US" sz="450" dirty="0">
                 <a:solidFill>
                   <a:srgbClr val="ECD9BB"/>
                 </a:solidFill>
@@ -11511,7 +13432,7 @@
               <a:t>기본 공격 </a:t>
             </a:r>
             <a:r>
-              <a:rPr lang="en-US" altLang="ko-KR" sz="450" dirty="0" smtClean="0">
+              <a:rPr lang="en-US" altLang="ko-KR" sz="450" dirty="0">
                 <a:solidFill>
                   <a:srgbClr val="ECD9BB"/>
                 </a:solidFill>
@@ -11521,7 +13442,7 @@
               <a:t>: </a:t>
             </a:r>
             <a:r>
-              <a:rPr lang="ko-KR" altLang="en-US" sz="450" dirty="0" smtClean="0">
+              <a:rPr lang="ko-KR" altLang="en-US" sz="450" dirty="0">
                 <a:solidFill>
                   <a:srgbClr val="ECD9BB"/>
                 </a:solidFill>
@@ -11531,7 +13452,7 @@
               <a:t>가까운 적에게 빠르게 돌진하여 공격합니다</a:t>
             </a:r>
             <a:r>
-              <a:rPr lang="en-US" altLang="ko-KR" sz="450" dirty="0" smtClean="0">
+              <a:rPr lang="en-US" altLang="ko-KR" sz="450" dirty="0">
                 <a:solidFill>
                   <a:srgbClr val="ECD9BB"/>
                 </a:solidFill>
@@ -11548,7 +13469,7 @@
               </a:lnSpc>
             </a:pPr>
             <a:r>
-              <a:rPr lang="ko-KR" altLang="en-US" sz="450" dirty="0" smtClean="0">
+              <a:rPr lang="ko-KR" altLang="en-US" sz="450" dirty="0">
                 <a:solidFill>
                   <a:srgbClr val="ECD9BB"/>
                 </a:solidFill>
@@ -11558,7 +13479,7 @@
               <a:t>전투의 함성 </a:t>
             </a:r>
             <a:r>
-              <a:rPr lang="en-US" altLang="ko-KR" sz="450" dirty="0" smtClean="0">
+              <a:rPr lang="en-US" altLang="ko-KR" sz="450" dirty="0">
                 <a:solidFill>
                   <a:srgbClr val="ECD9BB"/>
                 </a:solidFill>
@@ -11568,7 +13489,7 @@
               <a:t>: </a:t>
             </a:r>
             <a:r>
-              <a:rPr lang="ko-KR" altLang="en-US" sz="450" dirty="0" smtClean="0">
+              <a:rPr lang="ko-KR" altLang="en-US" sz="450" dirty="0">
                 <a:solidFill>
                   <a:srgbClr val="ECD9BB"/>
                 </a:solidFill>
@@ -11578,17 +13499,17 @@
               <a:t>큰 소리를 내어 주변의 적을 도발하고 적의 방어력을 </a:t>
             </a:r>
             <a:r>
-              <a:rPr lang="en-US" altLang="ko-KR" sz="450" dirty="0" smtClean="0">
+              <a:rPr lang="en-US" altLang="ko-KR" sz="450" dirty="0">
                 <a:solidFill>
                   <a:srgbClr val="ECD9BB"/>
                 </a:solidFill>
                 <a:latin typeface="나눔스퀘어 Bold" panose="020B0600000101010101" pitchFamily="50" charset="-127"/>
                 <a:ea typeface="나눔스퀘어 Bold" panose="020B0600000101010101" pitchFamily="50" charset="-127"/>
               </a:rPr>
-              <a:t>n</a:t>
-            </a:r>
-            <a:r>
-              <a:rPr lang="ko-KR" altLang="en-US" sz="450" dirty="0" smtClean="0">
+              <a:t>3</a:t>
+            </a:r>
+            <a:r>
+              <a:rPr lang="ko-KR" altLang="en-US" sz="450" dirty="0">
                 <a:solidFill>
                   <a:srgbClr val="ECD9BB"/>
                 </a:solidFill>
@@ -11598,17 +13519,17 @@
               <a:t>초간 </a:t>
             </a:r>
             <a:r>
-              <a:rPr lang="en-US" altLang="ko-KR" sz="450" dirty="0" smtClean="0">
+              <a:rPr lang="en-US" altLang="ko-KR" sz="450" dirty="0">
                 <a:solidFill>
                   <a:srgbClr val="ECD9BB"/>
                 </a:solidFill>
                 <a:latin typeface="나눔스퀘어 Bold" panose="020B0600000101010101" pitchFamily="50" charset="-127"/>
                 <a:ea typeface="나눔스퀘어 Bold" panose="020B0600000101010101" pitchFamily="50" charset="-127"/>
               </a:rPr>
-              <a:t>n% </a:t>
-            </a:r>
-            <a:r>
-              <a:rPr lang="ko-KR" altLang="en-US" sz="450" dirty="0" smtClean="0">
+              <a:t>20% </a:t>
+            </a:r>
+            <a:r>
+              <a:rPr lang="ko-KR" altLang="en-US" sz="450" dirty="0">
                 <a:solidFill>
                   <a:srgbClr val="ECD9BB"/>
                 </a:solidFill>
@@ -11618,7 +13539,7 @@
               <a:t>감소 시킵니다</a:t>
             </a:r>
             <a:r>
-              <a:rPr lang="en-US" altLang="ko-KR" sz="450" dirty="0" smtClean="0">
+              <a:rPr lang="en-US" altLang="ko-KR" sz="450" dirty="0">
                 <a:solidFill>
                   <a:srgbClr val="ECD9BB"/>
                 </a:solidFill>
@@ -11682,7 +13603,7 @@
               </a:lnSpc>
             </a:pPr>
             <a:r>
-              <a:rPr lang="ko-KR" altLang="en-US" sz="700" dirty="0" err="1" smtClean="0">
+              <a:rPr lang="ko-KR" altLang="en-US" sz="700" dirty="0" err="1">
                 <a:solidFill>
                   <a:srgbClr val="ECD9BB"/>
                 </a:solidFill>
@@ -11692,7 +13613,7 @@
               <a:t>라이징</a:t>
             </a:r>
             <a:r>
-              <a:rPr lang="ko-KR" altLang="en-US" sz="700" dirty="0" smtClean="0">
+              <a:rPr lang="ko-KR" altLang="en-US" sz="700" dirty="0">
                 <a:solidFill>
                   <a:srgbClr val="ECD9BB"/>
                 </a:solidFill>
@@ -11701,7 +13622,7 @@
               </a:rPr>
               <a:t> 드래곤</a:t>
             </a:r>
-            <a:endParaRPr lang="en-US" altLang="ko-KR" sz="700" dirty="0" smtClean="0">
+            <a:endParaRPr lang="en-US" altLang="ko-KR" sz="700" dirty="0">
               <a:solidFill>
                 <a:srgbClr val="ECD9BB"/>
               </a:solidFill>
@@ -11730,7 +13651,7 @@
               </a:lnSpc>
             </a:pPr>
             <a:r>
-              <a:rPr lang="ko-KR" altLang="en-US" sz="700" dirty="0" smtClean="0">
+              <a:rPr lang="ko-KR" altLang="en-US" sz="700" dirty="0">
                 <a:solidFill>
                   <a:srgbClr val="ECD9BB"/>
                 </a:solidFill>
@@ -11739,7 +13660,7 @@
               </a:rPr>
               <a:t>적을 강한 힘으로 공중에 띄운 후 땅으로 내려 찍으며</a:t>
             </a:r>
-            <a:endParaRPr lang="en-US" altLang="ko-KR" sz="700" dirty="0" smtClean="0">
+            <a:endParaRPr lang="en-US" altLang="ko-KR" sz="700" dirty="0">
               <a:solidFill>
                 <a:srgbClr val="ECD9BB"/>
               </a:solidFill>
@@ -11754,7 +13675,7 @@
               </a:lnSpc>
             </a:pPr>
             <a:r>
-              <a:rPr lang="ko-KR" altLang="en-US" sz="700" dirty="0" smtClean="0">
+              <a:rPr lang="ko-KR" altLang="en-US" sz="700" dirty="0">
                 <a:solidFill>
                   <a:srgbClr val="ECD9BB"/>
                 </a:solidFill>
@@ -11764,7 +13685,7 @@
               <a:t>주변의 적에게 강인함의 </a:t>
             </a:r>
             <a:r>
-              <a:rPr lang="en-US" altLang="ko-KR" sz="700" dirty="0" smtClean="0">
+              <a:rPr lang="en-US" altLang="ko-KR" sz="700" dirty="0">
                 <a:solidFill>
                   <a:srgbClr val="ECD9BB"/>
                 </a:solidFill>
@@ -11774,7 +13695,7 @@
               <a:t>n% </a:t>
             </a:r>
             <a:r>
-              <a:rPr lang="ko-KR" altLang="en-US" sz="700" dirty="0" smtClean="0">
+              <a:rPr lang="ko-KR" altLang="en-US" sz="700" dirty="0">
                 <a:solidFill>
                   <a:srgbClr val="ECD9BB"/>
                 </a:solidFill>
@@ -11783,13 +13704,6 @@
               </a:rPr>
               <a:t>만큼 피해를 줍니다</a:t>
             </a:r>
-            <a:endParaRPr lang="ko-KR" altLang="en-US" sz="700" dirty="0">
-              <a:solidFill>
-                <a:srgbClr val="ECD9BB"/>
-              </a:solidFill>
-              <a:latin typeface="나눔스퀘어 Bold" panose="020B0600000101010101" pitchFamily="50" charset="-127"/>
-              <a:ea typeface="나눔스퀘어 Bold" panose="020B0600000101010101" pitchFamily="50" charset="-127"/>
-            </a:endParaRPr>
           </a:p>
         </p:txBody>
       </p:sp>
@@ -11838,7 +13752,7 @@
               </a:lnSpc>
             </a:pPr>
             <a:r>
-              <a:rPr lang="ko-KR" altLang="en-US" sz="700" dirty="0" smtClean="0">
+              <a:rPr lang="ko-KR" altLang="en-US" sz="700" dirty="0">
                 <a:solidFill>
                   <a:srgbClr val="ECD9BB"/>
                 </a:solidFill>
@@ -11847,7 +13761,7 @@
               </a:rPr>
               <a:t>유대감</a:t>
             </a:r>
-            <a:endParaRPr lang="en-US" altLang="ko-KR" sz="700" dirty="0" smtClean="0">
+            <a:endParaRPr lang="en-US" altLang="ko-KR" sz="700" dirty="0">
               <a:solidFill>
                 <a:srgbClr val="ECD9BB"/>
               </a:solidFill>
@@ -11862,7 +13776,7 @@
               </a:lnSpc>
             </a:pPr>
             <a:r>
-              <a:rPr lang="ko-KR" altLang="en-US" sz="700" dirty="0" smtClean="0">
+              <a:rPr lang="ko-KR" altLang="en-US" sz="700" dirty="0">
                 <a:solidFill>
                   <a:srgbClr val="ECD9BB"/>
                 </a:solidFill>
@@ -11872,7 +13786,7 @@
               <a:t>살아있는 팀원의 수에 비례해 방어력이 최대 </a:t>
             </a:r>
             <a:r>
-              <a:rPr lang="en-US" altLang="ko-KR" sz="700" dirty="0" smtClean="0">
+              <a:rPr lang="en-US" altLang="ko-KR" sz="700" dirty="0">
                 <a:solidFill>
                   <a:srgbClr val="ECD9BB"/>
                 </a:solidFill>
@@ -11882,7 +13796,7 @@
               <a:t>50%</a:t>
             </a:r>
             <a:r>
-              <a:rPr lang="ko-KR" altLang="en-US" sz="700" dirty="0" smtClean="0">
+              <a:rPr lang="ko-KR" altLang="en-US" sz="700" dirty="0">
                 <a:solidFill>
                   <a:srgbClr val="ECD9BB"/>
                 </a:solidFill>
@@ -11892,7 +13806,7 @@
               <a:t>까지 증가 합니다</a:t>
             </a:r>
             <a:r>
-              <a:rPr lang="en-US" altLang="ko-KR" sz="700" dirty="0" smtClean="0">
+              <a:rPr lang="en-US" altLang="ko-KR" sz="700" dirty="0">
                 <a:solidFill>
                   <a:srgbClr val="ECD9BB"/>
                 </a:solidFill>
